--- a/docs/Java Training Lab - Advanced.pptx
+++ b/docs/Java Training Lab - Advanced.pptx
@@ -1,23 +1,118 @@
 
 <file path=ppt/presentation.xml><?xml version="1.0" encoding="utf-8"?>
-<p:presentation xmlns:a="http://schemas.openxmlformats.org/drawingml/2006/main" xmlns:p="http://schemas.openxmlformats.org/presentationml/2006/main" xmlns:r="http://schemas.openxmlformats.org/officeDocument/2006/relationships" xmlns:p14="http://schemas.microsoft.com/office/powerpoint/2010/main" xmlns:p15="http://schemas.microsoft.com/office/powerpoint/2012/main" xmlns:mc="http://schemas.openxmlformats.org/markup-compatibility/2006">
+<p:presentation xmlns:a="http://schemas.openxmlformats.org/drawingml/2006/main" xmlns:r="http://schemas.openxmlformats.org/officeDocument/2006/relationships" xmlns:p="http://schemas.openxmlformats.org/presentationml/2006/main">
   <p:sldMasterIdLst>
-    <p:sldMasterId id="2147483648" r:id="rId2"/>
-    <p:sldMasterId id="2147483661" r:id="rId3"/>
+    <p:sldMasterId id="2147483648" r:id="rId1"/>
+    <p:sldMasterId id="2147483661" r:id="rId2"/>
   </p:sldMasterIdLst>
   <p:sldIdLst>
-    <p:sldId id="256" r:id="rId4"/>
-    <p:sldId id="257" r:id="rId5"/>
-    <p:sldId id="258" r:id="rId6"/>
-    <p:sldId id="259" r:id="rId7"/>
+    <p:sldId id="256" r:id="rId3"/>
+    <p:sldId id="257" r:id="rId4"/>
+    <p:sldId id="258" r:id="rId5"/>
+    <p:sldId id="259" r:id="rId6"/>
   </p:sldIdLst>
-  <p:sldSz cx="12193587" cy="6858000"/>
+  <p:sldSz cx="12193588" cy="6858000"/>
   <p:notesSz cx="7772400" cy="10058400"/>
+  <p:defaultTextStyle>
+    <a:defPPr>
+      <a:defRPr lang="fr-FR"/>
+    </a:defPPr>
+    <a:lvl1pPr marL="0" algn="l" defTabSz="914400" rtl="0" eaLnBrk="1" latinLnBrk="0" hangingPunct="1">
+      <a:defRPr sz="1800" kern="1200">
+        <a:solidFill>
+          <a:schemeClr val="tx1"/>
+        </a:solidFill>
+        <a:latin typeface="+mn-lt"/>
+        <a:ea typeface="+mn-ea"/>
+        <a:cs typeface="+mn-cs"/>
+      </a:defRPr>
+    </a:lvl1pPr>
+    <a:lvl2pPr marL="457200" algn="l" defTabSz="914400" rtl="0" eaLnBrk="1" latinLnBrk="0" hangingPunct="1">
+      <a:defRPr sz="1800" kern="1200">
+        <a:solidFill>
+          <a:schemeClr val="tx1"/>
+        </a:solidFill>
+        <a:latin typeface="+mn-lt"/>
+        <a:ea typeface="+mn-ea"/>
+        <a:cs typeface="+mn-cs"/>
+      </a:defRPr>
+    </a:lvl2pPr>
+    <a:lvl3pPr marL="914400" algn="l" defTabSz="914400" rtl="0" eaLnBrk="1" latinLnBrk="0" hangingPunct="1">
+      <a:defRPr sz="1800" kern="1200">
+        <a:solidFill>
+          <a:schemeClr val="tx1"/>
+        </a:solidFill>
+        <a:latin typeface="+mn-lt"/>
+        <a:ea typeface="+mn-ea"/>
+        <a:cs typeface="+mn-cs"/>
+      </a:defRPr>
+    </a:lvl3pPr>
+    <a:lvl4pPr marL="1371600" algn="l" defTabSz="914400" rtl="0" eaLnBrk="1" latinLnBrk="0" hangingPunct="1">
+      <a:defRPr sz="1800" kern="1200">
+        <a:solidFill>
+          <a:schemeClr val="tx1"/>
+        </a:solidFill>
+        <a:latin typeface="+mn-lt"/>
+        <a:ea typeface="+mn-ea"/>
+        <a:cs typeface="+mn-cs"/>
+      </a:defRPr>
+    </a:lvl4pPr>
+    <a:lvl5pPr marL="1828800" algn="l" defTabSz="914400" rtl="0" eaLnBrk="1" latinLnBrk="0" hangingPunct="1">
+      <a:defRPr sz="1800" kern="1200">
+        <a:solidFill>
+          <a:schemeClr val="tx1"/>
+        </a:solidFill>
+        <a:latin typeface="+mn-lt"/>
+        <a:ea typeface="+mn-ea"/>
+        <a:cs typeface="+mn-cs"/>
+      </a:defRPr>
+    </a:lvl5pPr>
+    <a:lvl6pPr marL="2286000" algn="l" defTabSz="914400" rtl="0" eaLnBrk="1" latinLnBrk="0" hangingPunct="1">
+      <a:defRPr sz="1800" kern="1200">
+        <a:solidFill>
+          <a:schemeClr val="tx1"/>
+        </a:solidFill>
+        <a:latin typeface="+mn-lt"/>
+        <a:ea typeface="+mn-ea"/>
+        <a:cs typeface="+mn-cs"/>
+      </a:defRPr>
+    </a:lvl6pPr>
+    <a:lvl7pPr marL="2743200" algn="l" defTabSz="914400" rtl="0" eaLnBrk="1" latinLnBrk="0" hangingPunct="1">
+      <a:defRPr sz="1800" kern="1200">
+        <a:solidFill>
+          <a:schemeClr val="tx1"/>
+        </a:solidFill>
+        <a:latin typeface="+mn-lt"/>
+        <a:ea typeface="+mn-ea"/>
+        <a:cs typeface="+mn-cs"/>
+      </a:defRPr>
+    </a:lvl7pPr>
+    <a:lvl8pPr marL="3200400" algn="l" defTabSz="914400" rtl="0" eaLnBrk="1" latinLnBrk="0" hangingPunct="1">
+      <a:defRPr sz="1800" kern="1200">
+        <a:solidFill>
+          <a:schemeClr val="tx1"/>
+        </a:solidFill>
+        <a:latin typeface="+mn-lt"/>
+        <a:ea typeface="+mn-ea"/>
+        <a:cs typeface="+mn-cs"/>
+      </a:defRPr>
+    </a:lvl8pPr>
+    <a:lvl9pPr marL="3657600" algn="l" defTabSz="914400" rtl="0" eaLnBrk="1" latinLnBrk="0" hangingPunct="1">
+      <a:defRPr sz="1800" kern="1200">
+        <a:solidFill>
+          <a:schemeClr val="tx1"/>
+        </a:solidFill>
+        <a:latin typeface="+mn-lt"/>
+        <a:ea typeface="+mn-ea"/>
+        <a:cs typeface="+mn-cs"/>
+      </a:defRPr>
+    </a:lvl9pPr>
+  </p:defaultTextStyle>
 </p:presentation>
 </file>
 
 <file path=ppt/slideLayouts/slideLayout1.xml><?xml version="1.0" encoding="utf-8"?>
-<p:sldLayout xmlns:a="http://schemas.openxmlformats.org/drawingml/2006/main" xmlns:p="http://schemas.openxmlformats.org/presentationml/2006/main" xmlns:r="http://schemas.openxmlformats.org/officeDocument/2006/relationships" xmlns:p14="http://schemas.microsoft.com/office/powerpoint/2010/main" xmlns:p15="http://schemas.microsoft.com/office/powerpoint/2012/main" xmlns:mc="http://schemas.openxmlformats.org/markup-compatibility/2006" type="blank" preserve="1">
+<p:sldLayout xmlns:a="http://schemas.openxmlformats.org/drawingml/2006/main" xmlns:r="http://schemas.openxmlformats.org/officeDocument/2006/relationships" xmlns:p="http://schemas.openxmlformats.org/presentationml/2006/main" type="blank" preserve="1">
   <p:cSld name="Blank Slide">
     <p:spTree>
       <p:nvGrpSpPr>
@@ -35,11 +130,14 @@
       </p:grpSpPr>
     </p:spTree>
   </p:cSld>
+  <p:clrMapOvr>
+    <a:masterClrMapping/>
+  </p:clrMapOvr>
 </p:sldLayout>
 </file>
 
 <file path=ppt/slideLayouts/slideLayout10.xml><?xml version="1.0" encoding="utf-8"?>
-<p:sldLayout xmlns:a="http://schemas.openxmlformats.org/drawingml/2006/main" xmlns:p="http://schemas.openxmlformats.org/presentationml/2006/main" xmlns:r="http://schemas.openxmlformats.org/officeDocument/2006/relationships" xmlns:p14="http://schemas.microsoft.com/office/powerpoint/2010/main" xmlns:p15="http://schemas.microsoft.com/office/powerpoint/2012/main" xmlns:mc="http://schemas.openxmlformats.org/markup-compatibility/2006" type="objOverTx" preserve="1">
+<p:sldLayout xmlns:a="http://schemas.openxmlformats.org/drawingml/2006/main" xmlns:r="http://schemas.openxmlformats.org/officeDocument/2006/relationships" xmlns:p="http://schemas.openxmlformats.org/presentationml/2006/main" type="objOverTx" preserve="1">
   <p:cSld name="Title, Content over Content">
     <p:spTree>
       <p:nvGrpSpPr>
@@ -75,12 +173,13 @@
           </a:prstGeom>
         </p:spPr>
         <p:txBody>
-          <a:bodyPr lIns="0" rIns="0" tIns="0" bIns="0" anchor="ctr">
+          <a:bodyPr lIns="0" tIns="0" rIns="0" bIns="0" anchor="ctr">
             <a:noAutofit/>
           </a:bodyPr>
+          <a:lstStyle/>
           <a:p>
             <a:pPr algn="ctr"/>
-            <a:endParaRPr b="0" lang="fr-FR" sz="4400" spc="-1" strike="noStrike">
+            <a:endParaRPr lang="fr-FR" sz="4400" b="0" strike="noStrike" spc="-1">
               <a:latin typeface="Arial"/>
             </a:endParaRPr>
           </a:p>
@@ -106,11 +205,12 @@
           </a:prstGeom>
         </p:spPr>
         <p:txBody>
-          <a:bodyPr lIns="0" rIns="0" tIns="0" bIns="0">
+          <a:bodyPr lIns="0" tIns="0" rIns="0" bIns="0">
             <a:normAutofit/>
           </a:bodyPr>
-          <a:p>
-            <a:endParaRPr b="0" lang="fr-FR" sz="3200" spc="-1" strike="noStrike">
+          <a:lstStyle/>
+          <a:p>
+            <a:endParaRPr lang="fr-FR" sz="3200" b="0" strike="noStrike" spc="-1">
               <a:latin typeface="Arial"/>
             </a:endParaRPr>
           </a:p>
@@ -136,11 +236,12 @@
           </a:prstGeom>
         </p:spPr>
         <p:txBody>
-          <a:bodyPr lIns="0" rIns="0" tIns="0" bIns="0">
+          <a:bodyPr lIns="0" tIns="0" rIns="0" bIns="0">
             <a:normAutofit/>
           </a:bodyPr>
-          <a:p>
-            <a:endParaRPr b="0" lang="fr-FR" sz="3200" spc="-1" strike="noStrike">
+          <a:lstStyle/>
+          <a:p>
+            <a:endParaRPr lang="fr-FR" sz="3200" b="0" strike="noStrike" spc="-1">
               <a:latin typeface="Arial"/>
             </a:endParaRPr>
           </a:p>
@@ -148,11 +249,14 @@
       </p:sp>
     </p:spTree>
   </p:cSld>
+  <p:clrMapOvr>
+    <a:masterClrMapping/>
+  </p:clrMapOvr>
 </p:sldLayout>
 </file>
 
 <file path=ppt/slideLayouts/slideLayout11.xml><?xml version="1.0" encoding="utf-8"?>
-<p:sldLayout xmlns:a="http://schemas.openxmlformats.org/drawingml/2006/main" xmlns:p="http://schemas.openxmlformats.org/presentationml/2006/main" xmlns:r="http://schemas.openxmlformats.org/officeDocument/2006/relationships" xmlns:p14="http://schemas.microsoft.com/office/powerpoint/2010/main" xmlns:p15="http://schemas.microsoft.com/office/powerpoint/2012/main" xmlns:mc="http://schemas.openxmlformats.org/markup-compatibility/2006" type="fourObj" preserve="1">
+<p:sldLayout xmlns:a="http://schemas.openxmlformats.org/drawingml/2006/main" xmlns:r="http://schemas.openxmlformats.org/officeDocument/2006/relationships" xmlns:p="http://schemas.openxmlformats.org/presentationml/2006/main" type="fourObj" preserve="1">
   <p:cSld name="Title, 4 Content">
     <p:spTree>
       <p:nvGrpSpPr>
@@ -188,12 +292,13 @@
           </a:prstGeom>
         </p:spPr>
         <p:txBody>
-          <a:bodyPr lIns="0" rIns="0" tIns="0" bIns="0" anchor="ctr">
+          <a:bodyPr lIns="0" tIns="0" rIns="0" bIns="0" anchor="ctr">
             <a:noAutofit/>
           </a:bodyPr>
+          <a:lstStyle/>
           <a:p>
             <a:pPr algn="ctr"/>
-            <a:endParaRPr b="0" lang="fr-FR" sz="4400" spc="-1" strike="noStrike">
+            <a:endParaRPr lang="fr-FR" sz="4400" b="0" strike="noStrike" spc="-1">
               <a:latin typeface="Arial"/>
             </a:endParaRPr>
           </a:p>
@@ -219,11 +324,12 @@
           </a:prstGeom>
         </p:spPr>
         <p:txBody>
-          <a:bodyPr lIns="0" rIns="0" tIns="0" bIns="0">
+          <a:bodyPr lIns="0" tIns="0" rIns="0" bIns="0">
             <a:normAutofit/>
           </a:bodyPr>
-          <a:p>
-            <a:endParaRPr b="0" lang="fr-FR" sz="3200" spc="-1" strike="noStrike">
+          <a:lstStyle/>
+          <a:p>
+            <a:endParaRPr lang="fr-FR" sz="3200" b="0" strike="noStrike" spc="-1">
               <a:latin typeface="Arial"/>
             </a:endParaRPr>
           </a:p>
@@ -249,11 +355,12 @@
           </a:prstGeom>
         </p:spPr>
         <p:txBody>
-          <a:bodyPr lIns="0" rIns="0" tIns="0" bIns="0">
+          <a:bodyPr lIns="0" tIns="0" rIns="0" bIns="0">
             <a:normAutofit/>
           </a:bodyPr>
-          <a:p>
-            <a:endParaRPr b="0" lang="fr-FR" sz="3200" spc="-1" strike="noStrike">
+          <a:lstStyle/>
+          <a:p>
+            <a:endParaRPr lang="fr-FR" sz="3200" b="0" strike="noStrike" spc="-1">
               <a:latin typeface="Arial"/>
             </a:endParaRPr>
           </a:p>
@@ -279,11 +386,12 @@
           </a:prstGeom>
         </p:spPr>
         <p:txBody>
-          <a:bodyPr lIns="0" rIns="0" tIns="0" bIns="0">
+          <a:bodyPr lIns="0" tIns="0" rIns="0" bIns="0">
             <a:normAutofit/>
           </a:bodyPr>
-          <a:p>
-            <a:endParaRPr b="0" lang="fr-FR" sz="3200" spc="-1" strike="noStrike">
+          <a:lstStyle/>
+          <a:p>
+            <a:endParaRPr lang="fr-FR" sz="3200" b="0" strike="noStrike" spc="-1">
               <a:latin typeface="Arial"/>
             </a:endParaRPr>
           </a:p>
@@ -309,11 +417,12 @@
           </a:prstGeom>
         </p:spPr>
         <p:txBody>
-          <a:bodyPr lIns="0" rIns="0" tIns="0" bIns="0">
+          <a:bodyPr lIns="0" tIns="0" rIns="0" bIns="0">
             <a:normAutofit/>
           </a:bodyPr>
-          <a:p>
-            <a:endParaRPr b="0" lang="fr-FR" sz="3200" spc="-1" strike="noStrike">
+          <a:lstStyle/>
+          <a:p>
+            <a:endParaRPr lang="fr-FR" sz="3200" b="0" strike="noStrike" spc="-1">
               <a:latin typeface="Arial"/>
             </a:endParaRPr>
           </a:p>
@@ -321,11 +430,14 @@
       </p:sp>
     </p:spTree>
   </p:cSld>
+  <p:clrMapOvr>
+    <a:masterClrMapping/>
+  </p:clrMapOvr>
 </p:sldLayout>
 </file>
 
 <file path=ppt/slideLayouts/slideLayout12.xml><?xml version="1.0" encoding="utf-8"?>
-<p:sldLayout xmlns:a="http://schemas.openxmlformats.org/drawingml/2006/main" xmlns:p="http://schemas.openxmlformats.org/presentationml/2006/main" xmlns:r="http://schemas.openxmlformats.org/officeDocument/2006/relationships" xmlns:p14="http://schemas.microsoft.com/office/powerpoint/2010/main" xmlns:p15="http://schemas.microsoft.com/office/powerpoint/2012/main" xmlns:mc="http://schemas.openxmlformats.org/markup-compatibility/2006" type="blank" preserve="1">
+<p:sldLayout xmlns:a="http://schemas.openxmlformats.org/drawingml/2006/main" xmlns:r="http://schemas.openxmlformats.org/officeDocument/2006/relationships" xmlns:p="http://schemas.openxmlformats.org/presentationml/2006/main" type="blank" preserve="1">
   <p:cSld name="Title, 6 Content">
     <p:spTree>
       <p:nvGrpSpPr>
@@ -361,12 +473,13 @@
           </a:prstGeom>
         </p:spPr>
         <p:txBody>
-          <a:bodyPr lIns="0" rIns="0" tIns="0" bIns="0" anchor="ctr">
+          <a:bodyPr lIns="0" tIns="0" rIns="0" bIns="0" anchor="ctr">
             <a:noAutofit/>
           </a:bodyPr>
+          <a:lstStyle/>
           <a:p>
             <a:pPr algn="ctr"/>
-            <a:endParaRPr b="0" lang="fr-FR" sz="4400" spc="-1" strike="noStrike">
+            <a:endParaRPr lang="fr-FR" sz="4400" b="0" strike="noStrike" spc="-1">
               <a:latin typeface="Arial"/>
             </a:endParaRPr>
           </a:p>
@@ -392,11 +505,12 @@
           </a:prstGeom>
         </p:spPr>
         <p:txBody>
-          <a:bodyPr lIns="0" rIns="0" tIns="0" bIns="0">
+          <a:bodyPr lIns="0" tIns="0" rIns="0" bIns="0">
             <a:normAutofit/>
           </a:bodyPr>
-          <a:p>
-            <a:endParaRPr b="0" lang="fr-FR" sz="3200" spc="-1" strike="noStrike">
+          <a:lstStyle/>
+          <a:p>
+            <a:endParaRPr lang="fr-FR" sz="3200" b="0" strike="noStrike" spc="-1">
               <a:latin typeface="Arial"/>
             </a:endParaRPr>
           </a:p>
@@ -422,11 +536,12 @@
           </a:prstGeom>
         </p:spPr>
         <p:txBody>
-          <a:bodyPr lIns="0" rIns="0" tIns="0" bIns="0">
+          <a:bodyPr lIns="0" tIns="0" rIns="0" bIns="0">
             <a:normAutofit/>
           </a:bodyPr>
-          <a:p>
-            <a:endParaRPr b="0" lang="fr-FR" sz="3200" spc="-1" strike="noStrike">
+          <a:lstStyle/>
+          <a:p>
+            <a:endParaRPr lang="fr-FR" sz="3200" b="0" strike="noStrike" spc="-1">
               <a:latin typeface="Arial"/>
             </a:endParaRPr>
           </a:p>
@@ -452,11 +567,12 @@
           </a:prstGeom>
         </p:spPr>
         <p:txBody>
-          <a:bodyPr lIns="0" rIns="0" tIns="0" bIns="0">
+          <a:bodyPr lIns="0" tIns="0" rIns="0" bIns="0">
             <a:normAutofit/>
           </a:bodyPr>
-          <a:p>
-            <a:endParaRPr b="0" lang="fr-FR" sz="3200" spc="-1" strike="noStrike">
+          <a:lstStyle/>
+          <a:p>
+            <a:endParaRPr lang="fr-FR" sz="3200" b="0" strike="noStrike" spc="-1">
               <a:latin typeface="Arial"/>
             </a:endParaRPr>
           </a:p>
@@ -482,11 +598,12 @@
           </a:prstGeom>
         </p:spPr>
         <p:txBody>
-          <a:bodyPr lIns="0" rIns="0" tIns="0" bIns="0">
+          <a:bodyPr lIns="0" tIns="0" rIns="0" bIns="0">
             <a:normAutofit/>
           </a:bodyPr>
-          <a:p>
-            <a:endParaRPr b="0" lang="fr-FR" sz="3200" spc="-1" strike="noStrike">
+          <a:lstStyle/>
+          <a:p>
+            <a:endParaRPr lang="fr-FR" sz="3200" b="0" strike="noStrike" spc="-1">
               <a:latin typeface="Arial"/>
             </a:endParaRPr>
           </a:p>
@@ -512,11 +629,12 @@
           </a:prstGeom>
         </p:spPr>
         <p:txBody>
-          <a:bodyPr lIns="0" rIns="0" tIns="0" bIns="0">
+          <a:bodyPr lIns="0" tIns="0" rIns="0" bIns="0">
             <a:normAutofit/>
           </a:bodyPr>
-          <a:p>
-            <a:endParaRPr b="0" lang="fr-FR" sz="3200" spc="-1" strike="noStrike">
+          <a:lstStyle/>
+          <a:p>
+            <a:endParaRPr lang="fr-FR" sz="3200" b="0" strike="noStrike" spc="-1">
               <a:latin typeface="Arial"/>
             </a:endParaRPr>
           </a:p>
@@ -542,11 +660,12 @@
           </a:prstGeom>
         </p:spPr>
         <p:txBody>
-          <a:bodyPr lIns="0" rIns="0" tIns="0" bIns="0">
+          <a:bodyPr lIns="0" tIns="0" rIns="0" bIns="0">
             <a:normAutofit/>
           </a:bodyPr>
-          <a:p>
-            <a:endParaRPr b="0" lang="fr-FR" sz="3200" spc="-1" strike="noStrike">
+          <a:lstStyle/>
+          <a:p>
+            <a:endParaRPr lang="fr-FR" sz="3200" b="0" strike="noStrike" spc="-1">
               <a:latin typeface="Arial"/>
             </a:endParaRPr>
           </a:p>
@@ -554,11 +673,14 @@
       </p:sp>
     </p:spTree>
   </p:cSld>
+  <p:clrMapOvr>
+    <a:masterClrMapping/>
+  </p:clrMapOvr>
 </p:sldLayout>
 </file>
 
 <file path=ppt/slideLayouts/slideLayout13.xml><?xml version="1.0" encoding="utf-8"?>
-<p:sldLayout xmlns:a="http://schemas.openxmlformats.org/drawingml/2006/main" xmlns:p="http://schemas.openxmlformats.org/presentationml/2006/main" xmlns:r="http://schemas.openxmlformats.org/officeDocument/2006/relationships" xmlns:p14="http://schemas.microsoft.com/office/powerpoint/2010/main" xmlns:p15="http://schemas.microsoft.com/office/powerpoint/2012/main" xmlns:mc="http://schemas.openxmlformats.org/markup-compatibility/2006" type="blank" preserve="1">
+<p:sldLayout xmlns:a="http://schemas.openxmlformats.org/drawingml/2006/main" xmlns:r="http://schemas.openxmlformats.org/officeDocument/2006/relationships" xmlns:p="http://schemas.openxmlformats.org/presentationml/2006/main" type="blank" preserve="1">
   <p:cSld name="Blank Slide">
     <p:spTree>
       <p:nvGrpSpPr>
@@ -576,11 +698,14 @@
       </p:grpSpPr>
     </p:spTree>
   </p:cSld>
+  <p:clrMapOvr>
+    <a:masterClrMapping/>
+  </p:clrMapOvr>
 </p:sldLayout>
 </file>
 
 <file path=ppt/slideLayouts/slideLayout14.xml><?xml version="1.0" encoding="utf-8"?>
-<p:sldLayout xmlns:a="http://schemas.openxmlformats.org/drawingml/2006/main" xmlns:p="http://schemas.openxmlformats.org/presentationml/2006/main" xmlns:r="http://schemas.openxmlformats.org/officeDocument/2006/relationships" xmlns:p14="http://schemas.microsoft.com/office/powerpoint/2010/main" xmlns:p15="http://schemas.microsoft.com/office/powerpoint/2012/main" xmlns:mc="http://schemas.openxmlformats.org/markup-compatibility/2006" type="tx" preserve="1">
+<p:sldLayout xmlns:a="http://schemas.openxmlformats.org/drawingml/2006/main" xmlns:r="http://schemas.openxmlformats.org/officeDocument/2006/relationships" xmlns:p="http://schemas.openxmlformats.org/presentationml/2006/main" type="tx" preserve="1">
   <p:cSld name="Title Slide">
     <p:spTree>
       <p:nvGrpSpPr>
@@ -616,12 +741,13 @@
           </a:prstGeom>
         </p:spPr>
         <p:txBody>
-          <a:bodyPr lIns="0" rIns="0" tIns="0" bIns="0" anchor="ctr">
+          <a:bodyPr lIns="0" tIns="0" rIns="0" bIns="0" anchor="ctr">
             <a:noAutofit/>
           </a:bodyPr>
+          <a:lstStyle/>
           <a:p>
             <a:pPr algn="ctr"/>
-            <a:endParaRPr b="0" lang="fr-FR" sz="4400" spc="-1" strike="noStrike">
+            <a:endParaRPr lang="fr-FR" sz="4400" b="0" strike="noStrike" spc="-1">
               <a:latin typeface="Arial"/>
             </a:endParaRPr>
           </a:p>
@@ -647,12 +773,13 @@
           </a:prstGeom>
         </p:spPr>
         <p:txBody>
-          <a:bodyPr lIns="0" rIns="0" tIns="0" bIns="0" anchor="ctr">
+          <a:bodyPr lIns="0" tIns="0" rIns="0" bIns="0" anchor="ctr">
             <a:noAutofit/>
           </a:bodyPr>
+          <a:lstStyle/>
           <a:p>
             <a:pPr algn="ctr"/>
-            <a:endParaRPr b="0" lang="fr-FR" sz="3200" spc="-1" strike="noStrike">
+            <a:endParaRPr lang="fr-FR" sz="3200" b="0" strike="noStrike" spc="-1">
               <a:latin typeface="Arial"/>
             </a:endParaRPr>
           </a:p>
@@ -660,11 +787,14 @@
       </p:sp>
     </p:spTree>
   </p:cSld>
+  <p:clrMapOvr>
+    <a:masterClrMapping/>
+  </p:clrMapOvr>
 </p:sldLayout>
 </file>
 
 <file path=ppt/slideLayouts/slideLayout15.xml><?xml version="1.0" encoding="utf-8"?>
-<p:sldLayout xmlns:a="http://schemas.openxmlformats.org/drawingml/2006/main" xmlns:p="http://schemas.openxmlformats.org/presentationml/2006/main" xmlns:r="http://schemas.openxmlformats.org/officeDocument/2006/relationships" xmlns:p14="http://schemas.microsoft.com/office/powerpoint/2010/main" xmlns:p15="http://schemas.microsoft.com/office/powerpoint/2012/main" xmlns:mc="http://schemas.openxmlformats.org/markup-compatibility/2006" type="obj" preserve="1">
+<p:sldLayout xmlns:a="http://schemas.openxmlformats.org/drawingml/2006/main" xmlns:r="http://schemas.openxmlformats.org/officeDocument/2006/relationships" xmlns:p="http://schemas.openxmlformats.org/presentationml/2006/main" type="obj" preserve="1">
   <p:cSld name="Title, Content">
     <p:spTree>
       <p:nvGrpSpPr>
@@ -700,12 +830,13 @@
           </a:prstGeom>
         </p:spPr>
         <p:txBody>
-          <a:bodyPr lIns="0" rIns="0" tIns="0" bIns="0" anchor="ctr">
+          <a:bodyPr lIns="0" tIns="0" rIns="0" bIns="0" anchor="ctr">
             <a:noAutofit/>
           </a:bodyPr>
+          <a:lstStyle/>
           <a:p>
             <a:pPr algn="ctr"/>
-            <a:endParaRPr b="0" lang="fr-FR" sz="4400" spc="-1" strike="noStrike">
+            <a:endParaRPr lang="fr-FR" sz="4400" b="0" strike="noStrike" spc="-1">
               <a:latin typeface="Arial"/>
             </a:endParaRPr>
           </a:p>
@@ -731,11 +862,12 @@
           </a:prstGeom>
         </p:spPr>
         <p:txBody>
-          <a:bodyPr lIns="0" rIns="0" tIns="0" bIns="0">
+          <a:bodyPr lIns="0" tIns="0" rIns="0" bIns="0">
             <a:normAutofit/>
           </a:bodyPr>
-          <a:p>
-            <a:endParaRPr b="0" lang="fr-FR" sz="3200" spc="-1" strike="noStrike">
+          <a:lstStyle/>
+          <a:p>
+            <a:endParaRPr lang="fr-FR" sz="3200" b="0" strike="noStrike" spc="-1">
               <a:latin typeface="Arial"/>
             </a:endParaRPr>
           </a:p>
@@ -743,11 +875,14 @@
       </p:sp>
     </p:spTree>
   </p:cSld>
+  <p:clrMapOvr>
+    <a:masterClrMapping/>
+  </p:clrMapOvr>
 </p:sldLayout>
 </file>
 
 <file path=ppt/slideLayouts/slideLayout16.xml><?xml version="1.0" encoding="utf-8"?>
-<p:sldLayout xmlns:a="http://schemas.openxmlformats.org/drawingml/2006/main" xmlns:p="http://schemas.openxmlformats.org/presentationml/2006/main" xmlns:r="http://schemas.openxmlformats.org/officeDocument/2006/relationships" xmlns:p14="http://schemas.microsoft.com/office/powerpoint/2010/main" xmlns:p15="http://schemas.microsoft.com/office/powerpoint/2012/main" xmlns:mc="http://schemas.openxmlformats.org/markup-compatibility/2006" type="twoObj" preserve="1">
+<p:sldLayout xmlns:a="http://schemas.openxmlformats.org/drawingml/2006/main" xmlns:r="http://schemas.openxmlformats.org/officeDocument/2006/relationships" xmlns:p="http://schemas.openxmlformats.org/presentationml/2006/main" type="twoObj" preserve="1">
   <p:cSld name="Title, 2 Content">
     <p:spTree>
       <p:nvGrpSpPr>
@@ -783,12 +918,13 @@
           </a:prstGeom>
         </p:spPr>
         <p:txBody>
-          <a:bodyPr lIns="0" rIns="0" tIns="0" bIns="0" anchor="ctr">
+          <a:bodyPr lIns="0" tIns="0" rIns="0" bIns="0" anchor="ctr">
             <a:noAutofit/>
           </a:bodyPr>
+          <a:lstStyle/>
           <a:p>
             <a:pPr algn="ctr"/>
-            <a:endParaRPr b="0" lang="fr-FR" sz="4400" spc="-1" strike="noStrike">
+            <a:endParaRPr lang="fr-FR" sz="4400" b="0" strike="noStrike" spc="-1">
               <a:latin typeface="Arial"/>
             </a:endParaRPr>
           </a:p>
@@ -814,11 +950,12 @@
           </a:prstGeom>
         </p:spPr>
         <p:txBody>
-          <a:bodyPr lIns="0" rIns="0" tIns="0" bIns="0">
+          <a:bodyPr lIns="0" tIns="0" rIns="0" bIns="0">
             <a:normAutofit/>
           </a:bodyPr>
-          <a:p>
-            <a:endParaRPr b="0" lang="fr-FR" sz="3200" spc="-1" strike="noStrike">
+          <a:lstStyle/>
+          <a:p>
+            <a:endParaRPr lang="fr-FR" sz="3200" b="0" strike="noStrike" spc="-1">
               <a:latin typeface="Arial"/>
             </a:endParaRPr>
           </a:p>
@@ -844,11 +981,12 @@
           </a:prstGeom>
         </p:spPr>
         <p:txBody>
-          <a:bodyPr lIns="0" rIns="0" tIns="0" bIns="0">
+          <a:bodyPr lIns="0" tIns="0" rIns="0" bIns="0">
             <a:normAutofit/>
           </a:bodyPr>
-          <a:p>
-            <a:endParaRPr b="0" lang="fr-FR" sz="3200" spc="-1" strike="noStrike">
+          <a:lstStyle/>
+          <a:p>
+            <a:endParaRPr lang="fr-FR" sz="3200" b="0" strike="noStrike" spc="-1">
               <a:latin typeface="Arial"/>
             </a:endParaRPr>
           </a:p>
@@ -856,11 +994,14 @@
       </p:sp>
     </p:spTree>
   </p:cSld>
+  <p:clrMapOvr>
+    <a:masterClrMapping/>
+  </p:clrMapOvr>
 </p:sldLayout>
 </file>
 
 <file path=ppt/slideLayouts/slideLayout17.xml><?xml version="1.0" encoding="utf-8"?>
-<p:sldLayout xmlns:a="http://schemas.openxmlformats.org/drawingml/2006/main" xmlns:p="http://schemas.openxmlformats.org/presentationml/2006/main" xmlns:r="http://schemas.openxmlformats.org/officeDocument/2006/relationships" xmlns:p14="http://schemas.microsoft.com/office/powerpoint/2010/main" xmlns:p15="http://schemas.microsoft.com/office/powerpoint/2012/main" xmlns:mc="http://schemas.openxmlformats.org/markup-compatibility/2006" type="titleOnly" preserve="1">
+<p:sldLayout xmlns:a="http://schemas.openxmlformats.org/drawingml/2006/main" xmlns:r="http://schemas.openxmlformats.org/officeDocument/2006/relationships" xmlns:p="http://schemas.openxmlformats.org/presentationml/2006/main" type="titleOnly" preserve="1">
   <p:cSld name="Title Only">
     <p:spTree>
       <p:nvGrpSpPr>
@@ -896,12 +1037,13 @@
           </a:prstGeom>
         </p:spPr>
         <p:txBody>
-          <a:bodyPr lIns="0" rIns="0" tIns="0" bIns="0" anchor="ctr">
+          <a:bodyPr lIns="0" tIns="0" rIns="0" bIns="0" anchor="ctr">
             <a:noAutofit/>
           </a:bodyPr>
+          <a:lstStyle/>
           <a:p>
             <a:pPr algn="ctr"/>
-            <a:endParaRPr b="0" lang="fr-FR" sz="4400" spc="-1" strike="noStrike">
+            <a:endParaRPr lang="fr-FR" sz="4400" b="0" strike="noStrike" spc="-1">
               <a:latin typeface="Arial"/>
             </a:endParaRPr>
           </a:p>
@@ -909,11 +1051,14 @@
       </p:sp>
     </p:spTree>
   </p:cSld>
+  <p:clrMapOvr>
+    <a:masterClrMapping/>
+  </p:clrMapOvr>
 </p:sldLayout>
 </file>
 
 <file path=ppt/slideLayouts/slideLayout18.xml><?xml version="1.0" encoding="utf-8"?>
-<p:sldLayout xmlns:a="http://schemas.openxmlformats.org/drawingml/2006/main" xmlns:p="http://schemas.openxmlformats.org/presentationml/2006/main" xmlns:r="http://schemas.openxmlformats.org/officeDocument/2006/relationships" xmlns:p14="http://schemas.microsoft.com/office/powerpoint/2010/main" xmlns:p15="http://schemas.microsoft.com/office/powerpoint/2012/main" xmlns:mc="http://schemas.openxmlformats.org/markup-compatibility/2006" type="objOnly" preserve="1">
+<p:sldLayout xmlns:a="http://schemas.openxmlformats.org/drawingml/2006/main" xmlns:r="http://schemas.openxmlformats.org/officeDocument/2006/relationships" xmlns:p="http://schemas.openxmlformats.org/presentationml/2006/main" type="objOnly" preserve="1">
   <p:cSld name="Centered Text">
     <p:spTree>
       <p:nvGrpSpPr>
@@ -949,12 +1094,13 @@
           </a:prstGeom>
         </p:spPr>
         <p:txBody>
-          <a:bodyPr lIns="0" rIns="0" tIns="0" bIns="0" anchor="ctr">
+          <a:bodyPr lIns="0" tIns="0" rIns="0" bIns="0" anchor="ctr">
             <a:noAutofit/>
           </a:bodyPr>
+          <a:lstStyle/>
           <a:p>
             <a:pPr algn="ctr"/>
-            <a:endParaRPr b="0" lang="fr-FR" sz="3200" spc="-1" strike="noStrike">
+            <a:endParaRPr lang="fr-FR" sz="3200" b="0" strike="noStrike" spc="-1">
               <a:latin typeface="Arial"/>
             </a:endParaRPr>
           </a:p>
@@ -962,11 +1108,14 @@
       </p:sp>
     </p:spTree>
   </p:cSld>
+  <p:clrMapOvr>
+    <a:masterClrMapping/>
+  </p:clrMapOvr>
 </p:sldLayout>
 </file>
 
 <file path=ppt/slideLayouts/slideLayout19.xml><?xml version="1.0" encoding="utf-8"?>
-<p:sldLayout xmlns:a="http://schemas.openxmlformats.org/drawingml/2006/main" xmlns:p="http://schemas.openxmlformats.org/presentationml/2006/main" xmlns:r="http://schemas.openxmlformats.org/officeDocument/2006/relationships" xmlns:p14="http://schemas.microsoft.com/office/powerpoint/2010/main" xmlns:p15="http://schemas.microsoft.com/office/powerpoint/2012/main" xmlns:mc="http://schemas.openxmlformats.org/markup-compatibility/2006" type="twoObjAndObj" preserve="1">
+<p:sldLayout xmlns:a="http://schemas.openxmlformats.org/drawingml/2006/main" xmlns:r="http://schemas.openxmlformats.org/officeDocument/2006/relationships" xmlns:p="http://schemas.openxmlformats.org/presentationml/2006/main" type="twoObjAndObj" preserve="1">
   <p:cSld name="Title, 2 Content and Content">
     <p:spTree>
       <p:nvGrpSpPr>
@@ -1002,12 +1151,13 @@
           </a:prstGeom>
         </p:spPr>
         <p:txBody>
-          <a:bodyPr lIns="0" rIns="0" tIns="0" bIns="0" anchor="ctr">
+          <a:bodyPr lIns="0" tIns="0" rIns="0" bIns="0" anchor="ctr">
             <a:noAutofit/>
           </a:bodyPr>
+          <a:lstStyle/>
           <a:p>
             <a:pPr algn="ctr"/>
-            <a:endParaRPr b="0" lang="fr-FR" sz="4400" spc="-1" strike="noStrike">
+            <a:endParaRPr lang="fr-FR" sz="4400" b="0" strike="noStrike" spc="-1">
               <a:latin typeface="Arial"/>
             </a:endParaRPr>
           </a:p>
@@ -1033,11 +1183,12 @@
           </a:prstGeom>
         </p:spPr>
         <p:txBody>
-          <a:bodyPr lIns="0" rIns="0" tIns="0" bIns="0">
+          <a:bodyPr lIns="0" tIns="0" rIns="0" bIns="0">
             <a:normAutofit/>
           </a:bodyPr>
-          <a:p>
-            <a:endParaRPr b="0" lang="fr-FR" sz="3200" spc="-1" strike="noStrike">
+          <a:lstStyle/>
+          <a:p>
+            <a:endParaRPr lang="fr-FR" sz="3200" b="0" strike="noStrike" spc="-1">
               <a:latin typeface="Arial"/>
             </a:endParaRPr>
           </a:p>
@@ -1063,11 +1214,12 @@
           </a:prstGeom>
         </p:spPr>
         <p:txBody>
-          <a:bodyPr lIns="0" rIns="0" tIns="0" bIns="0">
+          <a:bodyPr lIns="0" tIns="0" rIns="0" bIns="0">
             <a:normAutofit/>
           </a:bodyPr>
-          <a:p>
-            <a:endParaRPr b="0" lang="fr-FR" sz="3200" spc="-1" strike="noStrike">
+          <a:lstStyle/>
+          <a:p>
+            <a:endParaRPr lang="fr-FR" sz="3200" b="0" strike="noStrike" spc="-1">
               <a:latin typeface="Arial"/>
             </a:endParaRPr>
           </a:p>
@@ -1093,11 +1245,12 @@
           </a:prstGeom>
         </p:spPr>
         <p:txBody>
-          <a:bodyPr lIns="0" rIns="0" tIns="0" bIns="0">
+          <a:bodyPr lIns="0" tIns="0" rIns="0" bIns="0">
             <a:normAutofit/>
           </a:bodyPr>
-          <a:p>
-            <a:endParaRPr b="0" lang="fr-FR" sz="3200" spc="-1" strike="noStrike">
+          <a:lstStyle/>
+          <a:p>
+            <a:endParaRPr lang="fr-FR" sz="3200" b="0" strike="noStrike" spc="-1">
               <a:latin typeface="Arial"/>
             </a:endParaRPr>
           </a:p>
@@ -1105,11 +1258,14 @@
       </p:sp>
     </p:spTree>
   </p:cSld>
+  <p:clrMapOvr>
+    <a:masterClrMapping/>
+  </p:clrMapOvr>
 </p:sldLayout>
 </file>
 
 <file path=ppt/slideLayouts/slideLayout2.xml><?xml version="1.0" encoding="utf-8"?>
-<p:sldLayout xmlns:a="http://schemas.openxmlformats.org/drawingml/2006/main" xmlns:p="http://schemas.openxmlformats.org/presentationml/2006/main" xmlns:r="http://schemas.openxmlformats.org/officeDocument/2006/relationships" xmlns:p14="http://schemas.microsoft.com/office/powerpoint/2010/main" xmlns:p15="http://schemas.microsoft.com/office/powerpoint/2012/main" xmlns:mc="http://schemas.openxmlformats.org/markup-compatibility/2006" type="tx" preserve="1">
+<p:sldLayout xmlns:a="http://schemas.openxmlformats.org/drawingml/2006/main" xmlns:r="http://schemas.openxmlformats.org/officeDocument/2006/relationships" xmlns:p="http://schemas.openxmlformats.org/presentationml/2006/main" type="tx" preserve="1">
   <p:cSld name="Title Slide">
     <p:spTree>
       <p:nvGrpSpPr>
@@ -1145,12 +1301,13 @@
           </a:prstGeom>
         </p:spPr>
         <p:txBody>
-          <a:bodyPr lIns="0" rIns="0" tIns="0" bIns="0" anchor="ctr">
+          <a:bodyPr lIns="0" tIns="0" rIns="0" bIns="0" anchor="ctr">
             <a:noAutofit/>
           </a:bodyPr>
+          <a:lstStyle/>
           <a:p>
             <a:pPr algn="ctr"/>
-            <a:endParaRPr b="0" lang="fr-FR" sz="4400" spc="-1" strike="noStrike">
+            <a:endParaRPr lang="fr-FR" sz="4400" b="0" strike="noStrike" spc="-1">
               <a:latin typeface="Arial"/>
             </a:endParaRPr>
           </a:p>
@@ -1176,12 +1333,13 @@
           </a:prstGeom>
         </p:spPr>
         <p:txBody>
-          <a:bodyPr lIns="0" rIns="0" tIns="0" bIns="0" anchor="ctr">
+          <a:bodyPr lIns="0" tIns="0" rIns="0" bIns="0" anchor="ctr">
             <a:noAutofit/>
           </a:bodyPr>
+          <a:lstStyle/>
           <a:p>
             <a:pPr algn="ctr"/>
-            <a:endParaRPr b="0" lang="fr-FR" sz="3200" spc="-1" strike="noStrike">
+            <a:endParaRPr lang="fr-FR" sz="3200" b="0" strike="noStrike" spc="-1">
               <a:latin typeface="Arial"/>
             </a:endParaRPr>
           </a:p>
@@ -1189,11 +1347,14 @@
       </p:sp>
     </p:spTree>
   </p:cSld>
+  <p:clrMapOvr>
+    <a:masterClrMapping/>
+  </p:clrMapOvr>
 </p:sldLayout>
 </file>
 
 <file path=ppt/slideLayouts/slideLayout20.xml><?xml version="1.0" encoding="utf-8"?>
-<p:sldLayout xmlns:a="http://schemas.openxmlformats.org/drawingml/2006/main" xmlns:p="http://schemas.openxmlformats.org/presentationml/2006/main" xmlns:r="http://schemas.openxmlformats.org/officeDocument/2006/relationships" xmlns:p14="http://schemas.microsoft.com/office/powerpoint/2010/main" xmlns:p15="http://schemas.microsoft.com/office/powerpoint/2012/main" xmlns:mc="http://schemas.openxmlformats.org/markup-compatibility/2006" type="objAndTwoObj" preserve="1">
+<p:sldLayout xmlns:a="http://schemas.openxmlformats.org/drawingml/2006/main" xmlns:r="http://schemas.openxmlformats.org/officeDocument/2006/relationships" xmlns:p="http://schemas.openxmlformats.org/presentationml/2006/main" type="objAndTwoObj" preserve="1">
   <p:cSld name="Title Content and 2 Content">
     <p:spTree>
       <p:nvGrpSpPr>
@@ -1229,12 +1390,13 @@
           </a:prstGeom>
         </p:spPr>
         <p:txBody>
-          <a:bodyPr lIns="0" rIns="0" tIns="0" bIns="0" anchor="ctr">
+          <a:bodyPr lIns="0" tIns="0" rIns="0" bIns="0" anchor="ctr">
             <a:noAutofit/>
           </a:bodyPr>
+          <a:lstStyle/>
           <a:p>
             <a:pPr algn="ctr"/>
-            <a:endParaRPr b="0" lang="fr-FR" sz="4400" spc="-1" strike="noStrike">
+            <a:endParaRPr lang="fr-FR" sz="4400" b="0" strike="noStrike" spc="-1">
               <a:latin typeface="Arial"/>
             </a:endParaRPr>
           </a:p>
@@ -1260,11 +1422,12 @@
           </a:prstGeom>
         </p:spPr>
         <p:txBody>
-          <a:bodyPr lIns="0" rIns="0" tIns="0" bIns="0">
+          <a:bodyPr lIns="0" tIns="0" rIns="0" bIns="0">
             <a:normAutofit/>
           </a:bodyPr>
-          <a:p>
-            <a:endParaRPr b="0" lang="fr-FR" sz="3200" spc="-1" strike="noStrike">
+          <a:lstStyle/>
+          <a:p>
+            <a:endParaRPr lang="fr-FR" sz="3200" b="0" strike="noStrike" spc="-1">
               <a:latin typeface="Arial"/>
             </a:endParaRPr>
           </a:p>
@@ -1290,11 +1453,12 @@
           </a:prstGeom>
         </p:spPr>
         <p:txBody>
-          <a:bodyPr lIns="0" rIns="0" tIns="0" bIns="0">
+          <a:bodyPr lIns="0" tIns="0" rIns="0" bIns="0">
             <a:normAutofit/>
           </a:bodyPr>
-          <a:p>
-            <a:endParaRPr b="0" lang="fr-FR" sz="3200" spc="-1" strike="noStrike">
+          <a:lstStyle/>
+          <a:p>
+            <a:endParaRPr lang="fr-FR" sz="3200" b="0" strike="noStrike" spc="-1">
               <a:latin typeface="Arial"/>
             </a:endParaRPr>
           </a:p>
@@ -1320,11 +1484,12 @@
           </a:prstGeom>
         </p:spPr>
         <p:txBody>
-          <a:bodyPr lIns="0" rIns="0" tIns="0" bIns="0">
+          <a:bodyPr lIns="0" tIns="0" rIns="0" bIns="0">
             <a:normAutofit/>
           </a:bodyPr>
-          <a:p>
-            <a:endParaRPr b="0" lang="fr-FR" sz="3200" spc="-1" strike="noStrike">
+          <a:lstStyle/>
+          <a:p>
+            <a:endParaRPr lang="fr-FR" sz="3200" b="0" strike="noStrike" spc="-1">
               <a:latin typeface="Arial"/>
             </a:endParaRPr>
           </a:p>
@@ -1332,11 +1497,14 @@
       </p:sp>
     </p:spTree>
   </p:cSld>
+  <p:clrMapOvr>
+    <a:masterClrMapping/>
+  </p:clrMapOvr>
 </p:sldLayout>
 </file>
 
 <file path=ppt/slideLayouts/slideLayout21.xml><?xml version="1.0" encoding="utf-8"?>
-<p:sldLayout xmlns:a="http://schemas.openxmlformats.org/drawingml/2006/main" xmlns:p="http://schemas.openxmlformats.org/presentationml/2006/main" xmlns:r="http://schemas.openxmlformats.org/officeDocument/2006/relationships" xmlns:p14="http://schemas.microsoft.com/office/powerpoint/2010/main" xmlns:p15="http://schemas.microsoft.com/office/powerpoint/2012/main" xmlns:mc="http://schemas.openxmlformats.org/markup-compatibility/2006" type="twoObjOverTx" preserve="1">
+<p:sldLayout xmlns:a="http://schemas.openxmlformats.org/drawingml/2006/main" xmlns:r="http://schemas.openxmlformats.org/officeDocument/2006/relationships" xmlns:p="http://schemas.openxmlformats.org/presentationml/2006/main" type="twoObjOverTx" preserve="1">
   <p:cSld name="Title, 2 Content over Content">
     <p:spTree>
       <p:nvGrpSpPr>
@@ -1372,12 +1540,13 @@
           </a:prstGeom>
         </p:spPr>
         <p:txBody>
-          <a:bodyPr lIns="0" rIns="0" tIns="0" bIns="0" anchor="ctr">
+          <a:bodyPr lIns="0" tIns="0" rIns="0" bIns="0" anchor="ctr">
             <a:noAutofit/>
           </a:bodyPr>
+          <a:lstStyle/>
           <a:p>
             <a:pPr algn="ctr"/>
-            <a:endParaRPr b="0" lang="fr-FR" sz="4400" spc="-1" strike="noStrike">
+            <a:endParaRPr lang="fr-FR" sz="4400" b="0" strike="noStrike" spc="-1">
               <a:latin typeface="Arial"/>
             </a:endParaRPr>
           </a:p>
@@ -1403,11 +1572,12 @@
           </a:prstGeom>
         </p:spPr>
         <p:txBody>
-          <a:bodyPr lIns="0" rIns="0" tIns="0" bIns="0">
+          <a:bodyPr lIns="0" tIns="0" rIns="0" bIns="0">
             <a:normAutofit/>
           </a:bodyPr>
-          <a:p>
-            <a:endParaRPr b="0" lang="fr-FR" sz="3200" spc="-1" strike="noStrike">
+          <a:lstStyle/>
+          <a:p>
+            <a:endParaRPr lang="fr-FR" sz="3200" b="0" strike="noStrike" spc="-1">
               <a:latin typeface="Arial"/>
             </a:endParaRPr>
           </a:p>
@@ -1433,11 +1603,12 @@
           </a:prstGeom>
         </p:spPr>
         <p:txBody>
-          <a:bodyPr lIns="0" rIns="0" tIns="0" bIns="0">
+          <a:bodyPr lIns="0" tIns="0" rIns="0" bIns="0">
             <a:normAutofit/>
           </a:bodyPr>
-          <a:p>
-            <a:endParaRPr b="0" lang="fr-FR" sz="3200" spc="-1" strike="noStrike">
+          <a:lstStyle/>
+          <a:p>
+            <a:endParaRPr lang="fr-FR" sz="3200" b="0" strike="noStrike" spc="-1">
               <a:latin typeface="Arial"/>
             </a:endParaRPr>
           </a:p>
@@ -1463,11 +1634,12 @@
           </a:prstGeom>
         </p:spPr>
         <p:txBody>
-          <a:bodyPr lIns="0" rIns="0" tIns="0" bIns="0">
+          <a:bodyPr lIns="0" tIns="0" rIns="0" bIns="0">
             <a:normAutofit/>
           </a:bodyPr>
-          <a:p>
-            <a:endParaRPr b="0" lang="fr-FR" sz="3200" spc="-1" strike="noStrike">
+          <a:lstStyle/>
+          <a:p>
+            <a:endParaRPr lang="fr-FR" sz="3200" b="0" strike="noStrike" spc="-1">
               <a:latin typeface="Arial"/>
             </a:endParaRPr>
           </a:p>
@@ -1475,11 +1647,14 @@
       </p:sp>
     </p:spTree>
   </p:cSld>
+  <p:clrMapOvr>
+    <a:masterClrMapping/>
+  </p:clrMapOvr>
 </p:sldLayout>
 </file>
 
 <file path=ppt/slideLayouts/slideLayout22.xml><?xml version="1.0" encoding="utf-8"?>
-<p:sldLayout xmlns:a="http://schemas.openxmlformats.org/drawingml/2006/main" xmlns:p="http://schemas.openxmlformats.org/presentationml/2006/main" xmlns:r="http://schemas.openxmlformats.org/officeDocument/2006/relationships" xmlns:p14="http://schemas.microsoft.com/office/powerpoint/2010/main" xmlns:p15="http://schemas.microsoft.com/office/powerpoint/2012/main" xmlns:mc="http://schemas.openxmlformats.org/markup-compatibility/2006" type="objOverTx" preserve="1">
+<p:sldLayout xmlns:a="http://schemas.openxmlformats.org/drawingml/2006/main" xmlns:r="http://schemas.openxmlformats.org/officeDocument/2006/relationships" xmlns:p="http://schemas.openxmlformats.org/presentationml/2006/main" type="objOverTx" preserve="1">
   <p:cSld name="Title, Content over Content">
     <p:spTree>
       <p:nvGrpSpPr>
@@ -1515,12 +1690,13 @@
           </a:prstGeom>
         </p:spPr>
         <p:txBody>
-          <a:bodyPr lIns="0" rIns="0" tIns="0" bIns="0" anchor="ctr">
+          <a:bodyPr lIns="0" tIns="0" rIns="0" bIns="0" anchor="ctr">
             <a:noAutofit/>
           </a:bodyPr>
+          <a:lstStyle/>
           <a:p>
             <a:pPr algn="ctr"/>
-            <a:endParaRPr b="0" lang="fr-FR" sz="4400" spc="-1" strike="noStrike">
+            <a:endParaRPr lang="fr-FR" sz="4400" b="0" strike="noStrike" spc="-1">
               <a:latin typeface="Arial"/>
             </a:endParaRPr>
           </a:p>
@@ -1546,11 +1722,12 @@
           </a:prstGeom>
         </p:spPr>
         <p:txBody>
-          <a:bodyPr lIns="0" rIns="0" tIns="0" bIns="0">
+          <a:bodyPr lIns="0" tIns="0" rIns="0" bIns="0">
             <a:normAutofit/>
           </a:bodyPr>
-          <a:p>
-            <a:endParaRPr b="0" lang="fr-FR" sz="3200" spc="-1" strike="noStrike">
+          <a:lstStyle/>
+          <a:p>
+            <a:endParaRPr lang="fr-FR" sz="3200" b="0" strike="noStrike" spc="-1">
               <a:latin typeface="Arial"/>
             </a:endParaRPr>
           </a:p>
@@ -1576,11 +1753,12 @@
           </a:prstGeom>
         </p:spPr>
         <p:txBody>
-          <a:bodyPr lIns="0" rIns="0" tIns="0" bIns="0">
+          <a:bodyPr lIns="0" tIns="0" rIns="0" bIns="0">
             <a:normAutofit/>
           </a:bodyPr>
-          <a:p>
-            <a:endParaRPr b="0" lang="fr-FR" sz="3200" spc="-1" strike="noStrike">
+          <a:lstStyle/>
+          <a:p>
+            <a:endParaRPr lang="fr-FR" sz="3200" b="0" strike="noStrike" spc="-1">
               <a:latin typeface="Arial"/>
             </a:endParaRPr>
           </a:p>
@@ -1588,11 +1766,14 @@
       </p:sp>
     </p:spTree>
   </p:cSld>
+  <p:clrMapOvr>
+    <a:masterClrMapping/>
+  </p:clrMapOvr>
 </p:sldLayout>
 </file>
 
 <file path=ppt/slideLayouts/slideLayout23.xml><?xml version="1.0" encoding="utf-8"?>
-<p:sldLayout xmlns:a="http://schemas.openxmlformats.org/drawingml/2006/main" xmlns:p="http://schemas.openxmlformats.org/presentationml/2006/main" xmlns:r="http://schemas.openxmlformats.org/officeDocument/2006/relationships" xmlns:p14="http://schemas.microsoft.com/office/powerpoint/2010/main" xmlns:p15="http://schemas.microsoft.com/office/powerpoint/2012/main" xmlns:mc="http://schemas.openxmlformats.org/markup-compatibility/2006" type="fourObj" preserve="1">
+<p:sldLayout xmlns:a="http://schemas.openxmlformats.org/drawingml/2006/main" xmlns:r="http://schemas.openxmlformats.org/officeDocument/2006/relationships" xmlns:p="http://schemas.openxmlformats.org/presentationml/2006/main" type="fourObj" preserve="1">
   <p:cSld name="Title, 4 Content">
     <p:spTree>
       <p:nvGrpSpPr>
@@ -1628,12 +1809,13 @@
           </a:prstGeom>
         </p:spPr>
         <p:txBody>
-          <a:bodyPr lIns="0" rIns="0" tIns="0" bIns="0" anchor="ctr">
+          <a:bodyPr lIns="0" tIns="0" rIns="0" bIns="0" anchor="ctr">
             <a:noAutofit/>
           </a:bodyPr>
+          <a:lstStyle/>
           <a:p>
             <a:pPr algn="ctr"/>
-            <a:endParaRPr b="0" lang="fr-FR" sz="4400" spc="-1" strike="noStrike">
+            <a:endParaRPr lang="fr-FR" sz="4400" b="0" strike="noStrike" spc="-1">
               <a:latin typeface="Arial"/>
             </a:endParaRPr>
           </a:p>
@@ -1659,11 +1841,12 @@
           </a:prstGeom>
         </p:spPr>
         <p:txBody>
-          <a:bodyPr lIns="0" rIns="0" tIns="0" bIns="0">
+          <a:bodyPr lIns="0" tIns="0" rIns="0" bIns="0">
             <a:normAutofit/>
           </a:bodyPr>
-          <a:p>
-            <a:endParaRPr b="0" lang="fr-FR" sz="3200" spc="-1" strike="noStrike">
+          <a:lstStyle/>
+          <a:p>
+            <a:endParaRPr lang="fr-FR" sz="3200" b="0" strike="noStrike" spc="-1">
               <a:latin typeface="Arial"/>
             </a:endParaRPr>
           </a:p>
@@ -1689,11 +1872,12 @@
           </a:prstGeom>
         </p:spPr>
         <p:txBody>
-          <a:bodyPr lIns="0" rIns="0" tIns="0" bIns="0">
+          <a:bodyPr lIns="0" tIns="0" rIns="0" bIns="0">
             <a:normAutofit/>
           </a:bodyPr>
-          <a:p>
-            <a:endParaRPr b="0" lang="fr-FR" sz="3200" spc="-1" strike="noStrike">
+          <a:lstStyle/>
+          <a:p>
+            <a:endParaRPr lang="fr-FR" sz="3200" b="0" strike="noStrike" spc="-1">
               <a:latin typeface="Arial"/>
             </a:endParaRPr>
           </a:p>
@@ -1719,11 +1903,12 @@
           </a:prstGeom>
         </p:spPr>
         <p:txBody>
-          <a:bodyPr lIns="0" rIns="0" tIns="0" bIns="0">
+          <a:bodyPr lIns="0" tIns="0" rIns="0" bIns="0">
             <a:normAutofit/>
           </a:bodyPr>
-          <a:p>
-            <a:endParaRPr b="0" lang="fr-FR" sz="3200" spc="-1" strike="noStrike">
+          <a:lstStyle/>
+          <a:p>
+            <a:endParaRPr lang="fr-FR" sz="3200" b="0" strike="noStrike" spc="-1">
               <a:latin typeface="Arial"/>
             </a:endParaRPr>
           </a:p>
@@ -1749,11 +1934,12 @@
           </a:prstGeom>
         </p:spPr>
         <p:txBody>
-          <a:bodyPr lIns="0" rIns="0" tIns="0" bIns="0">
+          <a:bodyPr lIns="0" tIns="0" rIns="0" bIns="0">
             <a:normAutofit/>
           </a:bodyPr>
-          <a:p>
-            <a:endParaRPr b="0" lang="fr-FR" sz="3200" spc="-1" strike="noStrike">
+          <a:lstStyle/>
+          <a:p>
+            <a:endParaRPr lang="fr-FR" sz="3200" b="0" strike="noStrike" spc="-1">
               <a:latin typeface="Arial"/>
             </a:endParaRPr>
           </a:p>
@@ -1761,11 +1947,14 @@
       </p:sp>
     </p:spTree>
   </p:cSld>
+  <p:clrMapOvr>
+    <a:masterClrMapping/>
+  </p:clrMapOvr>
 </p:sldLayout>
 </file>
 
 <file path=ppt/slideLayouts/slideLayout24.xml><?xml version="1.0" encoding="utf-8"?>
-<p:sldLayout xmlns:a="http://schemas.openxmlformats.org/drawingml/2006/main" xmlns:p="http://schemas.openxmlformats.org/presentationml/2006/main" xmlns:r="http://schemas.openxmlformats.org/officeDocument/2006/relationships" xmlns:p14="http://schemas.microsoft.com/office/powerpoint/2010/main" xmlns:p15="http://schemas.microsoft.com/office/powerpoint/2012/main" xmlns:mc="http://schemas.openxmlformats.org/markup-compatibility/2006" type="blank" preserve="1">
+<p:sldLayout xmlns:a="http://schemas.openxmlformats.org/drawingml/2006/main" xmlns:r="http://schemas.openxmlformats.org/officeDocument/2006/relationships" xmlns:p="http://schemas.openxmlformats.org/presentationml/2006/main" type="blank" preserve="1">
   <p:cSld name="Title, 6 Content">
     <p:spTree>
       <p:nvGrpSpPr>
@@ -1801,12 +1990,13 @@
           </a:prstGeom>
         </p:spPr>
         <p:txBody>
-          <a:bodyPr lIns="0" rIns="0" tIns="0" bIns="0" anchor="ctr">
+          <a:bodyPr lIns="0" tIns="0" rIns="0" bIns="0" anchor="ctr">
             <a:noAutofit/>
           </a:bodyPr>
+          <a:lstStyle/>
           <a:p>
             <a:pPr algn="ctr"/>
-            <a:endParaRPr b="0" lang="fr-FR" sz="4400" spc="-1" strike="noStrike">
+            <a:endParaRPr lang="fr-FR" sz="4400" b="0" strike="noStrike" spc="-1">
               <a:latin typeface="Arial"/>
             </a:endParaRPr>
           </a:p>
@@ -1832,11 +2022,12 @@
           </a:prstGeom>
         </p:spPr>
         <p:txBody>
-          <a:bodyPr lIns="0" rIns="0" tIns="0" bIns="0">
+          <a:bodyPr lIns="0" tIns="0" rIns="0" bIns="0">
             <a:normAutofit/>
           </a:bodyPr>
-          <a:p>
-            <a:endParaRPr b="0" lang="fr-FR" sz="3200" spc="-1" strike="noStrike">
+          <a:lstStyle/>
+          <a:p>
+            <a:endParaRPr lang="fr-FR" sz="3200" b="0" strike="noStrike" spc="-1">
               <a:latin typeface="Arial"/>
             </a:endParaRPr>
           </a:p>
@@ -1862,11 +2053,12 @@
           </a:prstGeom>
         </p:spPr>
         <p:txBody>
-          <a:bodyPr lIns="0" rIns="0" tIns="0" bIns="0">
+          <a:bodyPr lIns="0" tIns="0" rIns="0" bIns="0">
             <a:normAutofit/>
           </a:bodyPr>
-          <a:p>
-            <a:endParaRPr b="0" lang="fr-FR" sz="3200" spc="-1" strike="noStrike">
+          <a:lstStyle/>
+          <a:p>
+            <a:endParaRPr lang="fr-FR" sz="3200" b="0" strike="noStrike" spc="-1">
               <a:latin typeface="Arial"/>
             </a:endParaRPr>
           </a:p>
@@ -1892,11 +2084,12 @@
           </a:prstGeom>
         </p:spPr>
         <p:txBody>
-          <a:bodyPr lIns="0" rIns="0" tIns="0" bIns="0">
+          <a:bodyPr lIns="0" tIns="0" rIns="0" bIns="0">
             <a:normAutofit/>
           </a:bodyPr>
-          <a:p>
-            <a:endParaRPr b="0" lang="fr-FR" sz="3200" spc="-1" strike="noStrike">
+          <a:lstStyle/>
+          <a:p>
+            <a:endParaRPr lang="fr-FR" sz="3200" b="0" strike="noStrike" spc="-1">
               <a:latin typeface="Arial"/>
             </a:endParaRPr>
           </a:p>
@@ -1922,11 +2115,12 @@
           </a:prstGeom>
         </p:spPr>
         <p:txBody>
-          <a:bodyPr lIns="0" rIns="0" tIns="0" bIns="0">
+          <a:bodyPr lIns="0" tIns="0" rIns="0" bIns="0">
             <a:normAutofit/>
           </a:bodyPr>
-          <a:p>
-            <a:endParaRPr b="0" lang="fr-FR" sz="3200" spc="-1" strike="noStrike">
+          <a:lstStyle/>
+          <a:p>
+            <a:endParaRPr lang="fr-FR" sz="3200" b="0" strike="noStrike" spc="-1">
               <a:latin typeface="Arial"/>
             </a:endParaRPr>
           </a:p>
@@ -1952,11 +2146,12 @@
           </a:prstGeom>
         </p:spPr>
         <p:txBody>
-          <a:bodyPr lIns="0" rIns="0" tIns="0" bIns="0">
+          <a:bodyPr lIns="0" tIns="0" rIns="0" bIns="0">
             <a:normAutofit/>
           </a:bodyPr>
-          <a:p>
-            <a:endParaRPr b="0" lang="fr-FR" sz="3200" spc="-1" strike="noStrike">
+          <a:lstStyle/>
+          <a:p>
+            <a:endParaRPr lang="fr-FR" sz="3200" b="0" strike="noStrike" spc="-1">
               <a:latin typeface="Arial"/>
             </a:endParaRPr>
           </a:p>
@@ -1982,11 +2177,12 @@
           </a:prstGeom>
         </p:spPr>
         <p:txBody>
-          <a:bodyPr lIns="0" rIns="0" tIns="0" bIns="0">
+          <a:bodyPr lIns="0" tIns="0" rIns="0" bIns="0">
             <a:normAutofit/>
           </a:bodyPr>
-          <a:p>
-            <a:endParaRPr b="0" lang="fr-FR" sz="3200" spc="-1" strike="noStrike">
+          <a:lstStyle/>
+          <a:p>
+            <a:endParaRPr lang="fr-FR" sz="3200" b="0" strike="noStrike" spc="-1">
               <a:latin typeface="Arial"/>
             </a:endParaRPr>
           </a:p>
@@ -1994,11 +2190,14 @@
       </p:sp>
     </p:spTree>
   </p:cSld>
+  <p:clrMapOvr>
+    <a:masterClrMapping/>
+  </p:clrMapOvr>
 </p:sldLayout>
 </file>
 
 <file path=ppt/slideLayouts/slideLayout3.xml><?xml version="1.0" encoding="utf-8"?>
-<p:sldLayout xmlns:a="http://schemas.openxmlformats.org/drawingml/2006/main" xmlns:p="http://schemas.openxmlformats.org/presentationml/2006/main" xmlns:r="http://schemas.openxmlformats.org/officeDocument/2006/relationships" xmlns:p14="http://schemas.microsoft.com/office/powerpoint/2010/main" xmlns:p15="http://schemas.microsoft.com/office/powerpoint/2012/main" xmlns:mc="http://schemas.openxmlformats.org/markup-compatibility/2006" type="obj" preserve="1">
+<p:sldLayout xmlns:a="http://schemas.openxmlformats.org/drawingml/2006/main" xmlns:r="http://schemas.openxmlformats.org/officeDocument/2006/relationships" xmlns:p="http://schemas.openxmlformats.org/presentationml/2006/main" type="obj" preserve="1">
   <p:cSld name="Title, Content">
     <p:spTree>
       <p:nvGrpSpPr>
@@ -2034,12 +2233,13 @@
           </a:prstGeom>
         </p:spPr>
         <p:txBody>
-          <a:bodyPr lIns="0" rIns="0" tIns="0" bIns="0" anchor="ctr">
+          <a:bodyPr lIns="0" tIns="0" rIns="0" bIns="0" anchor="ctr">
             <a:noAutofit/>
           </a:bodyPr>
+          <a:lstStyle/>
           <a:p>
             <a:pPr algn="ctr"/>
-            <a:endParaRPr b="0" lang="fr-FR" sz="4400" spc="-1" strike="noStrike">
+            <a:endParaRPr lang="fr-FR" sz="4400" b="0" strike="noStrike" spc="-1">
               <a:latin typeface="Arial"/>
             </a:endParaRPr>
           </a:p>
@@ -2065,11 +2265,12 @@
           </a:prstGeom>
         </p:spPr>
         <p:txBody>
-          <a:bodyPr lIns="0" rIns="0" tIns="0" bIns="0">
+          <a:bodyPr lIns="0" tIns="0" rIns="0" bIns="0">
             <a:normAutofit/>
           </a:bodyPr>
-          <a:p>
-            <a:endParaRPr b="0" lang="fr-FR" sz="3200" spc="-1" strike="noStrike">
+          <a:lstStyle/>
+          <a:p>
+            <a:endParaRPr lang="fr-FR" sz="3200" b="0" strike="noStrike" spc="-1">
               <a:latin typeface="Arial"/>
             </a:endParaRPr>
           </a:p>
@@ -2077,11 +2278,14 @@
       </p:sp>
     </p:spTree>
   </p:cSld>
+  <p:clrMapOvr>
+    <a:masterClrMapping/>
+  </p:clrMapOvr>
 </p:sldLayout>
 </file>
 
 <file path=ppt/slideLayouts/slideLayout4.xml><?xml version="1.0" encoding="utf-8"?>
-<p:sldLayout xmlns:a="http://schemas.openxmlformats.org/drawingml/2006/main" xmlns:p="http://schemas.openxmlformats.org/presentationml/2006/main" xmlns:r="http://schemas.openxmlformats.org/officeDocument/2006/relationships" xmlns:p14="http://schemas.microsoft.com/office/powerpoint/2010/main" xmlns:p15="http://schemas.microsoft.com/office/powerpoint/2012/main" xmlns:mc="http://schemas.openxmlformats.org/markup-compatibility/2006" type="twoObj" preserve="1">
+<p:sldLayout xmlns:a="http://schemas.openxmlformats.org/drawingml/2006/main" xmlns:r="http://schemas.openxmlformats.org/officeDocument/2006/relationships" xmlns:p="http://schemas.openxmlformats.org/presentationml/2006/main" type="twoObj" preserve="1">
   <p:cSld name="Title, 2 Content">
     <p:spTree>
       <p:nvGrpSpPr>
@@ -2117,12 +2321,13 @@
           </a:prstGeom>
         </p:spPr>
         <p:txBody>
-          <a:bodyPr lIns="0" rIns="0" tIns="0" bIns="0" anchor="ctr">
+          <a:bodyPr lIns="0" tIns="0" rIns="0" bIns="0" anchor="ctr">
             <a:noAutofit/>
           </a:bodyPr>
+          <a:lstStyle/>
           <a:p>
             <a:pPr algn="ctr"/>
-            <a:endParaRPr b="0" lang="fr-FR" sz="4400" spc="-1" strike="noStrike">
+            <a:endParaRPr lang="fr-FR" sz="4400" b="0" strike="noStrike" spc="-1">
               <a:latin typeface="Arial"/>
             </a:endParaRPr>
           </a:p>
@@ -2148,11 +2353,12 @@
           </a:prstGeom>
         </p:spPr>
         <p:txBody>
-          <a:bodyPr lIns="0" rIns="0" tIns="0" bIns="0">
+          <a:bodyPr lIns="0" tIns="0" rIns="0" bIns="0">
             <a:normAutofit/>
           </a:bodyPr>
-          <a:p>
-            <a:endParaRPr b="0" lang="fr-FR" sz="3200" spc="-1" strike="noStrike">
+          <a:lstStyle/>
+          <a:p>
+            <a:endParaRPr lang="fr-FR" sz="3200" b="0" strike="noStrike" spc="-1">
               <a:latin typeface="Arial"/>
             </a:endParaRPr>
           </a:p>
@@ -2178,11 +2384,12 @@
           </a:prstGeom>
         </p:spPr>
         <p:txBody>
-          <a:bodyPr lIns="0" rIns="0" tIns="0" bIns="0">
+          <a:bodyPr lIns="0" tIns="0" rIns="0" bIns="0">
             <a:normAutofit/>
           </a:bodyPr>
-          <a:p>
-            <a:endParaRPr b="0" lang="fr-FR" sz="3200" spc="-1" strike="noStrike">
+          <a:lstStyle/>
+          <a:p>
+            <a:endParaRPr lang="fr-FR" sz="3200" b="0" strike="noStrike" spc="-1">
               <a:latin typeface="Arial"/>
             </a:endParaRPr>
           </a:p>
@@ -2190,11 +2397,14 @@
       </p:sp>
     </p:spTree>
   </p:cSld>
+  <p:clrMapOvr>
+    <a:masterClrMapping/>
+  </p:clrMapOvr>
 </p:sldLayout>
 </file>
 
 <file path=ppt/slideLayouts/slideLayout5.xml><?xml version="1.0" encoding="utf-8"?>
-<p:sldLayout xmlns:a="http://schemas.openxmlformats.org/drawingml/2006/main" xmlns:p="http://schemas.openxmlformats.org/presentationml/2006/main" xmlns:r="http://schemas.openxmlformats.org/officeDocument/2006/relationships" xmlns:p14="http://schemas.microsoft.com/office/powerpoint/2010/main" xmlns:p15="http://schemas.microsoft.com/office/powerpoint/2012/main" xmlns:mc="http://schemas.openxmlformats.org/markup-compatibility/2006" type="titleOnly" preserve="1">
+<p:sldLayout xmlns:a="http://schemas.openxmlformats.org/drawingml/2006/main" xmlns:r="http://schemas.openxmlformats.org/officeDocument/2006/relationships" xmlns:p="http://schemas.openxmlformats.org/presentationml/2006/main" type="titleOnly" preserve="1">
   <p:cSld name="Title Only">
     <p:spTree>
       <p:nvGrpSpPr>
@@ -2230,12 +2440,13 @@
           </a:prstGeom>
         </p:spPr>
         <p:txBody>
-          <a:bodyPr lIns="0" rIns="0" tIns="0" bIns="0" anchor="ctr">
+          <a:bodyPr lIns="0" tIns="0" rIns="0" bIns="0" anchor="ctr">
             <a:noAutofit/>
           </a:bodyPr>
+          <a:lstStyle/>
           <a:p>
             <a:pPr algn="ctr"/>
-            <a:endParaRPr b="0" lang="fr-FR" sz="4400" spc="-1" strike="noStrike">
+            <a:endParaRPr lang="fr-FR" sz="4400" b="0" strike="noStrike" spc="-1">
               <a:latin typeface="Arial"/>
             </a:endParaRPr>
           </a:p>
@@ -2243,11 +2454,14 @@
       </p:sp>
     </p:spTree>
   </p:cSld>
+  <p:clrMapOvr>
+    <a:masterClrMapping/>
+  </p:clrMapOvr>
 </p:sldLayout>
 </file>
 
 <file path=ppt/slideLayouts/slideLayout6.xml><?xml version="1.0" encoding="utf-8"?>
-<p:sldLayout xmlns:a="http://schemas.openxmlformats.org/drawingml/2006/main" xmlns:p="http://schemas.openxmlformats.org/presentationml/2006/main" xmlns:r="http://schemas.openxmlformats.org/officeDocument/2006/relationships" xmlns:p14="http://schemas.microsoft.com/office/powerpoint/2010/main" xmlns:p15="http://schemas.microsoft.com/office/powerpoint/2012/main" xmlns:mc="http://schemas.openxmlformats.org/markup-compatibility/2006" type="objOnly" preserve="1">
+<p:sldLayout xmlns:a="http://schemas.openxmlformats.org/drawingml/2006/main" xmlns:r="http://schemas.openxmlformats.org/officeDocument/2006/relationships" xmlns:p="http://schemas.openxmlformats.org/presentationml/2006/main" type="objOnly" preserve="1">
   <p:cSld name="Centered Text">
     <p:spTree>
       <p:nvGrpSpPr>
@@ -2283,12 +2497,13 @@
           </a:prstGeom>
         </p:spPr>
         <p:txBody>
-          <a:bodyPr lIns="0" rIns="0" tIns="0" bIns="0" anchor="ctr">
+          <a:bodyPr lIns="0" tIns="0" rIns="0" bIns="0" anchor="ctr">
             <a:noAutofit/>
           </a:bodyPr>
+          <a:lstStyle/>
           <a:p>
             <a:pPr algn="ctr"/>
-            <a:endParaRPr b="0" lang="fr-FR" sz="3200" spc="-1" strike="noStrike">
+            <a:endParaRPr lang="fr-FR" sz="3200" b="0" strike="noStrike" spc="-1">
               <a:latin typeface="Arial"/>
             </a:endParaRPr>
           </a:p>
@@ -2296,11 +2511,14 @@
       </p:sp>
     </p:spTree>
   </p:cSld>
+  <p:clrMapOvr>
+    <a:masterClrMapping/>
+  </p:clrMapOvr>
 </p:sldLayout>
 </file>
 
 <file path=ppt/slideLayouts/slideLayout7.xml><?xml version="1.0" encoding="utf-8"?>
-<p:sldLayout xmlns:a="http://schemas.openxmlformats.org/drawingml/2006/main" xmlns:p="http://schemas.openxmlformats.org/presentationml/2006/main" xmlns:r="http://schemas.openxmlformats.org/officeDocument/2006/relationships" xmlns:p14="http://schemas.microsoft.com/office/powerpoint/2010/main" xmlns:p15="http://schemas.microsoft.com/office/powerpoint/2012/main" xmlns:mc="http://schemas.openxmlformats.org/markup-compatibility/2006" type="twoObjAndObj" preserve="1">
+<p:sldLayout xmlns:a="http://schemas.openxmlformats.org/drawingml/2006/main" xmlns:r="http://schemas.openxmlformats.org/officeDocument/2006/relationships" xmlns:p="http://schemas.openxmlformats.org/presentationml/2006/main" type="twoObjAndObj" preserve="1">
   <p:cSld name="Title, 2 Content and Content">
     <p:spTree>
       <p:nvGrpSpPr>
@@ -2336,12 +2554,13 @@
           </a:prstGeom>
         </p:spPr>
         <p:txBody>
-          <a:bodyPr lIns="0" rIns="0" tIns="0" bIns="0" anchor="ctr">
+          <a:bodyPr lIns="0" tIns="0" rIns="0" bIns="0" anchor="ctr">
             <a:noAutofit/>
           </a:bodyPr>
+          <a:lstStyle/>
           <a:p>
             <a:pPr algn="ctr"/>
-            <a:endParaRPr b="0" lang="fr-FR" sz="4400" spc="-1" strike="noStrike">
+            <a:endParaRPr lang="fr-FR" sz="4400" b="0" strike="noStrike" spc="-1">
               <a:latin typeface="Arial"/>
             </a:endParaRPr>
           </a:p>
@@ -2367,11 +2586,12 @@
           </a:prstGeom>
         </p:spPr>
         <p:txBody>
-          <a:bodyPr lIns="0" rIns="0" tIns="0" bIns="0">
+          <a:bodyPr lIns="0" tIns="0" rIns="0" bIns="0">
             <a:normAutofit/>
           </a:bodyPr>
-          <a:p>
-            <a:endParaRPr b="0" lang="fr-FR" sz="3200" spc="-1" strike="noStrike">
+          <a:lstStyle/>
+          <a:p>
+            <a:endParaRPr lang="fr-FR" sz="3200" b="0" strike="noStrike" spc="-1">
               <a:latin typeface="Arial"/>
             </a:endParaRPr>
           </a:p>
@@ -2397,11 +2617,12 @@
           </a:prstGeom>
         </p:spPr>
         <p:txBody>
-          <a:bodyPr lIns="0" rIns="0" tIns="0" bIns="0">
+          <a:bodyPr lIns="0" tIns="0" rIns="0" bIns="0">
             <a:normAutofit/>
           </a:bodyPr>
-          <a:p>
-            <a:endParaRPr b="0" lang="fr-FR" sz="3200" spc="-1" strike="noStrike">
+          <a:lstStyle/>
+          <a:p>
+            <a:endParaRPr lang="fr-FR" sz="3200" b="0" strike="noStrike" spc="-1">
               <a:latin typeface="Arial"/>
             </a:endParaRPr>
           </a:p>
@@ -2427,11 +2648,12 @@
           </a:prstGeom>
         </p:spPr>
         <p:txBody>
-          <a:bodyPr lIns="0" rIns="0" tIns="0" bIns="0">
+          <a:bodyPr lIns="0" tIns="0" rIns="0" bIns="0">
             <a:normAutofit/>
           </a:bodyPr>
-          <a:p>
-            <a:endParaRPr b="0" lang="fr-FR" sz="3200" spc="-1" strike="noStrike">
+          <a:lstStyle/>
+          <a:p>
+            <a:endParaRPr lang="fr-FR" sz="3200" b="0" strike="noStrike" spc="-1">
               <a:latin typeface="Arial"/>
             </a:endParaRPr>
           </a:p>
@@ -2439,11 +2661,14 @@
       </p:sp>
     </p:spTree>
   </p:cSld>
+  <p:clrMapOvr>
+    <a:masterClrMapping/>
+  </p:clrMapOvr>
 </p:sldLayout>
 </file>
 
 <file path=ppt/slideLayouts/slideLayout8.xml><?xml version="1.0" encoding="utf-8"?>
-<p:sldLayout xmlns:a="http://schemas.openxmlformats.org/drawingml/2006/main" xmlns:p="http://schemas.openxmlformats.org/presentationml/2006/main" xmlns:r="http://schemas.openxmlformats.org/officeDocument/2006/relationships" xmlns:p14="http://schemas.microsoft.com/office/powerpoint/2010/main" xmlns:p15="http://schemas.microsoft.com/office/powerpoint/2012/main" xmlns:mc="http://schemas.openxmlformats.org/markup-compatibility/2006" type="objAndTwoObj" preserve="1">
+<p:sldLayout xmlns:a="http://schemas.openxmlformats.org/drawingml/2006/main" xmlns:r="http://schemas.openxmlformats.org/officeDocument/2006/relationships" xmlns:p="http://schemas.openxmlformats.org/presentationml/2006/main" type="objAndTwoObj" preserve="1">
   <p:cSld name="Title Content and 2 Content">
     <p:spTree>
       <p:nvGrpSpPr>
@@ -2479,12 +2704,13 @@
           </a:prstGeom>
         </p:spPr>
         <p:txBody>
-          <a:bodyPr lIns="0" rIns="0" tIns="0" bIns="0" anchor="ctr">
+          <a:bodyPr lIns="0" tIns="0" rIns="0" bIns="0" anchor="ctr">
             <a:noAutofit/>
           </a:bodyPr>
+          <a:lstStyle/>
           <a:p>
             <a:pPr algn="ctr"/>
-            <a:endParaRPr b="0" lang="fr-FR" sz="4400" spc="-1" strike="noStrike">
+            <a:endParaRPr lang="fr-FR" sz="4400" b="0" strike="noStrike" spc="-1">
               <a:latin typeface="Arial"/>
             </a:endParaRPr>
           </a:p>
@@ -2510,11 +2736,12 @@
           </a:prstGeom>
         </p:spPr>
         <p:txBody>
-          <a:bodyPr lIns="0" rIns="0" tIns="0" bIns="0">
+          <a:bodyPr lIns="0" tIns="0" rIns="0" bIns="0">
             <a:normAutofit/>
           </a:bodyPr>
-          <a:p>
-            <a:endParaRPr b="0" lang="fr-FR" sz="3200" spc="-1" strike="noStrike">
+          <a:lstStyle/>
+          <a:p>
+            <a:endParaRPr lang="fr-FR" sz="3200" b="0" strike="noStrike" spc="-1">
               <a:latin typeface="Arial"/>
             </a:endParaRPr>
           </a:p>
@@ -2540,11 +2767,12 @@
           </a:prstGeom>
         </p:spPr>
         <p:txBody>
-          <a:bodyPr lIns="0" rIns="0" tIns="0" bIns="0">
+          <a:bodyPr lIns="0" tIns="0" rIns="0" bIns="0">
             <a:normAutofit/>
           </a:bodyPr>
-          <a:p>
-            <a:endParaRPr b="0" lang="fr-FR" sz="3200" spc="-1" strike="noStrike">
+          <a:lstStyle/>
+          <a:p>
+            <a:endParaRPr lang="fr-FR" sz="3200" b="0" strike="noStrike" spc="-1">
               <a:latin typeface="Arial"/>
             </a:endParaRPr>
           </a:p>
@@ -2570,11 +2798,12 @@
           </a:prstGeom>
         </p:spPr>
         <p:txBody>
-          <a:bodyPr lIns="0" rIns="0" tIns="0" bIns="0">
+          <a:bodyPr lIns="0" tIns="0" rIns="0" bIns="0">
             <a:normAutofit/>
           </a:bodyPr>
-          <a:p>
-            <a:endParaRPr b="0" lang="fr-FR" sz="3200" spc="-1" strike="noStrike">
+          <a:lstStyle/>
+          <a:p>
+            <a:endParaRPr lang="fr-FR" sz="3200" b="0" strike="noStrike" spc="-1">
               <a:latin typeface="Arial"/>
             </a:endParaRPr>
           </a:p>
@@ -2582,11 +2811,14 @@
       </p:sp>
     </p:spTree>
   </p:cSld>
+  <p:clrMapOvr>
+    <a:masterClrMapping/>
+  </p:clrMapOvr>
 </p:sldLayout>
 </file>
 
 <file path=ppt/slideLayouts/slideLayout9.xml><?xml version="1.0" encoding="utf-8"?>
-<p:sldLayout xmlns:a="http://schemas.openxmlformats.org/drawingml/2006/main" xmlns:p="http://schemas.openxmlformats.org/presentationml/2006/main" xmlns:r="http://schemas.openxmlformats.org/officeDocument/2006/relationships" xmlns:p14="http://schemas.microsoft.com/office/powerpoint/2010/main" xmlns:p15="http://schemas.microsoft.com/office/powerpoint/2012/main" xmlns:mc="http://schemas.openxmlformats.org/markup-compatibility/2006" type="twoObjOverTx" preserve="1">
+<p:sldLayout xmlns:a="http://schemas.openxmlformats.org/drawingml/2006/main" xmlns:r="http://schemas.openxmlformats.org/officeDocument/2006/relationships" xmlns:p="http://schemas.openxmlformats.org/presentationml/2006/main" type="twoObjOverTx" preserve="1">
   <p:cSld name="Title, 2 Content over Content">
     <p:spTree>
       <p:nvGrpSpPr>
@@ -2622,12 +2854,13 @@
           </a:prstGeom>
         </p:spPr>
         <p:txBody>
-          <a:bodyPr lIns="0" rIns="0" tIns="0" bIns="0" anchor="ctr">
+          <a:bodyPr lIns="0" tIns="0" rIns="0" bIns="0" anchor="ctr">
             <a:noAutofit/>
           </a:bodyPr>
+          <a:lstStyle/>
           <a:p>
             <a:pPr algn="ctr"/>
-            <a:endParaRPr b="0" lang="fr-FR" sz="4400" spc="-1" strike="noStrike">
+            <a:endParaRPr lang="fr-FR" sz="4400" b="0" strike="noStrike" spc="-1">
               <a:latin typeface="Arial"/>
             </a:endParaRPr>
           </a:p>
@@ -2653,11 +2886,12 @@
           </a:prstGeom>
         </p:spPr>
         <p:txBody>
-          <a:bodyPr lIns="0" rIns="0" tIns="0" bIns="0">
+          <a:bodyPr lIns="0" tIns="0" rIns="0" bIns="0">
             <a:normAutofit/>
           </a:bodyPr>
-          <a:p>
-            <a:endParaRPr b="0" lang="fr-FR" sz="3200" spc="-1" strike="noStrike">
+          <a:lstStyle/>
+          <a:p>
+            <a:endParaRPr lang="fr-FR" sz="3200" b="0" strike="noStrike" spc="-1">
               <a:latin typeface="Arial"/>
             </a:endParaRPr>
           </a:p>
@@ -2683,11 +2917,12 @@
           </a:prstGeom>
         </p:spPr>
         <p:txBody>
-          <a:bodyPr lIns="0" rIns="0" tIns="0" bIns="0">
+          <a:bodyPr lIns="0" tIns="0" rIns="0" bIns="0">
             <a:normAutofit/>
           </a:bodyPr>
-          <a:p>
-            <a:endParaRPr b="0" lang="fr-FR" sz="3200" spc="-1" strike="noStrike">
+          <a:lstStyle/>
+          <a:p>
+            <a:endParaRPr lang="fr-FR" sz="3200" b="0" strike="noStrike" spc="-1">
               <a:latin typeface="Arial"/>
             </a:endParaRPr>
           </a:p>
@@ -2713,11 +2948,12 @@
           </a:prstGeom>
         </p:spPr>
         <p:txBody>
-          <a:bodyPr lIns="0" rIns="0" tIns="0" bIns="0">
+          <a:bodyPr lIns="0" tIns="0" rIns="0" bIns="0">
             <a:normAutofit/>
           </a:bodyPr>
-          <a:p>
-            <a:endParaRPr b="0" lang="fr-FR" sz="3200" spc="-1" strike="noStrike">
+          <a:lstStyle/>
+          <a:p>
+            <a:endParaRPr lang="fr-FR" sz="3200" b="0" strike="noStrike" spc="-1">
               <a:latin typeface="Arial"/>
             </a:endParaRPr>
           </a:p>
@@ -2725,17 +2961,21 @@
       </p:sp>
     </p:spTree>
   </p:cSld>
+  <p:clrMapOvr>
+    <a:masterClrMapping/>
+  </p:clrMapOvr>
 </p:sldLayout>
 </file>
 
 <file path=ppt/slideMasters/slideMaster1.xml><?xml version="1.0" encoding="utf-8"?>
-<p:sldMaster xmlns:a="http://schemas.openxmlformats.org/drawingml/2006/main" xmlns:p="http://schemas.openxmlformats.org/presentationml/2006/main" xmlns:r="http://schemas.openxmlformats.org/officeDocument/2006/relationships" xmlns:p14="http://schemas.microsoft.com/office/powerpoint/2010/main" xmlns:p15="http://schemas.microsoft.com/office/powerpoint/2012/main" xmlns:mc="http://schemas.openxmlformats.org/markup-compatibility/2006">
+<p:sldMaster xmlns:a="http://schemas.openxmlformats.org/drawingml/2006/main" xmlns:r="http://schemas.openxmlformats.org/officeDocument/2006/relationships" xmlns:p="http://schemas.openxmlformats.org/presentationml/2006/main">
   <p:cSld>
     <p:bg>
       <p:bgPr>
         <a:solidFill>
           <a:srgbClr val="000000"/>
         </a:solidFill>
+        <a:effectLst/>
       </p:bgPr>
     </p:bg>
     <p:spTree>
@@ -2754,12 +2994,12 @@
       </p:grpSpPr>
       <p:pic>
         <p:nvPicPr>
-          <p:cNvPr id="0" name="V Logo - Dark Master" descr=""/>
+          <p:cNvPr id="5" name="V Logo - Dark Master"/>
           <p:cNvPicPr/>
           <p:nvPr/>
         </p:nvPicPr>
         <p:blipFill>
-          <a:blip r:embed="rId2"/>
+          <a:blip r:embed="rId14"/>
           <a:stretch/>
         </p:blipFill>
         <p:spPr>
@@ -2777,12 +3017,12 @@
       </p:pic>
       <p:pic>
         <p:nvPicPr>
-          <p:cNvPr id="1" name="Valtech Logo - Dark Cover" descr=""/>
+          <p:cNvPr id="6" name="Valtech Logo - Dark Cover"/>
           <p:cNvPicPr/>
           <p:nvPr/>
         </p:nvPicPr>
         <p:blipFill>
-          <a:blip r:embed="rId3"/>
+          <a:blip r:embed="rId15"/>
           <a:stretch/>
         </p:blipFill>
         <p:spPr>
@@ -2815,15 +3055,21 @@
           <a:noFill/>
           <a:ln w="127080">
             <a:solidFill>
-              <a:srgbClr val="ffffff"/>
+              <a:srgbClr val="FFFFFF"/>
             </a:solidFill>
             <a:miter/>
           </a:ln>
         </p:spPr>
         <p:style>
-          <a:lnRef idx="0"/>
-          <a:fillRef idx="0"/>
-          <a:effectRef idx="0"/>
+          <a:lnRef idx="0">
+            <a:scrgbClr r="0" g="0" b="0"/>
+          </a:lnRef>
+          <a:fillRef idx="0">
+            <a:scrgbClr r="0" g="0" b="0"/>
+          </a:fillRef>
+          <a:effectRef idx="0">
+            <a:scrgbClr r="0" g="0" b="0"/>
+          </a:effectRef>
           <a:fontRef idx="minor"/>
         </p:style>
       </p:sp>
@@ -2847,20 +3093,18 @@
           </a:prstGeom>
         </p:spPr>
         <p:txBody>
-          <a:bodyPr lIns="0" rIns="0" tIns="0" bIns="0" anchor="ctr">
+          <a:bodyPr lIns="0" tIns="0" rIns="0" bIns="0" anchor="ctr">
             <a:noAutofit/>
           </a:bodyPr>
+          <a:lstStyle/>
           <a:p>
             <a:pPr algn="ctr"/>
             <a:r>
-              <a:rPr b="0" lang="fr-FR" sz="4400" spc="-1" strike="noStrike">
+              <a:rPr lang="fr-FR" sz="4400" b="0" strike="noStrike" spc="-1">
                 <a:latin typeface="Arial"/>
               </a:rPr>
               <a:t>Click to edit the title text format</a:t>
             </a:r>
-            <a:endParaRPr b="0" lang="fr-FR" sz="4400" spc="-1" strike="noStrike">
-              <a:latin typeface="Arial"/>
-            </a:endParaRPr>
           </a:p>
         </p:txBody>
       </p:sp>
@@ -2884,203 +3128,464 @@
           </a:prstGeom>
         </p:spPr>
         <p:txBody>
-          <a:bodyPr lIns="0" rIns="0" tIns="0" bIns="0">
+          <a:bodyPr lIns="0" tIns="0" rIns="0" bIns="0">
             <a:normAutofit/>
           </a:bodyPr>
+          <a:lstStyle/>
           <a:p>
             <a:pPr marL="432000" indent="-324000">
               <a:spcBef>
                 <a:spcPts val="1417"/>
               </a:spcBef>
               <a:buClr>
-                <a:srgbClr val="ffffff"/>
+                <a:srgbClr val="FFFFFF"/>
               </a:buClr>
               <a:buSzPct val="45000"/>
               <a:buFont typeface="Wingdings" charset="2"/>
               <a:buChar char=""/>
             </a:pPr>
             <a:r>
-              <a:rPr b="0" lang="fr-FR" sz="3200" spc="-1" strike="noStrike">
+              <a:rPr lang="fr-FR" sz="3200" b="0" strike="noStrike" spc="-1">
                 <a:latin typeface="Arial"/>
               </a:rPr>
               <a:t>Click to edit the outline text format</a:t>
             </a:r>
-            <a:endParaRPr b="0" lang="fr-FR" sz="3200" spc="-1" strike="noStrike">
-              <a:latin typeface="Arial"/>
-            </a:endParaRPr>
-          </a:p>
-          <a:p>
-            <a:pPr lvl="1" marL="864000" indent="-324000">
+          </a:p>
+          <a:p>
+            <a:pPr marL="864000" lvl="1" indent="-324000">
               <a:spcBef>
                 <a:spcPts val="1134"/>
               </a:spcBef>
               <a:buClr>
-                <a:srgbClr val="ffffff"/>
+                <a:srgbClr val="FFFFFF"/>
               </a:buClr>
               <a:buSzPct val="75000"/>
               <a:buFont typeface="Symbol" charset="2"/>
               <a:buChar char=""/>
             </a:pPr>
             <a:r>
-              <a:rPr b="0" lang="fr-FR" sz="2800" spc="-1" strike="noStrike">
+              <a:rPr lang="fr-FR" sz="2800" b="0" strike="noStrike" spc="-1">
                 <a:latin typeface="Arial"/>
               </a:rPr>
               <a:t>Second Outline Level</a:t>
             </a:r>
-            <a:endParaRPr b="0" lang="fr-FR" sz="2800" spc="-1" strike="noStrike">
-              <a:latin typeface="Arial"/>
-            </a:endParaRPr>
-          </a:p>
-          <a:p>
-            <a:pPr lvl="2" marL="1296000" indent="-288000">
+          </a:p>
+          <a:p>
+            <a:pPr marL="1296000" lvl="2" indent="-288000">
               <a:spcBef>
                 <a:spcPts val="850"/>
               </a:spcBef>
               <a:buClr>
-                <a:srgbClr val="ffffff"/>
+                <a:srgbClr val="FFFFFF"/>
               </a:buClr>
               <a:buSzPct val="45000"/>
               <a:buFont typeface="Wingdings" charset="2"/>
               <a:buChar char=""/>
             </a:pPr>
             <a:r>
-              <a:rPr b="0" lang="fr-FR" sz="2400" spc="-1" strike="noStrike">
+              <a:rPr lang="fr-FR" sz="2400" b="0" strike="noStrike" spc="-1">
                 <a:latin typeface="Arial"/>
               </a:rPr>
               <a:t>Third Outline Level</a:t>
             </a:r>
-            <a:endParaRPr b="0" lang="fr-FR" sz="2400" spc="-1" strike="noStrike">
-              <a:latin typeface="Arial"/>
-            </a:endParaRPr>
-          </a:p>
-          <a:p>
-            <a:pPr lvl="3" marL="1728000" indent="-216000">
+          </a:p>
+          <a:p>
+            <a:pPr marL="1728000" lvl="3" indent="-216000">
               <a:spcBef>
                 <a:spcPts val="567"/>
               </a:spcBef>
               <a:buClr>
-                <a:srgbClr val="ffffff"/>
+                <a:srgbClr val="FFFFFF"/>
               </a:buClr>
               <a:buSzPct val="75000"/>
               <a:buFont typeface="Symbol" charset="2"/>
               <a:buChar char=""/>
             </a:pPr>
             <a:r>
-              <a:rPr b="0" lang="fr-FR" sz="2000" spc="-1" strike="noStrike">
+              <a:rPr lang="fr-FR" sz="2000" b="0" strike="noStrike" spc="-1">
                 <a:latin typeface="Arial"/>
               </a:rPr>
               <a:t>Fourth Outline Level</a:t>
             </a:r>
-            <a:endParaRPr b="0" lang="fr-FR" sz="2000" spc="-1" strike="noStrike">
-              <a:latin typeface="Arial"/>
-            </a:endParaRPr>
-          </a:p>
-          <a:p>
-            <a:pPr lvl="4" marL="2160000" indent="-216000">
+          </a:p>
+          <a:p>
+            <a:pPr marL="2160000" lvl="4" indent="-216000">
               <a:spcBef>
                 <a:spcPts val="283"/>
               </a:spcBef>
               <a:buClr>
-                <a:srgbClr val="ffffff"/>
+                <a:srgbClr val="FFFFFF"/>
               </a:buClr>
               <a:buSzPct val="45000"/>
               <a:buFont typeface="Wingdings" charset="2"/>
               <a:buChar char=""/>
             </a:pPr>
             <a:r>
-              <a:rPr b="0" lang="fr-FR" sz="2000" spc="-1" strike="noStrike">
+              <a:rPr lang="fr-FR" sz="2000" b="0" strike="noStrike" spc="-1">
                 <a:latin typeface="Arial"/>
               </a:rPr>
               <a:t>Fifth Outline Level</a:t>
             </a:r>
-            <a:endParaRPr b="0" lang="fr-FR" sz="2000" spc="-1" strike="noStrike">
-              <a:latin typeface="Arial"/>
-            </a:endParaRPr>
-          </a:p>
-          <a:p>
-            <a:pPr lvl="5" marL="2592000" indent="-216000">
+          </a:p>
+          <a:p>
+            <a:pPr marL="2592000" lvl="5" indent="-216000">
               <a:spcBef>
                 <a:spcPts val="283"/>
               </a:spcBef>
               <a:buClr>
-                <a:srgbClr val="ffffff"/>
+                <a:srgbClr val="FFFFFF"/>
               </a:buClr>
               <a:buSzPct val="45000"/>
               <a:buFont typeface="Wingdings" charset="2"/>
               <a:buChar char=""/>
             </a:pPr>
             <a:r>
-              <a:rPr b="0" lang="fr-FR" sz="2000" spc="-1" strike="noStrike">
+              <a:rPr lang="fr-FR" sz="2000" b="0" strike="noStrike" spc="-1">
                 <a:latin typeface="Arial"/>
               </a:rPr>
               <a:t>Sixth Outline Level</a:t>
             </a:r>
-            <a:endParaRPr b="0" lang="fr-FR" sz="2000" spc="-1" strike="noStrike">
-              <a:latin typeface="Arial"/>
-            </a:endParaRPr>
-          </a:p>
-          <a:p>
-            <a:pPr lvl="6" marL="3024000" indent="-216000">
+          </a:p>
+          <a:p>
+            <a:pPr marL="3024000" lvl="6" indent="-216000">
               <a:spcBef>
                 <a:spcPts val="283"/>
               </a:spcBef>
               <a:buClr>
-                <a:srgbClr val="ffffff"/>
+                <a:srgbClr val="FFFFFF"/>
               </a:buClr>
               <a:buSzPct val="45000"/>
               <a:buFont typeface="Wingdings" charset="2"/>
               <a:buChar char=""/>
             </a:pPr>
             <a:r>
-              <a:rPr b="0" lang="fr-FR" sz="2000" spc="-1" strike="noStrike">
+              <a:rPr lang="fr-FR" sz="2000" b="0" strike="noStrike" spc="-1">
                 <a:latin typeface="Arial"/>
               </a:rPr>
               <a:t>Seventh Outline Level</a:t>
             </a:r>
-            <a:endParaRPr b="0" lang="fr-FR" sz="2000" spc="-1" strike="noStrike">
-              <a:latin typeface="Arial"/>
-            </a:endParaRPr>
           </a:p>
         </p:txBody>
       </p:sp>
     </p:spTree>
   </p:cSld>
-  <p:clrMap bg1="lt1" bg2="lt2" tx1="dk1" tx2="dk2" accent1="accent1" accent2="accent2" accent3="accent3" accent4="accent4" accent5="accent5" accent6="accent6" hlink="hlink" folHlink="folHlink"/>
+  <p:clrMap bg1="lt1" tx1="dk1" bg2="lt2" tx2="dk2" accent1="accent1" accent2="accent2" accent3="accent3" accent4="accent4" accent5="accent5" accent6="accent6" hlink="hlink" folHlink="folHlink"/>
   <p:sldLayoutIdLst>
-    <p:sldLayoutId id="2147483649" r:id="rId4"/>
-    <p:sldLayoutId id="2147483650" r:id="rId5"/>
-    <p:sldLayoutId id="2147483651" r:id="rId6"/>
-    <p:sldLayoutId id="2147483652" r:id="rId7"/>
-    <p:sldLayoutId id="2147483653" r:id="rId8"/>
-    <p:sldLayoutId id="2147483654" r:id="rId9"/>
-    <p:sldLayoutId id="2147483655" r:id="rId10"/>
-    <p:sldLayoutId id="2147483656" r:id="rId11"/>
-    <p:sldLayoutId id="2147483657" r:id="rId12"/>
-    <p:sldLayoutId id="2147483658" r:id="rId13"/>
-    <p:sldLayoutId id="2147483659" r:id="rId14"/>
-    <p:sldLayoutId id="2147483660" r:id="rId15"/>
+    <p:sldLayoutId id="2147483649" r:id="rId1"/>
+    <p:sldLayoutId id="2147483650" r:id="rId2"/>
+    <p:sldLayoutId id="2147483651" r:id="rId3"/>
+    <p:sldLayoutId id="2147483652" r:id="rId4"/>
+    <p:sldLayoutId id="2147483653" r:id="rId5"/>
+    <p:sldLayoutId id="2147483654" r:id="rId6"/>
+    <p:sldLayoutId id="2147483655" r:id="rId7"/>
+    <p:sldLayoutId id="2147483656" r:id="rId8"/>
+    <p:sldLayoutId id="2147483657" r:id="rId9"/>
+    <p:sldLayoutId id="2147483658" r:id="rId10"/>
+    <p:sldLayoutId id="2147483659" r:id="rId11"/>
+    <p:sldLayoutId id="2147483660" r:id="rId12"/>
   </p:sldLayoutIdLst>
+  <p:txStyles>
+    <p:titleStyle>
+      <a:lvl1pPr algn="l" defTabSz="914400" rtl="0" eaLnBrk="1" latinLnBrk="0" hangingPunct="1">
+        <a:lnSpc>
+          <a:spcPct val="90000"/>
+        </a:lnSpc>
+        <a:spcBef>
+          <a:spcPct val="0"/>
+        </a:spcBef>
+        <a:buNone/>
+        <a:defRPr sz="4400" kern="1200">
+          <a:solidFill>
+            <a:schemeClr val="tx1"/>
+          </a:solidFill>
+          <a:latin typeface="+mj-lt"/>
+          <a:ea typeface="+mj-ea"/>
+          <a:cs typeface="+mj-cs"/>
+        </a:defRPr>
+      </a:lvl1pPr>
+    </p:titleStyle>
+    <p:bodyStyle>
+      <a:lvl1pPr marL="228600" indent="-228600" algn="l" defTabSz="914400" rtl="0" eaLnBrk="1" latinLnBrk="0" hangingPunct="1">
+        <a:lnSpc>
+          <a:spcPct val="90000"/>
+        </a:lnSpc>
+        <a:spcBef>
+          <a:spcPts val="1000"/>
+        </a:spcBef>
+        <a:buFont typeface="Arial" panose="020B0604020202020204" pitchFamily="34" charset="0"/>
+        <a:buChar char="•"/>
+        <a:defRPr sz="2800" kern="1200">
+          <a:solidFill>
+            <a:schemeClr val="tx1"/>
+          </a:solidFill>
+          <a:latin typeface="+mn-lt"/>
+          <a:ea typeface="+mn-ea"/>
+          <a:cs typeface="+mn-cs"/>
+        </a:defRPr>
+      </a:lvl1pPr>
+      <a:lvl2pPr marL="685800" indent="-228600" algn="l" defTabSz="914400" rtl="0" eaLnBrk="1" latinLnBrk="0" hangingPunct="1">
+        <a:lnSpc>
+          <a:spcPct val="90000"/>
+        </a:lnSpc>
+        <a:spcBef>
+          <a:spcPts val="500"/>
+        </a:spcBef>
+        <a:buFont typeface="Arial" panose="020B0604020202020204" pitchFamily="34" charset="0"/>
+        <a:buChar char="•"/>
+        <a:defRPr sz="2400" kern="1200">
+          <a:solidFill>
+            <a:schemeClr val="tx1"/>
+          </a:solidFill>
+          <a:latin typeface="+mn-lt"/>
+          <a:ea typeface="+mn-ea"/>
+          <a:cs typeface="+mn-cs"/>
+        </a:defRPr>
+      </a:lvl2pPr>
+      <a:lvl3pPr marL="1143000" indent="-228600" algn="l" defTabSz="914400" rtl="0" eaLnBrk="1" latinLnBrk="0" hangingPunct="1">
+        <a:lnSpc>
+          <a:spcPct val="90000"/>
+        </a:lnSpc>
+        <a:spcBef>
+          <a:spcPts val="500"/>
+        </a:spcBef>
+        <a:buFont typeface="Arial" panose="020B0604020202020204" pitchFamily="34" charset="0"/>
+        <a:buChar char="•"/>
+        <a:defRPr sz="2000" kern="1200">
+          <a:solidFill>
+            <a:schemeClr val="tx1"/>
+          </a:solidFill>
+          <a:latin typeface="+mn-lt"/>
+          <a:ea typeface="+mn-ea"/>
+          <a:cs typeface="+mn-cs"/>
+        </a:defRPr>
+      </a:lvl3pPr>
+      <a:lvl4pPr marL="1600200" indent="-228600" algn="l" defTabSz="914400" rtl="0" eaLnBrk="1" latinLnBrk="0" hangingPunct="1">
+        <a:lnSpc>
+          <a:spcPct val="90000"/>
+        </a:lnSpc>
+        <a:spcBef>
+          <a:spcPts val="500"/>
+        </a:spcBef>
+        <a:buFont typeface="Arial" panose="020B0604020202020204" pitchFamily="34" charset="0"/>
+        <a:buChar char="•"/>
+        <a:defRPr sz="1800" kern="1200">
+          <a:solidFill>
+            <a:schemeClr val="tx1"/>
+          </a:solidFill>
+          <a:latin typeface="+mn-lt"/>
+          <a:ea typeface="+mn-ea"/>
+          <a:cs typeface="+mn-cs"/>
+        </a:defRPr>
+      </a:lvl4pPr>
+      <a:lvl5pPr marL="2057400" indent="-228600" algn="l" defTabSz="914400" rtl="0" eaLnBrk="1" latinLnBrk="0" hangingPunct="1">
+        <a:lnSpc>
+          <a:spcPct val="90000"/>
+        </a:lnSpc>
+        <a:spcBef>
+          <a:spcPts val="500"/>
+        </a:spcBef>
+        <a:buFont typeface="Arial" panose="020B0604020202020204" pitchFamily="34" charset="0"/>
+        <a:buChar char="•"/>
+        <a:defRPr sz="1800" kern="1200">
+          <a:solidFill>
+            <a:schemeClr val="tx1"/>
+          </a:solidFill>
+          <a:latin typeface="+mn-lt"/>
+          <a:ea typeface="+mn-ea"/>
+          <a:cs typeface="+mn-cs"/>
+        </a:defRPr>
+      </a:lvl5pPr>
+      <a:lvl6pPr marL="2514600" indent="-228600" algn="l" defTabSz="914400" rtl="0" eaLnBrk="1" latinLnBrk="0" hangingPunct="1">
+        <a:lnSpc>
+          <a:spcPct val="90000"/>
+        </a:lnSpc>
+        <a:spcBef>
+          <a:spcPts val="500"/>
+        </a:spcBef>
+        <a:buFont typeface="Arial" panose="020B0604020202020204" pitchFamily="34" charset="0"/>
+        <a:buChar char="•"/>
+        <a:defRPr sz="1800" kern="1200">
+          <a:solidFill>
+            <a:schemeClr val="tx1"/>
+          </a:solidFill>
+          <a:latin typeface="+mn-lt"/>
+          <a:ea typeface="+mn-ea"/>
+          <a:cs typeface="+mn-cs"/>
+        </a:defRPr>
+      </a:lvl6pPr>
+      <a:lvl7pPr marL="2971800" indent="-228600" algn="l" defTabSz="914400" rtl="0" eaLnBrk="1" latinLnBrk="0" hangingPunct="1">
+        <a:lnSpc>
+          <a:spcPct val="90000"/>
+        </a:lnSpc>
+        <a:spcBef>
+          <a:spcPts val="500"/>
+        </a:spcBef>
+        <a:buFont typeface="Arial" panose="020B0604020202020204" pitchFamily="34" charset="0"/>
+        <a:buChar char="•"/>
+        <a:defRPr sz="1800" kern="1200">
+          <a:solidFill>
+            <a:schemeClr val="tx1"/>
+          </a:solidFill>
+          <a:latin typeface="+mn-lt"/>
+          <a:ea typeface="+mn-ea"/>
+          <a:cs typeface="+mn-cs"/>
+        </a:defRPr>
+      </a:lvl7pPr>
+      <a:lvl8pPr marL="3429000" indent="-228600" algn="l" defTabSz="914400" rtl="0" eaLnBrk="1" latinLnBrk="0" hangingPunct="1">
+        <a:lnSpc>
+          <a:spcPct val="90000"/>
+        </a:lnSpc>
+        <a:spcBef>
+          <a:spcPts val="500"/>
+        </a:spcBef>
+        <a:buFont typeface="Arial" panose="020B0604020202020204" pitchFamily="34" charset="0"/>
+        <a:buChar char="•"/>
+        <a:defRPr sz="1800" kern="1200">
+          <a:solidFill>
+            <a:schemeClr val="tx1"/>
+          </a:solidFill>
+          <a:latin typeface="+mn-lt"/>
+          <a:ea typeface="+mn-ea"/>
+          <a:cs typeface="+mn-cs"/>
+        </a:defRPr>
+      </a:lvl8pPr>
+      <a:lvl9pPr marL="3886200" indent="-228600" algn="l" defTabSz="914400" rtl="0" eaLnBrk="1" latinLnBrk="0" hangingPunct="1">
+        <a:lnSpc>
+          <a:spcPct val="90000"/>
+        </a:lnSpc>
+        <a:spcBef>
+          <a:spcPts val="500"/>
+        </a:spcBef>
+        <a:buFont typeface="Arial" panose="020B0604020202020204" pitchFamily="34" charset="0"/>
+        <a:buChar char="•"/>
+        <a:defRPr sz="1800" kern="1200">
+          <a:solidFill>
+            <a:schemeClr val="tx1"/>
+          </a:solidFill>
+          <a:latin typeface="+mn-lt"/>
+          <a:ea typeface="+mn-ea"/>
+          <a:cs typeface="+mn-cs"/>
+        </a:defRPr>
+      </a:lvl9pPr>
+    </p:bodyStyle>
+    <p:otherStyle>
+      <a:defPPr>
+        <a:defRPr lang="fr-FR"/>
+      </a:defPPr>
+      <a:lvl1pPr marL="0" algn="l" defTabSz="914400" rtl="0" eaLnBrk="1" latinLnBrk="0" hangingPunct="1">
+        <a:defRPr sz="1800" kern="1200">
+          <a:solidFill>
+            <a:schemeClr val="tx1"/>
+          </a:solidFill>
+          <a:latin typeface="+mn-lt"/>
+          <a:ea typeface="+mn-ea"/>
+          <a:cs typeface="+mn-cs"/>
+        </a:defRPr>
+      </a:lvl1pPr>
+      <a:lvl2pPr marL="457200" algn="l" defTabSz="914400" rtl="0" eaLnBrk="1" latinLnBrk="0" hangingPunct="1">
+        <a:defRPr sz="1800" kern="1200">
+          <a:solidFill>
+            <a:schemeClr val="tx1"/>
+          </a:solidFill>
+          <a:latin typeface="+mn-lt"/>
+          <a:ea typeface="+mn-ea"/>
+          <a:cs typeface="+mn-cs"/>
+        </a:defRPr>
+      </a:lvl2pPr>
+      <a:lvl3pPr marL="914400" algn="l" defTabSz="914400" rtl="0" eaLnBrk="1" latinLnBrk="0" hangingPunct="1">
+        <a:defRPr sz="1800" kern="1200">
+          <a:solidFill>
+            <a:schemeClr val="tx1"/>
+          </a:solidFill>
+          <a:latin typeface="+mn-lt"/>
+          <a:ea typeface="+mn-ea"/>
+          <a:cs typeface="+mn-cs"/>
+        </a:defRPr>
+      </a:lvl3pPr>
+      <a:lvl4pPr marL="1371600" algn="l" defTabSz="914400" rtl="0" eaLnBrk="1" latinLnBrk="0" hangingPunct="1">
+        <a:defRPr sz="1800" kern="1200">
+          <a:solidFill>
+            <a:schemeClr val="tx1"/>
+          </a:solidFill>
+          <a:latin typeface="+mn-lt"/>
+          <a:ea typeface="+mn-ea"/>
+          <a:cs typeface="+mn-cs"/>
+        </a:defRPr>
+      </a:lvl4pPr>
+      <a:lvl5pPr marL="1828800" algn="l" defTabSz="914400" rtl="0" eaLnBrk="1" latinLnBrk="0" hangingPunct="1">
+        <a:defRPr sz="1800" kern="1200">
+          <a:solidFill>
+            <a:schemeClr val="tx1"/>
+          </a:solidFill>
+          <a:latin typeface="+mn-lt"/>
+          <a:ea typeface="+mn-ea"/>
+          <a:cs typeface="+mn-cs"/>
+        </a:defRPr>
+      </a:lvl5pPr>
+      <a:lvl6pPr marL="2286000" algn="l" defTabSz="914400" rtl="0" eaLnBrk="1" latinLnBrk="0" hangingPunct="1">
+        <a:defRPr sz="1800" kern="1200">
+          <a:solidFill>
+            <a:schemeClr val="tx1"/>
+          </a:solidFill>
+          <a:latin typeface="+mn-lt"/>
+          <a:ea typeface="+mn-ea"/>
+          <a:cs typeface="+mn-cs"/>
+        </a:defRPr>
+      </a:lvl6pPr>
+      <a:lvl7pPr marL="2743200" algn="l" defTabSz="914400" rtl="0" eaLnBrk="1" latinLnBrk="0" hangingPunct="1">
+        <a:defRPr sz="1800" kern="1200">
+          <a:solidFill>
+            <a:schemeClr val="tx1"/>
+          </a:solidFill>
+          <a:latin typeface="+mn-lt"/>
+          <a:ea typeface="+mn-ea"/>
+          <a:cs typeface="+mn-cs"/>
+        </a:defRPr>
+      </a:lvl7pPr>
+      <a:lvl8pPr marL="3200400" algn="l" defTabSz="914400" rtl="0" eaLnBrk="1" latinLnBrk="0" hangingPunct="1">
+        <a:defRPr sz="1800" kern="1200">
+          <a:solidFill>
+            <a:schemeClr val="tx1"/>
+          </a:solidFill>
+          <a:latin typeface="+mn-lt"/>
+          <a:ea typeface="+mn-ea"/>
+          <a:cs typeface="+mn-cs"/>
+        </a:defRPr>
+      </a:lvl8pPr>
+      <a:lvl9pPr marL="3657600" algn="l" defTabSz="914400" rtl="0" eaLnBrk="1" latinLnBrk="0" hangingPunct="1">
+        <a:defRPr sz="1800" kern="1200">
+          <a:solidFill>
+            <a:schemeClr val="tx1"/>
+          </a:solidFill>
+          <a:latin typeface="+mn-lt"/>
+          <a:ea typeface="+mn-ea"/>
+          <a:cs typeface="+mn-cs"/>
+        </a:defRPr>
+      </a:lvl9pPr>
+    </p:otherStyle>
+  </p:txStyles>
 </p:sldMaster>
 </file>
 
 <file path=ppt/slideMasters/slideMaster2.xml><?xml version="1.0" encoding="utf-8"?>
-<p:sldMaster xmlns:a="http://schemas.openxmlformats.org/drawingml/2006/main" xmlns:p="http://schemas.openxmlformats.org/presentationml/2006/main" xmlns:r="http://schemas.openxmlformats.org/officeDocument/2006/relationships" xmlns:p14="http://schemas.microsoft.com/office/powerpoint/2010/main" xmlns:p15="http://schemas.microsoft.com/office/powerpoint/2012/main" xmlns:mc="http://schemas.openxmlformats.org/markup-compatibility/2006">
+<p:sldMaster xmlns:a="http://schemas.openxmlformats.org/drawingml/2006/main" xmlns:r="http://schemas.openxmlformats.org/officeDocument/2006/relationships" xmlns:p="http://schemas.openxmlformats.org/presentationml/2006/main">
   <p:cSld>
     <p:bg>
       <p:bgPr>
         <a:gradFill rotWithShape="0">
           <a:gsLst>
             <a:gs pos="0">
-              <a:srgbClr val="ffffff"/>
+              <a:srgbClr val="FFFFFF"/>
             </a:gs>
             <a:gs pos="100000">
-              <a:srgbClr val="ffffff">
+              <a:srgbClr val="FFFFFF">
                 <a:alpha val="0"/>
               </a:srgbClr>
             </a:gs>
           </a:gsLst>
           <a:lin ang="1200000"/>
         </a:gradFill>
+        <a:effectLst/>
       </p:bgPr>
     </p:bg>
     <p:spTree>
@@ -3099,12 +3604,12 @@
       </p:grpSpPr>
       <p:pic>
         <p:nvPicPr>
-          <p:cNvPr id="41" name="V Logo - Dark Master" descr=""/>
+          <p:cNvPr id="41" name="V Logo - Dark Master"/>
           <p:cNvPicPr/>
           <p:nvPr/>
         </p:nvPicPr>
         <p:blipFill>
-          <a:blip r:embed="rId2"/>
+          <a:blip r:embed="rId14"/>
           <a:stretch/>
         </p:blipFill>
         <p:spPr>
@@ -3140,20 +3645,18 @@
           </a:prstGeom>
         </p:spPr>
         <p:txBody>
-          <a:bodyPr lIns="0" rIns="0" tIns="0" bIns="0" anchor="ctr">
+          <a:bodyPr lIns="0" tIns="0" rIns="0" bIns="0" anchor="ctr">
             <a:noAutofit/>
           </a:bodyPr>
+          <a:lstStyle/>
           <a:p>
             <a:pPr algn="ctr"/>
             <a:r>
-              <a:rPr b="0" lang="fr-FR" sz="4400" spc="-1" strike="noStrike">
+              <a:rPr lang="fr-FR" sz="4400" b="0" strike="noStrike" spc="-1">
                 <a:latin typeface="Arial"/>
               </a:rPr>
               <a:t>Click to edit the title text format</a:t>
             </a:r>
-            <a:endParaRPr b="0" lang="fr-FR" sz="4400" spc="-1" strike="noStrike">
-              <a:latin typeface="Arial"/>
-            </a:endParaRPr>
           </a:p>
         </p:txBody>
       </p:sp>
@@ -3177,9 +3680,10 @@
           </a:prstGeom>
         </p:spPr>
         <p:txBody>
-          <a:bodyPr lIns="0" rIns="0" tIns="0" bIns="0">
+          <a:bodyPr lIns="0" tIns="0" rIns="0" bIns="0">
             <a:normAutofit/>
           </a:bodyPr>
+          <a:lstStyle/>
           <a:p>
             <a:pPr marL="432000" indent="-324000">
               <a:spcBef>
@@ -3193,17 +3697,14 @@
               <a:buChar char=""/>
             </a:pPr>
             <a:r>
-              <a:rPr b="0" lang="fr-FR" sz="3200" spc="-1" strike="noStrike">
+              <a:rPr lang="fr-FR" sz="3200" b="0" strike="noStrike" spc="-1">
                 <a:latin typeface="Arial"/>
               </a:rPr>
               <a:t>Click to edit the outline text format</a:t>
             </a:r>
-            <a:endParaRPr b="0" lang="fr-FR" sz="3200" spc="-1" strike="noStrike">
-              <a:latin typeface="Arial"/>
-            </a:endParaRPr>
-          </a:p>
-          <a:p>
-            <a:pPr lvl="1" marL="864000" indent="-324000">
+          </a:p>
+          <a:p>
+            <a:pPr marL="864000" lvl="1" indent="-324000">
               <a:spcBef>
                 <a:spcPts val="1134"/>
               </a:spcBef>
@@ -3215,17 +3716,14 @@
               <a:buChar char=""/>
             </a:pPr>
             <a:r>
-              <a:rPr b="0" lang="fr-FR" sz="2800" spc="-1" strike="noStrike">
+              <a:rPr lang="fr-FR" sz="2800" b="0" strike="noStrike" spc="-1">
                 <a:latin typeface="Arial"/>
               </a:rPr>
               <a:t>Second Outline Level</a:t>
             </a:r>
-            <a:endParaRPr b="0" lang="fr-FR" sz="2800" spc="-1" strike="noStrike">
-              <a:latin typeface="Arial"/>
-            </a:endParaRPr>
-          </a:p>
-          <a:p>
-            <a:pPr lvl="2" marL="1296000" indent="-288000">
+          </a:p>
+          <a:p>
+            <a:pPr marL="1296000" lvl="2" indent="-288000">
               <a:spcBef>
                 <a:spcPts val="850"/>
               </a:spcBef>
@@ -3237,17 +3735,14 @@
               <a:buChar char=""/>
             </a:pPr>
             <a:r>
-              <a:rPr b="0" lang="fr-FR" sz="2400" spc="-1" strike="noStrike">
+              <a:rPr lang="fr-FR" sz="2400" b="0" strike="noStrike" spc="-1">
                 <a:latin typeface="Arial"/>
               </a:rPr>
               <a:t>Third Outline Level</a:t>
             </a:r>
-            <a:endParaRPr b="0" lang="fr-FR" sz="2400" spc="-1" strike="noStrike">
-              <a:latin typeface="Arial"/>
-            </a:endParaRPr>
-          </a:p>
-          <a:p>
-            <a:pPr lvl="3" marL="1728000" indent="-216000">
+          </a:p>
+          <a:p>
+            <a:pPr marL="1728000" lvl="3" indent="-216000">
               <a:spcBef>
                 <a:spcPts val="567"/>
               </a:spcBef>
@@ -3259,17 +3754,14 @@
               <a:buChar char=""/>
             </a:pPr>
             <a:r>
-              <a:rPr b="0" lang="fr-FR" sz="2000" spc="-1" strike="noStrike">
+              <a:rPr lang="fr-FR" sz="2000" b="0" strike="noStrike" spc="-1">
                 <a:latin typeface="Arial"/>
               </a:rPr>
               <a:t>Fourth Outline Level</a:t>
             </a:r>
-            <a:endParaRPr b="0" lang="fr-FR" sz="2000" spc="-1" strike="noStrike">
-              <a:latin typeface="Arial"/>
-            </a:endParaRPr>
-          </a:p>
-          <a:p>
-            <a:pPr lvl="4" marL="2160000" indent="-216000">
+          </a:p>
+          <a:p>
+            <a:pPr marL="2160000" lvl="4" indent="-216000">
               <a:spcBef>
                 <a:spcPts val="283"/>
               </a:spcBef>
@@ -3281,17 +3773,14 @@
               <a:buChar char=""/>
             </a:pPr>
             <a:r>
-              <a:rPr b="0" lang="fr-FR" sz="2000" spc="-1" strike="noStrike">
+              <a:rPr lang="fr-FR" sz="2000" b="0" strike="noStrike" spc="-1">
                 <a:latin typeface="Arial"/>
               </a:rPr>
               <a:t>Fifth Outline Level</a:t>
             </a:r>
-            <a:endParaRPr b="0" lang="fr-FR" sz="2000" spc="-1" strike="noStrike">
-              <a:latin typeface="Arial"/>
-            </a:endParaRPr>
-          </a:p>
-          <a:p>
-            <a:pPr lvl="5" marL="2592000" indent="-216000">
+          </a:p>
+          <a:p>
+            <a:pPr marL="2592000" lvl="5" indent="-216000">
               <a:spcBef>
                 <a:spcPts val="283"/>
               </a:spcBef>
@@ -3303,17 +3792,14 @@
               <a:buChar char=""/>
             </a:pPr>
             <a:r>
-              <a:rPr b="0" lang="fr-FR" sz="2000" spc="-1" strike="noStrike">
+              <a:rPr lang="fr-FR" sz="2000" b="0" strike="noStrike" spc="-1">
                 <a:latin typeface="Arial"/>
               </a:rPr>
               <a:t>Sixth Outline Level</a:t>
             </a:r>
-            <a:endParaRPr b="0" lang="fr-FR" sz="2000" spc="-1" strike="noStrike">
-              <a:latin typeface="Arial"/>
-            </a:endParaRPr>
-          </a:p>
-          <a:p>
-            <a:pPr lvl="6" marL="3024000" indent="-216000">
+          </a:p>
+          <a:p>
+            <a:pPr marL="3024000" lvl="6" indent="-216000">
               <a:spcBef>
                 <a:spcPts val="283"/>
               </a:spcBef>
@@ -3325,46 +3811,324 @@
               <a:buChar char=""/>
             </a:pPr>
             <a:r>
-              <a:rPr b="0" lang="fr-FR" sz="2000" spc="-1" strike="noStrike">
+              <a:rPr lang="fr-FR" sz="2000" b="0" strike="noStrike" spc="-1">
                 <a:latin typeface="Arial"/>
               </a:rPr>
               <a:t>Seventh Outline Level</a:t>
             </a:r>
-            <a:endParaRPr b="0" lang="fr-FR" sz="2000" spc="-1" strike="noStrike">
-              <a:latin typeface="Arial"/>
-            </a:endParaRPr>
           </a:p>
         </p:txBody>
       </p:sp>
     </p:spTree>
   </p:cSld>
-  <p:clrMap bg1="lt1" bg2="lt2" tx1="dk1" tx2="dk2" accent1="accent1" accent2="accent2" accent3="accent3" accent4="accent4" accent5="accent5" accent6="accent6" hlink="hlink" folHlink="folHlink"/>
+  <p:clrMap bg1="lt1" tx1="dk1" bg2="lt2" tx2="dk2" accent1="accent1" accent2="accent2" accent3="accent3" accent4="accent4" accent5="accent5" accent6="accent6" hlink="hlink" folHlink="folHlink"/>
   <p:sldLayoutIdLst>
-    <p:sldLayoutId id="2147483662" r:id="rId3"/>
-    <p:sldLayoutId id="2147483663" r:id="rId4"/>
-    <p:sldLayoutId id="2147483664" r:id="rId5"/>
-    <p:sldLayoutId id="2147483665" r:id="rId6"/>
-    <p:sldLayoutId id="2147483666" r:id="rId7"/>
-    <p:sldLayoutId id="2147483667" r:id="rId8"/>
-    <p:sldLayoutId id="2147483668" r:id="rId9"/>
-    <p:sldLayoutId id="2147483669" r:id="rId10"/>
-    <p:sldLayoutId id="2147483670" r:id="rId11"/>
-    <p:sldLayoutId id="2147483671" r:id="rId12"/>
-    <p:sldLayoutId id="2147483672" r:id="rId13"/>
-    <p:sldLayoutId id="2147483673" r:id="rId14"/>
+    <p:sldLayoutId id="2147483662" r:id="rId1"/>
+    <p:sldLayoutId id="2147483663" r:id="rId2"/>
+    <p:sldLayoutId id="2147483664" r:id="rId3"/>
+    <p:sldLayoutId id="2147483665" r:id="rId4"/>
+    <p:sldLayoutId id="2147483666" r:id="rId5"/>
+    <p:sldLayoutId id="2147483667" r:id="rId6"/>
+    <p:sldLayoutId id="2147483668" r:id="rId7"/>
+    <p:sldLayoutId id="2147483669" r:id="rId8"/>
+    <p:sldLayoutId id="2147483670" r:id="rId9"/>
+    <p:sldLayoutId id="2147483671" r:id="rId10"/>
+    <p:sldLayoutId id="2147483672" r:id="rId11"/>
+    <p:sldLayoutId id="2147483673" r:id="rId12"/>
   </p:sldLayoutIdLst>
+  <p:txStyles>
+    <p:titleStyle>
+      <a:lvl1pPr algn="l" defTabSz="914400" rtl="0" eaLnBrk="1" latinLnBrk="0" hangingPunct="1">
+        <a:lnSpc>
+          <a:spcPct val="90000"/>
+        </a:lnSpc>
+        <a:spcBef>
+          <a:spcPct val="0"/>
+        </a:spcBef>
+        <a:buNone/>
+        <a:defRPr sz="4400" kern="1200">
+          <a:solidFill>
+            <a:schemeClr val="tx1"/>
+          </a:solidFill>
+          <a:latin typeface="+mj-lt"/>
+          <a:ea typeface="+mj-ea"/>
+          <a:cs typeface="+mj-cs"/>
+        </a:defRPr>
+      </a:lvl1pPr>
+    </p:titleStyle>
+    <p:bodyStyle>
+      <a:lvl1pPr marL="228600" indent="-228600" algn="l" defTabSz="914400" rtl="0" eaLnBrk="1" latinLnBrk="0" hangingPunct="1">
+        <a:lnSpc>
+          <a:spcPct val="90000"/>
+        </a:lnSpc>
+        <a:spcBef>
+          <a:spcPts val="1000"/>
+        </a:spcBef>
+        <a:buFont typeface="Arial" panose="020B0604020202020204" pitchFamily="34" charset="0"/>
+        <a:buChar char="•"/>
+        <a:defRPr sz="2800" kern="1200">
+          <a:solidFill>
+            <a:schemeClr val="tx1"/>
+          </a:solidFill>
+          <a:latin typeface="+mn-lt"/>
+          <a:ea typeface="+mn-ea"/>
+          <a:cs typeface="+mn-cs"/>
+        </a:defRPr>
+      </a:lvl1pPr>
+      <a:lvl2pPr marL="685800" indent="-228600" algn="l" defTabSz="914400" rtl="0" eaLnBrk="1" latinLnBrk="0" hangingPunct="1">
+        <a:lnSpc>
+          <a:spcPct val="90000"/>
+        </a:lnSpc>
+        <a:spcBef>
+          <a:spcPts val="500"/>
+        </a:spcBef>
+        <a:buFont typeface="Arial" panose="020B0604020202020204" pitchFamily="34" charset="0"/>
+        <a:buChar char="•"/>
+        <a:defRPr sz="2400" kern="1200">
+          <a:solidFill>
+            <a:schemeClr val="tx1"/>
+          </a:solidFill>
+          <a:latin typeface="+mn-lt"/>
+          <a:ea typeface="+mn-ea"/>
+          <a:cs typeface="+mn-cs"/>
+        </a:defRPr>
+      </a:lvl2pPr>
+      <a:lvl3pPr marL="1143000" indent="-228600" algn="l" defTabSz="914400" rtl="0" eaLnBrk="1" latinLnBrk="0" hangingPunct="1">
+        <a:lnSpc>
+          <a:spcPct val="90000"/>
+        </a:lnSpc>
+        <a:spcBef>
+          <a:spcPts val="500"/>
+        </a:spcBef>
+        <a:buFont typeface="Arial" panose="020B0604020202020204" pitchFamily="34" charset="0"/>
+        <a:buChar char="•"/>
+        <a:defRPr sz="2000" kern="1200">
+          <a:solidFill>
+            <a:schemeClr val="tx1"/>
+          </a:solidFill>
+          <a:latin typeface="+mn-lt"/>
+          <a:ea typeface="+mn-ea"/>
+          <a:cs typeface="+mn-cs"/>
+        </a:defRPr>
+      </a:lvl3pPr>
+      <a:lvl4pPr marL="1600200" indent="-228600" algn="l" defTabSz="914400" rtl="0" eaLnBrk="1" latinLnBrk="0" hangingPunct="1">
+        <a:lnSpc>
+          <a:spcPct val="90000"/>
+        </a:lnSpc>
+        <a:spcBef>
+          <a:spcPts val="500"/>
+        </a:spcBef>
+        <a:buFont typeface="Arial" panose="020B0604020202020204" pitchFamily="34" charset="0"/>
+        <a:buChar char="•"/>
+        <a:defRPr sz="1800" kern="1200">
+          <a:solidFill>
+            <a:schemeClr val="tx1"/>
+          </a:solidFill>
+          <a:latin typeface="+mn-lt"/>
+          <a:ea typeface="+mn-ea"/>
+          <a:cs typeface="+mn-cs"/>
+        </a:defRPr>
+      </a:lvl4pPr>
+      <a:lvl5pPr marL="2057400" indent="-228600" algn="l" defTabSz="914400" rtl="0" eaLnBrk="1" latinLnBrk="0" hangingPunct="1">
+        <a:lnSpc>
+          <a:spcPct val="90000"/>
+        </a:lnSpc>
+        <a:spcBef>
+          <a:spcPts val="500"/>
+        </a:spcBef>
+        <a:buFont typeface="Arial" panose="020B0604020202020204" pitchFamily="34" charset="0"/>
+        <a:buChar char="•"/>
+        <a:defRPr sz="1800" kern="1200">
+          <a:solidFill>
+            <a:schemeClr val="tx1"/>
+          </a:solidFill>
+          <a:latin typeface="+mn-lt"/>
+          <a:ea typeface="+mn-ea"/>
+          <a:cs typeface="+mn-cs"/>
+        </a:defRPr>
+      </a:lvl5pPr>
+      <a:lvl6pPr marL="2514600" indent="-228600" algn="l" defTabSz="914400" rtl="0" eaLnBrk="1" latinLnBrk="0" hangingPunct="1">
+        <a:lnSpc>
+          <a:spcPct val="90000"/>
+        </a:lnSpc>
+        <a:spcBef>
+          <a:spcPts val="500"/>
+        </a:spcBef>
+        <a:buFont typeface="Arial" panose="020B0604020202020204" pitchFamily="34" charset="0"/>
+        <a:buChar char="•"/>
+        <a:defRPr sz="1800" kern="1200">
+          <a:solidFill>
+            <a:schemeClr val="tx1"/>
+          </a:solidFill>
+          <a:latin typeface="+mn-lt"/>
+          <a:ea typeface="+mn-ea"/>
+          <a:cs typeface="+mn-cs"/>
+        </a:defRPr>
+      </a:lvl6pPr>
+      <a:lvl7pPr marL="2971800" indent="-228600" algn="l" defTabSz="914400" rtl="0" eaLnBrk="1" latinLnBrk="0" hangingPunct="1">
+        <a:lnSpc>
+          <a:spcPct val="90000"/>
+        </a:lnSpc>
+        <a:spcBef>
+          <a:spcPts val="500"/>
+        </a:spcBef>
+        <a:buFont typeface="Arial" panose="020B0604020202020204" pitchFamily="34" charset="0"/>
+        <a:buChar char="•"/>
+        <a:defRPr sz="1800" kern="1200">
+          <a:solidFill>
+            <a:schemeClr val="tx1"/>
+          </a:solidFill>
+          <a:latin typeface="+mn-lt"/>
+          <a:ea typeface="+mn-ea"/>
+          <a:cs typeface="+mn-cs"/>
+        </a:defRPr>
+      </a:lvl7pPr>
+      <a:lvl8pPr marL="3429000" indent="-228600" algn="l" defTabSz="914400" rtl="0" eaLnBrk="1" latinLnBrk="0" hangingPunct="1">
+        <a:lnSpc>
+          <a:spcPct val="90000"/>
+        </a:lnSpc>
+        <a:spcBef>
+          <a:spcPts val="500"/>
+        </a:spcBef>
+        <a:buFont typeface="Arial" panose="020B0604020202020204" pitchFamily="34" charset="0"/>
+        <a:buChar char="•"/>
+        <a:defRPr sz="1800" kern="1200">
+          <a:solidFill>
+            <a:schemeClr val="tx1"/>
+          </a:solidFill>
+          <a:latin typeface="+mn-lt"/>
+          <a:ea typeface="+mn-ea"/>
+          <a:cs typeface="+mn-cs"/>
+        </a:defRPr>
+      </a:lvl8pPr>
+      <a:lvl9pPr marL="3886200" indent="-228600" algn="l" defTabSz="914400" rtl="0" eaLnBrk="1" latinLnBrk="0" hangingPunct="1">
+        <a:lnSpc>
+          <a:spcPct val="90000"/>
+        </a:lnSpc>
+        <a:spcBef>
+          <a:spcPts val="500"/>
+        </a:spcBef>
+        <a:buFont typeface="Arial" panose="020B0604020202020204" pitchFamily="34" charset="0"/>
+        <a:buChar char="•"/>
+        <a:defRPr sz="1800" kern="1200">
+          <a:solidFill>
+            <a:schemeClr val="tx1"/>
+          </a:solidFill>
+          <a:latin typeface="+mn-lt"/>
+          <a:ea typeface="+mn-ea"/>
+          <a:cs typeface="+mn-cs"/>
+        </a:defRPr>
+      </a:lvl9pPr>
+    </p:bodyStyle>
+    <p:otherStyle>
+      <a:defPPr>
+        <a:defRPr lang="fr-FR"/>
+      </a:defPPr>
+      <a:lvl1pPr marL="0" algn="l" defTabSz="914400" rtl="0" eaLnBrk="1" latinLnBrk="0" hangingPunct="1">
+        <a:defRPr sz="1800" kern="1200">
+          <a:solidFill>
+            <a:schemeClr val="tx1"/>
+          </a:solidFill>
+          <a:latin typeface="+mn-lt"/>
+          <a:ea typeface="+mn-ea"/>
+          <a:cs typeface="+mn-cs"/>
+        </a:defRPr>
+      </a:lvl1pPr>
+      <a:lvl2pPr marL="457200" algn="l" defTabSz="914400" rtl="0" eaLnBrk="1" latinLnBrk="0" hangingPunct="1">
+        <a:defRPr sz="1800" kern="1200">
+          <a:solidFill>
+            <a:schemeClr val="tx1"/>
+          </a:solidFill>
+          <a:latin typeface="+mn-lt"/>
+          <a:ea typeface="+mn-ea"/>
+          <a:cs typeface="+mn-cs"/>
+        </a:defRPr>
+      </a:lvl2pPr>
+      <a:lvl3pPr marL="914400" algn="l" defTabSz="914400" rtl="0" eaLnBrk="1" latinLnBrk="0" hangingPunct="1">
+        <a:defRPr sz="1800" kern="1200">
+          <a:solidFill>
+            <a:schemeClr val="tx1"/>
+          </a:solidFill>
+          <a:latin typeface="+mn-lt"/>
+          <a:ea typeface="+mn-ea"/>
+          <a:cs typeface="+mn-cs"/>
+        </a:defRPr>
+      </a:lvl3pPr>
+      <a:lvl4pPr marL="1371600" algn="l" defTabSz="914400" rtl="0" eaLnBrk="1" latinLnBrk="0" hangingPunct="1">
+        <a:defRPr sz="1800" kern="1200">
+          <a:solidFill>
+            <a:schemeClr val="tx1"/>
+          </a:solidFill>
+          <a:latin typeface="+mn-lt"/>
+          <a:ea typeface="+mn-ea"/>
+          <a:cs typeface="+mn-cs"/>
+        </a:defRPr>
+      </a:lvl4pPr>
+      <a:lvl5pPr marL="1828800" algn="l" defTabSz="914400" rtl="0" eaLnBrk="1" latinLnBrk="0" hangingPunct="1">
+        <a:defRPr sz="1800" kern="1200">
+          <a:solidFill>
+            <a:schemeClr val="tx1"/>
+          </a:solidFill>
+          <a:latin typeface="+mn-lt"/>
+          <a:ea typeface="+mn-ea"/>
+          <a:cs typeface="+mn-cs"/>
+        </a:defRPr>
+      </a:lvl5pPr>
+      <a:lvl6pPr marL="2286000" algn="l" defTabSz="914400" rtl="0" eaLnBrk="1" latinLnBrk="0" hangingPunct="1">
+        <a:defRPr sz="1800" kern="1200">
+          <a:solidFill>
+            <a:schemeClr val="tx1"/>
+          </a:solidFill>
+          <a:latin typeface="+mn-lt"/>
+          <a:ea typeface="+mn-ea"/>
+          <a:cs typeface="+mn-cs"/>
+        </a:defRPr>
+      </a:lvl6pPr>
+      <a:lvl7pPr marL="2743200" algn="l" defTabSz="914400" rtl="0" eaLnBrk="1" latinLnBrk="0" hangingPunct="1">
+        <a:defRPr sz="1800" kern="1200">
+          <a:solidFill>
+            <a:schemeClr val="tx1"/>
+          </a:solidFill>
+          <a:latin typeface="+mn-lt"/>
+          <a:ea typeface="+mn-ea"/>
+          <a:cs typeface="+mn-cs"/>
+        </a:defRPr>
+      </a:lvl7pPr>
+      <a:lvl8pPr marL="3200400" algn="l" defTabSz="914400" rtl="0" eaLnBrk="1" latinLnBrk="0" hangingPunct="1">
+        <a:defRPr sz="1800" kern="1200">
+          <a:solidFill>
+            <a:schemeClr val="tx1"/>
+          </a:solidFill>
+          <a:latin typeface="+mn-lt"/>
+          <a:ea typeface="+mn-ea"/>
+          <a:cs typeface="+mn-cs"/>
+        </a:defRPr>
+      </a:lvl8pPr>
+      <a:lvl9pPr marL="3657600" algn="l" defTabSz="914400" rtl="0" eaLnBrk="1" latinLnBrk="0" hangingPunct="1">
+        <a:defRPr sz="1800" kern="1200">
+          <a:solidFill>
+            <a:schemeClr val="tx1"/>
+          </a:solidFill>
+          <a:latin typeface="+mn-lt"/>
+          <a:ea typeface="+mn-ea"/>
+          <a:cs typeface="+mn-cs"/>
+        </a:defRPr>
+      </a:lvl9pPr>
+    </p:otherStyle>
+  </p:txStyles>
 </p:sldMaster>
 </file>
 
 <file path=ppt/slides/slide1.xml><?xml version="1.0" encoding="utf-8"?>
-<p:sld xmlns:a="http://schemas.openxmlformats.org/drawingml/2006/main" xmlns:p="http://schemas.openxmlformats.org/presentationml/2006/main" xmlns:r="http://schemas.openxmlformats.org/officeDocument/2006/relationships" xmlns:p14="http://schemas.microsoft.com/office/powerpoint/2010/main" xmlns:p15="http://schemas.microsoft.com/office/powerpoint/2012/main" xmlns:mc="http://schemas.openxmlformats.org/markup-compatibility/2006">
+<p:sld xmlns:a="http://schemas.openxmlformats.org/drawingml/2006/main" xmlns:r="http://schemas.openxmlformats.org/officeDocument/2006/relationships" xmlns:p="http://schemas.openxmlformats.org/presentationml/2006/main">
   <p:cSld>
     <p:bg>
       <p:bgPr>
         <a:blipFill rotWithShape="0">
-          <a:blip r:embed="rId1"/>
+          <a:blip r:embed="rId2"/>
           <a:stretch/>
         </a:blipFill>
+        <a:effectLst/>
       </p:bgPr>
     </p:bg>
     <p:spTree>
@@ -3401,15 +4165,22 @@
           </a:ln>
         </p:spPr>
         <p:style>
-          <a:lnRef idx="0"/>
-          <a:fillRef idx="0"/>
-          <a:effectRef idx="0"/>
+          <a:lnRef idx="0">
+            <a:scrgbClr r="0" g="0" b="0"/>
+          </a:lnRef>
+          <a:fillRef idx="0">
+            <a:scrgbClr r="0" g="0" b="0"/>
+          </a:fillRef>
+          <a:effectRef idx="0">
+            <a:scrgbClr r="0" g="0" b="0"/>
+          </a:effectRef>
           <a:fontRef idx="minor"/>
         </p:style>
         <p:txBody>
-          <a:bodyPr lIns="90000" rIns="0" tIns="0" bIns="46800" anchor="b">
+          <a:bodyPr lIns="90000" tIns="0" rIns="0" bIns="46800" anchor="b">
             <a:noAutofit/>
           </a:bodyPr>
+          <a:lstStyle/>
           <a:p>
             <a:pPr>
               <a:lnSpc>
@@ -3417,9 +4188,9 @@
               </a:lnSpc>
             </a:pPr>
             <a:r>
-              <a:rPr b="1" lang="en-US" sz="6000" spc="-1" strike="noStrike">
-                <a:solidFill>
-                  <a:srgbClr val="ffffff"/>
+              <a:rPr lang="en-US" sz="6000" b="1" strike="noStrike" spc="-1">
+                <a:solidFill>
+                  <a:srgbClr val="FFFFFF"/>
                 </a:solidFill>
                 <a:latin typeface="Helvetica Neue"/>
                 <a:ea typeface="Helvetica Neue"/>
@@ -3428,16 +4199,16 @@
             </a:r>
             <a:br/>
             <a:r>
-              <a:rPr b="1" lang="en-US" sz="6000" spc="-1" strike="noStrike">
-                <a:solidFill>
-                  <a:srgbClr val="ffffff"/>
+              <a:rPr lang="en-US" sz="6000" b="1" strike="noStrike" spc="-1">
+                <a:solidFill>
+                  <a:srgbClr val="FFFFFF"/>
                 </a:solidFill>
                 <a:latin typeface="Helvetica Neue"/>
                 <a:ea typeface="Helvetica Neue"/>
               </a:rPr>
               <a:t>Training Exercises</a:t>
             </a:r>
-            <a:endParaRPr b="0" lang="fr-FR" sz="6000" spc="-1" strike="noStrike">
+            <a:endParaRPr lang="fr-FR" sz="6000" b="0" strike="noStrike" spc="-1">
               <a:latin typeface="Arial"/>
             </a:endParaRPr>
           </a:p>
@@ -3448,16 +4219,16 @@
               </a:lnSpc>
             </a:pPr>
             <a:r>
-              <a:rPr b="1" lang="en-US" sz="6000" spc="-1" strike="noStrike">
-                <a:solidFill>
-                  <a:srgbClr val="ffffff"/>
+              <a:rPr lang="en-US" sz="6000" b="1" strike="noStrike" spc="-1">
+                <a:solidFill>
+                  <a:srgbClr val="FFFFFF"/>
                 </a:solidFill>
                 <a:latin typeface="Helvetica Neue"/>
                 <a:ea typeface="Helvetica Neue"/>
               </a:rPr>
               <a:t>Work with Streams</a:t>
             </a:r>
-            <a:endParaRPr b="0" lang="fr-FR" sz="6000" spc="-1" strike="noStrike">
+            <a:endParaRPr lang="fr-FR" sz="6000" b="0" strike="noStrike" spc="-1">
               <a:latin typeface="Arial"/>
             </a:endParaRPr>
           </a:p>
@@ -3483,15 +4254,22 @@
           </a:ln>
         </p:spPr>
         <p:style>
-          <a:lnRef idx="0"/>
-          <a:fillRef idx="0"/>
-          <a:effectRef idx="0"/>
+          <a:lnRef idx="0">
+            <a:scrgbClr r="0" g="0" b="0"/>
+          </a:lnRef>
+          <a:fillRef idx="0">
+            <a:scrgbClr r="0" g="0" b="0"/>
+          </a:fillRef>
+          <a:effectRef idx="0">
+            <a:scrgbClr r="0" g="0" b="0"/>
+          </a:effectRef>
           <a:fontRef idx="minor"/>
         </p:style>
         <p:txBody>
-          <a:bodyPr lIns="0" rIns="0" tIns="0" bIns="0">
+          <a:bodyPr lIns="0" tIns="0" rIns="0" bIns="0">
             <a:noAutofit/>
           </a:bodyPr>
+          <a:lstStyle/>
           <a:p>
             <a:pPr>
               <a:lnSpc>
@@ -3504,20 +4282,20 @@
                 <a:spcPts val="1001"/>
               </a:spcAft>
               <a:tabLst>
-                <a:tab algn="l" pos="0"/>
+                <a:tab pos="0" algn="l"/>
               </a:tabLst>
             </a:pPr>
             <a:r>
-              <a:rPr b="0" lang="en-US" sz="1800" spc="-1" strike="noStrike">
-                <a:solidFill>
-                  <a:srgbClr val="ffffff"/>
+              <a:rPr lang="en-US" sz="1800" b="0" strike="noStrike" spc="-1">
+                <a:solidFill>
+                  <a:srgbClr val="FFFFFF"/>
                 </a:solidFill>
                 <a:latin typeface="Helvetica Neue"/>
                 <a:ea typeface="Helvetica Neue"/>
               </a:rPr>
               <a:t>Thomas DECOSTER</a:t>
             </a:r>
-            <a:endParaRPr b="0" lang="fr-FR" sz="1800" spc="-1" strike="noStrike">
+            <a:endParaRPr lang="fr-FR" sz="1800" b="0" strike="noStrike" spc="-1">
               <a:latin typeface="Arial"/>
             </a:endParaRPr>
           </a:p>
@@ -3543,15 +4321,22 @@
           </a:ln>
         </p:spPr>
         <p:style>
-          <a:lnRef idx="0"/>
-          <a:fillRef idx="0"/>
-          <a:effectRef idx="0"/>
+          <a:lnRef idx="0">
+            <a:scrgbClr r="0" g="0" b="0"/>
+          </a:lnRef>
+          <a:fillRef idx="0">
+            <a:scrgbClr r="0" g="0" b="0"/>
+          </a:fillRef>
+          <a:effectRef idx="0">
+            <a:scrgbClr r="0" g="0" b="0"/>
+          </a:effectRef>
           <a:fontRef idx="minor"/>
         </p:style>
         <p:txBody>
-          <a:bodyPr lIns="0" rIns="0" tIns="0" bIns="0">
+          <a:bodyPr lIns="0" tIns="0" rIns="0" bIns="0">
             <a:noAutofit/>
           </a:bodyPr>
+          <a:lstStyle/>
           <a:p>
             <a:pPr>
               <a:lnSpc>
@@ -3564,20 +4349,20 @@
                 <a:spcPts val="1001"/>
               </a:spcAft>
               <a:tabLst>
-                <a:tab algn="l" pos="0"/>
+                <a:tab pos="0" algn="l"/>
               </a:tabLst>
             </a:pPr>
             <a:r>
-              <a:rPr b="0" lang="en-US" sz="1800" spc="-1" strike="noStrike">
-                <a:solidFill>
-                  <a:srgbClr val="ffffff"/>
+              <a:rPr lang="en-US" sz="1800" b="0" strike="noStrike" spc="-1">
+                <a:solidFill>
+                  <a:srgbClr val="FFFFFF"/>
                 </a:solidFill>
                 <a:latin typeface="Helvetica Neue Light"/>
                 <a:ea typeface="Helvetica Neue Light"/>
               </a:rPr>
               <a:t>Java Senior Consultant</a:t>
             </a:r>
-            <a:endParaRPr b="0" lang="fr-FR" sz="1800" spc="-1" strike="noStrike">
+            <a:endParaRPr lang="fr-FR" sz="1800" b="0" strike="noStrike" spc="-1">
               <a:latin typeface="Arial"/>
             </a:endParaRPr>
           </a:p>
@@ -3603,15 +4388,22 @@
           </a:ln>
         </p:spPr>
         <p:style>
-          <a:lnRef idx="0"/>
-          <a:fillRef idx="0"/>
-          <a:effectRef idx="0"/>
+          <a:lnRef idx="0">
+            <a:scrgbClr r="0" g="0" b="0"/>
+          </a:lnRef>
+          <a:fillRef idx="0">
+            <a:scrgbClr r="0" g="0" b="0"/>
+          </a:fillRef>
+          <a:effectRef idx="0">
+            <a:scrgbClr r="0" g="0" b="0"/>
+          </a:effectRef>
           <a:fontRef idx="minor"/>
         </p:style>
         <p:txBody>
-          <a:bodyPr lIns="90000" rIns="90000" tIns="45000" bIns="45000" anchor="ctr">
+          <a:bodyPr lIns="90000" tIns="45000" rIns="90000" bIns="45000" anchor="ctr">
             <a:noAutofit/>
           </a:bodyPr>
+          <a:lstStyle/>
           <a:p>
             <a:pPr>
               <a:lnSpc>
@@ -3619,16 +4411,16 @@
               </a:lnSpc>
             </a:pPr>
             <a:fld id="{37D8E986-AD56-4057-8C62-3C1FDC66CBA7}" type="slidenum">
-              <a:rPr b="1" lang="de-DE" sz="800" spc="-1" strike="noStrike">
+              <a:rPr lang="de-DE" sz="800" b="1" strike="noStrike" spc="-1">
                 <a:solidFill>
                   <a:srgbClr val="202020"/>
                 </a:solidFill>
                 <a:latin typeface="Helvetica Neue"/>
                 <a:ea typeface="Helvetica Neue"/>
               </a:rPr>
-              <a:t>&lt;number&gt;</a:t>
+              <a:t>1</a:t>
             </a:fld>
-            <a:endParaRPr b="0" lang="fr-FR" sz="800" spc="-1" strike="noStrike">
+            <a:endParaRPr lang="fr-FR" sz="800" b="0" strike="noStrike" spc="-1">
               <a:latin typeface="Arial"/>
             </a:endParaRPr>
           </a:p>
@@ -3654,15 +4446,22 @@
           </a:ln>
         </p:spPr>
         <p:style>
-          <a:lnRef idx="0"/>
-          <a:fillRef idx="0"/>
-          <a:effectRef idx="0"/>
+          <a:lnRef idx="0">
+            <a:scrgbClr r="0" g="0" b="0"/>
+          </a:lnRef>
+          <a:fillRef idx="0">
+            <a:scrgbClr r="0" g="0" b="0"/>
+          </a:fillRef>
+          <a:effectRef idx="0">
+            <a:scrgbClr r="0" g="0" b="0"/>
+          </a:effectRef>
           <a:fontRef idx="minor"/>
         </p:style>
         <p:txBody>
-          <a:bodyPr lIns="90000" rIns="90000" tIns="45000" bIns="91440" anchor="ctr">
+          <a:bodyPr lIns="90000" tIns="45000" rIns="90000" bIns="91440" anchor="ctr">
             <a:noAutofit/>
           </a:bodyPr>
+          <a:lstStyle/>
           <a:p>
             <a:pPr algn="r">
               <a:lnSpc>
@@ -3670,7 +4469,7 @@
               </a:lnSpc>
             </a:pPr>
             <a:r>
-              <a:rPr b="1" lang="en-GB" sz="800" spc="-1" strike="noStrike">
+              <a:rPr lang="en-GB" sz="800" b="1" strike="noStrike" spc="-1">
                 <a:solidFill>
                   <a:srgbClr val="202020"/>
                 </a:solidFill>
@@ -3680,7 +4479,7 @@
               <a:t>VPTT 2020 4.4.7.4 RC       </a:t>
             </a:r>
             <a:r>
-              <a:rPr b="1" lang="en-GB" sz="1200" spc="-1" strike="noStrike">
+              <a:rPr lang="en-GB" sz="1200" b="1" strike="noStrike" spc="-1">
                 <a:solidFill>
                   <a:srgbClr val="202020"/>
                 </a:solidFill>
@@ -3689,7 +4488,7 @@
               </a:rPr>
               <a:t>/</a:t>
             </a:r>
-            <a:endParaRPr b="0" lang="fr-FR" sz="1200" spc="-1" strike="noStrike">
+            <a:endParaRPr lang="fr-FR" sz="1200" b="0" strike="noStrike" spc="-1">
               <a:latin typeface="Arial"/>
             </a:endParaRPr>
           </a:p>
@@ -3697,13 +4496,16 @@
       </p:sp>
     </p:spTree>
   </p:cSld>
-  <mc:AlternateContent>
+  <p:clrMapOvr>
+    <a:masterClrMapping/>
+  </p:clrMapOvr>
+  <mc:AlternateContent xmlns:mc="http://schemas.openxmlformats.org/markup-compatibility/2006" xmlns:p14="http://schemas.microsoft.com/office/powerpoint/2010/main">
     <mc:Choice Requires="p14">
       <p:transition spd="med" p14:dur="700">
         <p:fade/>
       </p:transition>
     </mc:Choice>
-    <mc:Fallback>
+    <mc:Fallback xmlns:p15="http://schemas.microsoft.com/office/powerpoint/2012/main" xmlns="">
       <p:transition spd="med">
         <p:fade/>
       </p:transition>
@@ -3713,7 +4515,7 @@
 </file>
 
 <file path=ppt/slides/slide2.xml><?xml version="1.0" encoding="utf-8"?>
-<p:sld xmlns:a="http://schemas.openxmlformats.org/drawingml/2006/main" xmlns:p="http://schemas.openxmlformats.org/presentationml/2006/main" xmlns:r="http://schemas.openxmlformats.org/officeDocument/2006/relationships" xmlns:p14="http://schemas.microsoft.com/office/powerpoint/2010/main" xmlns:p15="http://schemas.microsoft.com/office/powerpoint/2012/main" xmlns:mc="http://schemas.openxmlformats.org/markup-compatibility/2006">
+<p:sld xmlns:a="http://schemas.openxmlformats.org/drawingml/2006/main" xmlns:r="http://schemas.openxmlformats.org/officeDocument/2006/relationships" xmlns:p="http://schemas.openxmlformats.org/presentationml/2006/main">
   <p:cSld>
     <p:spTree>
       <p:nvGrpSpPr>
@@ -3731,13 +4533,13 @@
       </p:grpSpPr>
       <p:pic>
         <p:nvPicPr>
-          <p:cNvPr id="85" name="" descr=""/>
+          <p:cNvPr id="85" name="Image 84"/>
           <p:cNvPicPr/>
           <p:nvPr/>
         </p:nvPicPr>
         <p:blipFill>
-          <a:blip r:embed="rId1"/>
-          <a:srcRect l="0" t="0" r="25225" b="0"/>
+          <a:blip r:embed="rId2"/>
+          <a:srcRect r="25225"/>
           <a:stretch/>
         </p:blipFill>
         <p:spPr>
@@ -3785,9 +4587,15 @@
           </a:ln>
         </p:spPr>
         <p:style>
-          <a:lnRef idx="0"/>
-          <a:fillRef idx="0"/>
-          <a:effectRef idx="0"/>
+          <a:lnRef idx="0">
+            <a:scrgbClr r="0" g="0" b="0"/>
+          </a:lnRef>
+          <a:fillRef idx="0">
+            <a:scrgbClr r="0" g="0" b="0"/>
+          </a:fillRef>
+          <a:effectRef idx="0">
+            <a:scrgbClr r="0" g="0" b="0"/>
+          </a:effectRef>
           <a:fontRef idx="minor"/>
         </p:style>
       </p:sp>
@@ -3806,16 +4614,22 @@
             <a:avLst/>
           </a:prstGeom>
           <a:solidFill>
-            <a:srgbClr val="ffffff"/>
+            <a:srgbClr val="FFFFFF"/>
           </a:solidFill>
           <a:ln w="0">
             <a:noFill/>
           </a:ln>
         </p:spPr>
         <p:style>
-          <a:lnRef idx="0"/>
-          <a:fillRef idx="0"/>
-          <a:effectRef idx="0"/>
+          <a:lnRef idx="0">
+            <a:scrgbClr r="0" g="0" b="0"/>
+          </a:lnRef>
+          <a:fillRef idx="0">
+            <a:scrgbClr r="0" g="0" b="0"/>
+          </a:fillRef>
+          <a:effectRef idx="0">
+            <a:scrgbClr r="0" g="0" b="0"/>
+          </a:effectRef>
           <a:fontRef idx="minor"/>
         </p:style>
       </p:sp>
@@ -3839,22 +4653,29 @@
           </a:ln>
         </p:spPr>
         <p:style>
-          <a:lnRef idx="0"/>
-          <a:fillRef idx="0"/>
-          <a:effectRef idx="0"/>
+          <a:lnRef idx="0">
+            <a:scrgbClr r="0" g="0" b="0"/>
+          </a:lnRef>
+          <a:fillRef idx="0">
+            <a:scrgbClr r="0" g="0" b="0"/>
+          </a:fillRef>
+          <a:effectRef idx="0">
+            <a:scrgbClr r="0" g="0" b="0"/>
+          </a:effectRef>
           <a:fontRef idx="minor"/>
         </p:style>
         <p:txBody>
-          <a:bodyPr lIns="0" rIns="0" tIns="0" bIns="0">
+          <a:bodyPr lIns="0" tIns="0" rIns="0" bIns="0">
             <a:noAutofit/>
           </a:bodyPr>
+          <a:lstStyle/>
           <a:p>
             <a:pPr>
               <a:lnSpc>
                 <a:spcPct val="85000"/>
               </a:lnSpc>
             </a:pPr>
-            <a:endParaRPr b="0" lang="fr-FR" sz="1800" spc="-1" strike="noStrike">
+            <a:endParaRPr lang="fr-FR" sz="1800" b="0" strike="noStrike" spc="-1">
               <a:latin typeface="Arial"/>
             </a:endParaRPr>
           </a:p>
@@ -3864,7 +4685,7 @@
                 <a:spcPct val="85000"/>
               </a:lnSpc>
             </a:pPr>
-            <a:endParaRPr b="0" lang="fr-FR" sz="1800" spc="-1" strike="noStrike">
+            <a:endParaRPr lang="fr-FR" sz="1800" b="0" strike="noStrike" spc="-1">
               <a:latin typeface="Arial"/>
             </a:endParaRPr>
           </a:p>
@@ -3890,15 +4711,22 @@
           </a:ln>
         </p:spPr>
         <p:style>
-          <a:lnRef idx="0"/>
-          <a:fillRef idx="0"/>
-          <a:effectRef idx="0"/>
+          <a:lnRef idx="0">
+            <a:scrgbClr r="0" g="0" b="0"/>
+          </a:lnRef>
+          <a:fillRef idx="0">
+            <a:scrgbClr r="0" g="0" b="0"/>
+          </a:fillRef>
+          <a:effectRef idx="0">
+            <a:scrgbClr r="0" g="0" b="0"/>
+          </a:effectRef>
           <a:fontRef idx="minor"/>
         </p:style>
         <p:txBody>
-          <a:bodyPr lIns="0" rIns="0" tIns="0" bIns="0">
+          <a:bodyPr lIns="0" tIns="0" rIns="0" bIns="0">
             <a:noAutofit/>
           </a:bodyPr>
+          <a:lstStyle/>
           <a:p>
             <a:pPr>
               <a:lnSpc>
@@ -3911,35 +4739,35 @@
                 <a:spcPts val="1001"/>
               </a:spcAft>
               <a:tabLst>
-                <a:tab algn="l" pos="0"/>
+                <a:tab pos="0" algn="l"/>
               </a:tabLst>
             </a:pPr>
             <a:r>
-              <a:rPr b="0" lang="en-US" sz="4000" spc="-1" strike="noStrike">
-                <a:solidFill>
-                  <a:srgbClr val="ffffff"/>
+              <a:rPr lang="en-US" sz="4000" b="0" strike="noStrike" spc="-1">
+                <a:solidFill>
+                  <a:srgbClr val="FFFFFF"/>
                 </a:solidFill>
                 <a:latin typeface="Helvetica Neue Light"/>
                 <a:ea typeface="Helvetica Neue Light"/>
               </a:rPr>
               <a:t>Task 1 : Read the driver list</a:t>
             </a:r>
-            <a:endParaRPr b="0" lang="fr-FR" sz="4000" spc="-1" strike="noStrike">
-              <a:latin typeface="Arial"/>
-            </a:endParaRPr>
-          </a:p>
-        </p:txBody>
-      </p:sp>
-      <p:sp>
-        <p:nvSpPr>
-          <p:cNvPr id="90" name=""/>
+            <a:endParaRPr lang="fr-FR" sz="4000" b="0" strike="noStrike" spc="-1">
+              <a:latin typeface="Arial"/>
+            </a:endParaRPr>
+          </a:p>
+        </p:txBody>
+      </p:sp>
+      <p:sp>
+        <p:nvSpPr>
+          <p:cNvPr id="90" name="Rectangle 89"/>
           <p:cNvSpPr/>
           <p:nvPr/>
         </p:nvSpPr>
         <p:spPr>
           <a:xfrm>
-            <a:off x="900000" y="2790000"/>
-            <a:ext cx="6119640" cy="1881360"/>
+            <a:off x="899999" y="2790000"/>
+            <a:ext cx="8187439" cy="3686214"/>
           </a:xfrm>
           <a:prstGeom prst="rect">
             <a:avLst/>
@@ -3950,180 +4778,610 @@
           </a:ln>
         </p:spPr>
         <p:style>
-          <a:lnRef idx="0"/>
-          <a:fillRef idx="0"/>
-          <a:effectRef idx="0"/>
+          <a:lnRef idx="0">
+            <a:scrgbClr r="0" g="0" b="0"/>
+          </a:lnRef>
+          <a:fillRef idx="0">
+            <a:scrgbClr r="0" g="0" b="0"/>
+          </a:fillRef>
+          <a:effectRef idx="0">
+            <a:scrgbClr r="0" g="0" b="0"/>
+          </a:effectRef>
           <a:fontRef idx="minor"/>
         </p:style>
         <p:txBody>
-          <a:bodyPr lIns="90000" rIns="90000" tIns="45000" bIns="45000">
+          <a:bodyPr lIns="90000" tIns="45000" rIns="90000" bIns="45000">
             <a:noAutofit/>
           </a:bodyPr>
-          <a:p>
-            <a:pPr>
+          <a:lstStyle/>
+          <a:p>
+            <a:pPr marL="342900" indent="-342900">
               <a:lnSpc>
                 <a:spcPct val="100000"/>
               </a:lnSpc>
+              <a:buFont typeface="+mj-lt"/>
+              <a:buAutoNum type="arabicPeriod"/>
             </a:pPr>
             <a:r>
-              <a:rPr b="0" lang="fr-FR" sz="1800" spc="-1" strike="noStrike">
-                <a:solidFill>
-                  <a:srgbClr val="ffffff"/>
+              <a:rPr lang="fr-FR" sz="1800" b="0" strike="noStrike" spc="-1" dirty="0">
+                <a:solidFill>
+                  <a:srgbClr val="FFFFFF"/>
                 </a:solidFill>
                 <a:latin typeface="Arial"/>
                 <a:ea typeface="DejaVu Sans"/>
               </a:rPr>
-              <a:t>- Read the file Drivers.txt</a:t>
-            </a:r>
-            <a:endParaRPr b="0" lang="fr-FR" sz="1800" spc="-1" strike="noStrike">
-              <a:latin typeface="Arial"/>
-            </a:endParaRPr>
-          </a:p>
-          <a:p>
-            <a:pPr>
+              <a:t>Read the file Drivers</a:t>
+            </a:r>
+            <a:r>
+              <a:rPr lang="fr-FR" sz="1800" b="0" strike="noStrike" spc="-1">
+                <a:solidFill>
+                  <a:srgbClr val="FFFFFF"/>
+                </a:solidFill>
+                <a:latin typeface="Arial"/>
+                <a:ea typeface="DejaVu Sans"/>
+              </a:rPr>
+              <a:t>.txt</a:t>
+            </a:r>
+          </a:p>
+          <a:p>
+            <a:pPr marL="342900" indent="-342900">
               <a:lnSpc>
                 <a:spcPct val="100000"/>
               </a:lnSpc>
+              <a:buFont typeface="+mj-lt"/>
+              <a:buAutoNum type="arabicPeriod"/>
             </a:pPr>
-            <a:endParaRPr b="0" lang="fr-FR" sz="1800" spc="-1" strike="noStrike">
-              <a:latin typeface="Arial"/>
-            </a:endParaRPr>
-          </a:p>
-          <a:p>
-            <a:pPr>
+            <a:endParaRPr lang="fr-FR" spc="-1" dirty="0">
+              <a:latin typeface="Arial"/>
+            </a:endParaRPr>
+          </a:p>
+          <a:p>
+            <a:pPr marL="342900" indent="-342900">
               <a:lnSpc>
                 <a:spcPct val="100000"/>
               </a:lnSpc>
+              <a:buFont typeface="+mj-lt"/>
+              <a:buAutoNum type="arabicPeriod"/>
             </a:pPr>
             <a:r>
-              <a:rPr b="0" lang="fr-FR" sz="1800" spc="-1" strike="noStrike">
-                <a:solidFill>
-                  <a:srgbClr val="ffffff"/>
+              <a:rPr lang="fr-FR" sz="1800" b="0" strike="noStrike" spc="-1" dirty="0">
+                <a:solidFill>
+                  <a:srgbClr val="FFFFFF"/>
                 </a:solidFill>
                 <a:latin typeface="Arial"/>
                 <a:ea typeface="DejaVu Sans"/>
               </a:rPr>
-              <a:t>- Clean the data from unusable lines :</a:t>
-            </a:r>
-            <a:endParaRPr b="0" lang="fr-FR" sz="1800" spc="-1" strike="noStrike">
-              <a:latin typeface="Arial"/>
-            </a:endParaRPr>
-          </a:p>
-          <a:p>
-            <a:pPr>
+              <a:t>Clean the data </a:t>
+            </a:r>
+            <a:r>
+              <a:rPr lang="fr-FR" sz="1800" b="0" strike="noStrike" spc="-1" dirty="0" err="1">
+                <a:solidFill>
+                  <a:srgbClr val="FFFFFF"/>
+                </a:solidFill>
+                <a:latin typeface="Arial"/>
+                <a:ea typeface="DejaVu Sans"/>
+              </a:rPr>
+              <a:t>from</a:t>
+            </a:r>
+            <a:r>
+              <a:rPr lang="fr-FR" sz="1800" b="0" strike="noStrike" spc="-1" dirty="0">
+                <a:solidFill>
+                  <a:srgbClr val="FFFFFF"/>
+                </a:solidFill>
+                <a:latin typeface="Arial"/>
+                <a:ea typeface="DejaVu Sans"/>
+              </a:rPr>
+              <a:t> </a:t>
+            </a:r>
+            <a:r>
+              <a:rPr lang="fr-FR" sz="1800" b="0" strike="noStrike" spc="-1" dirty="0" err="1">
+                <a:solidFill>
+                  <a:srgbClr val="FFFFFF"/>
+                </a:solidFill>
+                <a:latin typeface="Arial"/>
+                <a:ea typeface="DejaVu Sans"/>
+              </a:rPr>
+              <a:t>unusable</a:t>
+            </a:r>
+            <a:r>
+              <a:rPr lang="fr-FR" sz="1800" b="0" strike="noStrike" spc="-1" dirty="0">
+                <a:solidFill>
+                  <a:srgbClr val="FFFFFF"/>
+                </a:solidFill>
+                <a:latin typeface="Arial"/>
+                <a:ea typeface="DejaVu Sans"/>
+              </a:rPr>
+              <a:t> </a:t>
+            </a:r>
+            <a:r>
+              <a:rPr lang="fr-FR" sz="1800" b="0" strike="noStrike" spc="-1" dirty="0" err="1">
+                <a:solidFill>
+                  <a:srgbClr val="FFFFFF"/>
+                </a:solidFill>
+                <a:latin typeface="Arial"/>
+                <a:ea typeface="DejaVu Sans"/>
+              </a:rPr>
+              <a:t>lines</a:t>
+            </a:r>
+            <a:r>
+              <a:rPr lang="fr-FR" sz="1800" b="0" strike="noStrike" spc="-1" dirty="0">
+                <a:solidFill>
+                  <a:srgbClr val="FFFFFF"/>
+                </a:solidFill>
+                <a:latin typeface="Arial"/>
+                <a:ea typeface="DejaVu Sans"/>
+              </a:rPr>
+              <a:t> :</a:t>
+            </a:r>
+            <a:endParaRPr lang="fr-FR" sz="1800" b="0" strike="noStrike" spc="-1" dirty="0">
+              <a:latin typeface="Arial"/>
+            </a:endParaRPr>
+          </a:p>
+          <a:p>
+            <a:pPr marL="742950" lvl="1" indent="-285750">
+              <a:buFont typeface="Arial" panose="020B0604020202020204" pitchFamily="34" charset="0"/>
+              <a:buChar char="•"/>
+            </a:pPr>
+            <a:r>
+              <a:rPr lang="fr-FR" b="0" strike="noStrike" spc="-1" dirty="0">
+                <a:solidFill>
+                  <a:srgbClr val="FFFFFF"/>
+                </a:solidFill>
+                <a:latin typeface="Arial"/>
+                <a:ea typeface="DejaVu Sans"/>
+              </a:rPr>
+              <a:t>a line must not </a:t>
+            </a:r>
+            <a:r>
+              <a:rPr lang="fr-FR" b="0" strike="noStrike" spc="-1" dirty="0" err="1">
+                <a:solidFill>
+                  <a:srgbClr val="FFFFFF"/>
+                </a:solidFill>
+                <a:latin typeface="Arial"/>
+                <a:ea typeface="DejaVu Sans"/>
+              </a:rPr>
+              <a:t>be</a:t>
+            </a:r>
+            <a:r>
+              <a:rPr lang="fr-FR" b="0" strike="noStrike" spc="-1" dirty="0">
+                <a:solidFill>
+                  <a:srgbClr val="FFFFFF"/>
+                </a:solidFill>
+                <a:latin typeface="Arial"/>
+                <a:ea typeface="DejaVu Sans"/>
+              </a:rPr>
+              <a:t> </a:t>
+            </a:r>
+            <a:r>
+              <a:rPr lang="fr-FR" b="0" strike="noStrike" spc="-1" dirty="0" err="1">
+                <a:solidFill>
+                  <a:srgbClr val="FFFFFF"/>
+                </a:solidFill>
+                <a:latin typeface="Arial"/>
+                <a:ea typeface="DejaVu Sans"/>
+              </a:rPr>
+              <a:t>empty</a:t>
+            </a:r>
+            <a:endParaRPr lang="fr-FR" b="0" strike="noStrike" spc="-1" dirty="0">
+              <a:latin typeface="Arial"/>
+            </a:endParaRPr>
+          </a:p>
+          <a:p>
+            <a:pPr marL="742950" lvl="1" indent="-285750">
+              <a:buFont typeface="Arial" panose="020B0604020202020204" pitchFamily="34" charset="0"/>
+              <a:buChar char="•"/>
+            </a:pPr>
+            <a:r>
+              <a:rPr lang="fr-FR" b="0" strike="noStrike" spc="-1" dirty="0">
+                <a:solidFill>
+                  <a:srgbClr val="FFFFFF"/>
+                </a:solidFill>
+                <a:latin typeface="Arial"/>
+                <a:ea typeface="DejaVu Sans"/>
+              </a:rPr>
+              <a:t>a line must </a:t>
+            </a:r>
+            <a:r>
+              <a:rPr lang="fr-FR" b="0" strike="noStrike" spc="-1" dirty="0" err="1">
+                <a:solidFill>
+                  <a:srgbClr val="FFFFFF"/>
+                </a:solidFill>
+                <a:latin typeface="Arial"/>
+                <a:ea typeface="DejaVu Sans"/>
+              </a:rPr>
+              <a:t>only</a:t>
+            </a:r>
+            <a:r>
+              <a:rPr lang="fr-FR" b="0" strike="noStrike" spc="-1" dirty="0">
+                <a:solidFill>
+                  <a:srgbClr val="FFFFFF"/>
+                </a:solidFill>
+                <a:latin typeface="Arial"/>
+                <a:ea typeface="DejaVu Sans"/>
+              </a:rPr>
+              <a:t> </a:t>
+            </a:r>
+            <a:r>
+              <a:rPr lang="fr-FR" b="0" strike="noStrike" spc="-1" dirty="0" err="1">
+                <a:solidFill>
+                  <a:srgbClr val="FFFFFF"/>
+                </a:solidFill>
+                <a:latin typeface="Arial"/>
+                <a:ea typeface="DejaVu Sans"/>
+              </a:rPr>
+              <a:t>contain</a:t>
+            </a:r>
+            <a:r>
+              <a:rPr lang="fr-FR" b="0" strike="noStrike" spc="-1" dirty="0">
+                <a:solidFill>
+                  <a:srgbClr val="FFFFFF"/>
+                </a:solidFill>
+                <a:latin typeface="Arial"/>
+                <a:ea typeface="DejaVu Sans"/>
+              </a:rPr>
+              <a:t> </a:t>
+            </a:r>
+            <a:r>
+              <a:rPr lang="fr-FR" b="0" strike="noStrike" spc="-1" dirty="0" err="1">
+                <a:solidFill>
+                  <a:srgbClr val="FFFFFF"/>
+                </a:solidFill>
+                <a:latin typeface="Arial"/>
+                <a:ea typeface="DejaVu Sans"/>
+              </a:rPr>
+              <a:t>alphanumeric</a:t>
+            </a:r>
+            <a:r>
+              <a:rPr lang="fr-FR" b="0" strike="noStrike" spc="-1" dirty="0">
+                <a:solidFill>
+                  <a:srgbClr val="FFFFFF"/>
+                </a:solidFill>
+                <a:latin typeface="Arial"/>
+                <a:ea typeface="DejaVu Sans"/>
+              </a:rPr>
+              <a:t> </a:t>
+            </a:r>
+            <a:r>
+              <a:rPr lang="fr-FR" b="0" strike="noStrike" spc="-1" dirty="0" err="1">
+                <a:solidFill>
+                  <a:srgbClr val="FFFFFF"/>
+                </a:solidFill>
+                <a:latin typeface="Arial"/>
+                <a:ea typeface="DejaVu Sans"/>
+              </a:rPr>
+              <a:t>caracters</a:t>
+            </a:r>
+            <a:r>
+              <a:rPr lang="fr-FR" b="0" strike="noStrike" spc="-1" dirty="0">
+                <a:solidFill>
+                  <a:srgbClr val="FFFFFF"/>
+                </a:solidFill>
+                <a:latin typeface="Arial"/>
+                <a:ea typeface="DejaVu Sans"/>
+              </a:rPr>
+              <a:t> +’;’and ‘.’</a:t>
+            </a:r>
+            <a:endParaRPr lang="fr-FR" b="0" strike="noStrike" spc="-1" dirty="0">
+              <a:latin typeface="Arial"/>
+            </a:endParaRPr>
+          </a:p>
+          <a:p>
+            <a:pPr marL="742950" lvl="1" indent="-285750">
+              <a:buFont typeface="Arial" panose="020B0604020202020204" pitchFamily="34" charset="0"/>
+              <a:buChar char="•"/>
+            </a:pPr>
+            <a:r>
+              <a:rPr lang="fr-FR" b="0" strike="noStrike" spc="-1" dirty="0">
+                <a:solidFill>
+                  <a:srgbClr val="FFFFFF"/>
+                </a:solidFill>
+                <a:latin typeface="Arial"/>
+                <a:ea typeface="DejaVu Sans"/>
+              </a:rPr>
+              <a:t>Driver </a:t>
+            </a:r>
+            <a:r>
+              <a:rPr lang="fr-FR" b="0" strike="noStrike" spc="-1" dirty="0" err="1">
+                <a:solidFill>
+                  <a:srgbClr val="FFFFFF"/>
+                </a:solidFill>
+                <a:latin typeface="Arial"/>
+                <a:ea typeface="DejaVu Sans"/>
+              </a:rPr>
+              <a:t>name</a:t>
+            </a:r>
+            <a:r>
+              <a:rPr lang="fr-FR" b="0" strike="noStrike" spc="-1" dirty="0">
+                <a:solidFill>
+                  <a:srgbClr val="FFFFFF"/>
+                </a:solidFill>
+                <a:latin typeface="Arial"/>
+                <a:ea typeface="DejaVu Sans"/>
+              </a:rPr>
+              <a:t> must not </a:t>
+            </a:r>
+            <a:r>
+              <a:rPr lang="fr-FR" b="0" strike="noStrike" spc="-1" dirty="0" err="1">
+                <a:solidFill>
+                  <a:srgbClr val="FFFFFF"/>
+                </a:solidFill>
+                <a:latin typeface="Arial"/>
+                <a:ea typeface="DejaVu Sans"/>
+              </a:rPr>
+              <a:t>be</a:t>
+            </a:r>
+            <a:r>
+              <a:rPr lang="fr-FR" b="0" strike="noStrike" spc="-1" dirty="0">
+                <a:solidFill>
+                  <a:srgbClr val="FFFFFF"/>
+                </a:solidFill>
+                <a:latin typeface="Arial"/>
+                <a:ea typeface="DejaVu Sans"/>
+              </a:rPr>
+              <a:t> </a:t>
+            </a:r>
+            <a:r>
+              <a:rPr lang="fr-FR" b="0" strike="noStrike" spc="-1" dirty="0" err="1">
+                <a:solidFill>
+                  <a:srgbClr val="FFFFFF"/>
+                </a:solidFill>
+                <a:latin typeface="Arial"/>
+                <a:ea typeface="DejaVu Sans"/>
+              </a:rPr>
+              <a:t>empty</a:t>
+            </a:r>
+            <a:endParaRPr lang="fr-FR" b="0" strike="noStrike" spc="-1" dirty="0">
+              <a:latin typeface="Arial"/>
+            </a:endParaRPr>
+          </a:p>
+          <a:p>
+            <a:pPr marL="742950" lvl="1" indent="-285750">
+              <a:buFont typeface="Arial" panose="020B0604020202020204" pitchFamily="34" charset="0"/>
+              <a:buChar char="•"/>
+            </a:pPr>
+            <a:r>
+              <a:rPr lang="fr-FR" b="0" strike="noStrike" spc="-1" dirty="0" err="1">
+                <a:solidFill>
+                  <a:srgbClr val="FFFFFF"/>
+                </a:solidFill>
+                <a:latin typeface="Arial"/>
+                <a:ea typeface="DejaVu Sans"/>
+              </a:rPr>
+              <a:t>Category</a:t>
+            </a:r>
+            <a:r>
+              <a:rPr lang="fr-FR" b="0" strike="noStrike" spc="-1" dirty="0">
+                <a:solidFill>
+                  <a:srgbClr val="FFFFFF"/>
+                </a:solidFill>
+                <a:latin typeface="Arial"/>
+                <a:ea typeface="DejaVu Sans"/>
+              </a:rPr>
+              <a:t> can </a:t>
+            </a:r>
+            <a:r>
+              <a:rPr lang="fr-FR" b="0" strike="noStrike" spc="-1" dirty="0" err="1">
+                <a:solidFill>
+                  <a:srgbClr val="FFFFFF"/>
+                </a:solidFill>
+                <a:latin typeface="Arial"/>
+                <a:ea typeface="DejaVu Sans"/>
+              </a:rPr>
+              <a:t>be</a:t>
+            </a:r>
+            <a:r>
+              <a:rPr lang="fr-FR" b="0" strike="noStrike" spc="-1" dirty="0">
+                <a:solidFill>
+                  <a:srgbClr val="FFFFFF"/>
+                </a:solidFill>
+                <a:latin typeface="Arial"/>
+                <a:ea typeface="DejaVu Sans"/>
+              </a:rPr>
+              <a:t> </a:t>
+            </a:r>
+            <a:r>
+              <a:rPr lang="fr-FR" b="0" strike="noStrike" spc="-1" dirty="0" err="1">
+                <a:solidFill>
+                  <a:srgbClr val="FFFFFF"/>
+                </a:solidFill>
+                <a:latin typeface="Arial"/>
+                <a:ea typeface="DejaVu Sans"/>
+              </a:rPr>
+              <a:t>empty</a:t>
+            </a:r>
+            <a:r>
+              <a:rPr lang="fr-FR" b="0" strike="noStrike" spc="-1" dirty="0">
+                <a:solidFill>
+                  <a:srgbClr val="FFFFFF"/>
+                </a:solidFill>
+                <a:latin typeface="Arial"/>
+                <a:ea typeface="DejaVu Sans"/>
+              </a:rPr>
+              <a:t> (S : </a:t>
+            </a:r>
+            <a:r>
+              <a:rPr lang="fr-FR" b="0" strike="noStrike" spc="-1" dirty="0" err="1">
+                <a:solidFill>
+                  <a:srgbClr val="FFFFFF"/>
+                </a:solidFill>
+                <a:latin typeface="Arial"/>
+                <a:ea typeface="DejaVu Sans"/>
+              </a:rPr>
+              <a:t>small</a:t>
+            </a:r>
+            <a:r>
+              <a:rPr lang="fr-FR" b="0" strike="noStrike" spc="-1" dirty="0">
+                <a:solidFill>
+                  <a:srgbClr val="FFFFFF"/>
+                </a:solidFill>
+                <a:latin typeface="Arial"/>
+                <a:ea typeface="DejaVu Sans"/>
+              </a:rPr>
+              <a:t>, M: medium, L: large)</a:t>
+            </a:r>
+            <a:endParaRPr lang="fr-FR" spc="-1" dirty="0">
+              <a:latin typeface="Arial"/>
+            </a:endParaRPr>
+          </a:p>
+          <a:p>
+            <a:pPr marL="342900" indent="-342900">
               <a:lnSpc>
                 <a:spcPct val="100000"/>
               </a:lnSpc>
+              <a:buFont typeface="+mj-lt"/>
+              <a:buAutoNum type="arabicPeriod"/>
             </a:pPr>
-            <a:r>
-              <a:rPr b="0" lang="fr-FR" sz="1800" spc="-1" strike="noStrike">
-                <a:solidFill>
-                  <a:srgbClr val="ffffff"/>
-                </a:solidFill>
-                <a:latin typeface="Arial"/>
-                <a:ea typeface="DejaVu Sans"/>
-              </a:rPr>
-              <a:t>a line must not be empty</a:t>
-            </a:r>
-            <a:endParaRPr b="0" lang="fr-FR" sz="1800" spc="-1" strike="noStrike">
-              <a:latin typeface="Arial"/>
-            </a:endParaRPr>
-          </a:p>
-          <a:p>
-            <a:pPr>
+            <a:endParaRPr lang="fr-FR" sz="1800" b="0" strike="noStrike" spc="-1" dirty="0">
+              <a:solidFill>
+                <a:srgbClr val="FFFFFF"/>
+              </a:solidFill>
+              <a:latin typeface="Arial"/>
+              <a:ea typeface="DejaVu Sans"/>
+            </a:endParaRPr>
+          </a:p>
+          <a:p>
+            <a:pPr marL="342900" indent="-342900">
               <a:lnSpc>
                 <a:spcPct val="100000"/>
               </a:lnSpc>
+              <a:buFont typeface="+mj-lt"/>
+              <a:buAutoNum type="arabicPeriod"/>
             </a:pPr>
             <a:r>
-              <a:rPr b="0" lang="fr-FR" sz="1800" spc="-1" strike="noStrike">
-                <a:solidFill>
-                  <a:srgbClr val="ffffff"/>
+              <a:rPr lang="fr-FR" sz="1800" b="0" strike="noStrike" spc="-1" dirty="0" err="1">
+                <a:solidFill>
+                  <a:srgbClr val="FFFFFF"/>
                 </a:solidFill>
                 <a:latin typeface="Arial"/>
                 <a:ea typeface="DejaVu Sans"/>
               </a:rPr>
-              <a:t>a line must only contain alphanumeric caracters +’;’and ‘.’</a:t>
-            </a:r>
-            <a:endParaRPr b="0" lang="fr-FR" sz="1800" spc="-1" strike="noStrike">
-              <a:latin typeface="Arial"/>
-            </a:endParaRPr>
-          </a:p>
-          <a:p>
-            <a:pPr>
-              <a:lnSpc>
-                <a:spcPct val="100000"/>
-              </a:lnSpc>
+              <a:t>Map</a:t>
+            </a:r>
+            <a:r>
+              <a:rPr lang="fr-FR" sz="1800" b="0" strike="noStrike" spc="-1" dirty="0">
+                <a:solidFill>
+                  <a:srgbClr val="FFFFFF"/>
+                </a:solidFill>
+                <a:latin typeface="Arial"/>
+                <a:ea typeface="DejaVu Sans"/>
+              </a:rPr>
+              <a:t> the data </a:t>
+            </a:r>
+            <a:r>
+              <a:rPr lang="fr-FR" sz="1800" b="0" strike="noStrike" spc="-1" dirty="0" err="1">
+                <a:solidFill>
+                  <a:srgbClr val="FFFFFF"/>
+                </a:solidFill>
+                <a:latin typeface="Arial"/>
+                <a:ea typeface="DejaVu Sans"/>
+              </a:rPr>
+              <a:t>into</a:t>
+            </a:r>
+            <a:r>
+              <a:rPr lang="fr-FR" sz="1800" b="0" strike="noStrike" spc="-1" dirty="0">
+                <a:solidFill>
+                  <a:srgbClr val="FFFFFF"/>
+                </a:solidFill>
+                <a:latin typeface="Arial"/>
+                <a:ea typeface="DejaVu Sans"/>
+              </a:rPr>
+              <a:t> Driver </a:t>
+            </a:r>
+            <a:r>
+              <a:rPr lang="fr-FR" sz="1800" b="0" strike="noStrike" spc="-1" dirty="0" err="1">
+                <a:solidFill>
+                  <a:srgbClr val="FFFFFF"/>
+                </a:solidFill>
+                <a:latin typeface="Arial"/>
+                <a:ea typeface="DejaVu Sans"/>
+              </a:rPr>
+              <a:t>object</a:t>
+            </a:r>
+            <a:r>
+              <a:rPr lang="fr-FR" sz="1800" b="0" strike="noStrike" spc="-1" dirty="0">
+                <a:solidFill>
+                  <a:srgbClr val="FFFFFF"/>
+                </a:solidFill>
+                <a:latin typeface="Arial"/>
+                <a:ea typeface="DejaVu Sans"/>
+              </a:rPr>
+              <a:t> </a:t>
+            </a:r>
+          </a:p>
+          <a:p>
+            <a:pPr marL="800100" lvl="1" indent="-342900">
+              <a:buFont typeface="Arial" panose="020B0604020202020204" pitchFamily="34" charset="0"/>
+              <a:buChar char="•"/>
             </a:pPr>
             <a:r>
-              <a:rPr b="0" lang="fr-FR" sz="1800" spc="-1" strike="noStrike">
-                <a:solidFill>
-                  <a:srgbClr val="ffffff"/>
+              <a:rPr lang="fr-FR" b="0" strike="noStrike" spc="-1" dirty="0" err="1">
+                <a:solidFill>
+                  <a:srgbClr val="FFFFFF"/>
                 </a:solidFill>
                 <a:latin typeface="Arial"/>
                 <a:ea typeface="DejaVu Sans"/>
               </a:rPr>
-              <a:t>Driver name must not be empty</a:t>
-            </a:r>
-            <a:endParaRPr b="0" lang="fr-FR" sz="1800" spc="-1" strike="noStrike">
-              <a:latin typeface="Arial"/>
-            </a:endParaRPr>
-          </a:p>
-          <a:p>
-            <a:pPr>
-              <a:lnSpc>
-                <a:spcPct val="100000"/>
-              </a:lnSpc>
-            </a:pPr>
-            <a:r>
-              <a:rPr b="0" lang="fr-FR" sz="1800" spc="-1" strike="noStrike">
-                <a:solidFill>
-                  <a:srgbClr val="ffffff"/>
+              <a:t>with</a:t>
+            </a:r>
+            <a:r>
+              <a:rPr lang="fr-FR" b="0" strike="noStrike" spc="-1" dirty="0">
+                <a:solidFill>
+                  <a:srgbClr val="FFFFFF"/>
                 </a:solidFill>
                 <a:latin typeface="Arial"/>
                 <a:ea typeface="DejaVu Sans"/>
               </a:rPr>
-              <a:t>Category can be empty (S : small, M: medium, L: large)</a:t>
-            </a:r>
-            <a:endParaRPr b="0" lang="fr-FR" sz="1800" spc="-1" strike="noStrike">
-              <a:latin typeface="Arial"/>
-            </a:endParaRPr>
-          </a:p>
-          <a:p>
-            <a:pPr>
-              <a:lnSpc>
-                <a:spcPct val="100000"/>
-              </a:lnSpc>
-            </a:pPr>
-            <a:endParaRPr b="0" lang="fr-FR" sz="1800" spc="-1" strike="noStrike">
-              <a:latin typeface="Arial"/>
-            </a:endParaRPr>
-          </a:p>
-          <a:p>
-            <a:pPr>
-              <a:lnSpc>
-                <a:spcPct val="100000"/>
-              </a:lnSpc>
-            </a:pPr>
-            <a:r>
-              <a:rPr b="0" lang="fr-FR" sz="1800" spc="-1" strike="noStrike">
-                <a:solidFill>
-                  <a:srgbClr val="ffffff"/>
+              <a:t> a </a:t>
+            </a:r>
+            <a:r>
+              <a:rPr lang="fr-FR" b="0" strike="noStrike" spc="-1" dirty="0" err="1">
+                <a:solidFill>
+                  <a:srgbClr val="FFFFFF"/>
                 </a:solidFill>
                 <a:latin typeface="Arial"/>
                 <a:ea typeface="DejaVu Sans"/>
               </a:rPr>
-              <a:t>- Map the data into Driver object with a name and a category (default: Medium)</a:t>
-            </a:r>
-            <a:endParaRPr b="0" lang="fr-FR" sz="1800" spc="-1" strike="noStrike">
-              <a:latin typeface="Arial"/>
-            </a:endParaRPr>
-          </a:p>
-        </p:txBody>
-      </p:sp>
-      <p:sp>
-        <p:nvSpPr>
-          <p:cNvPr id="91" name=""/>
+              <a:t>name</a:t>
+            </a:r>
+            <a:r>
+              <a:rPr lang="fr-FR" b="0" strike="noStrike" spc="-1" dirty="0">
+                <a:solidFill>
+                  <a:srgbClr val="FFFFFF"/>
+                </a:solidFill>
+                <a:latin typeface="Arial"/>
+                <a:ea typeface="DejaVu Sans"/>
+              </a:rPr>
+              <a:t> and a </a:t>
+            </a:r>
+            <a:r>
+              <a:rPr lang="fr-FR" b="0" strike="noStrike" spc="-1" dirty="0" err="1">
+                <a:solidFill>
+                  <a:srgbClr val="FFFFFF"/>
+                </a:solidFill>
+                <a:latin typeface="Arial"/>
+                <a:ea typeface="DejaVu Sans"/>
+              </a:rPr>
+              <a:t>category</a:t>
+            </a:r>
+            <a:r>
+              <a:rPr lang="fr-FR" b="0" strike="noStrike" spc="-1" dirty="0">
+                <a:solidFill>
+                  <a:srgbClr val="FFFFFF"/>
+                </a:solidFill>
+                <a:latin typeface="Arial"/>
+                <a:ea typeface="DejaVu Sans"/>
+              </a:rPr>
+              <a:t> (default: Medium)</a:t>
+            </a:r>
+            <a:endParaRPr lang="fr-FR" b="0" strike="noStrike" spc="-1" dirty="0">
+              <a:latin typeface="Arial"/>
+            </a:endParaRPr>
+          </a:p>
+        </p:txBody>
+      </p:sp>
+      <p:sp>
+        <p:nvSpPr>
+          <p:cNvPr id="91" name="Bulle narrative : rectangle à coins arrondis 90"/>
           <p:cNvSpPr/>
           <p:nvPr/>
         </p:nvSpPr>
@@ -4140,25 +5398,32 @@
             </a:avLst>
           </a:prstGeom>
           <a:solidFill>
-            <a:srgbClr val="5eb91e"/>
+            <a:srgbClr val="5EB91E"/>
           </a:solidFill>
           <a:ln w="36000">
             <a:solidFill>
-              <a:srgbClr val="468a1a"/>
+              <a:srgbClr val="468A1A"/>
             </a:solidFill>
             <a:round/>
           </a:ln>
         </p:spPr>
         <p:style>
-          <a:lnRef idx="0"/>
-          <a:fillRef idx="0"/>
-          <a:effectRef idx="0"/>
+          <a:lnRef idx="0">
+            <a:scrgbClr r="0" g="0" b="0"/>
+          </a:lnRef>
+          <a:fillRef idx="0">
+            <a:scrgbClr r="0" g="0" b="0"/>
+          </a:fillRef>
+          <a:effectRef idx="0">
+            <a:scrgbClr r="0" g="0" b="0"/>
+          </a:effectRef>
           <a:fontRef idx="minor"/>
         </p:style>
         <p:txBody>
-          <a:bodyPr wrap="none" lIns="90000" rIns="90000" tIns="45000" bIns="45000" anchor="ctr">
+          <a:bodyPr wrap="none" lIns="90000" tIns="45000" rIns="90000" bIns="45000" anchor="ctr">
             <a:noAutofit/>
           </a:bodyPr>
+          <a:lstStyle/>
           <a:p>
             <a:pPr algn="ctr">
               <a:lnSpc>
@@ -4166,16 +5431,16 @@
               </a:lnSpc>
             </a:pPr>
             <a:r>
-              <a:rPr b="0" lang="fr-FR" sz="1800" spc="-1" strike="noStrike">
-                <a:solidFill>
-                  <a:srgbClr val="ffffff"/>
+              <a:rPr lang="fr-FR" sz="1800" b="0" strike="noStrike" spc="-1">
+                <a:solidFill>
+                  <a:srgbClr val="FFFFFF"/>
                 </a:solidFill>
                 <a:latin typeface="Arial"/>
                 <a:ea typeface="DejaVu Sans"/>
               </a:rPr>
               <a:t>« Make it work,</a:t>
             </a:r>
-            <a:endParaRPr b="0" lang="fr-FR" sz="1800" spc="-1" strike="noStrike">
+            <a:endParaRPr lang="fr-FR" sz="1800" b="0" strike="noStrike" spc="-1">
               <a:latin typeface="Arial"/>
             </a:endParaRPr>
           </a:p>
@@ -4186,16 +5451,16 @@
               </a:lnSpc>
             </a:pPr>
             <a:r>
-              <a:rPr b="0" lang="fr-FR" sz="1800" spc="-1" strike="noStrike">
-                <a:solidFill>
-                  <a:srgbClr val="ffffff"/>
+              <a:rPr lang="fr-FR" sz="1800" b="0" strike="noStrike" spc="-1">
+                <a:solidFill>
+                  <a:srgbClr val="FFFFFF"/>
                 </a:solidFill>
                 <a:latin typeface="Arial"/>
                 <a:ea typeface="DejaVu Sans"/>
               </a:rPr>
               <a:t>Make it right,</a:t>
             </a:r>
-            <a:endParaRPr b="0" lang="fr-FR" sz="1800" spc="-1" strike="noStrike">
+            <a:endParaRPr lang="fr-FR" sz="1800" b="0" strike="noStrike" spc="-1">
               <a:latin typeface="Arial"/>
             </a:endParaRPr>
           </a:p>
@@ -4206,16 +5471,16 @@
               </a:lnSpc>
             </a:pPr>
             <a:r>
-              <a:rPr b="0" lang="fr-FR" sz="1800" spc="-1" strike="noStrike">
-                <a:solidFill>
-                  <a:srgbClr val="ffffff"/>
+              <a:rPr lang="fr-FR" sz="1800" b="0" strike="noStrike" spc="-1">
+                <a:solidFill>
+                  <a:srgbClr val="FFFFFF"/>
                 </a:solidFill>
                 <a:latin typeface="Arial"/>
                 <a:ea typeface="DejaVu Sans"/>
               </a:rPr>
               <a:t>Make it fast »</a:t>
             </a:r>
-            <a:endParaRPr b="0" lang="fr-FR" sz="1800" spc="-1" strike="noStrike">
+            <a:endParaRPr lang="fr-FR" sz="1800" b="0" strike="noStrike" spc="-1">
               <a:latin typeface="Arial"/>
             </a:endParaRPr>
           </a:p>
@@ -4225,20 +5490,20 @@
                 <a:spcPct val="100000"/>
               </a:lnSpc>
               <a:tabLst>
-                <a:tab algn="l" pos="408240"/>
+                <a:tab pos="408240" algn="l"/>
               </a:tabLst>
             </a:pPr>
             <a:r>
-              <a:rPr b="0" lang="fr-FR" sz="1200" spc="-1" strike="noStrike">
-                <a:solidFill>
-                  <a:srgbClr val="ffffff"/>
+              <a:rPr lang="fr-FR" sz="1200" b="0" strike="noStrike" spc="-1">
+                <a:solidFill>
+                  <a:srgbClr val="FFFFFF"/>
                 </a:solidFill>
                 <a:latin typeface="Arial"/>
                 <a:ea typeface="DejaVu Sans"/>
               </a:rPr>
               <a:t>Kent Beck</a:t>
             </a:r>
-            <a:endParaRPr b="0" lang="fr-FR" sz="1200" spc="-1" strike="noStrike">
+            <a:endParaRPr lang="fr-FR" sz="1200" b="0" strike="noStrike" spc="-1">
               <a:latin typeface="Arial"/>
             </a:endParaRPr>
           </a:p>
@@ -4246,6 +5511,9 @@
       </p:sp>
     </p:spTree>
   </p:cSld>
+  <p:clrMapOvr>
+    <a:masterClrMapping/>
+  </p:clrMapOvr>
   <p:transition spd="slow">
     <p:push dir="r"/>
   </p:transition>
@@ -4253,7 +5521,7 @@
 </file>
 
 <file path=ppt/slides/slide3.xml><?xml version="1.0" encoding="utf-8"?>
-<p:sld xmlns:a="http://schemas.openxmlformats.org/drawingml/2006/main" xmlns:p="http://schemas.openxmlformats.org/presentationml/2006/main" xmlns:r="http://schemas.openxmlformats.org/officeDocument/2006/relationships" xmlns:p14="http://schemas.microsoft.com/office/powerpoint/2010/main" xmlns:p15="http://schemas.microsoft.com/office/powerpoint/2012/main" xmlns:mc="http://schemas.openxmlformats.org/markup-compatibility/2006">
+<p:sld xmlns:a="http://schemas.openxmlformats.org/drawingml/2006/main" xmlns:r="http://schemas.openxmlformats.org/officeDocument/2006/relationships" xmlns:p="http://schemas.openxmlformats.org/presentationml/2006/main">
   <p:cSld>
     <p:spTree>
       <p:nvGrpSpPr>
@@ -4271,13 +5539,13 @@
       </p:grpSpPr>
       <p:pic>
         <p:nvPicPr>
-          <p:cNvPr id="92" name="" descr=""/>
+          <p:cNvPr id="92" name="Image 91"/>
           <p:cNvPicPr/>
           <p:nvPr/>
         </p:nvPicPr>
         <p:blipFill>
-          <a:blip r:embed="rId1"/>
-          <a:srcRect l="0" t="0" r="25225" b="0"/>
+          <a:blip r:embed="rId2"/>
+          <a:srcRect r="25225"/>
           <a:stretch/>
         </p:blipFill>
         <p:spPr>
@@ -4325,9 +5593,15 @@
           </a:ln>
         </p:spPr>
         <p:style>
-          <a:lnRef idx="0"/>
-          <a:fillRef idx="0"/>
-          <a:effectRef idx="0"/>
+          <a:lnRef idx="0">
+            <a:scrgbClr r="0" g="0" b="0"/>
+          </a:lnRef>
+          <a:fillRef idx="0">
+            <a:scrgbClr r="0" g="0" b="0"/>
+          </a:fillRef>
+          <a:effectRef idx="0">
+            <a:scrgbClr r="0" g="0" b="0"/>
+          </a:effectRef>
           <a:fontRef idx="minor"/>
         </p:style>
       </p:sp>
@@ -4346,16 +5620,22 @@
             <a:avLst/>
           </a:prstGeom>
           <a:solidFill>
-            <a:srgbClr val="ffffff"/>
+            <a:srgbClr val="FFFFFF"/>
           </a:solidFill>
           <a:ln w="0">
             <a:noFill/>
           </a:ln>
         </p:spPr>
         <p:style>
-          <a:lnRef idx="0"/>
-          <a:fillRef idx="0"/>
-          <a:effectRef idx="0"/>
+          <a:lnRef idx="0">
+            <a:scrgbClr r="0" g="0" b="0"/>
+          </a:lnRef>
+          <a:fillRef idx="0">
+            <a:scrgbClr r="0" g="0" b="0"/>
+          </a:fillRef>
+          <a:effectRef idx="0">
+            <a:scrgbClr r="0" g="0" b="0"/>
+          </a:effectRef>
           <a:fontRef idx="minor"/>
         </p:style>
       </p:sp>
@@ -4379,22 +5659,29 @@
           </a:ln>
         </p:spPr>
         <p:style>
-          <a:lnRef idx="0"/>
-          <a:fillRef idx="0"/>
-          <a:effectRef idx="0"/>
+          <a:lnRef idx="0">
+            <a:scrgbClr r="0" g="0" b="0"/>
+          </a:lnRef>
+          <a:fillRef idx="0">
+            <a:scrgbClr r="0" g="0" b="0"/>
+          </a:fillRef>
+          <a:effectRef idx="0">
+            <a:scrgbClr r="0" g="0" b="0"/>
+          </a:effectRef>
           <a:fontRef idx="minor"/>
         </p:style>
         <p:txBody>
-          <a:bodyPr lIns="0" rIns="0" tIns="0" bIns="0">
+          <a:bodyPr lIns="0" tIns="0" rIns="0" bIns="0">
             <a:noAutofit/>
           </a:bodyPr>
+          <a:lstStyle/>
           <a:p>
             <a:pPr>
               <a:lnSpc>
                 <a:spcPct val="85000"/>
               </a:lnSpc>
             </a:pPr>
-            <a:endParaRPr b="0" lang="fr-FR" sz="1800" spc="-1" strike="noStrike">
+            <a:endParaRPr lang="fr-FR" sz="1800" b="0" strike="noStrike" spc="-1">
               <a:latin typeface="Arial"/>
             </a:endParaRPr>
           </a:p>
@@ -4404,7 +5691,7 @@
                 <a:spcPct val="85000"/>
               </a:lnSpc>
             </a:pPr>
-            <a:endParaRPr b="0" lang="fr-FR" sz="1800" spc="-1" strike="noStrike">
+            <a:endParaRPr lang="fr-FR" sz="1800" b="0" strike="noStrike" spc="-1">
               <a:latin typeface="Arial"/>
             </a:endParaRPr>
           </a:p>
@@ -4430,15 +5717,22 @@
           </a:ln>
         </p:spPr>
         <p:style>
-          <a:lnRef idx="0"/>
-          <a:fillRef idx="0"/>
-          <a:effectRef idx="0"/>
+          <a:lnRef idx="0">
+            <a:scrgbClr r="0" g="0" b="0"/>
+          </a:lnRef>
+          <a:fillRef idx="0">
+            <a:scrgbClr r="0" g="0" b="0"/>
+          </a:fillRef>
+          <a:effectRef idx="0">
+            <a:scrgbClr r="0" g="0" b="0"/>
+          </a:effectRef>
           <a:fontRef idx="minor"/>
         </p:style>
         <p:txBody>
-          <a:bodyPr lIns="0" rIns="0" tIns="0" bIns="0">
+          <a:bodyPr lIns="0" tIns="0" rIns="0" bIns="0">
             <a:noAutofit/>
           </a:bodyPr>
+          <a:lstStyle/>
           <a:p>
             <a:pPr>
               <a:lnSpc>
@@ -4451,28 +5745,28 @@
                 <a:spcPts val="1001"/>
               </a:spcAft>
               <a:tabLst>
-                <a:tab algn="l" pos="0"/>
+                <a:tab pos="0" algn="l"/>
               </a:tabLst>
             </a:pPr>
             <a:r>
-              <a:rPr b="0" lang="en-US" sz="4000" spc="-1" strike="noStrike">
-                <a:solidFill>
-                  <a:srgbClr val="ffffff"/>
+              <a:rPr lang="en-US" sz="4000" b="0" strike="noStrike" spc="-1">
+                <a:solidFill>
+                  <a:srgbClr val="FFFFFF"/>
                 </a:solidFill>
                 <a:latin typeface="Helvetica Neue Light"/>
                 <a:ea typeface="Helvetica Neue Light"/>
               </a:rPr>
               <a:t>Task 2 : Simulate the races</a:t>
             </a:r>
-            <a:endParaRPr b="0" lang="fr-FR" sz="4000" spc="-1" strike="noStrike">
-              <a:latin typeface="Arial"/>
-            </a:endParaRPr>
-          </a:p>
-        </p:txBody>
-      </p:sp>
-      <p:sp>
-        <p:nvSpPr>
-          <p:cNvPr id="97" name=""/>
+            <a:endParaRPr lang="fr-FR" sz="4000" b="0" strike="noStrike" spc="-1">
+              <a:latin typeface="Arial"/>
+            </a:endParaRPr>
+          </a:p>
+        </p:txBody>
+      </p:sp>
+      <p:sp>
+        <p:nvSpPr>
+          <p:cNvPr id="97" name="Rectangle 96"/>
           <p:cNvSpPr/>
           <p:nvPr/>
         </p:nvSpPr>
@@ -4490,15 +5784,21 @@
           </a:ln>
         </p:spPr>
         <p:style>
-          <a:lnRef idx="0"/>
-          <a:fillRef idx="0"/>
-          <a:effectRef idx="0"/>
+          <a:lnRef idx="0">
+            <a:scrgbClr r="0" g="0" b="0"/>
+          </a:lnRef>
+          <a:fillRef idx="0">
+            <a:scrgbClr r="0" g="0" b="0"/>
+          </a:fillRef>
+          <a:effectRef idx="0">
+            <a:scrgbClr r="0" g="0" b="0"/>
+          </a:effectRef>
           <a:fontRef idx="minor"/>
         </p:style>
       </p:sp>
       <p:sp>
         <p:nvSpPr>
-          <p:cNvPr id="98" name=""/>
+          <p:cNvPr id="98" name="Rectangle 97"/>
           <p:cNvSpPr/>
           <p:nvPr/>
         </p:nvSpPr>
@@ -4516,15 +5816,22 @@
           </a:ln>
         </p:spPr>
         <p:style>
-          <a:lnRef idx="0"/>
-          <a:fillRef idx="0"/>
-          <a:effectRef idx="0"/>
+          <a:lnRef idx="0">
+            <a:scrgbClr r="0" g="0" b="0"/>
+          </a:lnRef>
+          <a:fillRef idx="0">
+            <a:scrgbClr r="0" g="0" b="0"/>
+          </a:fillRef>
+          <a:effectRef idx="0">
+            <a:scrgbClr r="0" g="0" b="0"/>
+          </a:effectRef>
           <a:fontRef idx="minor"/>
         </p:style>
         <p:txBody>
-          <a:bodyPr lIns="90000" rIns="90000" tIns="45000" bIns="45000">
+          <a:bodyPr lIns="90000" tIns="45000" rIns="90000" bIns="45000">
             <a:noAutofit/>
           </a:bodyPr>
+          <a:lstStyle/>
           <a:p>
             <a:pPr>
               <a:lnSpc>
@@ -4532,15 +5839,15 @@
               </a:lnSpc>
             </a:pPr>
             <a:r>
-              <a:rPr b="0" lang="fr-FR" sz="1800" spc="-1" strike="noStrike">
-                <a:solidFill>
-                  <a:srgbClr val="ffffff"/>
+              <a:rPr lang="fr-FR" sz="1800" b="0" strike="noStrike" spc="-1">
+                <a:solidFill>
+                  <a:srgbClr val="FFFFFF"/>
                 </a:solidFill>
                 <a:latin typeface="Arial"/>
               </a:rPr>
               <a:t>- Qualifications : for each driver compute the qualification time for each circuit</a:t>
             </a:r>
-            <a:endParaRPr b="0" lang="fr-FR" sz="1800" spc="-1" strike="noStrike">
+            <a:endParaRPr lang="fr-FR" sz="1800" b="0" strike="noStrike" spc="-1">
               <a:latin typeface="Arial"/>
             </a:endParaRPr>
           </a:p>
@@ -4550,7 +5857,7 @@
                 <a:spcPct val="100000"/>
               </a:lnSpc>
             </a:pPr>
-            <a:endParaRPr b="0" lang="fr-FR" sz="1800" spc="-1" strike="noStrike">
+            <a:endParaRPr lang="fr-FR" sz="1800" b="0" strike="noStrike" spc="-1">
               <a:latin typeface="Arial"/>
             </a:endParaRPr>
           </a:p>
@@ -4561,15 +5868,15 @@
               </a:lnSpc>
             </a:pPr>
             <a:r>
-              <a:rPr b="0" lang="fr-FR" sz="1800" spc="-1" strike="noStrike">
-                <a:solidFill>
-                  <a:srgbClr val="ffffff"/>
+              <a:rPr lang="fr-FR" sz="1800" b="0" strike="noStrike" spc="-1">
+                <a:solidFill>
+                  <a:srgbClr val="FFFFFF"/>
                 </a:solidFill>
                 <a:latin typeface="Arial"/>
               </a:rPr>
               <a:t>- Qualification results : for each circuit the 10 best times are qualified for the race</a:t>
             </a:r>
-            <a:endParaRPr b="0" lang="fr-FR" sz="1800" spc="-1" strike="noStrike">
+            <a:endParaRPr lang="fr-FR" sz="1800" b="0" strike="noStrike" spc="-1">
               <a:latin typeface="Arial"/>
             </a:endParaRPr>
           </a:p>
@@ -4579,7 +5886,7 @@
                 <a:spcPct val="100000"/>
               </a:lnSpc>
             </a:pPr>
-            <a:endParaRPr b="0" lang="fr-FR" sz="1800" spc="-1" strike="noStrike">
+            <a:endParaRPr lang="fr-FR" sz="1800" b="0" strike="noStrike" spc="-1">
               <a:latin typeface="Arial"/>
             </a:endParaRPr>
           </a:p>
@@ -4590,15 +5897,15 @@
               </a:lnSpc>
             </a:pPr>
             <a:r>
-              <a:rPr b="0" lang="fr-FR" sz="1800" spc="-1" strike="noStrike">
-                <a:solidFill>
-                  <a:srgbClr val="ffffff"/>
+              <a:rPr lang="fr-FR" sz="1800" b="0" strike="noStrike" spc="-1">
+                <a:solidFill>
+                  <a:srgbClr val="FFFFFF"/>
                 </a:solidFill>
                 <a:latin typeface="Arial"/>
               </a:rPr>
               <a:t>- Race : For all qualified drivers on each circuit compute the race time </a:t>
             </a:r>
-            <a:endParaRPr b="0" lang="fr-FR" sz="1800" spc="-1" strike="noStrike">
+            <a:endParaRPr lang="fr-FR" sz="1800" b="0" strike="noStrike" spc="-1">
               <a:latin typeface="Arial"/>
             </a:endParaRPr>
           </a:p>
@@ -4606,6 +5913,9 @@
       </p:sp>
     </p:spTree>
   </p:cSld>
+  <p:clrMapOvr>
+    <a:masterClrMapping/>
+  </p:clrMapOvr>
   <p:transition spd="slow">
     <p:push dir="r"/>
   </p:transition>
@@ -4613,7 +5923,7 @@
 </file>
 
 <file path=ppt/slides/slide4.xml><?xml version="1.0" encoding="utf-8"?>
-<p:sld xmlns:a="http://schemas.openxmlformats.org/drawingml/2006/main" xmlns:p="http://schemas.openxmlformats.org/presentationml/2006/main" xmlns:r="http://schemas.openxmlformats.org/officeDocument/2006/relationships" xmlns:p14="http://schemas.microsoft.com/office/powerpoint/2010/main" xmlns:p15="http://schemas.microsoft.com/office/powerpoint/2012/main" xmlns:mc="http://schemas.openxmlformats.org/markup-compatibility/2006">
+<p:sld xmlns:a="http://schemas.openxmlformats.org/drawingml/2006/main" xmlns:r="http://schemas.openxmlformats.org/officeDocument/2006/relationships" xmlns:p="http://schemas.openxmlformats.org/presentationml/2006/main">
   <p:cSld>
     <p:spTree>
       <p:nvGrpSpPr>
@@ -4631,13 +5941,13 @@
       </p:grpSpPr>
       <p:pic>
         <p:nvPicPr>
-          <p:cNvPr id="99" name="" descr=""/>
+          <p:cNvPr id="99" name="Image 98"/>
           <p:cNvPicPr/>
           <p:nvPr/>
         </p:nvPicPr>
         <p:blipFill>
-          <a:blip r:embed="rId1"/>
-          <a:srcRect l="0" t="0" r="25225" b="0"/>
+          <a:blip r:embed="rId2"/>
+          <a:srcRect r="25225"/>
           <a:stretch/>
         </p:blipFill>
         <p:spPr>
@@ -4685,9 +5995,15 @@
           </a:ln>
         </p:spPr>
         <p:style>
-          <a:lnRef idx="0"/>
-          <a:fillRef idx="0"/>
-          <a:effectRef idx="0"/>
+          <a:lnRef idx="0">
+            <a:scrgbClr r="0" g="0" b="0"/>
+          </a:lnRef>
+          <a:fillRef idx="0">
+            <a:scrgbClr r="0" g="0" b="0"/>
+          </a:fillRef>
+          <a:effectRef idx="0">
+            <a:scrgbClr r="0" g="0" b="0"/>
+          </a:effectRef>
           <a:fontRef idx="minor"/>
         </p:style>
       </p:sp>
@@ -4706,16 +6022,22 @@
             <a:avLst/>
           </a:prstGeom>
           <a:solidFill>
-            <a:srgbClr val="ffffff"/>
+            <a:srgbClr val="FFFFFF"/>
           </a:solidFill>
           <a:ln w="0">
             <a:noFill/>
           </a:ln>
         </p:spPr>
         <p:style>
-          <a:lnRef idx="0"/>
-          <a:fillRef idx="0"/>
-          <a:effectRef idx="0"/>
+          <a:lnRef idx="0">
+            <a:scrgbClr r="0" g="0" b="0"/>
+          </a:lnRef>
+          <a:fillRef idx="0">
+            <a:scrgbClr r="0" g="0" b="0"/>
+          </a:fillRef>
+          <a:effectRef idx="0">
+            <a:scrgbClr r="0" g="0" b="0"/>
+          </a:effectRef>
           <a:fontRef idx="minor"/>
         </p:style>
       </p:sp>
@@ -4739,22 +6061,29 @@
           </a:ln>
         </p:spPr>
         <p:style>
-          <a:lnRef idx="0"/>
-          <a:fillRef idx="0"/>
-          <a:effectRef idx="0"/>
+          <a:lnRef idx="0">
+            <a:scrgbClr r="0" g="0" b="0"/>
+          </a:lnRef>
+          <a:fillRef idx="0">
+            <a:scrgbClr r="0" g="0" b="0"/>
+          </a:fillRef>
+          <a:effectRef idx="0">
+            <a:scrgbClr r="0" g="0" b="0"/>
+          </a:effectRef>
           <a:fontRef idx="minor"/>
         </p:style>
         <p:txBody>
-          <a:bodyPr lIns="0" rIns="0" tIns="0" bIns="0">
+          <a:bodyPr lIns="0" tIns="0" rIns="0" bIns="0">
             <a:noAutofit/>
           </a:bodyPr>
+          <a:lstStyle/>
           <a:p>
             <a:pPr>
               <a:lnSpc>
                 <a:spcPct val="85000"/>
               </a:lnSpc>
             </a:pPr>
-            <a:endParaRPr b="0" lang="fr-FR" sz="1800" spc="-1" strike="noStrike">
+            <a:endParaRPr lang="fr-FR" sz="1800" b="0" strike="noStrike" spc="-1">
               <a:latin typeface="Arial"/>
             </a:endParaRPr>
           </a:p>
@@ -4764,7 +6093,7 @@
                 <a:spcPct val="85000"/>
               </a:lnSpc>
             </a:pPr>
-            <a:endParaRPr b="0" lang="fr-FR" sz="1800" spc="-1" strike="noStrike">
+            <a:endParaRPr lang="fr-FR" sz="1800" b="0" strike="noStrike" spc="-1">
               <a:latin typeface="Arial"/>
             </a:endParaRPr>
           </a:p>
@@ -4790,15 +6119,22 @@
           </a:ln>
         </p:spPr>
         <p:style>
-          <a:lnRef idx="0"/>
-          <a:fillRef idx="0"/>
-          <a:effectRef idx="0"/>
+          <a:lnRef idx="0">
+            <a:scrgbClr r="0" g="0" b="0"/>
+          </a:lnRef>
+          <a:fillRef idx="0">
+            <a:scrgbClr r="0" g="0" b="0"/>
+          </a:fillRef>
+          <a:effectRef idx="0">
+            <a:scrgbClr r="0" g="0" b="0"/>
+          </a:effectRef>
           <a:fontRef idx="minor"/>
         </p:style>
         <p:txBody>
-          <a:bodyPr lIns="0" rIns="0" tIns="0" bIns="0">
+          <a:bodyPr lIns="0" tIns="0" rIns="0" bIns="0">
             <a:noAutofit/>
           </a:bodyPr>
+          <a:lstStyle/>
           <a:p>
             <a:pPr>
               <a:lnSpc>
@@ -4811,28 +6147,28 @@
                 <a:spcPts val="1001"/>
               </a:spcAft>
               <a:tabLst>
-                <a:tab algn="l" pos="0"/>
+                <a:tab pos="0" algn="l"/>
               </a:tabLst>
             </a:pPr>
             <a:r>
-              <a:rPr b="0" lang="en-US" sz="4000" spc="-1" strike="noStrike">
-                <a:solidFill>
-                  <a:srgbClr val="ffffff"/>
+              <a:rPr lang="en-US" sz="4000" b="0" strike="noStrike" spc="-1">
+                <a:solidFill>
+                  <a:srgbClr val="FFFFFF"/>
                 </a:solidFill>
                 <a:latin typeface="Helvetica Neue Light"/>
                 <a:ea typeface="Helvetica Neue Light"/>
               </a:rPr>
               <a:t>Task 3 : Compute results</a:t>
             </a:r>
-            <a:endParaRPr b="0" lang="fr-FR" sz="4000" spc="-1" strike="noStrike">
-              <a:latin typeface="Arial"/>
-            </a:endParaRPr>
-          </a:p>
-        </p:txBody>
-      </p:sp>
-      <p:sp>
-        <p:nvSpPr>
-          <p:cNvPr id="104" name=""/>
+            <a:endParaRPr lang="fr-FR" sz="4000" b="0" strike="noStrike" spc="-1">
+              <a:latin typeface="Arial"/>
+            </a:endParaRPr>
+          </a:p>
+        </p:txBody>
+      </p:sp>
+      <p:sp>
+        <p:nvSpPr>
+          <p:cNvPr id="104" name="Rectangle 103"/>
           <p:cNvSpPr/>
           <p:nvPr/>
         </p:nvSpPr>
@@ -4850,22 +6186,29 @@
           </a:ln>
         </p:spPr>
         <p:style>
-          <a:lnRef idx="0"/>
-          <a:fillRef idx="0"/>
-          <a:effectRef idx="0"/>
+          <a:lnRef idx="0">
+            <a:scrgbClr r="0" g="0" b="0"/>
+          </a:lnRef>
+          <a:fillRef idx="0">
+            <a:scrgbClr r="0" g="0" b="0"/>
+          </a:fillRef>
+          <a:effectRef idx="0">
+            <a:scrgbClr r="0" g="0" b="0"/>
+          </a:effectRef>
           <a:fontRef idx="minor"/>
         </p:style>
         <p:txBody>
-          <a:bodyPr lIns="90000" rIns="90000" tIns="45000" bIns="45000">
+          <a:bodyPr lIns="90000" tIns="45000" rIns="90000" bIns="45000">
             <a:noAutofit/>
           </a:bodyPr>
+          <a:lstStyle/>
           <a:p>
             <a:pPr>
               <a:lnSpc>
                 <a:spcPct val="100000"/>
               </a:lnSpc>
             </a:pPr>
-            <a:endParaRPr b="0" lang="fr-FR" sz="1800" spc="-1" strike="noStrike">
+            <a:endParaRPr lang="fr-FR" sz="1800" b="0" strike="noStrike" spc="-1">
               <a:latin typeface="Arial"/>
             </a:endParaRPr>
           </a:p>
@@ -4882,24 +6225,24 @@
               <a:buChar char=""/>
             </a:pPr>
             <a:r>
-              <a:rPr b="0" lang="fr-FR" sz="1800" spc="-1" strike="noStrike">
-                <a:solidFill>
-                  <a:srgbClr val="ffffff"/>
+              <a:rPr lang="fr-FR" sz="1800" b="0" strike="noStrike" spc="-1">
+                <a:solidFill>
+                  <a:srgbClr val="FFFFFF"/>
                 </a:solidFill>
                 <a:latin typeface="Arial"/>
                 <a:ea typeface="DejaVu Sans"/>
               </a:rPr>
               <a:t> </a:t>
             </a:r>
-            <a:endParaRPr b="0" lang="fr-FR" sz="1800" spc="-1" strike="noStrike">
-              <a:latin typeface="Arial"/>
-            </a:endParaRPr>
-          </a:p>
-        </p:txBody>
-      </p:sp>
-      <p:sp>
-        <p:nvSpPr>
-          <p:cNvPr id="105" name=""/>
+            <a:endParaRPr lang="fr-FR" sz="1800" b="0" strike="noStrike" spc="-1">
+              <a:latin typeface="Arial"/>
+            </a:endParaRPr>
+          </a:p>
+        </p:txBody>
+      </p:sp>
+      <p:sp>
+        <p:nvSpPr>
+          <p:cNvPr id="105" name="Rectangle 104"/>
           <p:cNvSpPr/>
           <p:nvPr/>
         </p:nvSpPr>
@@ -4917,15 +6260,22 @@
           </a:ln>
         </p:spPr>
         <p:style>
-          <a:lnRef idx="0"/>
-          <a:fillRef idx="0"/>
-          <a:effectRef idx="0"/>
+          <a:lnRef idx="0">
+            <a:scrgbClr r="0" g="0" b="0"/>
+          </a:lnRef>
+          <a:fillRef idx="0">
+            <a:scrgbClr r="0" g="0" b="0"/>
+          </a:fillRef>
+          <a:effectRef idx="0">
+            <a:scrgbClr r="0" g="0" b="0"/>
+          </a:effectRef>
           <a:fontRef idx="minor"/>
         </p:style>
         <p:txBody>
-          <a:bodyPr lIns="90000" rIns="90000" tIns="45000" bIns="45000">
+          <a:bodyPr lIns="90000" tIns="45000" rIns="90000" bIns="45000">
             <a:noAutofit/>
           </a:bodyPr>
+          <a:lstStyle/>
           <a:p>
             <a:pPr>
               <a:lnSpc>
@@ -4933,15 +6283,15 @@
               </a:lnSpc>
             </a:pPr>
             <a:r>
-              <a:rPr b="0" lang="fr-FR" sz="1800" spc="-1" strike="noStrike">
-                <a:solidFill>
-                  <a:srgbClr val="ffffff"/>
+              <a:rPr lang="fr-FR" sz="1800" b="0" strike="noStrike" spc="-1">
+                <a:solidFill>
+                  <a:srgbClr val="FFFFFF"/>
                 </a:solidFill>
                 <a:latin typeface="Arial"/>
               </a:rPr>
               <a:t>For each race sort the race results by time</a:t>
             </a:r>
-            <a:endParaRPr b="0" lang="fr-FR" sz="1800" spc="-1" strike="noStrike">
+            <a:endParaRPr lang="fr-FR" sz="1800" b="0" strike="noStrike" spc="-1">
               <a:latin typeface="Arial"/>
             </a:endParaRPr>
           </a:p>
@@ -4951,7 +6301,7 @@
                 <a:spcPct val="100000"/>
               </a:lnSpc>
             </a:pPr>
-            <a:endParaRPr b="0" lang="fr-FR" sz="1800" spc="-1" strike="noStrike">
+            <a:endParaRPr lang="fr-FR" sz="1800" b="0" strike="noStrike" spc="-1">
               <a:latin typeface="Arial"/>
             </a:endParaRPr>
           </a:p>
@@ -4962,15 +6312,15 @@
               </a:lnSpc>
             </a:pPr>
             <a:r>
-              <a:rPr b="0" lang="fr-FR" sz="1800" spc="-1" strike="noStrike">
-                <a:solidFill>
-                  <a:srgbClr val="ffffff"/>
+              <a:rPr lang="fr-FR" sz="1800" b="0" strike="noStrike" spc="-1">
+                <a:solidFill>
+                  <a:srgbClr val="FFFFFF"/>
                 </a:solidFill>
                 <a:latin typeface="Arial"/>
               </a:rPr>
               <a:t>Asign points for each driver : 10 for the winner, 9 for the second... etc</a:t>
             </a:r>
-            <a:endParaRPr b="0" lang="fr-FR" sz="1800" spc="-1" strike="noStrike">
+            <a:endParaRPr lang="fr-FR" sz="1800" b="0" strike="noStrike" spc="-1">
               <a:latin typeface="Arial"/>
             </a:endParaRPr>
           </a:p>
@@ -4980,7 +6330,7 @@
                 <a:spcPct val="100000"/>
               </a:lnSpc>
             </a:pPr>
-            <a:endParaRPr b="0" lang="fr-FR" sz="1800" spc="-1" strike="noStrike">
+            <a:endParaRPr lang="fr-FR" sz="1800" b="0" strike="noStrike" spc="-1">
               <a:latin typeface="Arial"/>
             </a:endParaRPr>
           </a:p>
@@ -4991,15 +6341,15 @@
               </a:lnSpc>
             </a:pPr>
             <a:r>
-              <a:rPr b="0" lang="fr-FR" sz="1800" spc="-1" strike="noStrike">
-                <a:solidFill>
-                  <a:srgbClr val="ffffff"/>
+              <a:rPr lang="fr-FR" sz="1800" b="0" strike="noStrike" spc="-1">
+                <a:solidFill>
+                  <a:srgbClr val="FFFFFF"/>
                 </a:solidFill>
                 <a:latin typeface="Arial"/>
               </a:rPr>
               <a:t>Sum the points for each driver and dertermine the podium of the Cup !</a:t>
             </a:r>
-            <a:endParaRPr b="0" lang="fr-FR" sz="1800" spc="-1" strike="noStrike">
+            <a:endParaRPr lang="fr-FR" sz="1800" b="0" strike="noStrike" spc="-1">
               <a:latin typeface="Arial"/>
             </a:endParaRPr>
           </a:p>
@@ -5007,6 +6357,9 @@
       </p:sp>
     </p:spTree>
   </p:cSld>
+  <p:clrMapOvr>
+    <a:masterClrMapping/>
+  </p:clrMapOvr>
   <p:transition spd="slow">
     <p:push dir="r"/>
   </p:transition>
@@ -5024,31 +6377,31 @@
         <a:sysClr val="window" lastClr="FFFFFF"/>
       </a:lt1>
       <a:dk2>
-        <a:srgbClr val="1f497d"/>
+        <a:srgbClr val="1F497D"/>
       </a:dk2>
       <a:lt2>
-        <a:srgbClr val="eeece1"/>
+        <a:srgbClr val="EEECE1"/>
       </a:lt2>
       <a:accent1>
-        <a:srgbClr val="4f81bd"/>
+        <a:srgbClr val="4F81BD"/>
       </a:accent1>
       <a:accent2>
-        <a:srgbClr val="c0504d"/>
+        <a:srgbClr val="C0504D"/>
       </a:accent2>
       <a:accent3>
-        <a:srgbClr val="9bbb59"/>
+        <a:srgbClr val="9BBB59"/>
       </a:accent3>
       <a:accent4>
-        <a:srgbClr val="8064a2"/>
+        <a:srgbClr val="8064A2"/>
       </a:accent4>
       <a:accent5>
-        <a:srgbClr val="4bacc6"/>
+        <a:srgbClr val="4BACC6"/>
       </a:accent5>
       <a:accent6>
-        <a:srgbClr val="f79646"/>
+        <a:srgbClr val="F79646"/>
       </a:accent6>
       <a:hlink>
-        <a:srgbClr val="0000ff"/>
+        <a:srgbClr val="0000FF"/>
       </a:hlink>
       <a:folHlink>
         <a:srgbClr val="800080"/>
@@ -5236,6 +6589,8 @@
       </a:bgFillStyleLst>
     </a:fmtScheme>
   </a:themeElements>
+  <a:objectDefaults/>
+  <a:extraClrSchemeLst/>
 </a:theme>
 </file>
 
@@ -5250,31 +6605,31 @@
         <a:sysClr val="window" lastClr="FFFFFF"/>
       </a:lt1>
       <a:dk2>
-        <a:srgbClr val="1f497d"/>
+        <a:srgbClr val="1F497D"/>
       </a:dk2>
       <a:lt2>
-        <a:srgbClr val="eeece1"/>
+        <a:srgbClr val="EEECE1"/>
       </a:lt2>
       <a:accent1>
-        <a:srgbClr val="4f81bd"/>
+        <a:srgbClr val="4F81BD"/>
       </a:accent1>
       <a:accent2>
-        <a:srgbClr val="c0504d"/>
+        <a:srgbClr val="C0504D"/>
       </a:accent2>
       <a:accent3>
-        <a:srgbClr val="9bbb59"/>
+        <a:srgbClr val="9BBB59"/>
       </a:accent3>
       <a:accent4>
-        <a:srgbClr val="8064a2"/>
+        <a:srgbClr val="8064A2"/>
       </a:accent4>
       <a:accent5>
-        <a:srgbClr val="4bacc6"/>
+        <a:srgbClr val="4BACC6"/>
       </a:accent5>
       <a:accent6>
-        <a:srgbClr val="f79646"/>
+        <a:srgbClr val="F79646"/>
       </a:accent6>
       <a:hlink>
-        <a:srgbClr val="0000ff"/>
+        <a:srgbClr val="0000FF"/>
       </a:hlink>
       <a:folHlink>
         <a:srgbClr val="800080"/>
@@ -5462,5 +6817,7 @@
       </a:bgFillStyleLst>
     </a:fmtScheme>
   </a:themeElements>
+  <a:objectDefaults/>
+  <a:extraClrSchemeLst/>
 </a:theme>
 </file>
--- a/docs/Java Training Lab - Advanced.pptx
+++ b/docs/Java Training Lab - Advanced.pptx
@@ -4810,17 +4810,7 @@
                 <a:latin typeface="Arial"/>
                 <a:ea typeface="DejaVu Sans"/>
               </a:rPr>
-              <a:t>Read the file Drivers</a:t>
-            </a:r>
-            <a:r>
-              <a:rPr lang="fr-FR" sz="1800" b="0" strike="noStrike" spc="-1">
-                <a:solidFill>
-                  <a:srgbClr val="FFFFFF"/>
-                </a:solidFill>
-                <a:latin typeface="Arial"/>
-                <a:ea typeface="DejaVu Sans"/>
-              </a:rPr>
-              <a:t>.txt</a:t>
+              <a:t>Read the file Drivers.txt</a:t>
             </a:r>
           </a:p>
           <a:p>
@@ -4831,8 +4821,12 @@
               <a:buFont typeface="+mj-lt"/>
               <a:buAutoNum type="arabicPeriod"/>
             </a:pPr>
-            <a:endParaRPr lang="fr-FR" spc="-1" dirty="0">
-              <a:latin typeface="Arial"/>
+            <a:endParaRPr lang="fr-FR" sz="1800" b="0" strike="noStrike" spc="-1" dirty="0">
+              <a:solidFill>
+                <a:srgbClr val="FFFFFF"/>
+              </a:solidFill>
+              <a:latin typeface="Arial"/>
+              <a:ea typeface="DejaVu Sans"/>
             </a:endParaRPr>
           </a:p>
           <a:p>
@@ -5804,7 +5798,7 @@
         </p:nvSpPr>
         <p:spPr>
           <a:xfrm>
-            <a:off x="1620000" y="2700000"/>
+            <a:off x="526490" y="2616840"/>
             <a:ext cx="8313840" cy="1369800"/>
           </a:xfrm>
           <a:prstGeom prst="rect">
@@ -5839,15 +5833,69 @@
               </a:lnSpc>
             </a:pPr>
             <a:r>
-              <a:rPr lang="fr-FR" sz="1800" b="0" strike="noStrike" spc="-1">
-                <a:solidFill>
-                  <a:srgbClr val="FFFFFF"/>
-                </a:solidFill>
-                <a:latin typeface="Arial"/>
-              </a:rPr>
-              <a:t>- Qualifications : for each driver compute the qualification time for each circuit</a:t>
-            </a:r>
-            <a:endParaRPr lang="fr-FR" sz="1800" b="0" strike="noStrike" spc="-1">
+              <a:rPr lang="fr-FR" sz="1800" b="0" strike="noStrike" spc="-1" dirty="0">
+                <a:solidFill>
+                  <a:srgbClr val="FFFFFF"/>
+                </a:solidFill>
+                <a:latin typeface="Arial"/>
+              </a:rPr>
+              <a:t>- Qualifications : for </a:t>
+            </a:r>
+            <a:r>
+              <a:rPr lang="fr-FR" sz="1800" b="0" strike="noStrike" spc="-1" dirty="0" err="1">
+                <a:solidFill>
+                  <a:srgbClr val="FFFFFF"/>
+                </a:solidFill>
+                <a:latin typeface="Arial"/>
+              </a:rPr>
+              <a:t>each</a:t>
+            </a:r>
+            <a:r>
+              <a:rPr lang="fr-FR" sz="1800" b="0" strike="noStrike" spc="-1" dirty="0">
+                <a:solidFill>
+                  <a:srgbClr val="FFFFFF"/>
+                </a:solidFill>
+                <a:latin typeface="Arial"/>
+              </a:rPr>
+              <a:t> driver </a:t>
+            </a:r>
+            <a:r>
+              <a:rPr lang="fr-FR" sz="1800" b="0" strike="noStrike" spc="-1" dirty="0" err="1">
+                <a:solidFill>
+                  <a:srgbClr val="FFFFFF"/>
+                </a:solidFill>
+                <a:latin typeface="Arial"/>
+              </a:rPr>
+              <a:t>compute</a:t>
+            </a:r>
+            <a:r>
+              <a:rPr lang="fr-FR" sz="1800" b="0" strike="noStrike" spc="-1" dirty="0">
+                <a:solidFill>
+                  <a:srgbClr val="FFFFFF"/>
+                </a:solidFill>
+                <a:latin typeface="Arial"/>
+              </a:rPr>
+              <a:t> the qualification time for </a:t>
+            </a:r>
+            <a:r>
+              <a:rPr lang="fr-FR" sz="1800" b="0" strike="noStrike" spc="-1" dirty="0" err="1">
+                <a:solidFill>
+                  <a:srgbClr val="FFFFFF"/>
+                </a:solidFill>
+                <a:latin typeface="Arial"/>
+              </a:rPr>
+              <a:t>each</a:t>
+            </a:r>
+            <a:r>
+              <a:rPr lang="fr-FR" sz="1800" b="0" strike="noStrike" spc="-1" dirty="0">
+                <a:solidFill>
+                  <a:srgbClr val="FFFFFF"/>
+                </a:solidFill>
+                <a:latin typeface="Arial"/>
+              </a:rPr>
+              <a:t> circuit</a:t>
+            </a:r>
+            <a:endParaRPr lang="fr-FR" sz="1800" b="0" strike="noStrike" spc="-1" dirty="0">
               <a:latin typeface="Arial"/>
             </a:endParaRPr>
           </a:p>
@@ -5857,55 +5905,172 @@
                 <a:spcPct val="100000"/>
               </a:lnSpc>
             </a:pPr>
-            <a:endParaRPr lang="fr-FR" sz="1800" b="0" strike="noStrike" spc="-1">
-              <a:latin typeface="Arial"/>
-            </a:endParaRPr>
-          </a:p>
-          <a:p>
-            <a:pPr>
+            <a:endParaRPr lang="fr-FR" sz="1800" b="0" strike="noStrike" spc="-1" dirty="0">
+              <a:latin typeface="Arial"/>
+            </a:endParaRPr>
+          </a:p>
+          <a:p>
+            <a:pPr marL="342900" indent="-342900">
               <a:lnSpc>
                 <a:spcPct val="100000"/>
               </a:lnSpc>
+              <a:buFont typeface="+mj-lt"/>
+              <a:buAutoNum type="arabicPeriod"/>
             </a:pPr>
             <a:r>
-              <a:rPr lang="fr-FR" sz="1800" b="0" strike="noStrike" spc="-1">
-                <a:solidFill>
-                  <a:srgbClr val="FFFFFF"/>
-                </a:solidFill>
-                <a:latin typeface="Arial"/>
-              </a:rPr>
-              <a:t>- Qualification results : for each circuit the 10 best times are qualified for the race</a:t>
-            </a:r>
-            <a:endParaRPr lang="fr-FR" sz="1800" b="0" strike="noStrike" spc="-1">
-              <a:latin typeface="Arial"/>
-            </a:endParaRPr>
-          </a:p>
-          <a:p>
-            <a:pPr>
+              <a:rPr lang="fr-FR" sz="1800" b="0" strike="noStrike" spc="-1" dirty="0">
+                <a:solidFill>
+                  <a:srgbClr val="FFFFFF"/>
+                </a:solidFill>
+                <a:latin typeface="Arial"/>
+              </a:rPr>
+              <a:t>Qualification </a:t>
+            </a:r>
+            <a:r>
+              <a:rPr lang="fr-FR" sz="1800" b="0" strike="noStrike" spc="-1" dirty="0" err="1">
+                <a:solidFill>
+                  <a:srgbClr val="FFFFFF"/>
+                </a:solidFill>
+                <a:latin typeface="Arial"/>
+              </a:rPr>
+              <a:t>results</a:t>
+            </a:r>
+            <a:r>
+              <a:rPr lang="fr-FR" sz="1800" b="0" strike="noStrike" spc="-1" dirty="0">
+                <a:solidFill>
+                  <a:srgbClr val="FFFFFF"/>
+                </a:solidFill>
+                <a:latin typeface="Arial"/>
+              </a:rPr>
+              <a:t> : for </a:t>
+            </a:r>
+            <a:r>
+              <a:rPr lang="fr-FR" sz="1800" b="0" strike="noStrike" spc="-1" dirty="0" err="1">
+                <a:solidFill>
+                  <a:srgbClr val="FFFFFF"/>
+                </a:solidFill>
+                <a:latin typeface="Arial"/>
+              </a:rPr>
+              <a:t>each</a:t>
+            </a:r>
+            <a:r>
+              <a:rPr lang="fr-FR" sz="1800" b="0" strike="noStrike" spc="-1" dirty="0">
+                <a:solidFill>
+                  <a:srgbClr val="FFFFFF"/>
+                </a:solidFill>
+                <a:latin typeface="Arial"/>
+              </a:rPr>
+              <a:t> circuit the 10 best times are </a:t>
+            </a:r>
+            <a:r>
+              <a:rPr lang="fr-FR" sz="1800" b="0" strike="noStrike" spc="-1" dirty="0" err="1">
+                <a:solidFill>
+                  <a:srgbClr val="FFFFFF"/>
+                </a:solidFill>
+                <a:latin typeface="Arial"/>
+              </a:rPr>
+              <a:t>qualified</a:t>
+            </a:r>
+            <a:r>
+              <a:rPr lang="fr-FR" sz="1800" b="0" strike="noStrike" spc="-1" dirty="0">
+                <a:solidFill>
+                  <a:srgbClr val="FFFFFF"/>
+                </a:solidFill>
+                <a:latin typeface="Arial"/>
+              </a:rPr>
+              <a:t> for the race</a:t>
+            </a:r>
+            <a:endParaRPr lang="fr-FR" spc="-1" dirty="0">
+              <a:latin typeface="Arial"/>
+            </a:endParaRPr>
+          </a:p>
+          <a:p>
+            <a:pPr marL="342900" indent="-342900">
               <a:lnSpc>
                 <a:spcPct val="100000"/>
               </a:lnSpc>
+              <a:buFont typeface="+mj-lt"/>
+              <a:buAutoNum type="arabicPeriod"/>
             </a:pPr>
-            <a:endParaRPr lang="fr-FR" sz="1800" b="0" strike="noStrike" spc="-1">
-              <a:latin typeface="Arial"/>
-            </a:endParaRPr>
-          </a:p>
-          <a:p>
-            <a:pPr>
+            <a:endParaRPr lang="fr-FR" sz="1800" b="0" strike="noStrike" spc="-1" dirty="0">
+              <a:solidFill>
+                <a:srgbClr val="FFFFFF"/>
+              </a:solidFill>
+              <a:latin typeface="Arial"/>
+            </a:endParaRPr>
+          </a:p>
+          <a:p>
+            <a:pPr marL="342900" indent="-342900">
               <a:lnSpc>
                 <a:spcPct val="100000"/>
               </a:lnSpc>
+              <a:buFont typeface="+mj-lt"/>
+              <a:buAutoNum type="arabicPeriod"/>
             </a:pPr>
             <a:r>
-              <a:rPr lang="fr-FR" sz="1800" b="0" strike="noStrike" spc="-1">
-                <a:solidFill>
-                  <a:srgbClr val="FFFFFF"/>
-                </a:solidFill>
-                <a:latin typeface="Arial"/>
-              </a:rPr>
-              <a:t>- Race : For all qualified drivers on each circuit compute the race time </a:t>
-            </a:r>
-            <a:endParaRPr lang="fr-FR" sz="1800" b="0" strike="noStrike" spc="-1">
+              <a:rPr lang="fr-FR" sz="1800" b="0" strike="noStrike" spc="-1" dirty="0">
+                <a:solidFill>
+                  <a:srgbClr val="FFFFFF"/>
+                </a:solidFill>
+                <a:latin typeface="Arial"/>
+              </a:rPr>
+              <a:t>Race : For all </a:t>
+            </a:r>
+            <a:r>
+              <a:rPr lang="fr-FR" sz="1800" b="0" strike="noStrike" spc="-1" dirty="0" err="1">
+                <a:solidFill>
+                  <a:srgbClr val="FFFFFF"/>
+                </a:solidFill>
+                <a:latin typeface="Arial"/>
+              </a:rPr>
+              <a:t>qualified</a:t>
+            </a:r>
+            <a:r>
+              <a:rPr lang="fr-FR" sz="1800" b="0" strike="noStrike" spc="-1" dirty="0">
+                <a:solidFill>
+                  <a:srgbClr val="FFFFFF"/>
+                </a:solidFill>
+                <a:latin typeface="Arial"/>
+              </a:rPr>
+              <a:t> drivers on </a:t>
+            </a:r>
+            <a:r>
+              <a:rPr lang="fr-FR" sz="1800" b="0" strike="noStrike" spc="-1" dirty="0" err="1">
+                <a:solidFill>
+                  <a:srgbClr val="FFFFFF"/>
+                </a:solidFill>
+                <a:latin typeface="Arial"/>
+              </a:rPr>
+              <a:t>each</a:t>
+            </a:r>
+            <a:r>
+              <a:rPr lang="fr-FR" sz="1800" b="0" strike="noStrike" spc="-1" dirty="0">
+                <a:solidFill>
+                  <a:srgbClr val="FFFFFF"/>
+                </a:solidFill>
+                <a:latin typeface="Arial"/>
+              </a:rPr>
+              <a:t> circuit </a:t>
+            </a:r>
+            <a:r>
+              <a:rPr lang="fr-FR" sz="1800" b="0" strike="noStrike" spc="-1" dirty="0" err="1">
+                <a:solidFill>
+                  <a:srgbClr val="FFFFFF"/>
+                </a:solidFill>
+                <a:latin typeface="Arial"/>
+              </a:rPr>
+              <a:t>compute</a:t>
+            </a:r>
+            <a:r>
+              <a:rPr lang="fr-FR" sz="1800" b="0" strike="noStrike" spc="-1" dirty="0">
+                <a:solidFill>
+                  <a:srgbClr val="FFFFFF"/>
+                </a:solidFill>
+                <a:latin typeface="Arial"/>
+              </a:rPr>
+              <a:t> the race time </a:t>
+            </a:r>
+            <a:endParaRPr lang="fr-FR" sz="1800" b="0" strike="noStrike" spc="-1" dirty="0">
               <a:latin typeface="Arial"/>
             </a:endParaRPr>
           </a:p>
@@ -6248,8 +6413,8 @@
         </p:nvSpPr>
         <p:spPr>
           <a:xfrm>
-            <a:off x="1601640" y="2700000"/>
-            <a:ext cx="7259400" cy="1369800"/>
+            <a:off x="609480" y="2232900"/>
+            <a:ext cx="8832240" cy="1369800"/>
           </a:xfrm>
           <a:prstGeom prst="rect">
             <a:avLst/>
@@ -6277,79 +6442,206 @@
           </a:bodyPr>
           <a:lstStyle/>
           <a:p>
-            <a:pPr>
+            <a:pPr marL="342900" indent="-342900">
               <a:lnSpc>
                 <a:spcPct val="100000"/>
               </a:lnSpc>
+              <a:buFont typeface="+mj-lt"/>
+              <a:buAutoNum type="arabicPeriod"/>
             </a:pPr>
             <a:r>
-              <a:rPr lang="fr-FR" sz="1800" b="0" strike="noStrike" spc="-1">
-                <a:solidFill>
-                  <a:srgbClr val="FFFFFF"/>
-                </a:solidFill>
-                <a:latin typeface="Arial"/>
-              </a:rPr>
-              <a:t>For each race sort the race results by time</a:t>
-            </a:r>
-            <a:endParaRPr lang="fr-FR" sz="1800" b="0" strike="noStrike" spc="-1">
-              <a:latin typeface="Arial"/>
-            </a:endParaRPr>
-          </a:p>
-          <a:p>
-            <a:pPr>
+              <a:rPr lang="fr-FR" sz="1800" b="0" strike="noStrike" spc="-1" dirty="0">
+                <a:solidFill>
+                  <a:srgbClr val="FFFFFF"/>
+                </a:solidFill>
+                <a:latin typeface="Arial"/>
+              </a:rPr>
+              <a:t>For </a:t>
+            </a:r>
+            <a:r>
+              <a:rPr lang="fr-FR" sz="1800" b="0" strike="noStrike" spc="-1" dirty="0" err="1">
+                <a:solidFill>
+                  <a:srgbClr val="FFFFFF"/>
+                </a:solidFill>
+                <a:latin typeface="Arial"/>
+              </a:rPr>
+              <a:t>each</a:t>
+            </a:r>
+            <a:r>
+              <a:rPr lang="fr-FR" sz="1800" b="0" strike="noStrike" spc="-1" dirty="0">
+                <a:solidFill>
+                  <a:srgbClr val="FFFFFF"/>
+                </a:solidFill>
+                <a:latin typeface="Arial"/>
+              </a:rPr>
+              <a:t> race sort the race </a:t>
+            </a:r>
+            <a:r>
+              <a:rPr lang="fr-FR" sz="1800" b="0" strike="noStrike" spc="-1" dirty="0" err="1">
+                <a:solidFill>
+                  <a:srgbClr val="FFFFFF"/>
+                </a:solidFill>
+                <a:latin typeface="Arial"/>
+              </a:rPr>
+              <a:t>results</a:t>
+            </a:r>
+            <a:r>
+              <a:rPr lang="fr-FR" sz="1800" b="0" strike="noStrike" spc="-1" dirty="0">
+                <a:solidFill>
+                  <a:srgbClr val="FFFFFF"/>
+                </a:solidFill>
+                <a:latin typeface="Arial"/>
+              </a:rPr>
+              <a:t> by time</a:t>
+            </a:r>
+          </a:p>
+          <a:p>
+            <a:pPr marL="342900" indent="-342900">
               <a:lnSpc>
                 <a:spcPct val="100000"/>
               </a:lnSpc>
+              <a:buFont typeface="+mj-lt"/>
+              <a:buAutoNum type="arabicPeriod"/>
             </a:pPr>
-            <a:endParaRPr lang="fr-FR" sz="1800" b="0" strike="noStrike" spc="-1">
-              <a:latin typeface="Arial"/>
-            </a:endParaRPr>
-          </a:p>
-          <a:p>
-            <a:pPr>
+            <a:endParaRPr lang="fr-FR" spc="-1" dirty="0">
+              <a:latin typeface="Arial"/>
+            </a:endParaRPr>
+          </a:p>
+          <a:p>
+            <a:pPr marL="342900" indent="-342900">
               <a:lnSpc>
                 <a:spcPct val="100000"/>
               </a:lnSpc>
+              <a:buFont typeface="+mj-lt"/>
+              <a:buAutoNum type="arabicPeriod"/>
             </a:pPr>
             <a:r>
-              <a:rPr lang="fr-FR" sz="1800" b="0" strike="noStrike" spc="-1">
-                <a:solidFill>
-                  <a:srgbClr val="FFFFFF"/>
-                </a:solidFill>
-                <a:latin typeface="Arial"/>
-              </a:rPr>
-              <a:t>Asign points for each driver : 10 for the winner, 9 for the second... etc</a:t>
-            </a:r>
-            <a:endParaRPr lang="fr-FR" sz="1800" b="0" strike="noStrike" spc="-1">
-              <a:latin typeface="Arial"/>
-            </a:endParaRPr>
-          </a:p>
-          <a:p>
-            <a:pPr>
+              <a:rPr lang="fr-FR" sz="1800" b="0" strike="noStrike" spc="-1" dirty="0" err="1">
+                <a:solidFill>
+                  <a:srgbClr val="FFFFFF"/>
+                </a:solidFill>
+                <a:latin typeface="Arial"/>
+              </a:rPr>
+              <a:t>Assign</a:t>
+            </a:r>
+            <a:r>
+              <a:rPr lang="fr-FR" sz="1800" b="0" strike="noStrike" spc="-1" dirty="0">
+                <a:solidFill>
+                  <a:srgbClr val="FFFFFF"/>
+                </a:solidFill>
+                <a:latin typeface="Arial"/>
+              </a:rPr>
+              <a:t> points for </a:t>
+            </a:r>
+            <a:r>
+              <a:rPr lang="fr-FR" sz="1800" b="0" strike="noStrike" spc="-1" dirty="0" err="1">
+                <a:solidFill>
+                  <a:srgbClr val="FFFFFF"/>
+                </a:solidFill>
+                <a:latin typeface="Arial"/>
+              </a:rPr>
+              <a:t>each</a:t>
+            </a:r>
+            <a:r>
+              <a:rPr lang="fr-FR" sz="1800" b="0" strike="noStrike" spc="-1" dirty="0">
+                <a:solidFill>
+                  <a:srgbClr val="FFFFFF"/>
+                </a:solidFill>
+                <a:latin typeface="Arial"/>
+              </a:rPr>
+              <a:t> driver : 10 for the winner, 9 for the second... </a:t>
+            </a:r>
+            <a:r>
+              <a:rPr lang="fr-FR" sz="1800" b="0" strike="noStrike" spc="-1" dirty="0" err="1">
+                <a:solidFill>
+                  <a:srgbClr val="FFFFFF"/>
+                </a:solidFill>
+                <a:latin typeface="Arial"/>
+              </a:rPr>
+              <a:t>Etc</a:t>
+            </a:r>
+            <a:endParaRPr lang="fr-FR" spc="-1" dirty="0">
+              <a:latin typeface="Arial"/>
+            </a:endParaRPr>
+          </a:p>
+          <a:p>
+            <a:pPr marL="342900" indent="-342900">
               <a:lnSpc>
                 <a:spcPct val="100000"/>
               </a:lnSpc>
+              <a:buFont typeface="+mj-lt"/>
+              <a:buAutoNum type="arabicPeriod"/>
             </a:pPr>
-            <a:endParaRPr lang="fr-FR" sz="1800" b="0" strike="noStrike" spc="-1">
-              <a:latin typeface="Arial"/>
-            </a:endParaRPr>
-          </a:p>
-          <a:p>
-            <a:pPr>
+            <a:endParaRPr lang="fr-FR" sz="1800" b="0" strike="noStrike" spc="-1" dirty="0">
+              <a:solidFill>
+                <a:srgbClr val="FFFFFF"/>
+              </a:solidFill>
+              <a:latin typeface="Arial"/>
+            </a:endParaRPr>
+          </a:p>
+          <a:p>
+            <a:pPr marL="342900" indent="-342900">
               <a:lnSpc>
                 <a:spcPct val="100000"/>
               </a:lnSpc>
+              <a:buFont typeface="+mj-lt"/>
+              <a:buAutoNum type="arabicPeriod"/>
             </a:pPr>
             <a:r>
-              <a:rPr lang="fr-FR" sz="1800" b="0" strike="noStrike" spc="-1">
-                <a:solidFill>
-                  <a:srgbClr val="FFFFFF"/>
-                </a:solidFill>
-                <a:latin typeface="Arial"/>
-              </a:rPr>
-              <a:t>Sum the points for each driver and dertermine the podium of the Cup !</a:t>
-            </a:r>
-            <a:endParaRPr lang="fr-FR" sz="1800" b="0" strike="noStrike" spc="-1">
+              <a:rPr lang="fr-FR" sz="1800" b="0" strike="noStrike" spc="-1" dirty="0" err="1">
+                <a:solidFill>
+                  <a:srgbClr val="FFFFFF"/>
+                </a:solidFill>
+                <a:latin typeface="Arial"/>
+              </a:rPr>
+              <a:t>Sum</a:t>
+            </a:r>
+            <a:r>
+              <a:rPr lang="fr-FR" sz="1800" b="0" strike="noStrike" spc="-1" dirty="0">
+                <a:solidFill>
+                  <a:srgbClr val="FFFFFF"/>
+                </a:solidFill>
+                <a:latin typeface="Arial"/>
+              </a:rPr>
+              <a:t> the points for </a:t>
+            </a:r>
+            <a:r>
+              <a:rPr lang="fr-FR" sz="1800" b="0" strike="noStrike" spc="-1" dirty="0" err="1">
+                <a:solidFill>
+                  <a:srgbClr val="FFFFFF"/>
+                </a:solidFill>
+                <a:latin typeface="Arial"/>
+              </a:rPr>
+              <a:t>each</a:t>
+            </a:r>
+            <a:r>
+              <a:rPr lang="fr-FR" sz="1800" b="0" strike="noStrike" spc="-1" dirty="0">
+                <a:solidFill>
+                  <a:srgbClr val="FFFFFF"/>
+                </a:solidFill>
+                <a:latin typeface="Arial"/>
+              </a:rPr>
+              <a:t> driver and </a:t>
+            </a:r>
+            <a:r>
+              <a:rPr lang="fr-FR" sz="1800" b="0" strike="noStrike" spc="-1" dirty="0" err="1">
+                <a:solidFill>
+                  <a:srgbClr val="FFFFFF"/>
+                </a:solidFill>
+                <a:latin typeface="Arial"/>
+              </a:rPr>
+              <a:t>dertermine</a:t>
+            </a:r>
+            <a:r>
+              <a:rPr lang="fr-FR" sz="1800" b="0" strike="noStrike" spc="-1" dirty="0">
+                <a:solidFill>
+                  <a:srgbClr val="FFFFFF"/>
+                </a:solidFill>
+                <a:latin typeface="Arial"/>
+              </a:rPr>
+              <a:t> the podium of the Cup !</a:t>
+            </a:r>
+            <a:endParaRPr lang="fr-FR" sz="1800" b="0" strike="noStrike" spc="-1" dirty="0">
               <a:latin typeface="Arial"/>
             </a:endParaRPr>
           </a:p>

--- a/docs/Java Training Lab - Advanced.pptx
+++ b/docs/Java Training Lab - Advanced.pptx
@@ -1,23 +1,124 @@
 
 <file path=ppt/presentation.xml><?xml version="1.0" encoding="utf-8"?>
-<p:presentation xmlns:a="http://schemas.openxmlformats.org/drawingml/2006/main" xmlns:p="http://schemas.openxmlformats.org/presentationml/2006/main" xmlns:r="http://schemas.openxmlformats.org/officeDocument/2006/relationships" xmlns:p14="http://schemas.microsoft.com/office/powerpoint/2010/main" xmlns:p15="http://schemas.microsoft.com/office/powerpoint/2012/main" xmlns:mc="http://schemas.openxmlformats.org/markup-compatibility/2006">
+<p:presentation xmlns:a="http://schemas.openxmlformats.org/drawingml/2006/main" xmlns:r="http://schemas.openxmlformats.org/officeDocument/2006/relationships" xmlns:p="http://schemas.openxmlformats.org/presentationml/2006/main">
   <p:sldMasterIdLst>
-    <p:sldMasterId id="2147483648" r:id="rId2"/>
-    <p:sldMasterId id="2147483661" r:id="rId3"/>
+    <p:sldMasterId id="2147483648" r:id="rId1"/>
+    <p:sldMasterId id="2147483661" r:id="rId2"/>
   </p:sldMasterIdLst>
   <p:sldIdLst>
-    <p:sldId id="256" r:id="rId4"/>
-    <p:sldId id="257" r:id="rId5"/>
-    <p:sldId id="258" r:id="rId6"/>
-    <p:sldId id="259" r:id="rId7"/>
+    <p:sldId id="256" r:id="rId3"/>
+    <p:sldId id="257" r:id="rId4"/>
+    <p:sldId id="258" r:id="rId5"/>
+    <p:sldId id="259" r:id="rId6"/>
+    <p:sldId id="260" r:id="rId7"/>
   </p:sldIdLst>
-  <p:sldSz cx="12193587" cy="6858000"/>
+  <p:sldSz cx="12193588" cy="6858000"/>
   <p:notesSz cx="7772400" cy="10058400"/>
+  <p:defaultTextStyle>
+    <a:defPPr>
+      <a:defRPr lang="fr-FR"/>
+    </a:defPPr>
+    <a:lvl1pPr marL="0" algn="l" defTabSz="914400" rtl="0" eaLnBrk="1" latinLnBrk="0" hangingPunct="1">
+      <a:defRPr sz="1800" kern="1200">
+        <a:solidFill>
+          <a:schemeClr val="tx1"/>
+        </a:solidFill>
+        <a:latin typeface="+mn-lt"/>
+        <a:ea typeface="+mn-ea"/>
+        <a:cs typeface="+mn-cs"/>
+      </a:defRPr>
+    </a:lvl1pPr>
+    <a:lvl2pPr marL="457200" algn="l" defTabSz="914400" rtl="0" eaLnBrk="1" latinLnBrk="0" hangingPunct="1">
+      <a:defRPr sz="1800" kern="1200">
+        <a:solidFill>
+          <a:schemeClr val="tx1"/>
+        </a:solidFill>
+        <a:latin typeface="+mn-lt"/>
+        <a:ea typeface="+mn-ea"/>
+        <a:cs typeface="+mn-cs"/>
+      </a:defRPr>
+    </a:lvl2pPr>
+    <a:lvl3pPr marL="914400" algn="l" defTabSz="914400" rtl="0" eaLnBrk="1" latinLnBrk="0" hangingPunct="1">
+      <a:defRPr sz="1800" kern="1200">
+        <a:solidFill>
+          <a:schemeClr val="tx1"/>
+        </a:solidFill>
+        <a:latin typeface="+mn-lt"/>
+        <a:ea typeface="+mn-ea"/>
+        <a:cs typeface="+mn-cs"/>
+      </a:defRPr>
+    </a:lvl3pPr>
+    <a:lvl4pPr marL="1371600" algn="l" defTabSz="914400" rtl="0" eaLnBrk="1" latinLnBrk="0" hangingPunct="1">
+      <a:defRPr sz="1800" kern="1200">
+        <a:solidFill>
+          <a:schemeClr val="tx1"/>
+        </a:solidFill>
+        <a:latin typeface="+mn-lt"/>
+        <a:ea typeface="+mn-ea"/>
+        <a:cs typeface="+mn-cs"/>
+      </a:defRPr>
+    </a:lvl4pPr>
+    <a:lvl5pPr marL="1828800" algn="l" defTabSz="914400" rtl="0" eaLnBrk="1" latinLnBrk="0" hangingPunct="1">
+      <a:defRPr sz="1800" kern="1200">
+        <a:solidFill>
+          <a:schemeClr val="tx1"/>
+        </a:solidFill>
+        <a:latin typeface="+mn-lt"/>
+        <a:ea typeface="+mn-ea"/>
+        <a:cs typeface="+mn-cs"/>
+      </a:defRPr>
+    </a:lvl5pPr>
+    <a:lvl6pPr marL="2286000" algn="l" defTabSz="914400" rtl="0" eaLnBrk="1" latinLnBrk="0" hangingPunct="1">
+      <a:defRPr sz="1800" kern="1200">
+        <a:solidFill>
+          <a:schemeClr val="tx1"/>
+        </a:solidFill>
+        <a:latin typeface="+mn-lt"/>
+        <a:ea typeface="+mn-ea"/>
+        <a:cs typeface="+mn-cs"/>
+      </a:defRPr>
+    </a:lvl6pPr>
+    <a:lvl7pPr marL="2743200" algn="l" defTabSz="914400" rtl="0" eaLnBrk="1" latinLnBrk="0" hangingPunct="1">
+      <a:defRPr sz="1800" kern="1200">
+        <a:solidFill>
+          <a:schemeClr val="tx1"/>
+        </a:solidFill>
+        <a:latin typeface="+mn-lt"/>
+        <a:ea typeface="+mn-ea"/>
+        <a:cs typeface="+mn-cs"/>
+      </a:defRPr>
+    </a:lvl7pPr>
+    <a:lvl8pPr marL="3200400" algn="l" defTabSz="914400" rtl="0" eaLnBrk="1" latinLnBrk="0" hangingPunct="1">
+      <a:defRPr sz="1800" kern="1200">
+        <a:solidFill>
+          <a:schemeClr val="tx1"/>
+        </a:solidFill>
+        <a:latin typeface="+mn-lt"/>
+        <a:ea typeface="+mn-ea"/>
+        <a:cs typeface="+mn-cs"/>
+      </a:defRPr>
+    </a:lvl8pPr>
+    <a:lvl9pPr marL="3657600" algn="l" defTabSz="914400" rtl="0" eaLnBrk="1" latinLnBrk="0" hangingPunct="1">
+      <a:defRPr sz="1800" kern="1200">
+        <a:solidFill>
+          <a:schemeClr val="tx1"/>
+        </a:solidFill>
+        <a:latin typeface="+mn-lt"/>
+        <a:ea typeface="+mn-ea"/>
+        <a:cs typeface="+mn-cs"/>
+      </a:defRPr>
+    </a:lvl9pPr>
+  </p:defaultTextStyle>
+  <p:extLst>
+    <p:ext uri="{EFAFB233-063F-42B5-8137-9DF3F51BA10A}">
+      <p15:sldGuideLst xmlns:p15="http://schemas.microsoft.com/office/powerpoint/2012/main"/>
+    </p:ext>
+  </p:extLst>
 </p:presentation>
 </file>
 
 <file path=ppt/slideLayouts/slideLayout1.xml><?xml version="1.0" encoding="utf-8"?>
-<p:sldLayout xmlns:a="http://schemas.openxmlformats.org/drawingml/2006/main" xmlns:p="http://schemas.openxmlformats.org/presentationml/2006/main" xmlns:r="http://schemas.openxmlformats.org/officeDocument/2006/relationships" xmlns:p14="http://schemas.microsoft.com/office/powerpoint/2010/main" xmlns:p15="http://schemas.microsoft.com/office/powerpoint/2012/main" xmlns:mc="http://schemas.openxmlformats.org/markup-compatibility/2006" type="blank" preserve="1">
+<p:sldLayout xmlns:a="http://schemas.openxmlformats.org/drawingml/2006/main" xmlns:r="http://schemas.openxmlformats.org/officeDocument/2006/relationships" xmlns:p="http://schemas.openxmlformats.org/presentationml/2006/main" type="blank" preserve="1">
   <p:cSld name="Blank Slide">
     <p:spTree>
       <p:nvGrpSpPr>
@@ -35,11 +136,14 @@
       </p:grpSpPr>
     </p:spTree>
   </p:cSld>
+  <p:clrMapOvr>
+    <a:masterClrMapping/>
+  </p:clrMapOvr>
 </p:sldLayout>
 </file>
 
 <file path=ppt/slideLayouts/slideLayout10.xml><?xml version="1.0" encoding="utf-8"?>
-<p:sldLayout xmlns:a="http://schemas.openxmlformats.org/drawingml/2006/main" xmlns:p="http://schemas.openxmlformats.org/presentationml/2006/main" xmlns:r="http://schemas.openxmlformats.org/officeDocument/2006/relationships" xmlns:p14="http://schemas.microsoft.com/office/powerpoint/2010/main" xmlns:p15="http://schemas.microsoft.com/office/powerpoint/2012/main" xmlns:mc="http://schemas.openxmlformats.org/markup-compatibility/2006" type="objOverTx" preserve="1">
+<p:sldLayout xmlns:a="http://schemas.openxmlformats.org/drawingml/2006/main" xmlns:r="http://schemas.openxmlformats.org/officeDocument/2006/relationships" xmlns:p="http://schemas.openxmlformats.org/presentationml/2006/main" type="objOverTx" preserve="1">
   <p:cSld name="Title, Content over Content">
     <p:spTree>
       <p:nvGrpSpPr>
@@ -75,12 +179,13 @@
           </a:prstGeom>
         </p:spPr>
         <p:txBody>
-          <a:bodyPr lIns="0" rIns="0" tIns="0" bIns="0" anchor="ctr">
+          <a:bodyPr lIns="0" tIns="0" rIns="0" bIns="0" anchor="ctr">
             <a:noAutofit/>
           </a:bodyPr>
+          <a:lstStyle/>
           <a:p>
             <a:pPr algn="ctr"/>
-            <a:endParaRPr b="0" lang="fr-FR" sz="4400" spc="-1" strike="noStrike">
+            <a:endParaRPr lang="fr-FR" sz="4400" b="0" strike="noStrike" spc="-1">
               <a:latin typeface="Arial"/>
             </a:endParaRPr>
           </a:p>
@@ -106,11 +211,12 @@
           </a:prstGeom>
         </p:spPr>
         <p:txBody>
-          <a:bodyPr lIns="0" rIns="0" tIns="0" bIns="0">
+          <a:bodyPr lIns="0" tIns="0" rIns="0" bIns="0">
             <a:normAutofit/>
           </a:bodyPr>
-          <a:p>
-            <a:endParaRPr b="0" lang="fr-FR" sz="3200" spc="-1" strike="noStrike">
+          <a:lstStyle/>
+          <a:p>
+            <a:endParaRPr lang="fr-FR" sz="3200" b="0" strike="noStrike" spc="-1">
               <a:latin typeface="Arial"/>
             </a:endParaRPr>
           </a:p>
@@ -136,11 +242,12 @@
           </a:prstGeom>
         </p:spPr>
         <p:txBody>
-          <a:bodyPr lIns="0" rIns="0" tIns="0" bIns="0">
+          <a:bodyPr lIns="0" tIns="0" rIns="0" bIns="0">
             <a:normAutofit/>
           </a:bodyPr>
-          <a:p>
-            <a:endParaRPr b="0" lang="fr-FR" sz="3200" spc="-1" strike="noStrike">
+          <a:lstStyle/>
+          <a:p>
+            <a:endParaRPr lang="fr-FR" sz="3200" b="0" strike="noStrike" spc="-1">
               <a:latin typeface="Arial"/>
             </a:endParaRPr>
           </a:p>
@@ -148,11 +255,14 @@
       </p:sp>
     </p:spTree>
   </p:cSld>
+  <p:clrMapOvr>
+    <a:masterClrMapping/>
+  </p:clrMapOvr>
 </p:sldLayout>
 </file>
 
 <file path=ppt/slideLayouts/slideLayout11.xml><?xml version="1.0" encoding="utf-8"?>
-<p:sldLayout xmlns:a="http://schemas.openxmlformats.org/drawingml/2006/main" xmlns:p="http://schemas.openxmlformats.org/presentationml/2006/main" xmlns:r="http://schemas.openxmlformats.org/officeDocument/2006/relationships" xmlns:p14="http://schemas.microsoft.com/office/powerpoint/2010/main" xmlns:p15="http://schemas.microsoft.com/office/powerpoint/2012/main" xmlns:mc="http://schemas.openxmlformats.org/markup-compatibility/2006" type="fourObj" preserve="1">
+<p:sldLayout xmlns:a="http://schemas.openxmlformats.org/drawingml/2006/main" xmlns:r="http://schemas.openxmlformats.org/officeDocument/2006/relationships" xmlns:p="http://schemas.openxmlformats.org/presentationml/2006/main" type="fourObj" preserve="1">
   <p:cSld name="Title, 4 Content">
     <p:spTree>
       <p:nvGrpSpPr>
@@ -188,12 +298,13 @@
           </a:prstGeom>
         </p:spPr>
         <p:txBody>
-          <a:bodyPr lIns="0" rIns="0" tIns="0" bIns="0" anchor="ctr">
+          <a:bodyPr lIns="0" tIns="0" rIns="0" bIns="0" anchor="ctr">
             <a:noAutofit/>
           </a:bodyPr>
+          <a:lstStyle/>
           <a:p>
             <a:pPr algn="ctr"/>
-            <a:endParaRPr b="0" lang="fr-FR" sz="4400" spc="-1" strike="noStrike">
+            <a:endParaRPr lang="fr-FR" sz="4400" b="0" strike="noStrike" spc="-1">
               <a:latin typeface="Arial"/>
             </a:endParaRPr>
           </a:p>
@@ -219,11 +330,12 @@
           </a:prstGeom>
         </p:spPr>
         <p:txBody>
-          <a:bodyPr lIns="0" rIns="0" tIns="0" bIns="0">
+          <a:bodyPr lIns="0" tIns="0" rIns="0" bIns="0">
             <a:normAutofit/>
           </a:bodyPr>
-          <a:p>
-            <a:endParaRPr b="0" lang="fr-FR" sz="3200" spc="-1" strike="noStrike">
+          <a:lstStyle/>
+          <a:p>
+            <a:endParaRPr lang="fr-FR" sz="3200" b="0" strike="noStrike" spc="-1">
               <a:latin typeface="Arial"/>
             </a:endParaRPr>
           </a:p>
@@ -249,11 +361,12 @@
           </a:prstGeom>
         </p:spPr>
         <p:txBody>
-          <a:bodyPr lIns="0" rIns="0" tIns="0" bIns="0">
+          <a:bodyPr lIns="0" tIns="0" rIns="0" bIns="0">
             <a:normAutofit/>
           </a:bodyPr>
-          <a:p>
-            <a:endParaRPr b="0" lang="fr-FR" sz="3200" spc="-1" strike="noStrike">
+          <a:lstStyle/>
+          <a:p>
+            <a:endParaRPr lang="fr-FR" sz="3200" b="0" strike="noStrike" spc="-1">
               <a:latin typeface="Arial"/>
             </a:endParaRPr>
           </a:p>
@@ -279,11 +392,12 @@
           </a:prstGeom>
         </p:spPr>
         <p:txBody>
-          <a:bodyPr lIns="0" rIns="0" tIns="0" bIns="0">
+          <a:bodyPr lIns="0" tIns="0" rIns="0" bIns="0">
             <a:normAutofit/>
           </a:bodyPr>
-          <a:p>
-            <a:endParaRPr b="0" lang="fr-FR" sz="3200" spc="-1" strike="noStrike">
+          <a:lstStyle/>
+          <a:p>
+            <a:endParaRPr lang="fr-FR" sz="3200" b="0" strike="noStrike" spc="-1">
               <a:latin typeface="Arial"/>
             </a:endParaRPr>
           </a:p>
@@ -309,11 +423,12 @@
           </a:prstGeom>
         </p:spPr>
         <p:txBody>
-          <a:bodyPr lIns="0" rIns="0" tIns="0" bIns="0">
+          <a:bodyPr lIns="0" tIns="0" rIns="0" bIns="0">
             <a:normAutofit/>
           </a:bodyPr>
-          <a:p>
-            <a:endParaRPr b="0" lang="fr-FR" sz="3200" spc="-1" strike="noStrike">
+          <a:lstStyle/>
+          <a:p>
+            <a:endParaRPr lang="fr-FR" sz="3200" b="0" strike="noStrike" spc="-1">
               <a:latin typeface="Arial"/>
             </a:endParaRPr>
           </a:p>
@@ -321,11 +436,14 @@
       </p:sp>
     </p:spTree>
   </p:cSld>
+  <p:clrMapOvr>
+    <a:masterClrMapping/>
+  </p:clrMapOvr>
 </p:sldLayout>
 </file>
 
 <file path=ppt/slideLayouts/slideLayout12.xml><?xml version="1.0" encoding="utf-8"?>
-<p:sldLayout xmlns:a="http://schemas.openxmlformats.org/drawingml/2006/main" xmlns:p="http://schemas.openxmlformats.org/presentationml/2006/main" xmlns:r="http://schemas.openxmlformats.org/officeDocument/2006/relationships" xmlns:p14="http://schemas.microsoft.com/office/powerpoint/2010/main" xmlns:p15="http://schemas.microsoft.com/office/powerpoint/2012/main" xmlns:mc="http://schemas.openxmlformats.org/markup-compatibility/2006" type="blank" preserve="1">
+<p:sldLayout xmlns:a="http://schemas.openxmlformats.org/drawingml/2006/main" xmlns:r="http://schemas.openxmlformats.org/officeDocument/2006/relationships" xmlns:p="http://schemas.openxmlformats.org/presentationml/2006/main" type="blank" preserve="1">
   <p:cSld name="Title, 6 Content">
     <p:spTree>
       <p:nvGrpSpPr>
@@ -361,12 +479,13 @@
           </a:prstGeom>
         </p:spPr>
         <p:txBody>
-          <a:bodyPr lIns="0" rIns="0" tIns="0" bIns="0" anchor="ctr">
+          <a:bodyPr lIns="0" tIns="0" rIns="0" bIns="0" anchor="ctr">
             <a:noAutofit/>
           </a:bodyPr>
+          <a:lstStyle/>
           <a:p>
             <a:pPr algn="ctr"/>
-            <a:endParaRPr b="0" lang="fr-FR" sz="4400" spc="-1" strike="noStrike">
+            <a:endParaRPr lang="fr-FR" sz="4400" b="0" strike="noStrike" spc="-1">
               <a:latin typeface="Arial"/>
             </a:endParaRPr>
           </a:p>
@@ -392,11 +511,12 @@
           </a:prstGeom>
         </p:spPr>
         <p:txBody>
-          <a:bodyPr lIns="0" rIns="0" tIns="0" bIns="0">
+          <a:bodyPr lIns="0" tIns="0" rIns="0" bIns="0">
             <a:normAutofit/>
           </a:bodyPr>
-          <a:p>
-            <a:endParaRPr b="0" lang="fr-FR" sz="3200" spc="-1" strike="noStrike">
+          <a:lstStyle/>
+          <a:p>
+            <a:endParaRPr lang="fr-FR" sz="3200" b="0" strike="noStrike" spc="-1">
               <a:latin typeface="Arial"/>
             </a:endParaRPr>
           </a:p>
@@ -422,11 +542,12 @@
           </a:prstGeom>
         </p:spPr>
         <p:txBody>
-          <a:bodyPr lIns="0" rIns="0" tIns="0" bIns="0">
+          <a:bodyPr lIns="0" tIns="0" rIns="0" bIns="0">
             <a:normAutofit/>
           </a:bodyPr>
-          <a:p>
-            <a:endParaRPr b="0" lang="fr-FR" sz="3200" spc="-1" strike="noStrike">
+          <a:lstStyle/>
+          <a:p>
+            <a:endParaRPr lang="fr-FR" sz="3200" b="0" strike="noStrike" spc="-1">
               <a:latin typeface="Arial"/>
             </a:endParaRPr>
           </a:p>
@@ -452,11 +573,12 @@
           </a:prstGeom>
         </p:spPr>
         <p:txBody>
-          <a:bodyPr lIns="0" rIns="0" tIns="0" bIns="0">
+          <a:bodyPr lIns="0" tIns="0" rIns="0" bIns="0">
             <a:normAutofit/>
           </a:bodyPr>
-          <a:p>
-            <a:endParaRPr b="0" lang="fr-FR" sz="3200" spc="-1" strike="noStrike">
+          <a:lstStyle/>
+          <a:p>
+            <a:endParaRPr lang="fr-FR" sz="3200" b="0" strike="noStrike" spc="-1">
               <a:latin typeface="Arial"/>
             </a:endParaRPr>
           </a:p>
@@ -482,11 +604,12 @@
           </a:prstGeom>
         </p:spPr>
         <p:txBody>
-          <a:bodyPr lIns="0" rIns="0" tIns="0" bIns="0">
+          <a:bodyPr lIns="0" tIns="0" rIns="0" bIns="0">
             <a:normAutofit/>
           </a:bodyPr>
-          <a:p>
-            <a:endParaRPr b="0" lang="fr-FR" sz="3200" spc="-1" strike="noStrike">
+          <a:lstStyle/>
+          <a:p>
+            <a:endParaRPr lang="fr-FR" sz="3200" b="0" strike="noStrike" spc="-1">
               <a:latin typeface="Arial"/>
             </a:endParaRPr>
           </a:p>
@@ -512,11 +635,12 @@
           </a:prstGeom>
         </p:spPr>
         <p:txBody>
-          <a:bodyPr lIns="0" rIns="0" tIns="0" bIns="0">
+          <a:bodyPr lIns="0" tIns="0" rIns="0" bIns="0">
             <a:normAutofit/>
           </a:bodyPr>
-          <a:p>
-            <a:endParaRPr b="0" lang="fr-FR" sz="3200" spc="-1" strike="noStrike">
+          <a:lstStyle/>
+          <a:p>
+            <a:endParaRPr lang="fr-FR" sz="3200" b="0" strike="noStrike" spc="-1">
               <a:latin typeface="Arial"/>
             </a:endParaRPr>
           </a:p>
@@ -542,11 +666,12 @@
           </a:prstGeom>
         </p:spPr>
         <p:txBody>
-          <a:bodyPr lIns="0" rIns="0" tIns="0" bIns="0">
+          <a:bodyPr lIns="0" tIns="0" rIns="0" bIns="0">
             <a:normAutofit/>
           </a:bodyPr>
-          <a:p>
-            <a:endParaRPr b="0" lang="fr-FR" sz="3200" spc="-1" strike="noStrike">
+          <a:lstStyle/>
+          <a:p>
+            <a:endParaRPr lang="fr-FR" sz="3200" b="0" strike="noStrike" spc="-1">
               <a:latin typeface="Arial"/>
             </a:endParaRPr>
           </a:p>
@@ -554,11 +679,14 @@
       </p:sp>
     </p:spTree>
   </p:cSld>
+  <p:clrMapOvr>
+    <a:masterClrMapping/>
+  </p:clrMapOvr>
 </p:sldLayout>
 </file>
 
 <file path=ppt/slideLayouts/slideLayout13.xml><?xml version="1.0" encoding="utf-8"?>
-<p:sldLayout xmlns:a="http://schemas.openxmlformats.org/drawingml/2006/main" xmlns:p="http://schemas.openxmlformats.org/presentationml/2006/main" xmlns:r="http://schemas.openxmlformats.org/officeDocument/2006/relationships" xmlns:p14="http://schemas.microsoft.com/office/powerpoint/2010/main" xmlns:p15="http://schemas.microsoft.com/office/powerpoint/2012/main" xmlns:mc="http://schemas.openxmlformats.org/markup-compatibility/2006" type="blank" preserve="1">
+<p:sldLayout xmlns:a="http://schemas.openxmlformats.org/drawingml/2006/main" xmlns:r="http://schemas.openxmlformats.org/officeDocument/2006/relationships" xmlns:p="http://schemas.openxmlformats.org/presentationml/2006/main" type="blank" preserve="1">
   <p:cSld name="Blank Slide">
     <p:spTree>
       <p:nvGrpSpPr>
@@ -576,11 +704,14 @@
       </p:grpSpPr>
     </p:spTree>
   </p:cSld>
+  <p:clrMapOvr>
+    <a:masterClrMapping/>
+  </p:clrMapOvr>
 </p:sldLayout>
 </file>
 
 <file path=ppt/slideLayouts/slideLayout14.xml><?xml version="1.0" encoding="utf-8"?>
-<p:sldLayout xmlns:a="http://schemas.openxmlformats.org/drawingml/2006/main" xmlns:p="http://schemas.openxmlformats.org/presentationml/2006/main" xmlns:r="http://schemas.openxmlformats.org/officeDocument/2006/relationships" xmlns:p14="http://schemas.microsoft.com/office/powerpoint/2010/main" xmlns:p15="http://schemas.microsoft.com/office/powerpoint/2012/main" xmlns:mc="http://schemas.openxmlformats.org/markup-compatibility/2006" type="tx" preserve="1">
+<p:sldLayout xmlns:a="http://schemas.openxmlformats.org/drawingml/2006/main" xmlns:r="http://schemas.openxmlformats.org/officeDocument/2006/relationships" xmlns:p="http://schemas.openxmlformats.org/presentationml/2006/main" type="tx" preserve="1">
   <p:cSld name="Title Slide">
     <p:spTree>
       <p:nvGrpSpPr>
@@ -616,12 +747,13 @@
           </a:prstGeom>
         </p:spPr>
         <p:txBody>
-          <a:bodyPr lIns="0" rIns="0" tIns="0" bIns="0" anchor="ctr">
+          <a:bodyPr lIns="0" tIns="0" rIns="0" bIns="0" anchor="ctr">
             <a:noAutofit/>
           </a:bodyPr>
+          <a:lstStyle/>
           <a:p>
             <a:pPr algn="ctr"/>
-            <a:endParaRPr b="0" lang="fr-FR" sz="4400" spc="-1" strike="noStrike">
+            <a:endParaRPr lang="fr-FR" sz="4400" b="0" strike="noStrike" spc="-1">
               <a:latin typeface="Arial"/>
             </a:endParaRPr>
           </a:p>
@@ -647,12 +779,13 @@
           </a:prstGeom>
         </p:spPr>
         <p:txBody>
-          <a:bodyPr lIns="0" rIns="0" tIns="0" bIns="0" anchor="ctr">
+          <a:bodyPr lIns="0" tIns="0" rIns="0" bIns="0" anchor="ctr">
             <a:noAutofit/>
           </a:bodyPr>
+          <a:lstStyle/>
           <a:p>
             <a:pPr algn="ctr"/>
-            <a:endParaRPr b="0" lang="fr-FR" sz="3200" spc="-1" strike="noStrike">
+            <a:endParaRPr lang="fr-FR" sz="3200" b="0" strike="noStrike" spc="-1">
               <a:latin typeface="Arial"/>
             </a:endParaRPr>
           </a:p>
@@ -660,11 +793,14 @@
       </p:sp>
     </p:spTree>
   </p:cSld>
+  <p:clrMapOvr>
+    <a:masterClrMapping/>
+  </p:clrMapOvr>
 </p:sldLayout>
 </file>
 
 <file path=ppt/slideLayouts/slideLayout15.xml><?xml version="1.0" encoding="utf-8"?>
-<p:sldLayout xmlns:a="http://schemas.openxmlformats.org/drawingml/2006/main" xmlns:p="http://schemas.openxmlformats.org/presentationml/2006/main" xmlns:r="http://schemas.openxmlformats.org/officeDocument/2006/relationships" xmlns:p14="http://schemas.microsoft.com/office/powerpoint/2010/main" xmlns:p15="http://schemas.microsoft.com/office/powerpoint/2012/main" xmlns:mc="http://schemas.openxmlformats.org/markup-compatibility/2006" type="obj" preserve="1">
+<p:sldLayout xmlns:a="http://schemas.openxmlformats.org/drawingml/2006/main" xmlns:r="http://schemas.openxmlformats.org/officeDocument/2006/relationships" xmlns:p="http://schemas.openxmlformats.org/presentationml/2006/main" type="obj" preserve="1">
   <p:cSld name="Title, Content">
     <p:spTree>
       <p:nvGrpSpPr>
@@ -700,12 +836,13 @@
           </a:prstGeom>
         </p:spPr>
         <p:txBody>
-          <a:bodyPr lIns="0" rIns="0" tIns="0" bIns="0" anchor="ctr">
+          <a:bodyPr lIns="0" tIns="0" rIns="0" bIns="0" anchor="ctr">
             <a:noAutofit/>
           </a:bodyPr>
+          <a:lstStyle/>
           <a:p>
             <a:pPr algn="ctr"/>
-            <a:endParaRPr b="0" lang="fr-FR" sz="4400" spc="-1" strike="noStrike">
+            <a:endParaRPr lang="fr-FR" sz="4400" b="0" strike="noStrike" spc="-1">
               <a:latin typeface="Arial"/>
             </a:endParaRPr>
           </a:p>
@@ -731,11 +868,12 @@
           </a:prstGeom>
         </p:spPr>
         <p:txBody>
-          <a:bodyPr lIns="0" rIns="0" tIns="0" bIns="0">
+          <a:bodyPr lIns="0" tIns="0" rIns="0" bIns="0">
             <a:normAutofit/>
           </a:bodyPr>
-          <a:p>
-            <a:endParaRPr b="0" lang="fr-FR" sz="3200" spc="-1" strike="noStrike">
+          <a:lstStyle/>
+          <a:p>
+            <a:endParaRPr lang="fr-FR" sz="3200" b="0" strike="noStrike" spc="-1">
               <a:latin typeface="Arial"/>
             </a:endParaRPr>
           </a:p>
@@ -743,11 +881,14 @@
       </p:sp>
     </p:spTree>
   </p:cSld>
+  <p:clrMapOvr>
+    <a:masterClrMapping/>
+  </p:clrMapOvr>
 </p:sldLayout>
 </file>
 
 <file path=ppt/slideLayouts/slideLayout16.xml><?xml version="1.0" encoding="utf-8"?>
-<p:sldLayout xmlns:a="http://schemas.openxmlformats.org/drawingml/2006/main" xmlns:p="http://schemas.openxmlformats.org/presentationml/2006/main" xmlns:r="http://schemas.openxmlformats.org/officeDocument/2006/relationships" xmlns:p14="http://schemas.microsoft.com/office/powerpoint/2010/main" xmlns:p15="http://schemas.microsoft.com/office/powerpoint/2012/main" xmlns:mc="http://schemas.openxmlformats.org/markup-compatibility/2006" type="twoObj" preserve="1">
+<p:sldLayout xmlns:a="http://schemas.openxmlformats.org/drawingml/2006/main" xmlns:r="http://schemas.openxmlformats.org/officeDocument/2006/relationships" xmlns:p="http://schemas.openxmlformats.org/presentationml/2006/main" type="twoObj" preserve="1">
   <p:cSld name="Title, 2 Content">
     <p:spTree>
       <p:nvGrpSpPr>
@@ -783,12 +924,13 @@
           </a:prstGeom>
         </p:spPr>
         <p:txBody>
-          <a:bodyPr lIns="0" rIns="0" tIns="0" bIns="0" anchor="ctr">
+          <a:bodyPr lIns="0" tIns="0" rIns="0" bIns="0" anchor="ctr">
             <a:noAutofit/>
           </a:bodyPr>
+          <a:lstStyle/>
           <a:p>
             <a:pPr algn="ctr"/>
-            <a:endParaRPr b="0" lang="fr-FR" sz="4400" spc="-1" strike="noStrike">
+            <a:endParaRPr lang="fr-FR" sz="4400" b="0" strike="noStrike" spc="-1">
               <a:latin typeface="Arial"/>
             </a:endParaRPr>
           </a:p>
@@ -814,11 +956,12 @@
           </a:prstGeom>
         </p:spPr>
         <p:txBody>
-          <a:bodyPr lIns="0" rIns="0" tIns="0" bIns="0">
+          <a:bodyPr lIns="0" tIns="0" rIns="0" bIns="0">
             <a:normAutofit/>
           </a:bodyPr>
-          <a:p>
-            <a:endParaRPr b="0" lang="fr-FR" sz="3200" spc="-1" strike="noStrike">
+          <a:lstStyle/>
+          <a:p>
+            <a:endParaRPr lang="fr-FR" sz="3200" b="0" strike="noStrike" spc="-1">
               <a:latin typeface="Arial"/>
             </a:endParaRPr>
           </a:p>
@@ -844,11 +987,12 @@
           </a:prstGeom>
         </p:spPr>
         <p:txBody>
-          <a:bodyPr lIns="0" rIns="0" tIns="0" bIns="0">
+          <a:bodyPr lIns="0" tIns="0" rIns="0" bIns="0">
             <a:normAutofit/>
           </a:bodyPr>
-          <a:p>
-            <a:endParaRPr b="0" lang="fr-FR" sz="3200" spc="-1" strike="noStrike">
+          <a:lstStyle/>
+          <a:p>
+            <a:endParaRPr lang="fr-FR" sz="3200" b="0" strike="noStrike" spc="-1">
               <a:latin typeface="Arial"/>
             </a:endParaRPr>
           </a:p>
@@ -856,11 +1000,14 @@
       </p:sp>
     </p:spTree>
   </p:cSld>
+  <p:clrMapOvr>
+    <a:masterClrMapping/>
+  </p:clrMapOvr>
 </p:sldLayout>
 </file>
 
 <file path=ppt/slideLayouts/slideLayout17.xml><?xml version="1.0" encoding="utf-8"?>
-<p:sldLayout xmlns:a="http://schemas.openxmlformats.org/drawingml/2006/main" xmlns:p="http://schemas.openxmlformats.org/presentationml/2006/main" xmlns:r="http://schemas.openxmlformats.org/officeDocument/2006/relationships" xmlns:p14="http://schemas.microsoft.com/office/powerpoint/2010/main" xmlns:p15="http://schemas.microsoft.com/office/powerpoint/2012/main" xmlns:mc="http://schemas.openxmlformats.org/markup-compatibility/2006" type="titleOnly" preserve="1">
+<p:sldLayout xmlns:a="http://schemas.openxmlformats.org/drawingml/2006/main" xmlns:r="http://schemas.openxmlformats.org/officeDocument/2006/relationships" xmlns:p="http://schemas.openxmlformats.org/presentationml/2006/main" type="titleOnly" preserve="1">
   <p:cSld name="Title Only">
     <p:spTree>
       <p:nvGrpSpPr>
@@ -896,12 +1043,13 @@
           </a:prstGeom>
         </p:spPr>
         <p:txBody>
-          <a:bodyPr lIns="0" rIns="0" tIns="0" bIns="0" anchor="ctr">
+          <a:bodyPr lIns="0" tIns="0" rIns="0" bIns="0" anchor="ctr">
             <a:noAutofit/>
           </a:bodyPr>
+          <a:lstStyle/>
           <a:p>
             <a:pPr algn="ctr"/>
-            <a:endParaRPr b="0" lang="fr-FR" sz="4400" spc="-1" strike="noStrike">
+            <a:endParaRPr lang="fr-FR" sz="4400" b="0" strike="noStrike" spc="-1">
               <a:latin typeface="Arial"/>
             </a:endParaRPr>
           </a:p>
@@ -909,11 +1057,14 @@
       </p:sp>
     </p:spTree>
   </p:cSld>
+  <p:clrMapOvr>
+    <a:masterClrMapping/>
+  </p:clrMapOvr>
 </p:sldLayout>
 </file>
 
 <file path=ppt/slideLayouts/slideLayout18.xml><?xml version="1.0" encoding="utf-8"?>
-<p:sldLayout xmlns:a="http://schemas.openxmlformats.org/drawingml/2006/main" xmlns:p="http://schemas.openxmlformats.org/presentationml/2006/main" xmlns:r="http://schemas.openxmlformats.org/officeDocument/2006/relationships" xmlns:p14="http://schemas.microsoft.com/office/powerpoint/2010/main" xmlns:p15="http://schemas.microsoft.com/office/powerpoint/2012/main" xmlns:mc="http://schemas.openxmlformats.org/markup-compatibility/2006" type="objOnly" preserve="1">
+<p:sldLayout xmlns:a="http://schemas.openxmlformats.org/drawingml/2006/main" xmlns:r="http://schemas.openxmlformats.org/officeDocument/2006/relationships" xmlns:p="http://schemas.openxmlformats.org/presentationml/2006/main" type="objOnly" preserve="1">
   <p:cSld name="Centered Text">
     <p:spTree>
       <p:nvGrpSpPr>
@@ -949,12 +1100,13 @@
           </a:prstGeom>
         </p:spPr>
         <p:txBody>
-          <a:bodyPr lIns="0" rIns="0" tIns="0" bIns="0" anchor="ctr">
+          <a:bodyPr lIns="0" tIns="0" rIns="0" bIns="0" anchor="ctr">
             <a:noAutofit/>
           </a:bodyPr>
+          <a:lstStyle/>
           <a:p>
             <a:pPr algn="ctr"/>
-            <a:endParaRPr b="0" lang="fr-FR" sz="3200" spc="-1" strike="noStrike">
+            <a:endParaRPr lang="fr-FR" sz="3200" b="0" strike="noStrike" spc="-1">
               <a:latin typeface="Arial"/>
             </a:endParaRPr>
           </a:p>
@@ -962,11 +1114,14 @@
       </p:sp>
     </p:spTree>
   </p:cSld>
+  <p:clrMapOvr>
+    <a:masterClrMapping/>
+  </p:clrMapOvr>
 </p:sldLayout>
 </file>
 
 <file path=ppt/slideLayouts/slideLayout19.xml><?xml version="1.0" encoding="utf-8"?>
-<p:sldLayout xmlns:a="http://schemas.openxmlformats.org/drawingml/2006/main" xmlns:p="http://schemas.openxmlformats.org/presentationml/2006/main" xmlns:r="http://schemas.openxmlformats.org/officeDocument/2006/relationships" xmlns:p14="http://schemas.microsoft.com/office/powerpoint/2010/main" xmlns:p15="http://schemas.microsoft.com/office/powerpoint/2012/main" xmlns:mc="http://schemas.openxmlformats.org/markup-compatibility/2006" type="twoObjAndObj" preserve="1">
+<p:sldLayout xmlns:a="http://schemas.openxmlformats.org/drawingml/2006/main" xmlns:r="http://schemas.openxmlformats.org/officeDocument/2006/relationships" xmlns:p="http://schemas.openxmlformats.org/presentationml/2006/main" type="twoObjAndObj" preserve="1">
   <p:cSld name="Title, 2 Content and Content">
     <p:spTree>
       <p:nvGrpSpPr>
@@ -1002,12 +1157,13 @@
           </a:prstGeom>
         </p:spPr>
         <p:txBody>
-          <a:bodyPr lIns="0" rIns="0" tIns="0" bIns="0" anchor="ctr">
+          <a:bodyPr lIns="0" tIns="0" rIns="0" bIns="0" anchor="ctr">
             <a:noAutofit/>
           </a:bodyPr>
+          <a:lstStyle/>
           <a:p>
             <a:pPr algn="ctr"/>
-            <a:endParaRPr b="0" lang="fr-FR" sz="4400" spc="-1" strike="noStrike">
+            <a:endParaRPr lang="fr-FR" sz="4400" b="0" strike="noStrike" spc="-1">
               <a:latin typeface="Arial"/>
             </a:endParaRPr>
           </a:p>
@@ -1033,11 +1189,12 @@
           </a:prstGeom>
         </p:spPr>
         <p:txBody>
-          <a:bodyPr lIns="0" rIns="0" tIns="0" bIns="0">
+          <a:bodyPr lIns="0" tIns="0" rIns="0" bIns="0">
             <a:normAutofit/>
           </a:bodyPr>
-          <a:p>
-            <a:endParaRPr b="0" lang="fr-FR" sz="3200" spc="-1" strike="noStrike">
+          <a:lstStyle/>
+          <a:p>
+            <a:endParaRPr lang="fr-FR" sz="3200" b="0" strike="noStrike" spc="-1">
               <a:latin typeface="Arial"/>
             </a:endParaRPr>
           </a:p>
@@ -1063,11 +1220,12 @@
           </a:prstGeom>
         </p:spPr>
         <p:txBody>
-          <a:bodyPr lIns="0" rIns="0" tIns="0" bIns="0">
+          <a:bodyPr lIns="0" tIns="0" rIns="0" bIns="0">
             <a:normAutofit/>
           </a:bodyPr>
-          <a:p>
-            <a:endParaRPr b="0" lang="fr-FR" sz="3200" spc="-1" strike="noStrike">
+          <a:lstStyle/>
+          <a:p>
+            <a:endParaRPr lang="fr-FR" sz="3200" b="0" strike="noStrike" spc="-1">
               <a:latin typeface="Arial"/>
             </a:endParaRPr>
           </a:p>
@@ -1093,11 +1251,12 @@
           </a:prstGeom>
         </p:spPr>
         <p:txBody>
-          <a:bodyPr lIns="0" rIns="0" tIns="0" bIns="0">
+          <a:bodyPr lIns="0" tIns="0" rIns="0" bIns="0">
             <a:normAutofit/>
           </a:bodyPr>
-          <a:p>
-            <a:endParaRPr b="0" lang="fr-FR" sz="3200" spc="-1" strike="noStrike">
+          <a:lstStyle/>
+          <a:p>
+            <a:endParaRPr lang="fr-FR" sz="3200" b="0" strike="noStrike" spc="-1">
               <a:latin typeface="Arial"/>
             </a:endParaRPr>
           </a:p>
@@ -1105,11 +1264,14 @@
       </p:sp>
     </p:spTree>
   </p:cSld>
+  <p:clrMapOvr>
+    <a:masterClrMapping/>
+  </p:clrMapOvr>
 </p:sldLayout>
 </file>
 
 <file path=ppt/slideLayouts/slideLayout2.xml><?xml version="1.0" encoding="utf-8"?>
-<p:sldLayout xmlns:a="http://schemas.openxmlformats.org/drawingml/2006/main" xmlns:p="http://schemas.openxmlformats.org/presentationml/2006/main" xmlns:r="http://schemas.openxmlformats.org/officeDocument/2006/relationships" xmlns:p14="http://schemas.microsoft.com/office/powerpoint/2010/main" xmlns:p15="http://schemas.microsoft.com/office/powerpoint/2012/main" xmlns:mc="http://schemas.openxmlformats.org/markup-compatibility/2006" type="tx" preserve="1">
+<p:sldLayout xmlns:a="http://schemas.openxmlformats.org/drawingml/2006/main" xmlns:r="http://schemas.openxmlformats.org/officeDocument/2006/relationships" xmlns:p="http://schemas.openxmlformats.org/presentationml/2006/main" type="tx" preserve="1">
   <p:cSld name="Title Slide">
     <p:spTree>
       <p:nvGrpSpPr>
@@ -1145,12 +1307,13 @@
           </a:prstGeom>
         </p:spPr>
         <p:txBody>
-          <a:bodyPr lIns="0" rIns="0" tIns="0" bIns="0" anchor="ctr">
+          <a:bodyPr lIns="0" tIns="0" rIns="0" bIns="0" anchor="ctr">
             <a:noAutofit/>
           </a:bodyPr>
+          <a:lstStyle/>
           <a:p>
             <a:pPr algn="ctr"/>
-            <a:endParaRPr b="0" lang="fr-FR" sz="4400" spc="-1" strike="noStrike">
+            <a:endParaRPr lang="fr-FR" sz="4400" b="0" strike="noStrike" spc="-1">
               <a:latin typeface="Arial"/>
             </a:endParaRPr>
           </a:p>
@@ -1176,12 +1339,13 @@
           </a:prstGeom>
         </p:spPr>
         <p:txBody>
-          <a:bodyPr lIns="0" rIns="0" tIns="0" bIns="0" anchor="ctr">
+          <a:bodyPr lIns="0" tIns="0" rIns="0" bIns="0" anchor="ctr">
             <a:noAutofit/>
           </a:bodyPr>
+          <a:lstStyle/>
           <a:p>
             <a:pPr algn="ctr"/>
-            <a:endParaRPr b="0" lang="fr-FR" sz="3200" spc="-1" strike="noStrike">
+            <a:endParaRPr lang="fr-FR" sz="3200" b="0" strike="noStrike" spc="-1">
               <a:latin typeface="Arial"/>
             </a:endParaRPr>
           </a:p>
@@ -1189,11 +1353,14 @@
       </p:sp>
     </p:spTree>
   </p:cSld>
+  <p:clrMapOvr>
+    <a:masterClrMapping/>
+  </p:clrMapOvr>
 </p:sldLayout>
 </file>
 
 <file path=ppt/slideLayouts/slideLayout20.xml><?xml version="1.0" encoding="utf-8"?>
-<p:sldLayout xmlns:a="http://schemas.openxmlformats.org/drawingml/2006/main" xmlns:p="http://schemas.openxmlformats.org/presentationml/2006/main" xmlns:r="http://schemas.openxmlformats.org/officeDocument/2006/relationships" xmlns:p14="http://schemas.microsoft.com/office/powerpoint/2010/main" xmlns:p15="http://schemas.microsoft.com/office/powerpoint/2012/main" xmlns:mc="http://schemas.openxmlformats.org/markup-compatibility/2006" type="objAndTwoObj" preserve="1">
+<p:sldLayout xmlns:a="http://schemas.openxmlformats.org/drawingml/2006/main" xmlns:r="http://schemas.openxmlformats.org/officeDocument/2006/relationships" xmlns:p="http://schemas.openxmlformats.org/presentationml/2006/main" type="objAndTwoObj" preserve="1">
   <p:cSld name="Title Content and 2 Content">
     <p:spTree>
       <p:nvGrpSpPr>
@@ -1229,12 +1396,13 @@
           </a:prstGeom>
         </p:spPr>
         <p:txBody>
-          <a:bodyPr lIns="0" rIns="0" tIns="0" bIns="0" anchor="ctr">
+          <a:bodyPr lIns="0" tIns="0" rIns="0" bIns="0" anchor="ctr">
             <a:noAutofit/>
           </a:bodyPr>
+          <a:lstStyle/>
           <a:p>
             <a:pPr algn="ctr"/>
-            <a:endParaRPr b="0" lang="fr-FR" sz="4400" spc="-1" strike="noStrike">
+            <a:endParaRPr lang="fr-FR" sz="4400" b="0" strike="noStrike" spc="-1">
               <a:latin typeface="Arial"/>
             </a:endParaRPr>
           </a:p>
@@ -1260,11 +1428,12 @@
           </a:prstGeom>
         </p:spPr>
         <p:txBody>
-          <a:bodyPr lIns="0" rIns="0" tIns="0" bIns="0">
+          <a:bodyPr lIns="0" tIns="0" rIns="0" bIns="0">
             <a:normAutofit/>
           </a:bodyPr>
-          <a:p>
-            <a:endParaRPr b="0" lang="fr-FR" sz="3200" spc="-1" strike="noStrike">
+          <a:lstStyle/>
+          <a:p>
+            <a:endParaRPr lang="fr-FR" sz="3200" b="0" strike="noStrike" spc="-1">
               <a:latin typeface="Arial"/>
             </a:endParaRPr>
           </a:p>
@@ -1290,11 +1459,12 @@
           </a:prstGeom>
         </p:spPr>
         <p:txBody>
-          <a:bodyPr lIns="0" rIns="0" tIns="0" bIns="0">
+          <a:bodyPr lIns="0" tIns="0" rIns="0" bIns="0">
             <a:normAutofit/>
           </a:bodyPr>
-          <a:p>
-            <a:endParaRPr b="0" lang="fr-FR" sz="3200" spc="-1" strike="noStrike">
+          <a:lstStyle/>
+          <a:p>
+            <a:endParaRPr lang="fr-FR" sz="3200" b="0" strike="noStrike" spc="-1">
               <a:latin typeface="Arial"/>
             </a:endParaRPr>
           </a:p>
@@ -1320,11 +1490,12 @@
           </a:prstGeom>
         </p:spPr>
         <p:txBody>
-          <a:bodyPr lIns="0" rIns="0" tIns="0" bIns="0">
+          <a:bodyPr lIns="0" tIns="0" rIns="0" bIns="0">
             <a:normAutofit/>
           </a:bodyPr>
-          <a:p>
-            <a:endParaRPr b="0" lang="fr-FR" sz="3200" spc="-1" strike="noStrike">
+          <a:lstStyle/>
+          <a:p>
+            <a:endParaRPr lang="fr-FR" sz="3200" b="0" strike="noStrike" spc="-1">
               <a:latin typeface="Arial"/>
             </a:endParaRPr>
           </a:p>
@@ -1332,11 +1503,14 @@
       </p:sp>
     </p:spTree>
   </p:cSld>
+  <p:clrMapOvr>
+    <a:masterClrMapping/>
+  </p:clrMapOvr>
 </p:sldLayout>
 </file>
 
 <file path=ppt/slideLayouts/slideLayout21.xml><?xml version="1.0" encoding="utf-8"?>
-<p:sldLayout xmlns:a="http://schemas.openxmlformats.org/drawingml/2006/main" xmlns:p="http://schemas.openxmlformats.org/presentationml/2006/main" xmlns:r="http://schemas.openxmlformats.org/officeDocument/2006/relationships" xmlns:p14="http://schemas.microsoft.com/office/powerpoint/2010/main" xmlns:p15="http://schemas.microsoft.com/office/powerpoint/2012/main" xmlns:mc="http://schemas.openxmlformats.org/markup-compatibility/2006" type="twoObjOverTx" preserve="1">
+<p:sldLayout xmlns:a="http://schemas.openxmlformats.org/drawingml/2006/main" xmlns:r="http://schemas.openxmlformats.org/officeDocument/2006/relationships" xmlns:p="http://schemas.openxmlformats.org/presentationml/2006/main" type="twoObjOverTx" preserve="1">
   <p:cSld name="Title, 2 Content over Content">
     <p:spTree>
       <p:nvGrpSpPr>
@@ -1372,12 +1546,13 @@
           </a:prstGeom>
         </p:spPr>
         <p:txBody>
-          <a:bodyPr lIns="0" rIns="0" tIns="0" bIns="0" anchor="ctr">
+          <a:bodyPr lIns="0" tIns="0" rIns="0" bIns="0" anchor="ctr">
             <a:noAutofit/>
           </a:bodyPr>
+          <a:lstStyle/>
           <a:p>
             <a:pPr algn="ctr"/>
-            <a:endParaRPr b="0" lang="fr-FR" sz="4400" spc="-1" strike="noStrike">
+            <a:endParaRPr lang="fr-FR" sz="4400" b="0" strike="noStrike" spc="-1">
               <a:latin typeface="Arial"/>
             </a:endParaRPr>
           </a:p>
@@ -1403,11 +1578,12 @@
           </a:prstGeom>
         </p:spPr>
         <p:txBody>
-          <a:bodyPr lIns="0" rIns="0" tIns="0" bIns="0">
+          <a:bodyPr lIns="0" tIns="0" rIns="0" bIns="0">
             <a:normAutofit/>
           </a:bodyPr>
-          <a:p>
-            <a:endParaRPr b="0" lang="fr-FR" sz="3200" spc="-1" strike="noStrike">
+          <a:lstStyle/>
+          <a:p>
+            <a:endParaRPr lang="fr-FR" sz="3200" b="0" strike="noStrike" spc="-1">
               <a:latin typeface="Arial"/>
             </a:endParaRPr>
           </a:p>
@@ -1433,11 +1609,12 @@
           </a:prstGeom>
         </p:spPr>
         <p:txBody>
-          <a:bodyPr lIns="0" rIns="0" tIns="0" bIns="0">
+          <a:bodyPr lIns="0" tIns="0" rIns="0" bIns="0">
             <a:normAutofit/>
           </a:bodyPr>
-          <a:p>
-            <a:endParaRPr b="0" lang="fr-FR" sz="3200" spc="-1" strike="noStrike">
+          <a:lstStyle/>
+          <a:p>
+            <a:endParaRPr lang="fr-FR" sz="3200" b="0" strike="noStrike" spc="-1">
               <a:latin typeface="Arial"/>
             </a:endParaRPr>
           </a:p>
@@ -1463,11 +1640,12 @@
           </a:prstGeom>
         </p:spPr>
         <p:txBody>
-          <a:bodyPr lIns="0" rIns="0" tIns="0" bIns="0">
+          <a:bodyPr lIns="0" tIns="0" rIns="0" bIns="0">
             <a:normAutofit/>
           </a:bodyPr>
-          <a:p>
-            <a:endParaRPr b="0" lang="fr-FR" sz="3200" spc="-1" strike="noStrike">
+          <a:lstStyle/>
+          <a:p>
+            <a:endParaRPr lang="fr-FR" sz="3200" b="0" strike="noStrike" spc="-1">
               <a:latin typeface="Arial"/>
             </a:endParaRPr>
           </a:p>
@@ -1475,11 +1653,14 @@
       </p:sp>
     </p:spTree>
   </p:cSld>
+  <p:clrMapOvr>
+    <a:masterClrMapping/>
+  </p:clrMapOvr>
 </p:sldLayout>
 </file>
 
 <file path=ppt/slideLayouts/slideLayout22.xml><?xml version="1.0" encoding="utf-8"?>
-<p:sldLayout xmlns:a="http://schemas.openxmlformats.org/drawingml/2006/main" xmlns:p="http://schemas.openxmlformats.org/presentationml/2006/main" xmlns:r="http://schemas.openxmlformats.org/officeDocument/2006/relationships" xmlns:p14="http://schemas.microsoft.com/office/powerpoint/2010/main" xmlns:p15="http://schemas.microsoft.com/office/powerpoint/2012/main" xmlns:mc="http://schemas.openxmlformats.org/markup-compatibility/2006" type="objOverTx" preserve="1">
+<p:sldLayout xmlns:a="http://schemas.openxmlformats.org/drawingml/2006/main" xmlns:r="http://schemas.openxmlformats.org/officeDocument/2006/relationships" xmlns:p="http://schemas.openxmlformats.org/presentationml/2006/main" type="objOverTx" preserve="1">
   <p:cSld name="Title, Content over Content">
     <p:spTree>
       <p:nvGrpSpPr>
@@ -1515,12 +1696,13 @@
           </a:prstGeom>
         </p:spPr>
         <p:txBody>
-          <a:bodyPr lIns="0" rIns="0" tIns="0" bIns="0" anchor="ctr">
+          <a:bodyPr lIns="0" tIns="0" rIns="0" bIns="0" anchor="ctr">
             <a:noAutofit/>
           </a:bodyPr>
+          <a:lstStyle/>
           <a:p>
             <a:pPr algn="ctr"/>
-            <a:endParaRPr b="0" lang="fr-FR" sz="4400" spc="-1" strike="noStrike">
+            <a:endParaRPr lang="fr-FR" sz="4400" b="0" strike="noStrike" spc="-1">
               <a:latin typeface="Arial"/>
             </a:endParaRPr>
           </a:p>
@@ -1546,11 +1728,12 @@
           </a:prstGeom>
         </p:spPr>
         <p:txBody>
-          <a:bodyPr lIns="0" rIns="0" tIns="0" bIns="0">
+          <a:bodyPr lIns="0" tIns="0" rIns="0" bIns="0">
             <a:normAutofit/>
           </a:bodyPr>
-          <a:p>
-            <a:endParaRPr b="0" lang="fr-FR" sz="3200" spc="-1" strike="noStrike">
+          <a:lstStyle/>
+          <a:p>
+            <a:endParaRPr lang="fr-FR" sz="3200" b="0" strike="noStrike" spc="-1">
               <a:latin typeface="Arial"/>
             </a:endParaRPr>
           </a:p>
@@ -1576,11 +1759,12 @@
           </a:prstGeom>
         </p:spPr>
         <p:txBody>
-          <a:bodyPr lIns="0" rIns="0" tIns="0" bIns="0">
+          <a:bodyPr lIns="0" tIns="0" rIns="0" bIns="0">
             <a:normAutofit/>
           </a:bodyPr>
-          <a:p>
-            <a:endParaRPr b="0" lang="fr-FR" sz="3200" spc="-1" strike="noStrike">
+          <a:lstStyle/>
+          <a:p>
+            <a:endParaRPr lang="fr-FR" sz="3200" b="0" strike="noStrike" spc="-1">
               <a:latin typeface="Arial"/>
             </a:endParaRPr>
           </a:p>
@@ -1588,11 +1772,14 @@
       </p:sp>
     </p:spTree>
   </p:cSld>
+  <p:clrMapOvr>
+    <a:masterClrMapping/>
+  </p:clrMapOvr>
 </p:sldLayout>
 </file>
 
 <file path=ppt/slideLayouts/slideLayout23.xml><?xml version="1.0" encoding="utf-8"?>
-<p:sldLayout xmlns:a="http://schemas.openxmlformats.org/drawingml/2006/main" xmlns:p="http://schemas.openxmlformats.org/presentationml/2006/main" xmlns:r="http://schemas.openxmlformats.org/officeDocument/2006/relationships" xmlns:p14="http://schemas.microsoft.com/office/powerpoint/2010/main" xmlns:p15="http://schemas.microsoft.com/office/powerpoint/2012/main" xmlns:mc="http://schemas.openxmlformats.org/markup-compatibility/2006" type="fourObj" preserve="1">
+<p:sldLayout xmlns:a="http://schemas.openxmlformats.org/drawingml/2006/main" xmlns:r="http://schemas.openxmlformats.org/officeDocument/2006/relationships" xmlns:p="http://schemas.openxmlformats.org/presentationml/2006/main" type="fourObj" preserve="1">
   <p:cSld name="Title, 4 Content">
     <p:spTree>
       <p:nvGrpSpPr>
@@ -1628,12 +1815,13 @@
           </a:prstGeom>
         </p:spPr>
         <p:txBody>
-          <a:bodyPr lIns="0" rIns="0" tIns="0" bIns="0" anchor="ctr">
+          <a:bodyPr lIns="0" tIns="0" rIns="0" bIns="0" anchor="ctr">
             <a:noAutofit/>
           </a:bodyPr>
+          <a:lstStyle/>
           <a:p>
             <a:pPr algn="ctr"/>
-            <a:endParaRPr b="0" lang="fr-FR" sz="4400" spc="-1" strike="noStrike">
+            <a:endParaRPr lang="fr-FR" sz="4400" b="0" strike="noStrike" spc="-1">
               <a:latin typeface="Arial"/>
             </a:endParaRPr>
           </a:p>
@@ -1659,11 +1847,12 @@
           </a:prstGeom>
         </p:spPr>
         <p:txBody>
-          <a:bodyPr lIns="0" rIns="0" tIns="0" bIns="0">
+          <a:bodyPr lIns="0" tIns="0" rIns="0" bIns="0">
             <a:normAutofit/>
           </a:bodyPr>
-          <a:p>
-            <a:endParaRPr b="0" lang="fr-FR" sz="3200" spc="-1" strike="noStrike">
+          <a:lstStyle/>
+          <a:p>
+            <a:endParaRPr lang="fr-FR" sz="3200" b="0" strike="noStrike" spc="-1">
               <a:latin typeface="Arial"/>
             </a:endParaRPr>
           </a:p>
@@ -1689,11 +1878,12 @@
           </a:prstGeom>
         </p:spPr>
         <p:txBody>
-          <a:bodyPr lIns="0" rIns="0" tIns="0" bIns="0">
+          <a:bodyPr lIns="0" tIns="0" rIns="0" bIns="0">
             <a:normAutofit/>
           </a:bodyPr>
-          <a:p>
-            <a:endParaRPr b="0" lang="fr-FR" sz="3200" spc="-1" strike="noStrike">
+          <a:lstStyle/>
+          <a:p>
+            <a:endParaRPr lang="fr-FR" sz="3200" b="0" strike="noStrike" spc="-1">
               <a:latin typeface="Arial"/>
             </a:endParaRPr>
           </a:p>
@@ -1719,11 +1909,12 @@
           </a:prstGeom>
         </p:spPr>
         <p:txBody>
-          <a:bodyPr lIns="0" rIns="0" tIns="0" bIns="0">
+          <a:bodyPr lIns="0" tIns="0" rIns="0" bIns="0">
             <a:normAutofit/>
           </a:bodyPr>
-          <a:p>
-            <a:endParaRPr b="0" lang="fr-FR" sz="3200" spc="-1" strike="noStrike">
+          <a:lstStyle/>
+          <a:p>
+            <a:endParaRPr lang="fr-FR" sz="3200" b="0" strike="noStrike" spc="-1">
               <a:latin typeface="Arial"/>
             </a:endParaRPr>
           </a:p>
@@ -1749,11 +1940,12 @@
           </a:prstGeom>
         </p:spPr>
         <p:txBody>
-          <a:bodyPr lIns="0" rIns="0" tIns="0" bIns="0">
+          <a:bodyPr lIns="0" tIns="0" rIns="0" bIns="0">
             <a:normAutofit/>
           </a:bodyPr>
-          <a:p>
-            <a:endParaRPr b="0" lang="fr-FR" sz="3200" spc="-1" strike="noStrike">
+          <a:lstStyle/>
+          <a:p>
+            <a:endParaRPr lang="fr-FR" sz="3200" b="0" strike="noStrike" spc="-1">
               <a:latin typeface="Arial"/>
             </a:endParaRPr>
           </a:p>
@@ -1761,11 +1953,14 @@
       </p:sp>
     </p:spTree>
   </p:cSld>
+  <p:clrMapOvr>
+    <a:masterClrMapping/>
+  </p:clrMapOvr>
 </p:sldLayout>
 </file>
 
 <file path=ppt/slideLayouts/slideLayout24.xml><?xml version="1.0" encoding="utf-8"?>
-<p:sldLayout xmlns:a="http://schemas.openxmlformats.org/drawingml/2006/main" xmlns:p="http://schemas.openxmlformats.org/presentationml/2006/main" xmlns:r="http://schemas.openxmlformats.org/officeDocument/2006/relationships" xmlns:p14="http://schemas.microsoft.com/office/powerpoint/2010/main" xmlns:p15="http://schemas.microsoft.com/office/powerpoint/2012/main" xmlns:mc="http://schemas.openxmlformats.org/markup-compatibility/2006" type="blank" preserve="1">
+<p:sldLayout xmlns:a="http://schemas.openxmlformats.org/drawingml/2006/main" xmlns:r="http://schemas.openxmlformats.org/officeDocument/2006/relationships" xmlns:p="http://schemas.openxmlformats.org/presentationml/2006/main" type="blank" preserve="1">
   <p:cSld name="Title, 6 Content">
     <p:spTree>
       <p:nvGrpSpPr>
@@ -1801,12 +1996,13 @@
           </a:prstGeom>
         </p:spPr>
         <p:txBody>
-          <a:bodyPr lIns="0" rIns="0" tIns="0" bIns="0" anchor="ctr">
+          <a:bodyPr lIns="0" tIns="0" rIns="0" bIns="0" anchor="ctr">
             <a:noAutofit/>
           </a:bodyPr>
+          <a:lstStyle/>
           <a:p>
             <a:pPr algn="ctr"/>
-            <a:endParaRPr b="0" lang="fr-FR" sz="4400" spc="-1" strike="noStrike">
+            <a:endParaRPr lang="fr-FR" sz="4400" b="0" strike="noStrike" spc="-1">
               <a:latin typeface="Arial"/>
             </a:endParaRPr>
           </a:p>
@@ -1832,11 +2028,12 @@
           </a:prstGeom>
         </p:spPr>
         <p:txBody>
-          <a:bodyPr lIns="0" rIns="0" tIns="0" bIns="0">
+          <a:bodyPr lIns="0" tIns="0" rIns="0" bIns="0">
             <a:normAutofit/>
           </a:bodyPr>
-          <a:p>
-            <a:endParaRPr b="0" lang="fr-FR" sz="3200" spc="-1" strike="noStrike">
+          <a:lstStyle/>
+          <a:p>
+            <a:endParaRPr lang="fr-FR" sz="3200" b="0" strike="noStrike" spc="-1">
               <a:latin typeface="Arial"/>
             </a:endParaRPr>
           </a:p>
@@ -1862,11 +2059,12 @@
           </a:prstGeom>
         </p:spPr>
         <p:txBody>
-          <a:bodyPr lIns="0" rIns="0" tIns="0" bIns="0">
+          <a:bodyPr lIns="0" tIns="0" rIns="0" bIns="0">
             <a:normAutofit/>
           </a:bodyPr>
-          <a:p>
-            <a:endParaRPr b="0" lang="fr-FR" sz="3200" spc="-1" strike="noStrike">
+          <a:lstStyle/>
+          <a:p>
+            <a:endParaRPr lang="fr-FR" sz="3200" b="0" strike="noStrike" spc="-1">
               <a:latin typeface="Arial"/>
             </a:endParaRPr>
           </a:p>
@@ -1892,11 +2090,12 @@
           </a:prstGeom>
         </p:spPr>
         <p:txBody>
-          <a:bodyPr lIns="0" rIns="0" tIns="0" bIns="0">
+          <a:bodyPr lIns="0" tIns="0" rIns="0" bIns="0">
             <a:normAutofit/>
           </a:bodyPr>
-          <a:p>
-            <a:endParaRPr b="0" lang="fr-FR" sz="3200" spc="-1" strike="noStrike">
+          <a:lstStyle/>
+          <a:p>
+            <a:endParaRPr lang="fr-FR" sz="3200" b="0" strike="noStrike" spc="-1">
               <a:latin typeface="Arial"/>
             </a:endParaRPr>
           </a:p>
@@ -1922,11 +2121,12 @@
           </a:prstGeom>
         </p:spPr>
         <p:txBody>
-          <a:bodyPr lIns="0" rIns="0" tIns="0" bIns="0">
+          <a:bodyPr lIns="0" tIns="0" rIns="0" bIns="0">
             <a:normAutofit/>
           </a:bodyPr>
-          <a:p>
-            <a:endParaRPr b="0" lang="fr-FR" sz="3200" spc="-1" strike="noStrike">
+          <a:lstStyle/>
+          <a:p>
+            <a:endParaRPr lang="fr-FR" sz="3200" b="0" strike="noStrike" spc="-1">
               <a:latin typeface="Arial"/>
             </a:endParaRPr>
           </a:p>
@@ -1952,11 +2152,12 @@
           </a:prstGeom>
         </p:spPr>
         <p:txBody>
-          <a:bodyPr lIns="0" rIns="0" tIns="0" bIns="0">
+          <a:bodyPr lIns="0" tIns="0" rIns="0" bIns="0">
             <a:normAutofit/>
           </a:bodyPr>
-          <a:p>
-            <a:endParaRPr b="0" lang="fr-FR" sz="3200" spc="-1" strike="noStrike">
+          <a:lstStyle/>
+          <a:p>
+            <a:endParaRPr lang="fr-FR" sz="3200" b="0" strike="noStrike" spc="-1">
               <a:latin typeface="Arial"/>
             </a:endParaRPr>
           </a:p>
@@ -1982,11 +2183,12 @@
           </a:prstGeom>
         </p:spPr>
         <p:txBody>
-          <a:bodyPr lIns="0" rIns="0" tIns="0" bIns="0">
+          <a:bodyPr lIns="0" tIns="0" rIns="0" bIns="0">
             <a:normAutofit/>
           </a:bodyPr>
-          <a:p>
-            <a:endParaRPr b="0" lang="fr-FR" sz="3200" spc="-1" strike="noStrike">
+          <a:lstStyle/>
+          <a:p>
+            <a:endParaRPr lang="fr-FR" sz="3200" b="0" strike="noStrike" spc="-1">
               <a:latin typeface="Arial"/>
             </a:endParaRPr>
           </a:p>
@@ -1994,11 +2196,14 @@
       </p:sp>
     </p:spTree>
   </p:cSld>
+  <p:clrMapOvr>
+    <a:masterClrMapping/>
+  </p:clrMapOvr>
 </p:sldLayout>
 </file>
 
 <file path=ppt/slideLayouts/slideLayout3.xml><?xml version="1.0" encoding="utf-8"?>
-<p:sldLayout xmlns:a="http://schemas.openxmlformats.org/drawingml/2006/main" xmlns:p="http://schemas.openxmlformats.org/presentationml/2006/main" xmlns:r="http://schemas.openxmlformats.org/officeDocument/2006/relationships" xmlns:p14="http://schemas.microsoft.com/office/powerpoint/2010/main" xmlns:p15="http://schemas.microsoft.com/office/powerpoint/2012/main" xmlns:mc="http://schemas.openxmlformats.org/markup-compatibility/2006" type="obj" preserve="1">
+<p:sldLayout xmlns:a="http://schemas.openxmlformats.org/drawingml/2006/main" xmlns:r="http://schemas.openxmlformats.org/officeDocument/2006/relationships" xmlns:p="http://schemas.openxmlformats.org/presentationml/2006/main" type="obj" preserve="1">
   <p:cSld name="Title, Content">
     <p:spTree>
       <p:nvGrpSpPr>
@@ -2034,12 +2239,13 @@
           </a:prstGeom>
         </p:spPr>
         <p:txBody>
-          <a:bodyPr lIns="0" rIns="0" tIns="0" bIns="0" anchor="ctr">
+          <a:bodyPr lIns="0" tIns="0" rIns="0" bIns="0" anchor="ctr">
             <a:noAutofit/>
           </a:bodyPr>
+          <a:lstStyle/>
           <a:p>
             <a:pPr algn="ctr"/>
-            <a:endParaRPr b="0" lang="fr-FR" sz="4400" spc="-1" strike="noStrike">
+            <a:endParaRPr lang="fr-FR" sz="4400" b="0" strike="noStrike" spc="-1">
               <a:latin typeface="Arial"/>
             </a:endParaRPr>
           </a:p>
@@ -2065,11 +2271,12 @@
           </a:prstGeom>
         </p:spPr>
         <p:txBody>
-          <a:bodyPr lIns="0" rIns="0" tIns="0" bIns="0">
+          <a:bodyPr lIns="0" tIns="0" rIns="0" bIns="0">
             <a:normAutofit/>
           </a:bodyPr>
-          <a:p>
-            <a:endParaRPr b="0" lang="fr-FR" sz="3200" spc="-1" strike="noStrike">
+          <a:lstStyle/>
+          <a:p>
+            <a:endParaRPr lang="fr-FR" sz="3200" b="0" strike="noStrike" spc="-1">
               <a:latin typeface="Arial"/>
             </a:endParaRPr>
           </a:p>
@@ -2077,11 +2284,14 @@
       </p:sp>
     </p:spTree>
   </p:cSld>
+  <p:clrMapOvr>
+    <a:masterClrMapping/>
+  </p:clrMapOvr>
 </p:sldLayout>
 </file>
 
 <file path=ppt/slideLayouts/slideLayout4.xml><?xml version="1.0" encoding="utf-8"?>
-<p:sldLayout xmlns:a="http://schemas.openxmlformats.org/drawingml/2006/main" xmlns:p="http://schemas.openxmlformats.org/presentationml/2006/main" xmlns:r="http://schemas.openxmlformats.org/officeDocument/2006/relationships" xmlns:p14="http://schemas.microsoft.com/office/powerpoint/2010/main" xmlns:p15="http://schemas.microsoft.com/office/powerpoint/2012/main" xmlns:mc="http://schemas.openxmlformats.org/markup-compatibility/2006" type="twoObj" preserve="1">
+<p:sldLayout xmlns:a="http://schemas.openxmlformats.org/drawingml/2006/main" xmlns:r="http://schemas.openxmlformats.org/officeDocument/2006/relationships" xmlns:p="http://schemas.openxmlformats.org/presentationml/2006/main" type="twoObj" preserve="1">
   <p:cSld name="Title, 2 Content">
     <p:spTree>
       <p:nvGrpSpPr>
@@ -2117,12 +2327,13 @@
           </a:prstGeom>
         </p:spPr>
         <p:txBody>
-          <a:bodyPr lIns="0" rIns="0" tIns="0" bIns="0" anchor="ctr">
+          <a:bodyPr lIns="0" tIns="0" rIns="0" bIns="0" anchor="ctr">
             <a:noAutofit/>
           </a:bodyPr>
+          <a:lstStyle/>
           <a:p>
             <a:pPr algn="ctr"/>
-            <a:endParaRPr b="0" lang="fr-FR" sz="4400" spc="-1" strike="noStrike">
+            <a:endParaRPr lang="fr-FR" sz="4400" b="0" strike="noStrike" spc="-1">
               <a:latin typeface="Arial"/>
             </a:endParaRPr>
           </a:p>
@@ -2148,11 +2359,12 @@
           </a:prstGeom>
         </p:spPr>
         <p:txBody>
-          <a:bodyPr lIns="0" rIns="0" tIns="0" bIns="0">
+          <a:bodyPr lIns="0" tIns="0" rIns="0" bIns="0">
             <a:normAutofit/>
           </a:bodyPr>
-          <a:p>
-            <a:endParaRPr b="0" lang="fr-FR" sz="3200" spc="-1" strike="noStrike">
+          <a:lstStyle/>
+          <a:p>
+            <a:endParaRPr lang="fr-FR" sz="3200" b="0" strike="noStrike" spc="-1">
               <a:latin typeface="Arial"/>
             </a:endParaRPr>
           </a:p>
@@ -2178,11 +2390,12 @@
           </a:prstGeom>
         </p:spPr>
         <p:txBody>
-          <a:bodyPr lIns="0" rIns="0" tIns="0" bIns="0">
+          <a:bodyPr lIns="0" tIns="0" rIns="0" bIns="0">
             <a:normAutofit/>
           </a:bodyPr>
-          <a:p>
-            <a:endParaRPr b="0" lang="fr-FR" sz="3200" spc="-1" strike="noStrike">
+          <a:lstStyle/>
+          <a:p>
+            <a:endParaRPr lang="fr-FR" sz="3200" b="0" strike="noStrike" spc="-1">
               <a:latin typeface="Arial"/>
             </a:endParaRPr>
           </a:p>
@@ -2190,11 +2403,14 @@
       </p:sp>
     </p:spTree>
   </p:cSld>
+  <p:clrMapOvr>
+    <a:masterClrMapping/>
+  </p:clrMapOvr>
 </p:sldLayout>
 </file>
 
 <file path=ppt/slideLayouts/slideLayout5.xml><?xml version="1.0" encoding="utf-8"?>
-<p:sldLayout xmlns:a="http://schemas.openxmlformats.org/drawingml/2006/main" xmlns:p="http://schemas.openxmlformats.org/presentationml/2006/main" xmlns:r="http://schemas.openxmlformats.org/officeDocument/2006/relationships" xmlns:p14="http://schemas.microsoft.com/office/powerpoint/2010/main" xmlns:p15="http://schemas.microsoft.com/office/powerpoint/2012/main" xmlns:mc="http://schemas.openxmlformats.org/markup-compatibility/2006" type="titleOnly" preserve="1">
+<p:sldLayout xmlns:a="http://schemas.openxmlformats.org/drawingml/2006/main" xmlns:r="http://schemas.openxmlformats.org/officeDocument/2006/relationships" xmlns:p="http://schemas.openxmlformats.org/presentationml/2006/main" type="titleOnly" preserve="1">
   <p:cSld name="Title Only">
     <p:spTree>
       <p:nvGrpSpPr>
@@ -2230,12 +2446,13 @@
           </a:prstGeom>
         </p:spPr>
         <p:txBody>
-          <a:bodyPr lIns="0" rIns="0" tIns="0" bIns="0" anchor="ctr">
+          <a:bodyPr lIns="0" tIns="0" rIns="0" bIns="0" anchor="ctr">
             <a:noAutofit/>
           </a:bodyPr>
+          <a:lstStyle/>
           <a:p>
             <a:pPr algn="ctr"/>
-            <a:endParaRPr b="0" lang="fr-FR" sz="4400" spc="-1" strike="noStrike">
+            <a:endParaRPr lang="fr-FR" sz="4400" b="0" strike="noStrike" spc="-1">
               <a:latin typeface="Arial"/>
             </a:endParaRPr>
           </a:p>
@@ -2243,11 +2460,14 @@
       </p:sp>
     </p:spTree>
   </p:cSld>
+  <p:clrMapOvr>
+    <a:masterClrMapping/>
+  </p:clrMapOvr>
 </p:sldLayout>
 </file>
 
 <file path=ppt/slideLayouts/slideLayout6.xml><?xml version="1.0" encoding="utf-8"?>
-<p:sldLayout xmlns:a="http://schemas.openxmlformats.org/drawingml/2006/main" xmlns:p="http://schemas.openxmlformats.org/presentationml/2006/main" xmlns:r="http://schemas.openxmlformats.org/officeDocument/2006/relationships" xmlns:p14="http://schemas.microsoft.com/office/powerpoint/2010/main" xmlns:p15="http://schemas.microsoft.com/office/powerpoint/2012/main" xmlns:mc="http://schemas.openxmlformats.org/markup-compatibility/2006" type="objOnly" preserve="1">
+<p:sldLayout xmlns:a="http://schemas.openxmlformats.org/drawingml/2006/main" xmlns:r="http://schemas.openxmlformats.org/officeDocument/2006/relationships" xmlns:p="http://schemas.openxmlformats.org/presentationml/2006/main" type="objOnly" preserve="1">
   <p:cSld name="Centered Text">
     <p:spTree>
       <p:nvGrpSpPr>
@@ -2283,12 +2503,13 @@
           </a:prstGeom>
         </p:spPr>
         <p:txBody>
-          <a:bodyPr lIns="0" rIns="0" tIns="0" bIns="0" anchor="ctr">
+          <a:bodyPr lIns="0" tIns="0" rIns="0" bIns="0" anchor="ctr">
             <a:noAutofit/>
           </a:bodyPr>
+          <a:lstStyle/>
           <a:p>
             <a:pPr algn="ctr"/>
-            <a:endParaRPr b="0" lang="fr-FR" sz="3200" spc="-1" strike="noStrike">
+            <a:endParaRPr lang="fr-FR" sz="3200" b="0" strike="noStrike" spc="-1">
               <a:latin typeface="Arial"/>
             </a:endParaRPr>
           </a:p>
@@ -2296,11 +2517,14 @@
       </p:sp>
     </p:spTree>
   </p:cSld>
+  <p:clrMapOvr>
+    <a:masterClrMapping/>
+  </p:clrMapOvr>
 </p:sldLayout>
 </file>
 
 <file path=ppt/slideLayouts/slideLayout7.xml><?xml version="1.0" encoding="utf-8"?>
-<p:sldLayout xmlns:a="http://schemas.openxmlformats.org/drawingml/2006/main" xmlns:p="http://schemas.openxmlformats.org/presentationml/2006/main" xmlns:r="http://schemas.openxmlformats.org/officeDocument/2006/relationships" xmlns:p14="http://schemas.microsoft.com/office/powerpoint/2010/main" xmlns:p15="http://schemas.microsoft.com/office/powerpoint/2012/main" xmlns:mc="http://schemas.openxmlformats.org/markup-compatibility/2006" type="twoObjAndObj" preserve="1">
+<p:sldLayout xmlns:a="http://schemas.openxmlformats.org/drawingml/2006/main" xmlns:r="http://schemas.openxmlformats.org/officeDocument/2006/relationships" xmlns:p="http://schemas.openxmlformats.org/presentationml/2006/main" type="twoObjAndObj" preserve="1">
   <p:cSld name="Title, 2 Content and Content">
     <p:spTree>
       <p:nvGrpSpPr>
@@ -2336,12 +2560,13 @@
           </a:prstGeom>
         </p:spPr>
         <p:txBody>
-          <a:bodyPr lIns="0" rIns="0" tIns="0" bIns="0" anchor="ctr">
+          <a:bodyPr lIns="0" tIns="0" rIns="0" bIns="0" anchor="ctr">
             <a:noAutofit/>
           </a:bodyPr>
+          <a:lstStyle/>
           <a:p>
             <a:pPr algn="ctr"/>
-            <a:endParaRPr b="0" lang="fr-FR" sz="4400" spc="-1" strike="noStrike">
+            <a:endParaRPr lang="fr-FR" sz="4400" b="0" strike="noStrike" spc="-1">
               <a:latin typeface="Arial"/>
             </a:endParaRPr>
           </a:p>
@@ -2367,11 +2592,12 @@
           </a:prstGeom>
         </p:spPr>
         <p:txBody>
-          <a:bodyPr lIns="0" rIns="0" tIns="0" bIns="0">
+          <a:bodyPr lIns="0" tIns="0" rIns="0" bIns="0">
             <a:normAutofit/>
           </a:bodyPr>
-          <a:p>
-            <a:endParaRPr b="0" lang="fr-FR" sz="3200" spc="-1" strike="noStrike">
+          <a:lstStyle/>
+          <a:p>
+            <a:endParaRPr lang="fr-FR" sz="3200" b="0" strike="noStrike" spc="-1">
               <a:latin typeface="Arial"/>
             </a:endParaRPr>
           </a:p>
@@ -2397,11 +2623,12 @@
           </a:prstGeom>
         </p:spPr>
         <p:txBody>
-          <a:bodyPr lIns="0" rIns="0" tIns="0" bIns="0">
+          <a:bodyPr lIns="0" tIns="0" rIns="0" bIns="0">
             <a:normAutofit/>
           </a:bodyPr>
-          <a:p>
-            <a:endParaRPr b="0" lang="fr-FR" sz="3200" spc="-1" strike="noStrike">
+          <a:lstStyle/>
+          <a:p>
+            <a:endParaRPr lang="fr-FR" sz="3200" b="0" strike="noStrike" spc="-1">
               <a:latin typeface="Arial"/>
             </a:endParaRPr>
           </a:p>
@@ -2427,11 +2654,12 @@
           </a:prstGeom>
         </p:spPr>
         <p:txBody>
-          <a:bodyPr lIns="0" rIns="0" tIns="0" bIns="0">
+          <a:bodyPr lIns="0" tIns="0" rIns="0" bIns="0">
             <a:normAutofit/>
           </a:bodyPr>
-          <a:p>
-            <a:endParaRPr b="0" lang="fr-FR" sz="3200" spc="-1" strike="noStrike">
+          <a:lstStyle/>
+          <a:p>
+            <a:endParaRPr lang="fr-FR" sz="3200" b="0" strike="noStrike" spc="-1">
               <a:latin typeface="Arial"/>
             </a:endParaRPr>
           </a:p>
@@ -2439,11 +2667,14 @@
       </p:sp>
     </p:spTree>
   </p:cSld>
+  <p:clrMapOvr>
+    <a:masterClrMapping/>
+  </p:clrMapOvr>
 </p:sldLayout>
 </file>
 
 <file path=ppt/slideLayouts/slideLayout8.xml><?xml version="1.0" encoding="utf-8"?>
-<p:sldLayout xmlns:a="http://schemas.openxmlformats.org/drawingml/2006/main" xmlns:p="http://schemas.openxmlformats.org/presentationml/2006/main" xmlns:r="http://schemas.openxmlformats.org/officeDocument/2006/relationships" xmlns:p14="http://schemas.microsoft.com/office/powerpoint/2010/main" xmlns:p15="http://schemas.microsoft.com/office/powerpoint/2012/main" xmlns:mc="http://schemas.openxmlformats.org/markup-compatibility/2006" type="objAndTwoObj" preserve="1">
+<p:sldLayout xmlns:a="http://schemas.openxmlformats.org/drawingml/2006/main" xmlns:r="http://schemas.openxmlformats.org/officeDocument/2006/relationships" xmlns:p="http://schemas.openxmlformats.org/presentationml/2006/main" type="objAndTwoObj" preserve="1">
   <p:cSld name="Title Content and 2 Content">
     <p:spTree>
       <p:nvGrpSpPr>
@@ -2479,12 +2710,13 @@
           </a:prstGeom>
         </p:spPr>
         <p:txBody>
-          <a:bodyPr lIns="0" rIns="0" tIns="0" bIns="0" anchor="ctr">
+          <a:bodyPr lIns="0" tIns="0" rIns="0" bIns="0" anchor="ctr">
             <a:noAutofit/>
           </a:bodyPr>
+          <a:lstStyle/>
           <a:p>
             <a:pPr algn="ctr"/>
-            <a:endParaRPr b="0" lang="fr-FR" sz="4400" spc="-1" strike="noStrike">
+            <a:endParaRPr lang="fr-FR" sz="4400" b="0" strike="noStrike" spc="-1">
               <a:latin typeface="Arial"/>
             </a:endParaRPr>
           </a:p>
@@ -2510,11 +2742,12 @@
           </a:prstGeom>
         </p:spPr>
         <p:txBody>
-          <a:bodyPr lIns="0" rIns="0" tIns="0" bIns="0">
+          <a:bodyPr lIns="0" tIns="0" rIns="0" bIns="0">
             <a:normAutofit/>
           </a:bodyPr>
-          <a:p>
-            <a:endParaRPr b="0" lang="fr-FR" sz="3200" spc="-1" strike="noStrike">
+          <a:lstStyle/>
+          <a:p>
+            <a:endParaRPr lang="fr-FR" sz="3200" b="0" strike="noStrike" spc="-1">
               <a:latin typeface="Arial"/>
             </a:endParaRPr>
           </a:p>
@@ -2540,11 +2773,12 @@
           </a:prstGeom>
         </p:spPr>
         <p:txBody>
-          <a:bodyPr lIns="0" rIns="0" tIns="0" bIns="0">
+          <a:bodyPr lIns="0" tIns="0" rIns="0" bIns="0">
             <a:normAutofit/>
           </a:bodyPr>
-          <a:p>
-            <a:endParaRPr b="0" lang="fr-FR" sz="3200" spc="-1" strike="noStrike">
+          <a:lstStyle/>
+          <a:p>
+            <a:endParaRPr lang="fr-FR" sz="3200" b="0" strike="noStrike" spc="-1">
               <a:latin typeface="Arial"/>
             </a:endParaRPr>
           </a:p>
@@ -2570,11 +2804,12 @@
           </a:prstGeom>
         </p:spPr>
         <p:txBody>
-          <a:bodyPr lIns="0" rIns="0" tIns="0" bIns="0">
+          <a:bodyPr lIns="0" tIns="0" rIns="0" bIns="0">
             <a:normAutofit/>
           </a:bodyPr>
-          <a:p>
-            <a:endParaRPr b="0" lang="fr-FR" sz="3200" spc="-1" strike="noStrike">
+          <a:lstStyle/>
+          <a:p>
+            <a:endParaRPr lang="fr-FR" sz="3200" b="0" strike="noStrike" spc="-1">
               <a:latin typeface="Arial"/>
             </a:endParaRPr>
           </a:p>
@@ -2582,11 +2817,14 @@
       </p:sp>
     </p:spTree>
   </p:cSld>
+  <p:clrMapOvr>
+    <a:masterClrMapping/>
+  </p:clrMapOvr>
 </p:sldLayout>
 </file>
 
 <file path=ppt/slideLayouts/slideLayout9.xml><?xml version="1.0" encoding="utf-8"?>
-<p:sldLayout xmlns:a="http://schemas.openxmlformats.org/drawingml/2006/main" xmlns:p="http://schemas.openxmlformats.org/presentationml/2006/main" xmlns:r="http://schemas.openxmlformats.org/officeDocument/2006/relationships" xmlns:p14="http://schemas.microsoft.com/office/powerpoint/2010/main" xmlns:p15="http://schemas.microsoft.com/office/powerpoint/2012/main" xmlns:mc="http://schemas.openxmlformats.org/markup-compatibility/2006" type="twoObjOverTx" preserve="1">
+<p:sldLayout xmlns:a="http://schemas.openxmlformats.org/drawingml/2006/main" xmlns:r="http://schemas.openxmlformats.org/officeDocument/2006/relationships" xmlns:p="http://schemas.openxmlformats.org/presentationml/2006/main" type="twoObjOverTx" preserve="1">
   <p:cSld name="Title, 2 Content over Content">
     <p:spTree>
       <p:nvGrpSpPr>
@@ -2622,12 +2860,13 @@
           </a:prstGeom>
         </p:spPr>
         <p:txBody>
-          <a:bodyPr lIns="0" rIns="0" tIns="0" bIns="0" anchor="ctr">
+          <a:bodyPr lIns="0" tIns="0" rIns="0" bIns="0" anchor="ctr">
             <a:noAutofit/>
           </a:bodyPr>
+          <a:lstStyle/>
           <a:p>
             <a:pPr algn="ctr"/>
-            <a:endParaRPr b="0" lang="fr-FR" sz="4400" spc="-1" strike="noStrike">
+            <a:endParaRPr lang="fr-FR" sz="4400" b="0" strike="noStrike" spc="-1">
               <a:latin typeface="Arial"/>
             </a:endParaRPr>
           </a:p>
@@ -2653,11 +2892,12 @@
           </a:prstGeom>
         </p:spPr>
         <p:txBody>
-          <a:bodyPr lIns="0" rIns="0" tIns="0" bIns="0">
+          <a:bodyPr lIns="0" tIns="0" rIns="0" bIns="0">
             <a:normAutofit/>
           </a:bodyPr>
-          <a:p>
-            <a:endParaRPr b="0" lang="fr-FR" sz="3200" spc="-1" strike="noStrike">
+          <a:lstStyle/>
+          <a:p>
+            <a:endParaRPr lang="fr-FR" sz="3200" b="0" strike="noStrike" spc="-1">
               <a:latin typeface="Arial"/>
             </a:endParaRPr>
           </a:p>
@@ -2683,11 +2923,12 @@
           </a:prstGeom>
         </p:spPr>
         <p:txBody>
-          <a:bodyPr lIns="0" rIns="0" tIns="0" bIns="0">
+          <a:bodyPr lIns="0" tIns="0" rIns="0" bIns="0">
             <a:normAutofit/>
           </a:bodyPr>
-          <a:p>
-            <a:endParaRPr b="0" lang="fr-FR" sz="3200" spc="-1" strike="noStrike">
+          <a:lstStyle/>
+          <a:p>
+            <a:endParaRPr lang="fr-FR" sz="3200" b="0" strike="noStrike" spc="-1">
               <a:latin typeface="Arial"/>
             </a:endParaRPr>
           </a:p>
@@ -2713,11 +2954,12 @@
           </a:prstGeom>
         </p:spPr>
         <p:txBody>
-          <a:bodyPr lIns="0" rIns="0" tIns="0" bIns="0">
+          <a:bodyPr lIns="0" tIns="0" rIns="0" bIns="0">
             <a:normAutofit/>
           </a:bodyPr>
-          <a:p>
-            <a:endParaRPr b="0" lang="fr-FR" sz="3200" spc="-1" strike="noStrike">
+          <a:lstStyle/>
+          <a:p>
+            <a:endParaRPr lang="fr-FR" sz="3200" b="0" strike="noStrike" spc="-1">
               <a:latin typeface="Arial"/>
             </a:endParaRPr>
           </a:p>
@@ -2725,17 +2967,21 @@
       </p:sp>
     </p:spTree>
   </p:cSld>
+  <p:clrMapOvr>
+    <a:masterClrMapping/>
+  </p:clrMapOvr>
 </p:sldLayout>
 </file>
 
 <file path=ppt/slideMasters/slideMaster1.xml><?xml version="1.0" encoding="utf-8"?>
-<p:sldMaster xmlns:a="http://schemas.openxmlformats.org/drawingml/2006/main" xmlns:p="http://schemas.openxmlformats.org/presentationml/2006/main" xmlns:r="http://schemas.openxmlformats.org/officeDocument/2006/relationships" xmlns:p14="http://schemas.microsoft.com/office/powerpoint/2010/main" xmlns:p15="http://schemas.microsoft.com/office/powerpoint/2012/main" xmlns:mc="http://schemas.openxmlformats.org/markup-compatibility/2006">
+<p:sldMaster xmlns:a="http://schemas.openxmlformats.org/drawingml/2006/main" xmlns:r="http://schemas.openxmlformats.org/officeDocument/2006/relationships" xmlns:p="http://schemas.openxmlformats.org/presentationml/2006/main">
   <p:cSld>
     <p:bg>
       <p:bgPr>
         <a:solidFill>
           <a:srgbClr val="000000"/>
         </a:solidFill>
+        <a:effectLst/>
       </p:bgPr>
     </p:bg>
     <p:spTree>
@@ -2754,12 +3000,12 @@
       </p:grpSpPr>
       <p:pic>
         <p:nvPicPr>
-          <p:cNvPr id="0" name="V Logo - Dark Master" descr=""/>
+          <p:cNvPr id="5" name="V Logo - Dark Master"/>
           <p:cNvPicPr/>
           <p:nvPr/>
         </p:nvPicPr>
         <p:blipFill>
-          <a:blip r:embed="rId2"/>
+          <a:blip r:embed="rId14"/>
           <a:stretch/>
         </p:blipFill>
         <p:spPr>
@@ -2777,12 +3023,12 @@
       </p:pic>
       <p:pic>
         <p:nvPicPr>
-          <p:cNvPr id="1" name="Valtech Logo - Dark Cover" descr=""/>
+          <p:cNvPr id="6" name="Valtech Logo - Dark Cover"/>
           <p:cNvPicPr/>
           <p:nvPr/>
         </p:nvPicPr>
         <p:blipFill>
-          <a:blip r:embed="rId3"/>
+          <a:blip r:embed="rId15"/>
           <a:stretch/>
         </p:blipFill>
         <p:spPr>
@@ -2815,15 +3061,21 @@
           <a:noFill/>
           <a:ln w="127080">
             <a:solidFill>
-              <a:srgbClr val="ffffff"/>
+              <a:srgbClr val="FFFFFF"/>
             </a:solidFill>
             <a:miter/>
           </a:ln>
         </p:spPr>
         <p:style>
-          <a:lnRef idx="0"/>
-          <a:fillRef idx="0"/>
-          <a:effectRef idx="0"/>
+          <a:lnRef idx="0">
+            <a:scrgbClr r="0" g="0" b="0"/>
+          </a:lnRef>
+          <a:fillRef idx="0">
+            <a:scrgbClr r="0" g="0" b="0"/>
+          </a:fillRef>
+          <a:effectRef idx="0">
+            <a:scrgbClr r="0" g="0" b="0"/>
+          </a:effectRef>
           <a:fontRef idx="minor"/>
         </p:style>
       </p:sp>
@@ -2847,20 +3099,18 @@
           </a:prstGeom>
         </p:spPr>
         <p:txBody>
-          <a:bodyPr lIns="0" rIns="0" tIns="0" bIns="0" anchor="ctr">
+          <a:bodyPr lIns="0" tIns="0" rIns="0" bIns="0" anchor="ctr">
             <a:noAutofit/>
           </a:bodyPr>
+          <a:lstStyle/>
           <a:p>
             <a:pPr algn="ctr"/>
             <a:r>
-              <a:rPr b="0" lang="fr-FR" sz="4400" spc="-1" strike="noStrike">
+              <a:rPr lang="fr-FR" sz="4400" b="0" strike="noStrike" spc="-1">
                 <a:latin typeface="Arial"/>
               </a:rPr>
               <a:t>Click to edit the title text format</a:t>
             </a:r>
-            <a:endParaRPr b="0" lang="fr-FR" sz="4400" spc="-1" strike="noStrike">
-              <a:latin typeface="Arial"/>
-            </a:endParaRPr>
           </a:p>
         </p:txBody>
       </p:sp>
@@ -2884,203 +3134,464 @@
           </a:prstGeom>
         </p:spPr>
         <p:txBody>
-          <a:bodyPr lIns="0" rIns="0" tIns="0" bIns="0">
+          <a:bodyPr lIns="0" tIns="0" rIns="0" bIns="0">
             <a:normAutofit/>
           </a:bodyPr>
+          <a:lstStyle/>
           <a:p>
             <a:pPr marL="432000" indent="-324000">
               <a:spcBef>
                 <a:spcPts val="1417"/>
               </a:spcBef>
               <a:buClr>
-                <a:srgbClr val="ffffff"/>
+                <a:srgbClr val="FFFFFF"/>
               </a:buClr>
               <a:buSzPct val="45000"/>
               <a:buFont typeface="Wingdings" charset="2"/>
               <a:buChar char=""/>
             </a:pPr>
             <a:r>
-              <a:rPr b="0" lang="fr-FR" sz="3200" spc="-1" strike="noStrike">
+              <a:rPr lang="fr-FR" sz="3200" b="0" strike="noStrike" spc="-1">
                 <a:latin typeface="Arial"/>
               </a:rPr>
               <a:t>Click to edit the outline text format</a:t>
             </a:r>
-            <a:endParaRPr b="0" lang="fr-FR" sz="3200" spc="-1" strike="noStrike">
-              <a:latin typeface="Arial"/>
-            </a:endParaRPr>
-          </a:p>
-          <a:p>
-            <a:pPr lvl="1" marL="864000" indent="-324000">
+          </a:p>
+          <a:p>
+            <a:pPr marL="864000" lvl="1" indent="-324000">
               <a:spcBef>
                 <a:spcPts val="1134"/>
               </a:spcBef>
               <a:buClr>
-                <a:srgbClr val="ffffff"/>
+                <a:srgbClr val="FFFFFF"/>
               </a:buClr>
               <a:buSzPct val="75000"/>
               <a:buFont typeface="Symbol" charset="2"/>
               <a:buChar char=""/>
             </a:pPr>
             <a:r>
-              <a:rPr b="0" lang="fr-FR" sz="2800" spc="-1" strike="noStrike">
+              <a:rPr lang="fr-FR" sz="2800" b="0" strike="noStrike" spc="-1">
                 <a:latin typeface="Arial"/>
               </a:rPr>
               <a:t>Second Outline Level</a:t>
             </a:r>
-            <a:endParaRPr b="0" lang="fr-FR" sz="2800" spc="-1" strike="noStrike">
-              <a:latin typeface="Arial"/>
-            </a:endParaRPr>
-          </a:p>
-          <a:p>
-            <a:pPr lvl="2" marL="1296000" indent="-288000">
+          </a:p>
+          <a:p>
+            <a:pPr marL="1296000" lvl="2" indent="-288000">
               <a:spcBef>
                 <a:spcPts val="850"/>
               </a:spcBef>
               <a:buClr>
-                <a:srgbClr val="ffffff"/>
+                <a:srgbClr val="FFFFFF"/>
               </a:buClr>
               <a:buSzPct val="45000"/>
               <a:buFont typeface="Wingdings" charset="2"/>
               <a:buChar char=""/>
             </a:pPr>
             <a:r>
-              <a:rPr b="0" lang="fr-FR" sz="2400" spc="-1" strike="noStrike">
+              <a:rPr lang="fr-FR" sz="2400" b="0" strike="noStrike" spc="-1">
                 <a:latin typeface="Arial"/>
               </a:rPr>
               <a:t>Third Outline Level</a:t>
             </a:r>
-            <a:endParaRPr b="0" lang="fr-FR" sz="2400" spc="-1" strike="noStrike">
-              <a:latin typeface="Arial"/>
-            </a:endParaRPr>
-          </a:p>
-          <a:p>
-            <a:pPr lvl="3" marL="1728000" indent="-216000">
+          </a:p>
+          <a:p>
+            <a:pPr marL="1728000" lvl="3" indent="-216000">
               <a:spcBef>
                 <a:spcPts val="567"/>
               </a:spcBef>
               <a:buClr>
-                <a:srgbClr val="ffffff"/>
+                <a:srgbClr val="FFFFFF"/>
               </a:buClr>
               <a:buSzPct val="75000"/>
               <a:buFont typeface="Symbol" charset="2"/>
               <a:buChar char=""/>
             </a:pPr>
             <a:r>
-              <a:rPr b="0" lang="fr-FR" sz="2000" spc="-1" strike="noStrike">
+              <a:rPr lang="fr-FR" sz="2000" b="0" strike="noStrike" spc="-1">
                 <a:latin typeface="Arial"/>
               </a:rPr>
               <a:t>Fourth Outline Level</a:t>
             </a:r>
-            <a:endParaRPr b="0" lang="fr-FR" sz="2000" spc="-1" strike="noStrike">
-              <a:latin typeface="Arial"/>
-            </a:endParaRPr>
-          </a:p>
-          <a:p>
-            <a:pPr lvl="4" marL="2160000" indent="-216000">
+          </a:p>
+          <a:p>
+            <a:pPr marL="2160000" lvl="4" indent="-216000">
               <a:spcBef>
                 <a:spcPts val="283"/>
               </a:spcBef>
               <a:buClr>
-                <a:srgbClr val="ffffff"/>
+                <a:srgbClr val="FFFFFF"/>
               </a:buClr>
               <a:buSzPct val="45000"/>
               <a:buFont typeface="Wingdings" charset="2"/>
               <a:buChar char=""/>
             </a:pPr>
             <a:r>
-              <a:rPr b="0" lang="fr-FR" sz="2000" spc="-1" strike="noStrike">
+              <a:rPr lang="fr-FR" sz="2000" b="0" strike="noStrike" spc="-1">
                 <a:latin typeface="Arial"/>
               </a:rPr>
               <a:t>Fifth Outline Level</a:t>
             </a:r>
-            <a:endParaRPr b="0" lang="fr-FR" sz="2000" spc="-1" strike="noStrike">
-              <a:latin typeface="Arial"/>
-            </a:endParaRPr>
-          </a:p>
-          <a:p>
-            <a:pPr lvl="5" marL="2592000" indent="-216000">
+          </a:p>
+          <a:p>
+            <a:pPr marL="2592000" lvl="5" indent="-216000">
               <a:spcBef>
                 <a:spcPts val="283"/>
               </a:spcBef>
               <a:buClr>
-                <a:srgbClr val="ffffff"/>
+                <a:srgbClr val="FFFFFF"/>
               </a:buClr>
               <a:buSzPct val="45000"/>
               <a:buFont typeface="Wingdings" charset="2"/>
               <a:buChar char=""/>
             </a:pPr>
             <a:r>
-              <a:rPr b="0" lang="fr-FR" sz="2000" spc="-1" strike="noStrike">
+              <a:rPr lang="fr-FR" sz="2000" b="0" strike="noStrike" spc="-1">
                 <a:latin typeface="Arial"/>
               </a:rPr>
               <a:t>Sixth Outline Level</a:t>
             </a:r>
-            <a:endParaRPr b="0" lang="fr-FR" sz="2000" spc="-1" strike="noStrike">
-              <a:latin typeface="Arial"/>
-            </a:endParaRPr>
-          </a:p>
-          <a:p>
-            <a:pPr lvl="6" marL="3024000" indent="-216000">
+          </a:p>
+          <a:p>
+            <a:pPr marL="3024000" lvl="6" indent="-216000">
               <a:spcBef>
                 <a:spcPts val="283"/>
               </a:spcBef>
               <a:buClr>
-                <a:srgbClr val="ffffff"/>
+                <a:srgbClr val="FFFFFF"/>
               </a:buClr>
               <a:buSzPct val="45000"/>
               <a:buFont typeface="Wingdings" charset="2"/>
               <a:buChar char=""/>
             </a:pPr>
             <a:r>
-              <a:rPr b="0" lang="fr-FR" sz="2000" spc="-1" strike="noStrike">
+              <a:rPr lang="fr-FR" sz="2000" b="0" strike="noStrike" spc="-1">
                 <a:latin typeface="Arial"/>
               </a:rPr>
               <a:t>Seventh Outline Level</a:t>
             </a:r>
-            <a:endParaRPr b="0" lang="fr-FR" sz="2000" spc="-1" strike="noStrike">
-              <a:latin typeface="Arial"/>
-            </a:endParaRPr>
           </a:p>
         </p:txBody>
       </p:sp>
     </p:spTree>
   </p:cSld>
-  <p:clrMap bg1="lt1" bg2="lt2" tx1="dk1" tx2="dk2" accent1="accent1" accent2="accent2" accent3="accent3" accent4="accent4" accent5="accent5" accent6="accent6" hlink="hlink" folHlink="folHlink"/>
+  <p:clrMap bg1="lt1" tx1="dk1" bg2="lt2" tx2="dk2" accent1="accent1" accent2="accent2" accent3="accent3" accent4="accent4" accent5="accent5" accent6="accent6" hlink="hlink" folHlink="folHlink"/>
   <p:sldLayoutIdLst>
-    <p:sldLayoutId id="2147483649" r:id="rId4"/>
-    <p:sldLayoutId id="2147483650" r:id="rId5"/>
-    <p:sldLayoutId id="2147483651" r:id="rId6"/>
-    <p:sldLayoutId id="2147483652" r:id="rId7"/>
-    <p:sldLayoutId id="2147483653" r:id="rId8"/>
-    <p:sldLayoutId id="2147483654" r:id="rId9"/>
-    <p:sldLayoutId id="2147483655" r:id="rId10"/>
-    <p:sldLayoutId id="2147483656" r:id="rId11"/>
-    <p:sldLayoutId id="2147483657" r:id="rId12"/>
-    <p:sldLayoutId id="2147483658" r:id="rId13"/>
-    <p:sldLayoutId id="2147483659" r:id="rId14"/>
-    <p:sldLayoutId id="2147483660" r:id="rId15"/>
+    <p:sldLayoutId id="2147483649" r:id="rId1"/>
+    <p:sldLayoutId id="2147483650" r:id="rId2"/>
+    <p:sldLayoutId id="2147483651" r:id="rId3"/>
+    <p:sldLayoutId id="2147483652" r:id="rId4"/>
+    <p:sldLayoutId id="2147483653" r:id="rId5"/>
+    <p:sldLayoutId id="2147483654" r:id="rId6"/>
+    <p:sldLayoutId id="2147483655" r:id="rId7"/>
+    <p:sldLayoutId id="2147483656" r:id="rId8"/>
+    <p:sldLayoutId id="2147483657" r:id="rId9"/>
+    <p:sldLayoutId id="2147483658" r:id="rId10"/>
+    <p:sldLayoutId id="2147483659" r:id="rId11"/>
+    <p:sldLayoutId id="2147483660" r:id="rId12"/>
   </p:sldLayoutIdLst>
+  <p:txStyles>
+    <p:titleStyle>
+      <a:lvl1pPr algn="l" defTabSz="914400" rtl="0" eaLnBrk="1" latinLnBrk="0" hangingPunct="1">
+        <a:lnSpc>
+          <a:spcPct val="90000"/>
+        </a:lnSpc>
+        <a:spcBef>
+          <a:spcPct val="0"/>
+        </a:spcBef>
+        <a:buNone/>
+        <a:defRPr sz="4400" kern="1200">
+          <a:solidFill>
+            <a:schemeClr val="tx1"/>
+          </a:solidFill>
+          <a:latin typeface="+mj-lt"/>
+          <a:ea typeface="+mj-ea"/>
+          <a:cs typeface="+mj-cs"/>
+        </a:defRPr>
+      </a:lvl1pPr>
+    </p:titleStyle>
+    <p:bodyStyle>
+      <a:lvl1pPr marL="228600" indent="-228600" algn="l" defTabSz="914400" rtl="0" eaLnBrk="1" latinLnBrk="0" hangingPunct="1">
+        <a:lnSpc>
+          <a:spcPct val="90000"/>
+        </a:lnSpc>
+        <a:spcBef>
+          <a:spcPts val="1000"/>
+        </a:spcBef>
+        <a:buFont typeface="Arial" panose="020B0604020202020204" pitchFamily="34" charset="0"/>
+        <a:buChar char="•"/>
+        <a:defRPr sz="2800" kern="1200">
+          <a:solidFill>
+            <a:schemeClr val="tx1"/>
+          </a:solidFill>
+          <a:latin typeface="+mn-lt"/>
+          <a:ea typeface="+mn-ea"/>
+          <a:cs typeface="+mn-cs"/>
+        </a:defRPr>
+      </a:lvl1pPr>
+      <a:lvl2pPr marL="685800" indent="-228600" algn="l" defTabSz="914400" rtl="0" eaLnBrk="1" latinLnBrk="0" hangingPunct="1">
+        <a:lnSpc>
+          <a:spcPct val="90000"/>
+        </a:lnSpc>
+        <a:spcBef>
+          <a:spcPts val="500"/>
+        </a:spcBef>
+        <a:buFont typeface="Arial" panose="020B0604020202020204" pitchFamily="34" charset="0"/>
+        <a:buChar char="•"/>
+        <a:defRPr sz="2400" kern="1200">
+          <a:solidFill>
+            <a:schemeClr val="tx1"/>
+          </a:solidFill>
+          <a:latin typeface="+mn-lt"/>
+          <a:ea typeface="+mn-ea"/>
+          <a:cs typeface="+mn-cs"/>
+        </a:defRPr>
+      </a:lvl2pPr>
+      <a:lvl3pPr marL="1143000" indent="-228600" algn="l" defTabSz="914400" rtl="0" eaLnBrk="1" latinLnBrk="0" hangingPunct="1">
+        <a:lnSpc>
+          <a:spcPct val="90000"/>
+        </a:lnSpc>
+        <a:spcBef>
+          <a:spcPts val="500"/>
+        </a:spcBef>
+        <a:buFont typeface="Arial" panose="020B0604020202020204" pitchFamily="34" charset="0"/>
+        <a:buChar char="•"/>
+        <a:defRPr sz="2000" kern="1200">
+          <a:solidFill>
+            <a:schemeClr val="tx1"/>
+          </a:solidFill>
+          <a:latin typeface="+mn-lt"/>
+          <a:ea typeface="+mn-ea"/>
+          <a:cs typeface="+mn-cs"/>
+        </a:defRPr>
+      </a:lvl3pPr>
+      <a:lvl4pPr marL="1600200" indent="-228600" algn="l" defTabSz="914400" rtl="0" eaLnBrk="1" latinLnBrk="0" hangingPunct="1">
+        <a:lnSpc>
+          <a:spcPct val="90000"/>
+        </a:lnSpc>
+        <a:spcBef>
+          <a:spcPts val="500"/>
+        </a:spcBef>
+        <a:buFont typeface="Arial" panose="020B0604020202020204" pitchFamily="34" charset="0"/>
+        <a:buChar char="•"/>
+        <a:defRPr sz="1800" kern="1200">
+          <a:solidFill>
+            <a:schemeClr val="tx1"/>
+          </a:solidFill>
+          <a:latin typeface="+mn-lt"/>
+          <a:ea typeface="+mn-ea"/>
+          <a:cs typeface="+mn-cs"/>
+        </a:defRPr>
+      </a:lvl4pPr>
+      <a:lvl5pPr marL="2057400" indent="-228600" algn="l" defTabSz="914400" rtl="0" eaLnBrk="1" latinLnBrk="0" hangingPunct="1">
+        <a:lnSpc>
+          <a:spcPct val="90000"/>
+        </a:lnSpc>
+        <a:spcBef>
+          <a:spcPts val="500"/>
+        </a:spcBef>
+        <a:buFont typeface="Arial" panose="020B0604020202020204" pitchFamily="34" charset="0"/>
+        <a:buChar char="•"/>
+        <a:defRPr sz="1800" kern="1200">
+          <a:solidFill>
+            <a:schemeClr val="tx1"/>
+          </a:solidFill>
+          <a:latin typeface="+mn-lt"/>
+          <a:ea typeface="+mn-ea"/>
+          <a:cs typeface="+mn-cs"/>
+        </a:defRPr>
+      </a:lvl5pPr>
+      <a:lvl6pPr marL="2514600" indent="-228600" algn="l" defTabSz="914400" rtl="0" eaLnBrk="1" latinLnBrk="0" hangingPunct="1">
+        <a:lnSpc>
+          <a:spcPct val="90000"/>
+        </a:lnSpc>
+        <a:spcBef>
+          <a:spcPts val="500"/>
+        </a:spcBef>
+        <a:buFont typeface="Arial" panose="020B0604020202020204" pitchFamily="34" charset="0"/>
+        <a:buChar char="•"/>
+        <a:defRPr sz="1800" kern="1200">
+          <a:solidFill>
+            <a:schemeClr val="tx1"/>
+          </a:solidFill>
+          <a:latin typeface="+mn-lt"/>
+          <a:ea typeface="+mn-ea"/>
+          <a:cs typeface="+mn-cs"/>
+        </a:defRPr>
+      </a:lvl6pPr>
+      <a:lvl7pPr marL="2971800" indent="-228600" algn="l" defTabSz="914400" rtl="0" eaLnBrk="1" latinLnBrk="0" hangingPunct="1">
+        <a:lnSpc>
+          <a:spcPct val="90000"/>
+        </a:lnSpc>
+        <a:spcBef>
+          <a:spcPts val="500"/>
+        </a:spcBef>
+        <a:buFont typeface="Arial" panose="020B0604020202020204" pitchFamily="34" charset="0"/>
+        <a:buChar char="•"/>
+        <a:defRPr sz="1800" kern="1200">
+          <a:solidFill>
+            <a:schemeClr val="tx1"/>
+          </a:solidFill>
+          <a:latin typeface="+mn-lt"/>
+          <a:ea typeface="+mn-ea"/>
+          <a:cs typeface="+mn-cs"/>
+        </a:defRPr>
+      </a:lvl7pPr>
+      <a:lvl8pPr marL="3429000" indent="-228600" algn="l" defTabSz="914400" rtl="0" eaLnBrk="1" latinLnBrk="0" hangingPunct="1">
+        <a:lnSpc>
+          <a:spcPct val="90000"/>
+        </a:lnSpc>
+        <a:spcBef>
+          <a:spcPts val="500"/>
+        </a:spcBef>
+        <a:buFont typeface="Arial" panose="020B0604020202020204" pitchFamily="34" charset="0"/>
+        <a:buChar char="•"/>
+        <a:defRPr sz="1800" kern="1200">
+          <a:solidFill>
+            <a:schemeClr val="tx1"/>
+          </a:solidFill>
+          <a:latin typeface="+mn-lt"/>
+          <a:ea typeface="+mn-ea"/>
+          <a:cs typeface="+mn-cs"/>
+        </a:defRPr>
+      </a:lvl8pPr>
+      <a:lvl9pPr marL="3886200" indent="-228600" algn="l" defTabSz="914400" rtl="0" eaLnBrk="1" latinLnBrk="0" hangingPunct="1">
+        <a:lnSpc>
+          <a:spcPct val="90000"/>
+        </a:lnSpc>
+        <a:spcBef>
+          <a:spcPts val="500"/>
+        </a:spcBef>
+        <a:buFont typeface="Arial" panose="020B0604020202020204" pitchFamily="34" charset="0"/>
+        <a:buChar char="•"/>
+        <a:defRPr sz="1800" kern="1200">
+          <a:solidFill>
+            <a:schemeClr val="tx1"/>
+          </a:solidFill>
+          <a:latin typeface="+mn-lt"/>
+          <a:ea typeface="+mn-ea"/>
+          <a:cs typeface="+mn-cs"/>
+        </a:defRPr>
+      </a:lvl9pPr>
+    </p:bodyStyle>
+    <p:otherStyle>
+      <a:defPPr>
+        <a:defRPr lang="fr-FR"/>
+      </a:defPPr>
+      <a:lvl1pPr marL="0" algn="l" defTabSz="914400" rtl="0" eaLnBrk="1" latinLnBrk="0" hangingPunct="1">
+        <a:defRPr sz="1800" kern="1200">
+          <a:solidFill>
+            <a:schemeClr val="tx1"/>
+          </a:solidFill>
+          <a:latin typeface="+mn-lt"/>
+          <a:ea typeface="+mn-ea"/>
+          <a:cs typeface="+mn-cs"/>
+        </a:defRPr>
+      </a:lvl1pPr>
+      <a:lvl2pPr marL="457200" algn="l" defTabSz="914400" rtl="0" eaLnBrk="1" latinLnBrk="0" hangingPunct="1">
+        <a:defRPr sz="1800" kern="1200">
+          <a:solidFill>
+            <a:schemeClr val="tx1"/>
+          </a:solidFill>
+          <a:latin typeface="+mn-lt"/>
+          <a:ea typeface="+mn-ea"/>
+          <a:cs typeface="+mn-cs"/>
+        </a:defRPr>
+      </a:lvl2pPr>
+      <a:lvl3pPr marL="914400" algn="l" defTabSz="914400" rtl="0" eaLnBrk="1" latinLnBrk="0" hangingPunct="1">
+        <a:defRPr sz="1800" kern="1200">
+          <a:solidFill>
+            <a:schemeClr val="tx1"/>
+          </a:solidFill>
+          <a:latin typeface="+mn-lt"/>
+          <a:ea typeface="+mn-ea"/>
+          <a:cs typeface="+mn-cs"/>
+        </a:defRPr>
+      </a:lvl3pPr>
+      <a:lvl4pPr marL="1371600" algn="l" defTabSz="914400" rtl="0" eaLnBrk="1" latinLnBrk="0" hangingPunct="1">
+        <a:defRPr sz="1800" kern="1200">
+          <a:solidFill>
+            <a:schemeClr val="tx1"/>
+          </a:solidFill>
+          <a:latin typeface="+mn-lt"/>
+          <a:ea typeface="+mn-ea"/>
+          <a:cs typeface="+mn-cs"/>
+        </a:defRPr>
+      </a:lvl4pPr>
+      <a:lvl5pPr marL="1828800" algn="l" defTabSz="914400" rtl="0" eaLnBrk="1" latinLnBrk="0" hangingPunct="1">
+        <a:defRPr sz="1800" kern="1200">
+          <a:solidFill>
+            <a:schemeClr val="tx1"/>
+          </a:solidFill>
+          <a:latin typeface="+mn-lt"/>
+          <a:ea typeface="+mn-ea"/>
+          <a:cs typeface="+mn-cs"/>
+        </a:defRPr>
+      </a:lvl5pPr>
+      <a:lvl6pPr marL="2286000" algn="l" defTabSz="914400" rtl="0" eaLnBrk="1" latinLnBrk="0" hangingPunct="1">
+        <a:defRPr sz="1800" kern="1200">
+          <a:solidFill>
+            <a:schemeClr val="tx1"/>
+          </a:solidFill>
+          <a:latin typeface="+mn-lt"/>
+          <a:ea typeface="+mn-ea"/>
+          <a:cs typeface="+mn-cs"/>
+        </a:defRPr>
+      </a:lvl6pPr>
+      <a:lvl7pPr marL="2743200" algn="l" defTabSz="914400" rtl="0" eaLnBrk="1" latinLnBrk="0" hangingPunct="1">
+        <a:defRPr sz="1800" kern="1200">
+          <a:solidFill>
+            <a:schemeClr val="tx1"/>
+          </a:solidFill>
+          <a:latin typeface="+mn-lt"/>
+          <a:ea typeface="+mn-ea"/>
+          <a:cs typeface="+mn-cs"/>
+        </a:defRPr>
+      </a:lvl7pPr>
+      <a:lvl8pPr marL="3200400" algn="l" defTabSz="914400" rtl="0" eaLnBrk="1" latinLnBrk="0" hangingPunct="1">
+        <a:defRPr sz="1800" kern="1200">
+          <a:solidFill>
+            <a:schemeClr val="tx1"/>
+          </a:solidFill>
+          <a:latin typeface="+mn-lt"/>
+          <a:ea typeface="+mn-ea"/>
+          <a:cs typeface="+mn-cs"/>
+        </a:defRPr>
+      </a:lvl8pPr>
+      <a:lvl9pPr marL="3657600" algn="l" defTabSz="914400" rtl="0" eaLnBrk="1" latinLnBrk="0" hangingPunct="1">
+        <a:defRPr sz="1800" kern="1200">
+          <a:solidFill>
+            <a:schemeClr val="tx1"/>
+          </a:solidFill>
+          <a:latin typeface="+mn-lt"/>
+          <a:ea typeface="+mn-ea"/>
+          <a:cs typeface="+mn-cs"/>
+        </a:defRPr>
+      </a:lvl9pPr>
+    </p:otherStyle>
+  </p:txStyles>
 </p:sldMaster>
 </file>
 
 <file path=ppt/slideMasters/slideMaster2.xml><?xml version="1.0" encoding="utf-8"?>
-<p:sldMaster xmlns:a="http://schemas.openxmlformats.org/drawingml/2006/main" xmlns:p="http://schemas.openxmlformats.org/presentationml/2006/main" xmlns:r="http://schemas.openxmlformats.org/officeDocument/2006/relationships" xmlns:p14="http://schemas.microsoft.com/office/powerpoint/2010/main" xmlns:p15="http://schemas.microsoft.com/office/powerpoint/2012/main" xmlns:mc="http://schemas.openxmlformats.org/markup-compatibility/2006">
+<p:sldMaster xmlns:a="http://schemas.openxmlformats.org/drawingml/2006/main" xmlns:r="http://schemas.openxmlformats.org/officeDocument/2006/relationships" xmlns:p="http://schemas.openxmlformats.org/presentationml/2006/main">
   <p:cSld>
     <p:bg>
       <p:bgPr>
         <a:gradFill rotWithShape="0">
           <a:gsLst>
             <a:gs pos="0">
-              <a:srgbClr val="ffffff"/>
+              <a:srgbClr val="FFFFFF"/>
             </a:gs>
             <a:gs pos="100000">
-              <a:srgbClr val="ffffff">
+              <a:srgbClr val="FFFFFF">
                 <a:alpha val="0"/>
               </a:srgbClr>
             </a:gs>
           </a:gsLst>
           <a:lin ang="1200000"/>
         </a:gradFill>
+        <a:effectLst/>
       </p:bgPr>
     </p:bg>
     <p:spTree>
@@ -3099,12 +3610,12 @@
       </p:grpSpPr>
       <p:pic>
         <p:nvPicPr>
-          <p:cNvPr id="41" name="V Logo - Dark Master" descr=""/>
+          <p:cNvPr id="41" name="V Logo - Dark Master"/>
           <p:cNvPicPr/>
           <p:nvPr/>
         </p:nvPicPr>
         <p:blipFill>
-          <a:blip r:embed="rId2"/>
+          <a:blip r:embed="rId14"/>
           <a:stretch/>
         </p:blipFill>
         <p:spPr>
@@ -3140,20 +3651,18 @@
           </a:prstGeom>
         </p:spPr>
         <p:txBody>
-          <a:bodyPr lIns="0" rIns="0" tIns="0" bIns="0" anchor="ctr">
+          <a:bodyPr lIns="0" tIns="0" rIns="0" bIns="0" anchor="ctr">
             <a:noAutofit/>
           </a:bodyPr>
+          <a:lstStyle/>
           <a:p>
             <a:pPr algn="ctr"/>
             <a:r>
-              <a:rPr b="0" lang="fr-FR" sz="4400" spc="-1" strike="noStrike">
+              <a:rPr lang="fr-FR" sz="4400" b="0" strike="noStrike" spc="-1">
                 <a:latin typeface="Arial"/>
               </a:rPr>
               <a:t>Click to edit the title text format</a:t>
             </a:r>
-            <a:endParaRPr b="0" lang="fr-FR" sz="4400" spc="-1" strike="noStrike">
-              <a:latin typeface="Arial"/>
-            </a:endParaRPr>
           </a:p>
         </p:txBody>
       </p:sp>
@@ -3177,9 +3686,10 @@
           </a:prstGeom>
         </p:spPr>
         <p:txBody>
-          <a:bodyPr lIns="0" rIns="0" tIns="0" bIns="0">
+          <a:bodyPr lIns="0" tIns="0" rIns="0" bIns="0">
             <a:normAutofit/>
           </a:bodyPr>
+          <a:lstStyle/>
           <a:p>
             <a:pPr marL="432000" indent="-324000">
               <a:spcBef>
@@ -3193,17 +3703,14 @@
               <a:buChar char=""/>
             </a:pPr>
             <a:r>
-              <a:rPr b="0" lang="fr-FR" sz="3200" spc="-1" strike="noStrike">
+              <a:rPr lang="fr-FR" sz="3200" b="0" strike="noStrike" spc="-1">
                 <a:latin typeface="Arial"/>
               </a:rPr>
               <a:t>Click to edit the outline text format</a:t>
             </a:r>
-            <a:endParaRPr b="0" lang="fr-FR" sz="3200" spc="-1" strike="noStrike">
-              <a:latin typeface="Arial"/>
-            </a:endParaRPr>
-          </a:p>
-          <a:p>
-            <a:pPr lvl="1" marL="864000" indent="-324000">
+          </a:p>
+          <a:p>
+            <a:pPr marL="864000" lvl="1" indent="-324000">
               <a:spcBef>
                 <a:spcPts val="1134"/>
               </a:spcBef>
@@ -3215,17 +3722,14 @@
               <a:buChar char=""/>
             </a:pPr>
             <a:r>
-              <a:rPr b="0" lang="fr-FR" sz="2800" spc="-1" strike="noStrike">
+              <a:rPr lang="fr-FR" sz="2800" b="0" strike="noStrike" spc="-1">
                 <a:latin typeface="Arial"/>
               </a:rPr>
               <a:t>Second Outline Level</a:t>
             </a:r>
-            <a:endParaRPr b="0" lang="fr-FR" sz="2800" spc="-1" strike="noStrike">
-              <a:latin typeface="Arial"/>
-            </a:endParaRPr>
-          </a:p>
-          <a:p>
-            <a:pPr lvl="2" marL="1296000" indent="-288000">
+          </a:p>
+          <a:p>
+            <a:pPr marL="1296000" lvl="2" indent="-288000">
               <a:spcBef>
                 <a:spcPts val="850"/>
               </a:spcBef>
@@ -3237,17 +3741,14 @@
               <a:buChar char=""/>
             </a:pPr>
             <a:r>
-              <a:rPr b="0" lang="fr-FR" sz="2400" spc="-1" strike="noStrike">
+              <a:rPr lang="fr-FR" sz="2400" b="0" strike="noStrike" spc="-1">
                 <a:latin typeface="Arial"/>
               </a:rPr>
               <a:t>Third Outline Level</a:t>
             </a:r>
-            <a:endParaRPr b="0" lang="fr-FR" sz="2400" spc="-1" strike="noStrike">
-              <a:latin typeface="Arial"/>
-            </a:endParaRPr>
-          </a:p>
-          <a:p>
-            <a:pPr lvl="3" marL="1728000" indent="-216000">
+          </a:p>
+          <a:p>
+            <a:pPr marL="1728000" lvl="3" indent="-216000">
               <a:spcBef>
                 <a:spcPts val="567"/>
               </a:spcBef>
@@ -3259,17 +3760,14 @@
               <a:buChar char=""/>
             </a:pPr>
             <a:r>
-              <a:rPr b="0" lang="fr-FR" sz="2000" spc="-1" strike="noStrike">
+              <a:rPr lang="fr-FR" sz="2000" b="0" strike="noStrike" spc="-1">
                 <a:latin typeface="Arial"/>
               </a:rPr>
               <a:t>Fourth Outline Level</a:t>
             </a:r>
-            <a:endParaRPr b="0" lang="fr-FR" sz="2000" spc="-1" strike="noStrike">
-              <a:latin typeface="Arial"/>
-            </a:endParaRPr>
-          </a:p>
-          <a:p>
-            <a:pPr lvl="4" marL="2160000" indent="-216000">
+          </a:p>
+          <a:p>
+            <a:pPr marL="2160000" lvl="4" indent="-216000">
               <a:spcBef>
                 <a:spcPts val="283"/>
               </a:spcBef>
@@ -3281,17 +3779,14 @@
               <a:buChar char=""/>
             </a:pPr>
             <a:r>
-              <a:rPr b="0" lang="fr-FR" sz="2000" spc="-1" strike="noStrike">
+              <a:rPr lang="fr-FR" sz="2000" b="0" strike="noStrike" spc="-1">
                 <a:latin typeface="Arial"/>
               </a:rPr>
               <a:t>Fifth Outline Level</a:t>
             </a:r>
-            <a:endParaRPr b="0" lang="fr-FR" sz="2000" spc="-1" strike="noStrike">
-              <a:latin typeface="Arial"/>
-            </a:endParaRPr>
-          </a:p>
-          <a:p>
-            <a:pPr lvl="5" marL="2592000" indent="-216000">
+          </a:p>
+          <a:p>
+            <a:pPr marL="2592000" lvl="5" indent="-216000">
               <a:spcBef>
                 <a:spcPts val="283"/>
               </a:spcBef>
@@ -3303,17 +3798,14 @@
               <a:buChar char=""/>
             </a:pPr>
             <a:r>
-              <a:rPr b="0" lang="fr-FR" sz="2000" spc="-1" strike="noStrike">
+              <a:rPr lang="fr-FR" sz="2000" b="0" strike="noStrike" spc="-1">
                 <a:latin typeface="Arial"/>
               </a:rPr>
               <a:t>Sixth Outline Level</a:t>
             </a:r>
-            <a:endParaRPr b="0" lang="fr-FR" sz="2000" spc="-1" strike="noStrike">
-              <a:latin typeface="Arial"/>
-            </a:endParaRPr>
-          </a:p>
-          <a:p>
-            <a:pPr lvl="6" marL="3024000" indent="-216000">
+          </a:p>
+          <a:p>
+            <a:pPr marL="3024000" lvl="6" indent="-216000">
               <a:spcBef>
                 <a:spcPts val="283"/>
               </a:spcBef>
@@ -3325,46 +3817,324 @@
               <a:buChar char=""/>
             </a:pPr>
             <a:r>
-              <a:rPr b="0" lang="fr-FR" sz="2000" spc="-1" strike="noStrike">
+              <a:rPr lang="fr-FR" sz="2000" b="0" strike="noStrike" spc="-1">
                 <a:latin typeface="Arial"/>
               </a:rPr>
               <a:t>Seventh Outline Level</a:t>
             </a:r>
-            <a:endParaRPr b="0" lang="fr-FR" sz="2000" spc="-1" strike="noStrike">
-              <a:latin typeface="Arial"/>
-            </a:endParaRPr>
           </a:p>
         </p:txBody>
       </p:sp>
     </p:spTree>
   </p:cSld>
-  <p:clrMap bg1="lt1" bg2="lt2" tx1="dk1" tx2="dk2" accent1="accent1" accent2="accent2" accent3="accent3" accent4="accent4" accent5="accent5" accent6="accent6" hlink="hlink" folHlink="folHlink"/>
+  <p:clrMap bg1="lt1" tx1="dk1" bg2="lt2" tx2="dk2" accent1="accent1" accent2="accent2" accent3="accent3" accent4="accent4" accent5="accent5" accent6="accent6" hlink="hlink" folHlink="folHlink"/>
   <p:sldLayoutIdLst>
-    <p:sldLayoutId id="2147483662" r:id="rId3"/>
-    <p:sldLayoutId id="2147483663" r:id="rId4"/>
-    <p:sldLayoutId id="2147483664" r:id="rId5"/>
-    <p:sldLayoutId id="2147483665" r:id="rId6"/>
-    <p:sldLayoutId id="2147483666" r:id="rId7"/>
-    <p:sldLayoutId id="2147483667" r:id="rId8"/>
-    <p:sldLayoutId id="2147483668" r:id="rId9"/>
-    <p:sldLayoutId id="2147483669" r:id="rId10"/>
-    <p:sldLayoutId id="2147483670" r:id="rId11"/>
-    <p:sldLayoutId id="2147483671" r:id="rId12"/>
-    <p:sldLayoutId id="2147483672" r:id="rId13"/>
-    <p:sldLayoutId id="2147483673" r:id="rId14"/>
+    <p:sldLayoutId id="2147483662" r:id="rId1"/>
+    <p:sldLayoutId id="2147483663" r:id="rId2"/>
+    <p:sldLayoutId id="2147483664" r:id="rId3"/>
+    <p:sldLayoutId id="2147483665" r:id="rId4"/>
+    <p:sldLayoutId id="2147483666" r:id="rId5"/>
+    <p:sldLayoutId id="2147483667" r:id="rId6"/>
+    <p:sldLayoutId id="2147483668" r:id="rId7"/>
+    <p:sldLayoutId id="2147483669" r:id="rId8"/>
+    <p:sldLayoutId id="2147483670" r:id="rId9"/>
+    <p:sldLayoutId id="2147483671" r:id="rId10"/>
+    <p:sldLayoutId id="2147483672" r:id="rId11"/>
+    <p:sldLayoutId id="2147483673" r:id="rId12"/>
   </p:sldLayoutIdLst>
+  <p:txStyles>
+    <p:titleStyle>
+      <a:lvl1pPr algn="l" defTabSz="914400" rtl="0" eaLnBrk="1" latinLnBrk="0" hangingPunct="1">
+        <a:lnSpc>
+          <a:spcPct val="90000"/>
+        </a:lnSpc>
+        <a:spcBef>
+          <a:spcPct val="0"/>
+        </a:spcBef>
+        <a:buNone/>
+        <a:defRPr sz="4400" kern="1200">
+          <a:solidFill>
+            <a:schemeClr val="tx1"/>
+          </a:solidFill>
+          <a:latin typeface="+mj-lt"/>
+          <a:ea typeface="+mj-ea"/>
+          <a:cs typeface="+mj-cs"/>
+        </a:defRPr>
+      </a:lvl1pPr>
+    </p:titleStyle>
+    <p:bodyStyle>
+      <a:lvl1pPr marL="228600" indent="-228600" algn="l" defTabSz="914400" rtl="0" eaLnBrk="1" latinLnBrk="0" hangingPunct="1">
+        <a:lnSpc>
+          <a:spcPct val="90000"/>
+        </a:lnSpc>
+        <a:spcBef>
+          <a:spcPts val="1000"/>
+        </a:spcBef>
+        <a:buFont typeface="Arial" panose="020B0604020202020204" pitchFamily="34" charset="0"/>
+        <a:buChar char="•"/>
+        <a:defRPr sz="2800" kern="1200">
+          <a:solidFill>
+            <a:schemeClr val="tx1"/>
+          </a:solidFill>
+          <a:latin typeface="+mn-lt"/>
+          <a:ea typeface="+mn-ea"/>
+          <a:cs typeface="+mn-cs"/>
+        </a:defRPr>
+      </a:lvl1pPr>
+      <a:lvl2pPr marL="685800" indent="-228600" algn="l" defTabSz="914400" rtl="0" eaLnBrk="1" latinLnBrk="0" hangingPunct="1">
+        <a:lnSpc>
+          <a:spcPct val="90000"/>
+        </a:lnSpc>
+        <a:spcBef>
+          <a:spcPts val="500"/>
+        </a:spcBef>
+        <a:buFont typeface="Arial" panose="020B0604020202020204" pitchFamily="34" charset="0"/>
+        <a:buChar char="•"/>
+        <a:defRPr sz="2400" kern="1200">
+          <a:solidFill>
+            <a:schemeClr val="tx1"/>
+          </a:solidFill>
+          <a:latin typeface="+mn-lt"/>
+          <a:ea typeface="+mn-ea"/>
+          <a:cs typeface="+mn-cs"/>
+        </a:defRPr>
+      </a:lvl2pPr>
+      <a:lvl3pPr marL="1143000" indent="-228600" algn="l" defTabSz="914400" rtl="0" eaLnBrk="1" latinLnBrk="0" hangingPunct="1">
+        <a:lnSpc>
+          <a:spcPct val="90000"/>
+        </a:lnSpc>
+        <a:spcBef>
+          <a:spcPts val="500"/>
+        </a:spcBef>
+        <a:buFont typeface="Arial" panose="020B0604020202020204" pitchFamily="34" charset="0"/>
+        <a:buChar char="•"/>
+        <a:defRPr sz="2000" kern="1200">
+          <a:solidFill>
+            <a:schemeClr val="tx1"/>
+          </a:solidFill>
+          <a:latin typeface="+mn-lt"/>
+          <a:ea typeface="+mn-ea"/>
+          <a:cs typeface="+mn-cs"/>
+        </a:defRPr>
+      </a:lvl3pPr>
+      <a:lvl4pPr marL="1600200" indent="-228600" algn="l" defTabSz="914400" rtl="0" eaLnBrk="1" latinLnBrk="0" hangingPunct="1">
+        <a:lnSpc>
+          <a:spcPct val="90000"/>
+        </a:lnSpc>
+        <a:spcBef>
+          <a:spcPts val="500"/>
+        </a:spcBef>
+        <a:buFont typeface="Arial" panose="020B0604020202020204" pitchFamily="34" charset="0"/>
+        <a:buChar char="•"/>
+        <a:defRPr sz="1800" kern="1200">
+          <a:solidFill>
+            <a:schemeClr val="tx1"/>
+          </a:solidFill>
+          <a:latin typeface="+mn-lt"/>
+          <a:ea typeface="+mn-ea"/>
+          <a:cs typeface="+mn-cs"/>
+        </a:defRPr>
+      </a:lvl4pPr>
+      <a:lvl5pPr marL="2057400" indent="-228600" algn="l" defTabSz="914400" rtl="0" eaLnBrk="1" latinLnBrk="0" hangingPunct="1">
+        <a:lnSpc>
+          <a:spcPct val="90000"/>
+        </a:lnSpc>
+        <a:spcBef>
+          <a:spcPts val="500"/>
+        </a:spcBef>
+        <a:buFont typeface="Arial" panose="020B0604020202020204" pitchFamily="34" charset="0"/>
+        <a:buChar char="•"/>
+        <a:defRPr sz="1800" kern="1200">
+          <a:solidFill>
+            <a:schemeClr val="tx1"/>
+          </a:solidFill>
+          <a:latin typeface="+mn-lt"/>
+          <a:ea typeface="+mn-ea"/>
+          <a:cs typeface="+mn-cs"/>
+        </a:defRPr>
+      </a:lvl5pPr>
+      <a:lvl6pPr marL="2514600" indent="-228600" algn="l" defTabSz="914400" rtl="0" eaLnBrk="1" latinLnBrk="0" hangingPunct="1">
+        <a:lnSpc>
+          <a:spcPct val="90000"/>
+        </a:lnSpc>
+        <a:spcBef>
+          <a:spcPts val="500"/>
+        </a:spcBef>
+        <a:buFont typeface="Arial" panose="020B0604020202020204" pitchFamily="34" charset="0"/>
+        <a:buChar char="•"/>
+        <a:defRPr sz="1800" kern="1200">
+          <a:solidFill>
+            <a:schemeClr val="tx1"/>
+          </a:solidFill>
+          <a:latin typeface="+mn-lt"/>
+          <a:ea typeface="+mn-ea"/>
+          <a:cs typeface="+mn-cs"/>
+        </a:defRPr>
+      </a:lvl6pPr>
+      <a:lvl7pPr marL="2971800" indent="-228600" algn="l" defTabSz="914400" rtl="0" eaLnBrk="1" latinLnBrk="0" hangingPunct="1">
+        <a:lnSpc>
+          <a:spcPct val="90000"/>
+        </a:lnSpc>
+        <a:spcBef>
+          <a:spcPts val="500"/>
+        </a:spcBef>
+        <a:buFont typeface="Arial" panose="020B0604020202020204" pitchFamily="34" charset="0"/>
+        <a:buChar char="•"/>
+        <a:defRPr sz="1800" kern="1200">
+          <a:solidFill>
+            <a:schemeClr val="tx1"/>
+          </a:solidFill>
+          <a:latin typeface="+mn-lt"/>
+          <a:ea typeface="+mn-ea"/>
+          <a:cs typeface="+mn-cs"/>
+        </a:defRPr>
+      </a:lvl7pPr>
+      <a:lvl8pPr marL="3429000" indent="-228600" algn="l" defTabSz="914400" rtl="0" eaLnBrk="1" latinLnBrk="0" hangingPunct="1">
+        <a:lnSpc>
+          <a:spcPct val="90000"/>
+        </a:lnSpc>
+        <a:spcBef>
+          <a:spcPts val="500"/>
+        </a:spcBef>
+        <a:buFont typeface="Arial" panose="020B0604020202020204" pitchFamily="34" charset="0"/>
+        <a:buChar char="•"/>
+        <a:defRPr sz="1800" kern="1200">
+          <a:solidFill>
+            <a:schemeClr val="tx1"/>
+          </a:solidFill>
+          <a:latin typeface="+mn-lt"/>
+          <a:ea typeface="+mn-ea"/>
+          <a:cs typeface="+mn-cs"/>
+        </a:defRPr>
+      </a:lvl8pPr>
+      <a:lvl9pPr marL="3886200" indent="-228600" algn="l" defTabSz="914400" rtl="0" eaLnBrk="1" latinLnBrk="0" hangingPunct="1">
+        <a:lnSpc>
+          <a:spcPct val="90000"/>
+        </a:lnSpc>
+        <a:spcBef>
+          <a:spcPts val="500"/>
+        </a:spcBef>
+        <a:buFont typeface="Arial" panose="020B0604020202020204" pitchFamily="34" charset="0"/>
+        <a:buChar char="•"/>
+        <a:defRPr sz="1800" kern="1200">
+          <a:solidFill>
+            <a:schemeClr val="tx1"/>
+          </a:solidFill>
+          <a:latin typeface="+mn-lt"/>
+          <a:ea typeface="+mn-ea"/>
+          <a:cs typeface="+mn-cs"/>
+        </a:defRPr>
+      </a:lvl9pPr>
+    </p:bodyStyle>
+    <p:otherStyle>
+      <a:defPPr>
+        <a:defRPr lang="fr-FR"/>
+      </a:defPPr>
+      <a:lvl1pPr marL="0" algn="l" defTabSz="914400" rtl="0" eaLnBrk="1" latinLnBrk="0" hangingPunct="1">
+        <a:defRPr sz="1800" kern="1200">
+          <a:solidFill>
+            <a:schemeClr val="tx1"/>
+          </a:solidFill>
+          <a:latin typeface="+mn-lt"/>
+          <a:ea typeface="+mn-ea"/>
+          <a:cs typeface="+mn-cs"/>
+        </a:defRPr>
+      </a:lvl1pPr>
+      <a:lvl2pPr marL="457200" algn="l" defTabSz="914400" rtl="0" eaLnBrk="1" latinLnBrk="0" hangingPunct="1">
+        <a:defRPr sz="1800" kern="1200">
+          <a:solidFill>
+            <a:schemeClr val="tx1"/>
+          </a:solidFill>
+          <a:latin typeface="+mn-lt"/>
+          <a:ea typeface="+mn-ea"/>
+          <a:cs typeface="+mn-cs"/>
+        </a:defRPr>
+      </a:lvl2pPr>
+      <a:lvl3pPr marL="914400" algn="l" defTabSz="914400" rtl="0" eaLnBrk="1" latinLnBrk="0" hangingPunct="1">
+        <a:defRPr sz="1800" kern="1200">
+          <a:solidFill>
+            <a:schemeClr val="tx1"/>
+          </a:solidFill>
+          <a:latin typeface="+mn-lt"/>
+          <a:ea typeface="+mn-ea"/>
+          <a:cs typeface="+mn-cs"/>
+        </a:defRPr>
+      </a:lvl3pPr>
+      <a:lvl4pPr marL="1371600" algn="l" defTabSz="914400" rtl="0" eaLnBrk="1" latinLnBrk="0" hangingPunct="1">
+        <a:defRPr sz="1800" kern="1200">
+          <a:solidFill>
+            <a:schemeClr val="tx1"/>
+          </a:solidFill>
+          <a:latin typeface="+mn-lt"/>
+          <a:ea typeface="+mn-ea"/>
+          <a:cs typeface="+mn-cs"/>
+        </a:defRPr>
+      </a:lvl4pPr>
+      <a:lvl5pPr marL="1828800" algn="l" defTabSz="914400" rtl="0" eaLnBrk="1" latinLnBrk="0" hangingPunct="1">
+        <a:defRPr sz="1800" kern="1200">
+          <a:solidFill>
+            <a:schemeClr val="tx1"/>
+          </a:solidFill>
+          <a:latin typeface="+mn-lt"/>
+          <a:ea typeface="+mn-ea"/>
+          <a:cs typeface="+mn-cs"/>
+        </a:defRPr>
+      </a:lvl5pPr>
+      <a:lvl6pPr marL="2286000" algn="l" defTabSz="914400" rtl="0" eaLnBrk="1" latinLnBrk="0" hangingPunct="1">
+        <a:defRPr sz="1800" kern="1200">
+          <a:solidFill>
+            <a:schemeClr val="tx1"/>
+          </a:solidFill>
+          <a:latin typeface="+mn-lt"/>
+          <a:ea typeface="+mn-ea"/>
+          <a:cs typeface="+mn-cs"/>
+        </a:defRPr>
+      </a:lvl6pPr>
+      <a:lvl7pPr marL="2743200" algn="l" defTabSz="914400" rtl="0" eaLnBrk="1" latinLnBrk="0" hangingPunct="1">
+        <a:defRPr sz="1800" kern="1200">
+          <a:solidFill>
+            <a:schemeClr val="tx1"/>
+          </a:solidFill>
+          <a:latin typeface="+mn-lt"/>
+          <a:ea typeface="+mn-ea"/>
+          <a:cs typeface="+mn-cs"/>
+        </a:defRPr>
+      </a:lvl7pPr>
+      <a:lvl8pPr marL="3200400" algn="l" defTabSz="914400" rtl="0" eaLnBrk="1" latinLnBrk="0" hangingPunct="1">
+        <a:defRPr sz="1800" kern="1200">
+          <a:solidFill>
+            <a:schemeClr val="tx1"/>
+          </a:solidFill>
+          <a:latin typeface="+mn-lt"/>
+          <a:ea typeface="+mn-ea"/>
+          <a:cs typeface="+mn-cs"/>
+        </a:defRPr>
+      </a:lvl8pPr>
+      <a:lvl9pPr marL="3657600" algn="l" defTabSz="914400" rtl="0" eaLnBrk="1" latinLnBrk="0" hangingPunct="1">
+        <a:defRPr sz="1800" kern="1200">
+          <a:solidFill>
+            <a:schemeClr val="tx1"/>
+          </a:solidFill>
+          <a:latin typeface="+mn-lt"/>
+          <a:ea typeface="+mn-ea"/>
+          <a:cs typeface="+mn-cs"/>
+        </a:defRPr>
+      </a:lvl9pPr>
+    </p:otherStyle>
+  </p:txStyles>
 </p:sldMaster>
 </file>
 
 <file path=ppt/slides/slide1.xml><?xml version="1.0" encoding="utf-8"?>
-<p:sld xmlns:a="http://schemas.openxmlformats.org/drawingml/2006/main" xmlns:p="http://schemas.openxmlformats.org/presentationml/2006/main" xmlns:r="http://schemas.openxmlformats.org/officeDocument/2006/relationships" xmlns:p14="http://schemas.microsoft.com/office/powerpoint/2010/main" xmlns:p15="http://schemas.microsoft.com/office/powerpoint/2012/main" xmlns:mc="http://schemas.openxmlformats.org/markup-compatibility/2006">
+<p:sld xmlns:a="http://schemas.openxmlformats.org/drawingml/2006/main" xmlns:r="http://schemas.openxmlformats.org/officeDocument/2006/relationships" xmlns:p="http://schemas.openxmlformats.org/presentationml/2006/main">
   <p:cSld>
     <p:bg>
       <p:bgPr>
         <a:blipFill rotWithShape="0">
-          <a:blip r:embed="rId1"/>
+          <a:blip r:embed="rId2"/>
           <a:stretch/>
         </a:blipFill>
+        <a:effectLst/>
       </p:bgPr>
     </p:bg>
     <p:spTree>
@@ -3401,15 +4171,22 @@
           </a:ln>
         </p:spPr>
         <p:style>
-          <a:lnRef idx="0"/>
-          <a:fillRef idx="0"/>
-          <a:effectRef idx="0"/>
+          <a:lnRef idx="0">
+            <a:scrgbClr r="0" g="0" b="0"/>
+          </a:lnRef>
+          <a:fillRef idx="0">
+            <a:scrgbClr r="0" g="0" b="0"/>
+          </a:fillRef>
+          <a:effectRef idx="0">
+            <a:scrgbClr r="0" g="0" b="0"/>
+          </a:effectRef>
           <a:fontRef idx="minor"/>
         </p:style>
         <p:txBody>
-          <a:bodyPr lIns="90000" rIns="0" tIns="0" bIns="46800" anchor="b">
+          <a:bodyPr lIns="90000" tIns="0" rIns="0" bIns="46800" anchor="b">
             <a:noAutofit/>
           </a:bodyPr>
+          <a:lstStyle/>
           <a:p>
             <a:pPr>
               <a:lnSpc>
@@ -3417,9 +4194,9 @@
               </a:lnSpc>
             </a:pPr>
             <a:r>
-              <a:rPr b="1" lang="en-US" sz="6000" spc="-1" strike="noStrike">
-                <a:solidFill>
-                  <a:srgbClr val="ffffff"/>
+              <a:rPr lang="en-US" sz="6000" b="1" strike="noStrike" spc="-1">
+                <a:solidFill>
+                  <a:srgbClr val="FFFFFF"/>
                 </a:solidFill>
                 <a:latin typeface="Helvetica Neue"/>
                 <a:ea typeface="Helvetica Neue"/>
@@ -3428,16 +4205,16 @@
             </a:r>
             <a:br/>
             <a:r>
-              <a:rPr b="1" lang="en-US" sz="6000" spc="-1" strike="noStrike">
-                <a:solidFill>
-                  <a:srgbClr val="ffffff"/>
+              <a:rPr lang="en-US" sz="6000" b="1" strike="noStrike" spc="-1">
+                <a:solidFill>
+                  <a:srgbClr val="FFFFFF"/>
                 </a:solidFill>
                 <a:latin typeface="Helvetica Neue"/>
                 <a:ea typeface="Helvetica Neue"/>
               </a:rPr>
               <a:t>Training Exercises</a:t>
             </a:r>
-            <a:endParaRPr b="0" lang="fr-FR" sz="6000" spc="-1" strike="noStrike">
+            <a:endParaRPr lang="fr-FR" sz="6000" b="0" strike="noStrike" spc="-1">
               <a:latin typeface="Arial"/>
             </a:endParaRPr>
           </a:p>
@@ -3448,16 +4225,16 @@
               </a:lnSpc>
             </a:pPr>
             <a:r>
-              <a:rPr b="1" lang="en-US" sz="6000" spc="-1" strike="noStrike">
-                <a:solidFill>
-                  <a:srgbClr val="ffffff"/>
+              <a:rPr lang="en-US" sz="6000" b="1" strike="noStrike" spc="-1">
+                <a:solidFill>
+                  <a:srgbClr val="FFFFFF"/>
                 </a:solidFill>
                 <a:latin typeface="Helvetica Neue"/>
                 <a:ea typeface="Helvetica Neue"/>
               </a:rPr>
               <a:t>Work with Streams</a:t>
             </a:r>
-            <a:endParaRPr b="0" lang="fr-FR" sz="6000" spc="-1" strike="noStrike">
+            <a:endParaRPr lang="fr-FR" sz="6000" b="0" strike="noStrike" spc="-1">
               <a:latin typeface="Arial"/>
             </a:endParaRPr>
           </a:p>
@@ -3483,15 +4260,22 @@
           </a:ln>
         </p:spPr>
         <p:style>
-          <a:lnRef idx="0"/>
-          <a:fillRef idx="0"/>
-          <a:effectRef idx="0"/>
+          <a:lnRef idx="0">
+            <a:scrgbClr r="0" g="0" b="0"/>
+          </a:lnRef>
+          <a:fillRef idx="0">
+            <a:scrgbClr r="0" g="0" b="0"/>
+          </a:fillRef>
+          <a:effectRef idx="0">
+            <a:scrgbClr r="0" g="0" b="0"/>
+          </a:effectRef>
           <a:fontRef idx="minor"/>
         </p:style>
         <p:txBody>
-          <a:bodyPr lIns="0" rIns="0" tIns="0" bIns="0">
+          <a:bodyPr lIns="0" tIns="0" rIns="0" bIns="0">
             <a:noAutofit/>
           </a:bodyPr>
+          <a:lstStyle/>
           <a:p>
             <a:pPr>
               <a:lnSpc>
@@ -3504,20 +4288,20 @@
                 <a:spcPts val="1001"/>
               </a:spcAft>
               <a:tabLst>
-                <a:tab algn="l" pos="0"/>
+                <a:tab pos="0" algn="l"/>
               </a:tabLst>
             </a:pPr>
             <a:r>
-              <a:rPr b="0" lang="en-US" sz="1800" spc="-1" strike="noStrike">
-                <a:solidFill>
-                  <a:srgbClr val="ffffff"/>
+              <a:rPr lang="en-US" sz="1800" b="0" strike="noStrike" spc="-1">
+                <a:solidFill>
+                  <a:srgbClr val="FFFFFF"/>
                 </a:solidFill>
                 <a:latin typeface="Helvetica Neue"/>
                 <a:ea typeface="Helvetica Neue"/>
               </a:rPr>
               <a:t>Thomas DECOSTER</a:t>
             </a:r>
-            <a:endParaRPr b="0" lang="fr-FR" sz="1800" spc="-1" strike="noStrike">
+            <a:endParaRPr lang="fr-FR" sz="1800" b="0" strike="noStrike" spc="-1">
               <a:latin typeface="Arial"/>
             </a:endParaRPr>
           </a:p>
@@ -3543,15 +4327,22 @@
           </a:ln>
         </p:spPr>
         <p:style>
-          <a:lnRef idx="0"/>
-          <a:fillRef idx="0"/>
-          <a:effectRef idx="0"/>
+          <a:lnRef idx="0">
+            <a:scrgbClr r="0" g="0" b="0"/>
+          </a:lnRef>
+          <a:fillRef idx="0">
+            <a:scrgbClr r="0" g="0" b="0"/>
+          </a:fillRef>
+          <a:effectRef idx="0">
+            <a:scrgbClr r="0" g="0" b="0"/>
+          </a:effectRef>
           <a:fontRef idx="minor"/>
         </p:style>
         <p:txBody>
-          <a:bodyPr lIns="0" rIns="0" tIns="0" bIns="0">
+          <a:bodyPr lIns="0" tIns="0" rIns="0" bIns="0">
             <a:noAutofit/>
           </a:bodyPr>
+          <a:lstStyle/>
           <a:p>
             <a:pPr>
               <a:lnSpc>
@@ -3564,20 +4355,20 @@
                 <a:spcPts val="1001"/>
               </a:spcAft>
               <a:tabLst>
-                <a:tab algn="l" pos="0"/>
+                <a:tab pos="0" algn="l"/>
               </a:tabLst>
             </a:pPr>
             <a:r>
-              <a:rPr b="0" lang="en-US" sz="1800" spc="-1" strike="noStrike">
-                <a:solidFill>
-                  <a:srgbClr val="ffffff"/>
+              <a:rPr lang="en-US" sz="1800" b="0" strike="noStrike" spc="-1">
+                <a:solidFill>
+                  <a:srgbClr val="FFFFFF"/>
                 </a:solidFill>
                 <a:latin typeface="Helvetica Neue Light"/>
                 <a:ea typeface="Helvetica Neue Light"/>
               </a:rPr>
               <a:t>Java Senior Consultant</a:t>
             </a:r>
-            <a:endParaRPr b="0" lang="fr-FR" sz="1800" spc="-1" strike="noStrike">
+            <a:endParaRPr lang="fr-FR" sz="1800" b="0" strike="noStrike" spc="-1">
               <a:latin typeface="Arial"/>
             </a:endParaRPr>
           </a:p>
@@ -3603,15 +4394,22 @@
           </a:ln>
         </p:spPr>
         <p:style>
-          <a:lnRef idx="0"/>
-          <a:fillRef idx="0"/>
-          <a:effectRef idx="0"/>
+          <a:lnRef idx="0">
+            <a:scrgbClr r="0" g="0" b="0"/>
+          </a:lnRef>
+          <a:fillRef idx="0">
+            <a:scrgbClr r="0" g="0" b="0"/>
+          </a:fillRef>
+          <a:effectRef idx="0">
+            <a:scrgbClr r="0" g="0" b="0"/>
+          </a:effectRef>
           <a:fontRef idx="minor"/>
         </p:style>
         <p:txBody>
-          <a:bodyPr lIns="90000" rIns="90000" tIns="45000" bIns="45000" anchor="ctr">
+          <a:bodyPr lIns="90000" tIns="45000" rIns="90000" bIns="45000" anchor="ctr">
             <a:noAutofit/>
           </a:bodyPr>
+          <a:lstStyle/>
           <a:p>
             <a:pPr>
               <a:lnSpc>
@@ -3619,16 +4417,16 @@
               </a:lnSpc>
             </a:pPr>
             <a:fld id="{37D8E986-AD56-4057-8C62-3C1FDC66CBA7}" type="slidenum">
-              <a:rPr b="1" lang="de-DE" sz="800" spc="-1" strike="noStrike">
+              <a:rPr lang="de-DE" sz="800" b="1" strike="noStrike" spc="-1">
                 <a:solidFill>
                   <a:srgbClr val="202020"/>
                 </a:solidFill>
                 <a:latin typeface="Helvetica Neue"/>
                 <a:ea typeface="Helvetica Neue"/>
               </a:rPr>
-              <a:t>&lt;number&gt;</a:t>
+              <a:t>1</a:t>
             </a:fld>
-            <a:endParaRPr b="0" lang="fr-FR" sz="800" spc="-1" strike="noStrike">
+            <a:endParaRPr lang="fr-FR" sz="800" b="0" strike="noStrike" spc="-1">
               <a:latin typeface="Arial"/>
             </a:endParaRPr>
           </a:p>
@@ -3654,15 +4452,22 @@
           </a:ln>
         </p:spPr>
         <p:style>
-          <a:lnRef idx="0"/>
-          <a:fillRef idx="0"/>
-          <a:effectRef idx="0"/>
+          <a:lnRef idx="0">
+            <a:scrgbClr r="0" g="0" b="0"/>
+          </a:lnRef>
+          <a:fillRef idx="0">
+            <a:scrgbClr r="0" g="0" b="0"/>
+          </a:fillRef>
+          <a:effectRef idx="0">
+            <a:scrgbClr r="0" g="0" b="0"/>
+          </a:effectRef>
           <a:fontRef idx="minor"/>
         </p:style>
         <p:txBody>
-          <a:bodyPr lIns="90000" rIns="90000" tIns="45000" bIns="91440" anchor="ctr">
+          <a:bodyPr lIns="90000" tIns="45000" rIns="90000" bIns="91440" anchor="ctr">
             <a:noAutofit/>
           </a:bodyPr>
+          <a:lstStyle/>
           <a:p>
             <a:pPr algn="r">
               <a:lnSpc>
@@ -3670,7 +4475,7 @@
               </a:lnSpc>
             </a:pPr>
             <a:r>
-              <a:rPr b="1" lang="en-GB" sz="800" spc="-1" strike="noStrike">
+              <a:rPr lang="en-GB" sz="800" b="1" strike="noStrike" spc="-1">
                 <a:solidFill>
                   <a:srgbClr val="202020"/>
                 </a:solidFill>
@@ -3680,7 +4485,7 @@
               <a:t>VPTT 2020 4.4.7.4 RC       </a:t>
             </a:r>
             <a:r>
-              <a:rPr b="1" lang="en-GB" sz="1200" spc="-1" strike="noStrike">
+              <a:rPr lang="en-GB" sz="1200" b="1" strike="noStrike" spc="-1">
                 <a:solidFill>
                   <a:srgbClr val="202020"/>
                 </a:solidFill>
@@ -3689,7 +4494,7 @@
               </a:rPr>
               <a:t>/</a:t>
             </a:r>
-            <a:endParaRPr b="0" lang="fr-FR" sz="1200" spc="-1" strike="noStrike">
+            <a:endParaRPr lang="fr-FR" sz="1200" b="0" strike="noStrike" spc="-1">
               <a:latin typeface="Arial"/>
             </a:endParaRPr>
           </a:p>
@@ -3697,13 +4502,16 @@
       </p:sp>
     </p:spTree>
   </p:cSld>
-  <mc:AlternateContent>
+  <p:clrMapOvr>
+    <a:masterClrMapping/>
+  </p:clrMapOvr>
+  <mc:AlternateContent xmlns:mc="http://schemas.openxmlformats.org/markup-compatibility/2006" xmlns:p14="http://schemas.microsoft.com/office/powerpoint/2010/main">
     <mc:Choice Requires="p14">
       <p:transition spd="med" p14:dur="700">
         <p:fade/>
       </p:transition>
     </mc:Choice>
-    <mc:Fallback>
+    <mc:Fallback xmlns="" xmlns:p15="http://schemas.microsoft.com/office/powerpoint/2012/main">
       <p:transition spd="med">
         <p:fade/>
       </p:transition>
@@ -3713,7 +4521,7 @@
 </file>
 
 <file path=ppt/slides/slide2.xml><?xml version="1.0" encoding="utf-8"?>
-<p:sld xmlns:a="http://schemas.openxmlformats.org/drawingml/2006/main" xmlns:p="http://schemas.openxmlformats.org/presentationml/2006/main" xmlns:r="http://schemas.openxmlformats.org/officeDocument/2006/relationships" xmlns:p14="http://schemas.microsoft.com/office/powerpoint/2010/main" xmlns:p15="http://schemas.microsoft.com/office/powerpoint/2012/main" xmlns:mc="http://schemas.openxmlformats.org/markup-compatibility/2006">
+<p:sld xmlns:a="http://schemas.openxmlformats.org/drawingml/2006/main" xmlns:r="http://schemas.openxmlformats.org/officeDocument/2006/relationships" xmlns:p="http://schemas.openxmlformats.org/presentationml/2006/main">
   <p:cSld>
     <p:spTree>
       <p:nvGrpSpPr>
@@ -3731,13 +4539,13 @@
       </p:grpSpPr>
       <p:pic>
         <p:nvPicPr>
-          <p:cNvPr id="85" name="" descr=""/>
+          <p:cNvPr id="85" name="Image 84"/>
           <p:cNvPicPr/>
           <p:nvPr/>
         </p:nvPicPr>
         <p:blipFill>
-          <a:blip r:embed="rId1"/>
-          <a:srcRect l="0" t="0" r="25225" b="0"/>
+          <a:blip r:embed="rId2"/>
+          <a:srcRect r="25225"/>
           <a:stretch/>
         </p:blipFill>
         <p:spPr>
@@ -3785,9 +4593,15 @@
           </a:ln>
         </p:spPr>
         <p:style>
-          <a:lnRef idx="0"/>
-          <a:fillRef idx="0"/>
-          <a:effectRef idx="0"/>
+          <a:lnRef idx="0">
+            <a:scrgbClr r="0" g="0" b="0"/>
+          </a:lnRef>
+          <a:fillRef idx="0">
+            <a:scrgbClr r="0" g="0" b="0"/>
+          </a:fillRef>
+          <a:effectRef idx="0">
+            <a:scrgbClr r="0" g="0" b="0"/>
+          </a:effectRef>
           <a:fontRef idx="minor"/>
         </p:style>
       </p:sp>
@@ -3806,16 +4620,22 @@
             <a:avLst/>
           </a:prstGeom>
           <a:solidFill>
-            <a:srgbClr val="ffffff"/>
+            <a:srgbClr val="FFFFFF"/>
           </a:solidFill>
           <a:ln w="0">
             <a:noFill/>
           </a:ln>
         </p:spPr>
         <p:style>
-          <a:lnRef idx="0"/>
-          <a:fillRef idx="0"/>
-          <a:effectRef idx="0"/>
+          <a:lnRef idx="0">
+            <a:scrgbClr r="0" g="0" b="0"/>
+          </a:lnRef>
+          <a:fillRef idx="0">
+            <a:scrgbClr r="0" g="0" b="0"/>
+          </a:fillRef>
+          <a:effectRef idx="0">
+            <a:scrgbClr r="0" g="0" b="0"/>
+          </a:effectRef>
           <a:fontRef idx="minor"/>
         </p:style>
       </p:sp>
@@ -3839,22 +4659,29 @@
           </a:ln>
         </p:spPr>
         <p:style>
-          <a:lnRef idx="0"/>
-          <a:fillRef idx="0"/>
-          <a:effectRef idx="0"/>
+          <a:lnRef idx="0">
+            <a:scrgbClr r="0" g="0" b="0"/>
+          </a:lnRef>
+          <a:fillRef idx="0">
+            <a:scrgbClr r="0" g="0" b="0"/>
+          </a:fillRef>
+          <a:effectRef idx="0">
+            <a:scrgbClr r="0" g="0" b="0"/>
+          </a:effectRef>
           <a:fontRef idx="minor"/>
         </p:style>
         <p:txBody>
-          <a:bodyPr lIns="0" rIns="0" tIns="0" bIns="0">
+          <a:bodyPr lIns="0" tIns="0" rIns="0" bIns="0">
             <a:noAutofit/>
           </a:bodyPr>
+          <a:lstStyle/>
           <a:p>
             <a:pPr>
               <a:lnSpc>
                 <a:spcPct val="85000"/>
               </a:lnSpc>
             </a:pPr>
-            <a:endParaRPr b="0" lang="fr-FR" sz="1800" spc="-1" strike="noStrike">
+            <a:endParaRPr lang="fr-FR" sz="1800" b="0" strike="noStrike" spc="-1">
               <a:latin typeface="Arial"/>
             </a:endParaRPr>
           </a:p>
@@ -3864,7 +4691,7 @@
                 <a:spcPct val="85000"/>
               </a:lnSpc>
             </a:pPr>
-            <a:endParaRPr b="0" lang="fr-FR" sz="1800" spc="-1" strike="noStrike">
+            <a:endParaRPr lang="fr-FR" sz="1800" b="0" strike="noStrike" spc="-1">
               <a:latin typeface="Arial"/>
             </a:endParaRPr>
           </a:p>
@@ -3890,15 +4717,22 @@
           </a:ln>
         </p:spPr>
         <p:style>
-          <a:lnRef idx="0"/>
-          <a:fillRef idx="0"/>
-          <a:effectRef idx="0"/>
+          <a:lnRef idx="0">
+            <a:scrgbClr r="0" g="0" b="0"/>
+          </a:lnRef>
+          <a:fillRef idx="0">
+            <a:scrgbClr r="0" g="0" b="0"/>
+          </a:fillRef>
+          <a:effectRef idx="0">
+            <a:scrgbClr r="0" g="0" b="0"/>
+          </a:effectRef>
           <a:fontRef idx="minor"/>
         </p:style>
         <p:txBody>
-          <a:bodyPr lIns="0" rIns="0" tIns="0" bIns="0">
+          <a:bodyPr lIns="0" tIns="0" rIns="0" bIns="0">
             <a:noAutofit/>
           </a:bodyPr>
+          <a:lstStyle/>
           <a:p>
             <a:pPr>
               <a:lnSpc>
@@ -3911,35 +4745,35 @@
                 <a:spcPts val="1001"/>
               </a:spcAft>
               <a:tabLst>
-                <a:tab algn="l" pos="0"/>
+                <a:tab pos="0" algn="l"/>
               </a:tabLst>
             </a:pPr>
             <a:r>
-              <a:rPr b="0" lang="en-US" sz="4000" spc="-1" strike="noStrike">
-                <a:solidFill>
-                  <a:srgbClr val="ffffff"/>
+              <a:rPr lang="en-US" sz="4000" b="0" strike="noStrike" spc="-1">
+                <a:solidFill>
+                  <a:srgbClr val="FFFFFF"/>
                 </a:solidFill>
                 <a:latin typeface="Helvetica Neue Light"/>
                 <a:ea typeface="Helvetica Neue Light"/>
               </a:rPr>
               <a:t>Task 1 : Read the driver list</a:t>
             </a:r>
-            <a:endParaRPr b="0" lang="fr-FR" sz="4000" spc="-1" strike="noStrike">
-              <a:latin typeface="Arial"/>
-            </a:endParaRPr>
-          </a:p>
-        </p:txBody>
-      </p:sp>
-      <p:sp>
-        <p:nvSpPr>
-          <p:cNvPr id="90" name=""/>
+            <a:endParaRPr lang="fr-FR" sz="4000" b="0" strike="noStrike" spc="-1">
+              <a:latin typeface="Arial"/>
+            </a:endParaRPr>
+          </a:p>
+        </p:txBody>
+      </p:sp>
+      <p:sp>
+        <p:nvSpPr>
+          <p:cNvPr id="90" name="Rectangle 89"/>
           <p:cNvSpPr/>
           <p:nvPr/>
         </p:nvSpPr>
         <p:spPr>
           <a:xfrm>
-            <a:off x="900000" y="2790000"/>
-            <a:ext cx="6119640" cy="1881360"/>
+            <a:off x="899999" y="2790000"/>
+            <a:ext cx="8187439" cy="3686214"/>
           </a:xfrm>
           <a:prstGeom prst="rect">
             <a:avLst/>
@@ -3950,180 +4784,614 @@
           </a:ln>
         </p:spPr>
         <p:style>
-          <a:lnRef idx="0"/>
-          <a:fillRef idx="0"/>
-          <a:effectRef idx="0"/>
+          <a:lnRef idx="0">
+            <a:scrgbClr r="0" g="0" b="0"/>
+          </a:lnRef>
+          <a:fillRef idx="0">
+            <a:scrgbClr r="0" g="0" b="0"/>
+          </a:fillRef>
+          <a:effectRef idx="0">
+            <a:scrgbClr r="0" g="0" b="0"/>
+          </a:effectRef>
           <a:fontRef idx="minor"/>
         </p:style>
         <p:txBody>
-          <a:bodyPr lIns="90000" rIns="90000" tIns="45000" bIns="45000">
+          <a:bodyPr lIns="90000" tIns="45000" rIns="90000" bIns="45000">
             <a:noAutofit/>
           </a:bodyPr>
-          <a:p>
-            <a:pPr>
+          <a:lstStyle/>
+          <a:p>
+            <a:pPr marL="342900" indent="-342900">
               <a:lnSpc>
                 <a:spcPct val="100000"/>
               </a:lnSpc>
+              <a:buFont typeface="+mj-lt"/>
+              <a:buAutoNum type="arabicPeriod"/>
             </a:pPr>
             <a:r>
-              <a:rPr b="0" lang="fr-FR" sz="1800" spc="-1" strike="noStrike">
-                <a:solidFill>
-                  <a:srgbClr val="ffffff"/>
+              <a:rPr lang="fr-FR" sz="1800" b="0" strike="noStrike" spc="-1" dirty="0">
+                <a:solidFill>
+                  <a:srgbClr val="FFFFFF"/>
                 </a:solidFill>
                 <a:latin typeface="Arial"/>
                 <a:ea typeface="DejaVu Sans"/>
               </a:rPr>
-              <a:t>- Read the file Drivers.txt</a:t>
-            </a:r>
-            <a:endParaRPr b="0" lang="fr-FR" sz="1800" spc="-1" strike="noStrike">
-              <a:latin typeface="Arial"/>
-            </a:endParaRPr>
-          </a:p>
-          <a:p>
-            <a:pPr>
+              <a:t>Read the file Drivers.txt</a:t>
+            </a:r>
+          </a:p>
+          <a:p>
+            <a:pPr marL="342900" indent="-342900">
               <a:lnSpc>
                 <a:spcPct val="100000"/>
               </a:lnSpc>
+              <a:buFont typeface="+mj-lt"/>
+              <a:buAutoNum type="arabicPeriod"/>
             </a:pPr>
-            <a:endParaRPr b="0" lang="fr-FR" sz="1800" spc="-1" strike="noStrike">
-              <a:latin typeface="Arial"/>
-            </a:endParaRPr>
-          </a:p>
-          <a:p>
-            <a:pPr>
+            <a:endParaRPr lang="fr-FR" sz="1800" b="0" strike="noStrike" spc="-1" dirty="0">
+              <a:solidFill>
+                <a:srgbClr val="FFFFFF"/>
+              </a:solidFill>
+              <a:latin typeface="Arial"/>
+              <a:ea typeface="DejaVu Sans"/>
+            </a:endParaRPr>
+          </a:p>
+          <a:p>
+            <a:pPr marL="342900" indent="-342900">
               <a:lnSpc>
                 <a:spcPct val="100000"/>
               </a:lnSpc>
+              <a:buFont typeface="+mj-lt"/>
+              <a:buAutoNum type="arabicPeriod"/>
             </a:pPr>
             <a:r>
-              <a:rPr b="0" lang="fr-FR" sz="1800" spc="-1" strike="noStrike">
-                <a:solidFill>
-                  <a:srgbClr val="ffffff"/>
+              <a:rPr lang="fr-FR" sz="1800" b="0" strike="noStrike" spc="-1" dirty="0">
+                <a:solidFill>
+                  <a:srgbClr val="FFFFFF"/>
                 </a:solidFill>
                 <a:latin typeface="Arial"/>
                 <a:ea typeface="DejaVu Sans"/>
               </a:rPr>
-              <a:t>- Clean the data from unusable lines :</a:t>
-            </a:r>
-            <a:endParaRPr b="0" lang="fr-FR" sz="1800" spc="-1" strike="noStrike">
-              <a:latin typeface="Arial"/>
-            </a:endParaRPr>
-          </a:p>
-          <a:p>
-            <a:pPr>
+              <a:t>Clean the data </a:t>
+            </a:r>
+            <a:r>
+              <a:rPr lang="fr-FR" sz="1800" b="0" strike="noStrike" spc="-1" dirty="0" err="1">
+                <a:solidFill>
+                  <a:srgbClr val="FFFFFF"/>
+                </a:solidFill>
+                <a:latin typeface="Arial"/>
+                <a:ea typeface="DejaVu Sans"/>
+              </a:rPr>
+              <a:t>from</a:t>
+            </a:r>
+            <a:r>
+              <a:rPr lang="fr-FR" sz="1800" b="0" strike="noStrike" spc="-1" dirty="0">
+                <a:solidFill>
+                  <a:srgbClr val="FFFFFF"/>
+                </a:solidFill>
+                <a:latin typeface="Arial"/>
+                <a:ea typeface="DejaVu Sans"/>
+              </a:rPr>
+              <a:t> </a:t>
+            </a:r>
+            <a:r>
+              <a:rPr lang="fr-FR" sz="1800" b="0" strike="noStrike" spc="-1" dirty="0" err="1">
+                <a:solidFill>
+                  <a:srgbClr val="FFFFFF"/>
+                </a:solidFill>
+                <a:latin typeface="Arial"/>
+                <a:ea typeface="DejaVu Sans"/>
+              </a:rPr>
+              <a:t>unusable</a:t>
+            </a:r>
+            <a:r>
+              <a:rPr lang="fr-FR" sz="1800" b="0" strike="noStrike" spc="-1" dirty="0">
+                <a:solidFill>
+                  <a:srgbClr val="FFFFFF"/>
+                </a:solidFill>
+                <a:latin typeface="Arial"/>
+                <a:ea typeface="DejaVu Sans"/>
+              </a:rPr>
+              <a:t> </a:t>
+            </a:r>
+            <a:r>
+              <a:rPr lang="fr-FR" sz="1800" b="0" strike="noStrike" spc="-1" dirty="0" err="1">
+                <a:solidFill>
+                  <a:srgbClr val="FFFFFF"/>
+                </a:solidFill>
+                <a:latin typeface="Arial"/>
+                <a:ea typeface="DejaVu Sans"/>
+              </a:rPr>
+              <a:t>lines</a:t>
+            </a:r>
+            <a:r>
+              <a:rPr lang="fr-FR" sz="1800" b="0" strike="noStrike" spc="-1" dirty="0">
+                <a:solidFill>
+                  <a:srgbClr val="FFFFFF"/>
+                </a:solidFill>
+                <a:latin typeface="Arial"/>
+                <a:ea typeface="DejaVu Sans"/>
+              </a:rPr>
+              <a:t> :</a:t>
+            </a:r>
+            <a:endParaRPr lang="fr-FR" sz="1800" b="0" strike="noStrike" spc="-1" dirty="0">
+              <a:latin typeface="Arial"/>
+            </a:endParaRPr>
+          </a:p>
+          <a:p>
+            <a:pPr marL="742950" lvl="1" indent="-285750">
+              <a:buFont typeface="Arial" panose="020B0604020202020204" pitchFamily="34" charset="0"/>
+              <a:buChar char="•"/>
+            </a:pPr>
+            <a:r>
+              <a:rPr lang="fr-FR" b="0" strike="noStrike" spc="-1" dirty="0">
+                <a:solidFill>
+                  <a:srgbClr val="FFFFFF"/>
+                </a:solidFill>
+                <a:latin typeface="Arial"/>
+                <a:ea typeface="DejaVu Sans"/>
+              </a:rPr>
+              <a:t>a line must not </a:t>
+            </a:r>
+            <a:r>
+              <a:rPr lang="fr-FR" b="0" strike="noStrike" spc="-1" dirty="0" err="1">
+                <a:solidFill>
+                  <a:srgbClr val="FFFFFF"/>
+                </a:solidFill>
+                <a:latin typeface="Arial"/>
+                <a:ea typeface="DejaVu Sans"/>
+              </a:rPr>
+              <a:t>be</a:t>
+            </a:r>
+            <a:r>
+              <a:rPr lang="fr-FR" b="0" strike="noStrike" spc="-1" dirty="0">
+                <a:solidFill>
+                  <a:srgbClr val="FFFFFF"/>
+                </a:solidFill>
+                <a:latin typeface="Arial"/>
+                <a:ea typeface="DejaVu Sans"/>
+              </a:rPr>
+              <a:t> </a:t>
+            </a:r>
+            <a:r>
+              <a:rPr lang="fr-FR" b="0" strike="noStrike" spc="-1" dirty="0" err="1">
+                <a:solidFill>
+                  <a:srgbClr val="FFFFFF"/>
+                </a:solidFill>
+                <a:latin typeface="Arial"/>
+                <a:ea typeface="DejaVu Sans"/>
+              </a:rPr>
+              <a:t>empty</a:t>
+            </a:r>
+            <a:endParaRPr lang="fr-FR" b="0" strike="noStrike" spc="-1" dirty="0">
+              <a:latin typeface="Arial"/>
+            </a:endParaRPr>
+          </a:p>
+          <a:p>
+            <a:pPr marL="742950" lvl="1" indent="-285750">
+              <a:buFont typeface="Arial" panose="020B0604020202020204" pitchFamily="34" charset="0"/>
+              <a:buChar char="•"/>
+            </a:pPr>
+            <a:r>
+              <a:rPr lang="fr-FR" b="0" strike="noStrike" spc="-1" dirty="0">
+                <a:solidFill>
+                  <a:srgbClr val="FFFFFF"/>
+                </a:solidFill>
+                <a:latin typeface="Arial"/>
+                <a:ea typeface="DejaVu Sans"/>
+              </a:rPr>
+              <a:t>a line must </a:t>
+            </a:r>
+            <a:r>
+              <a:rPr lang="fr-FR" b="0" strike="noStrike" spc="-1" dirty="0" err="1">
+                <a:solidFill>
+                  <a:srgbClr val="FFFFFF"/>
+                </a:solidFill>
+                <a:latin typeface="Arial"/>
+                <a:ea typeface="DejaVu Sans"/>
+              </a:rPr>
+              <a:t>only</a:t>
+            </a:r>
+            <a:r>
+              <a:rPr lang="fr-FR" b="0" strike="noStrike" spc="-1" dirty="0">
+                <a:solidFill>
+                  <a:srgbClr val="FFFFFF"/>
+                </a:solidFill>
+                <a:latin typeface="Arial"/>
+                <a:ea typeface="DejaVu Sans"/>
+              </a:rPr>
+              <a:t> </a:t>
+            </a:r>
+            <a:r>
+              <a:rPr lang="fr-FR" b="0" strike="noStrike" spc="-1" dirty="0" err="1">
+                <a:solidFill>
+                  <a:srgbClr val="FFFFFF"/>
+                </a:solidFill>
+                <a:latin typeface="Arial"/>
+                <a:ea typeface="DejaVu Sans"/>
+              </a:rPr>
+              <a:t>contain</a:t>
+            </a:r>
+            <a:r>
+              <a:rPr lang="fr-FR" b="0" strike="noStrike" spc="-1" dirty="0">
+                <a:solidFill>
+                  <a:srgbClr val="FFFFFF"/>
+                </a:solidFill>
+                <a:latin typeface="Arial"/>
+                <a:ea typeface="DejaVu Sans"/>
+              </a:rPr>
+              <a:t> </a:t>
+            </a:r>
+            <a:r>
+              <a:rPr lang="fr-FR" b="0" strike="noStrike" spc="-1" dirty="0" err="1">
+                <a:solidFill>
+                  <a:srgbClr val="FFFFFF"/>
+                </a:solidFill>
+                <a:latin typeface="Arial"/>
+                <a:ea typeface="DejaVu Sans"/>
+              </a:rPr>
+              <a:t>alpha</a:t>
+            </a:r>
+            <a:r>
+              <a:rPr lang="fr-FR" b="0" strike="sngStrike" spc="-1" dirty="0" err="1">
+                <a:solidFill>
+                  <a:srgbClr val="FF0000"/>
+                </a:solidFill>
+                <a:latin typeface="Arial"/>
+                <a:ea typeface="DejaVu Sans"/>
+              </a:rPr>
+              <a:t>numeric</a:t>
+            </a:r>
+            <a:r>
+              <a:rPr lang="fr-FR" b="0" strike="noStrike" spc="-1" dirty="0">
+                <a:solidFill>
+                  <a:srgbClr val="FFFFFF"/>
+                </a:solidFill>
+                <a:latin typeface="Arial"/>
+                <a:ea typeface="DejaVu Sans"/>
+              </a:rPr>
+              <a:t> </a:t>
+            </a:r>
+            <a:r>
+              <a:rPr lang="fr-FR" b="0" strike="noStrike" spc="-1" dirty="0" err="1">
+                <a:solidFill>
+                  <a:srgbClr val="FFFFFF"/>
+                </a:solidFill>
+                <a:latin typeface="Arial"/>
+                <a:ea typeface="DejaVu Sans"/>
+              </a:rPr>
+              <a:t>caracters</a:t>
+            </a:r>
+            <a:r>
+              <a:rPr lang="fr-FR" b="0" strike="noStrike" spc="-1" dirty="0">
+                <a:solidFill>
+                  <a:srgbClr val="FFFFFF"/>
+                </a:solidFill>
+                <a:latin typeface="Arial"/>
+                <a:ea typeface="DejaVu Sans"/>
+              </a:rPr>
+              <a:t> +’;’and ‘.’</a:t>
+            </a:r>
+            <a:endParaRPr lang="fr-FR" b="0" strike="noStrike" spc="-1" dirty="0">
+              <a:latin typeface="Arial"/>
+            </a:endParaRPr>
+          </a:p>
+          <a:p>
+            <a:pPr marL="742950" lvl="1" indent="-285750">
+              <a:buFont typeface="Arial" panose="020B0604020202020204" pitchFamily="34" charset="0"/>
+              <a:buChar char="•"/>
+            </a:pPr>
+            <a:r>
+              <a:rPr lang="fr-FR" b="0" strike="noStrike" spc="-1" dirty="0">
+                <a:solidFill>
+                  <a:srgbClr val="FFFFFF"/>
+                </a:solidFill>
+                <a:latin typeface="Arial"/>
+                <a:ea typeface="DejaVu Sans"/>
+              </a:rPr>
+              <a:t>Driver </a:t>
+            </a:r>
+            <a:r>
+              <a:rPr lang="fr-FR" b="0" strike="noStrike" spc="-1" dirty="0" err="1">
+                <a:solidFill>
+                  <a:srgbClr val="FFFFFF"/>
+                </a:solidFill>
+                <a:latin typeface="Arial"/>
+                <a:ea typeface="DejaVu Sans"/>
+              </a:rPr>
+              <a:t>name</a:t>
+            </a:r>
+            <a:r>
+              <a:rPr lang="fr-FR" b="0" strike="noStrike" spc="-1" dirty="0">
+                <a:solidFill>
+                  <a:srgbClr val="FFFFFF"/>
+                </a:solidFill>
+                <a:latin typeface="Arial"/>
+                <a:ea typeface="DejaVu Sans"/>
+              </a:rPr>
+              <a:t> must not </a:t>
+            </a:r>
+            <a:r>
+              <a:rPr lang="fr-FR" b="0" strike="noStrike" spc="-1" dirty="0" err="1">
+                <a:solidFill>
+                  <a:srgbClr val="FFFFFF"/>
+                </a:solidFill>
+                <a:latin typeface="Arial"/>
+                <a:ea typeface="DejaVu Sans"/>
+              </a:rPr>
+              <a:t>be</a:t>
+            </a:r>
+            <a:r>
+              <a:rPr lang="fr-FR" b="0" strike="noStrike" spc="-1" dirty="0">
+                <a:solidFill>
+                  <a:srgbClr val="FFFFFF"/>
+                </a:solidFill>
+                <a:latin typeface="Arial"/>
+                <a:ea typeface="DejaVu Sans"/>
+              </a:rPr>
+              <a:t> </a:t>
+            </a:r>
+            <a:r>
+              <a:rPr lang="fr-FR" b="0" strike="noStrike" spc="-1" dirty="0" err="1">
+                <a:solidFill>
+                  <a:srgbClr val="FFFFFF"/>
+                </a:solidFill>
+                <a:latin typeface="Arial"/>
+                <a:ea typeface="DejaVu Sans"/>
+              </a:rPr>
+              <a:t>empty</a:t>
+            </a:r>
+            <a:endParaRPr lang="fr-FR" b="0" strike="noStrike" spc="-1" dirty="0">
+              <a:latin typeface="Arial"/>
+            </a:endParaRPr>
+          </a:p>
+          <a:p>
+            <a:pPr marL="742950" lvl="1" indent="-285750">
+              <a:buFont typeface="Arial" panose="020B0604020202020204" pitchFamily="34" charset="0"/>
+              <a:buChar char="•"/>
+            </a:pPr>
+            <a:r>
+              <a:rPr lang="fr-FR" b="0" strike="noStrike" spc="-1" dirty="0" err="1">
+                <a:solidFill>
+                  <a:srgbClr val="FFFFFF"/>
+                </a:solidFill>
+                <a:latin typeface="Arial"/>
+                <a:ea typeface="DejaVu Sans"/>
+              </a:rPr>
+              <a:t>Category</a:t>
+            </a:r>
+            <a:r>
+              <a:rPr lang="fr-FR" b="0" strike="noStrike" spc="-1" dirty="0">
+                <a:solidFill>
+                  <a:srgbClr val="FFFFFF"/>
+                </a:solidFill>
+                <a:latin typeface="Arial"/>
+                <a:ea typeface="DejaVu Sans"/>
+              </a:rPr>
+              <a:t> can </a:t>
+            </a:r>
+            <a:r>
+              <a:rPr lang="fr-FR" b="0" strike="noStrike" spc="-1" dirty="0" err="1">
+                <a:solidFill>
+                  <a:srgbClr val="FFFFFF"/>
+                </a:solidFill>
+                <a:latin typeface="Arial"/>
+                <a:ea typeface="DejaVu Sans"/>
+              </a:rPr>
+              <a:t>be</a:t>
+            </a:r>
+            <a:r>
+              <a:rPr lang="fr-FR" b="0" strike="noStrike" spc="-1" dirty="0">
+                <a:solidFill>
+                  <a:srgbClr val="FFFFFF"/>
+                </a:solidFill>
+                <a:latin typeface="Arial"/>
+                <a:ea typeface="DejaVu Sans"/>
+              </a:rPr>
+              <a:t> </a:t>
+            </a:r>
+            <a:r>
+              <a:rPr lang="fr-FR" b="0" strike="noStrike" spc="-1" dirty="0" err="1">
+                <a:solidFill>
+                  <a:srgbClr val="FFFFFF"/>
+                </a:solidFill>
+                <a:latin typeface="Arial"/>
+                <a:ea typeface="DejaVu Sans"/>
+              </a:rPr>
+              <a:t>empty</a:t>
+            </a:r>
+            <a:r>
+              <a:rPr lang="fr-FR" b="0" strike="noStrike" spc="-1" dirty="0">
+                <a:solidFill>
+                  <a:srgbClr val="FFFFFF"/>
+                </a:solidFill>
+                <a:latin typeface="Arial"/>
+                <a:ea typeface="DejaVu Sans"/>
+              </a:rPr>
+              <a:t> (S : </a:t>
+            </a:r>
+            <a:r>
+              <a:rPr lang="fr-FR" b="0" strike="noStrike" spc="-1" dirty="0" err="1">
+                <a:solidFill>
+                  <a:srgbClr val="FFFFFF"/>
+                </a:solidFill>
+                <a:latin typeface="Arial"/>
+                <a:ea typeface="DejaVu Sans"/>
+              </a:rPr>
+              <a:t>small</a:t>
+            </a:r>
+            <a:r>
+              <a:rPr lang="fr-FR" b="0" strike="noStrike" spc="-1" dirty="0">
+                <a:solidFill>
+                  <a:srgbClr val="FFFFFF"/>
+                </a:solidFill>
+                <a:latin typeface="Arial"/>
+                <a:ea typeface="DejaVu Sans"/>
+              </a:rPr>
+              <a:t>, M: medium, L: large)</a:t>
+            </a:r>
+            <a:endParaRPr lang="fr-FR" spc="-1" dirty="0">
+              <a:latin typeface="Arial"/>
+            </a:endParaRPr>
+          </a:p>
+          <a:p>
+            <a:pPr marL="342900" indent="-342900">
               <a:lnSpc>
                 <a:spcPct val="100000"/>
               </a:lnSpc>
+              <a:buFont typeface="+mj-lt"/>
+              <a:buAutoNum type="arabicPeriod"/>
             </a:pPr>
-            <a:r>
-              <a:rPr b="0" lang="fr-FR" sz="1800" spc="-1" strike="noStrike">
-                <a:solidFill>
-                  <a:srgbClr val="ffffff"/>
-                </a:solidFill>
-                <a:latin typeface="Arial"/>
-                <a:ea typeface="DejaVu Sans"/>
-              </a:rPr>
-              <a:t>a line must not be empty</a:t>
-            </a:r>
-            <a:endParaRPr b="0" lang="fr-FR" sz="1800" spc="-1" strike="noStrike">
-              <a:latin typeface="Arial"/>
-            </a:endParaRPr>
-          </a:p>
-          <a:p>
-            <a:pPr>
+            <a:endParaRPr lang="fr-FR" sz="1800" b="0" strike="noStrike" spc="-1" dirty="0">
+              <a:solidFill>
+                <a:srgbClr val="FFFFFF"/>
+              </a:solidFill>
+              <a:latin typeface="Arial"/>
+              <a:ea typeface="DejaVu Sans"/>
+            </a:endParaRPr>
+          </a:p>
+          <a:p>
+            <a:pPr marL="342900" indent="-342900">
               <a:lnSpc>
                 <a:spcPct val="100000"/>
               </a:lnSpc>
+              <a:buFont typeface="+mj-lt"/>
+              <a:buAutoNum type="arabicPeriod"/>
             </a:pPr>
             <a:r>
-              <a:rPr b="0" lang="fr-FR" sz="1800" spc="-1" strike="noStrike">
-                <a:solidFill>
-                  <a:srgbClr val="ffffff"/>
+              <a:rPr lang="fr-FR" sz="1800" b="0" strike="noStrike" spc="-1" dirty="0" err="1">
+                <a:solidFill>
+                  <a:srgbClr val="FFFFFF"/>
                 </a:solidFill>
                 <a:latin typeface="Arial"/>
                 <a:ea typeface="DejaVu Sans"/>
               </a:rPr>
-              <a:t>a line must only contain alphanumeric caracters +’;’and ‘.’</a:t>
-            </a:r>
-            <a:endParaRPr b="0" lang="fr-FR" sz="1800" spc="-1" strike="noStrike">
-              <a:latin typeface="Arial"/>
-            </a:endParaRPr>
-          </a:p>
-          <a:p>
-            <a:pPr>
-              <a:lnSpc>
-                <a:spcPct val="100000"/>
-              </a:lnSpc>
+              <a:t>Map</a:t>
+            </a:r>
+            <a:r>
+              <a:rPr lang="fr-FR" sz="1800" b="0" strike="noStrike" spc="-1" dirty="0">
+                <a:solidFill>
+                  <a:srgbClr val="FFFFFF"/>
+                </a:solidFill>
+                <a:latin typeface="Arial"/>
+                <a:ea typeface="DejaVu Sans"/>
+              </a:rPr>
+              <a:t> the data </a:t>
+            </a:r>
+            <a:r>
+              <a:rPr lang="fr-FR" sz="1800" b="0" strike="noStrike" spc="-1" dirty="0" err="1">
+                <a:solidFill>
+                  <a:srgbClr val="FFFFFF"/>
+                </a:solidFill>
+                <a:latin typeface="Arial"/>
+                <a:ea typeface="DejaVu Sans"/>
+              </a:rPr>
+              <a:t>into</a:t>
+            </a:r>
+            <a:r>
+              <a:rPr lang="fr-FR" sz="1800" b="0" strike="noStrike" spc="-1" dirty="0">
+                <a:solidFill>
+                  <a:srgbClr val="FFFFFF"/>
+                </a:solidFill>
+                <a:latin typeface="Arial"/>
+                <a:ea typeface="DejaVu Sans"/>
+              </a:rPr>
+              <a:t> Driver </a:t>
+            </a:r>
+            <a:r>
+              <a:rPr lang="fr-FR" sz="1800" b="0" strike="noStrike" spc="-1" dirty="0" err="1">
+                <a:solidFill>
+                  <a:srgbClr val="FFFFFF"/>
+                </a:solidFill>
+                <a:latin typeface="Arial"/>
+                <a:ea typeface="DejaVu Sans"/>
+              </a:rPr>
+              <a:t>object</a:t>
+            </a:r>
+            <a:r>
+              <a:rPr lang="fr-FR" sz="1800" b="0" strike="noStrike" spc="-1" dirty="0">
+                <a:solidFill>
+                  <a:srgbClr val="FFFFFF"/>
+                </a:solidFill>
+                <a:latin typeface="Arial"/>
+                <a:ea typeface="DejaVu Sans"/>
+              </a:rPr>
+              <a:t> </a:t>
+            </a:r>
+          </a:p>
+          <a:p>
+            <a:pPr marL="800100" lvl="1" indent="-342900">
+              <a:buFont typeface="Arial" panose="020B0604020202020204" pitchFamily="34" charset="0"/>
+              <a:buChar char="•"/>
             </a:pPr>
             <a:r>
-              <a:rPr b="0" lang="fr-FR" sz="1800" spc="-1" strike="noStrike">
-                <a:solidFill>
-                  <a:srgbClr val="ffffff"/>
+              <a:rPr lang="fr-FR" b="0" strike="noStrike" spc="-1" dirty="0" err="1">
+                <a:solidFill>
+                  <a:srgbClr val="FFFFFF"/>
                 </a:solidFill>
                 <a:latin typeface="Arial"/>
                 <a:ea typeface="DejaVu Sans"/>
               </a:rPr>
-              <a:t>Driver name must not be empty</a:t>
-            </a:r>
-            <a:endParaRPr b="0" lang="fr-FR" sz="1800" spc="-1" strike="noStrike">
-              <a:latin typeface="Arial"/>
-            </a:endParaRPr>
-          </a:p>
-          <a:p>
-            <a:pPr>
-              <a:lnSpc>
-                <a:spcPct val="100000"/>
-              </a:lnSpc>
-            </a:pPr>
-            <a:r>
-              <a:rPr b="0" lang="fr-FR" sz="1800" spc="-1" strike="noStrike">
-                <a:solidFill>
-                  <a:srgbClr val="ffffff"/>
+              <a:t>with</a:t>
+            </a:r>
+            <a:r>
+              <a:rPr lang="fr-FR" b="0" strike="noStrike" spc="-1" dirty="0">
+                <a:solidFill>
+                  <a:srgbClr val="FFFFFF"/>
                 </a:solidFill>
                 <a:latin typeface="Arial"/>
                 <a:ea typeface="DejaVu Sans"/>
               </a:rPr>
-              <a:t>Category can be empty (S : small, M: medium, L: large)</a:t>
-            </a:r>
-            <a:endParaRPr b="0" lang="fr-FR" sz="1800" spc="-1" strike="noStrike">
-              <a:latin typeface="Arial"/>
-            </a:endParaRPr>
-          </a:p>
-          <a:p>
-            <a:pPr>
-              <a:lnSpc>
-                <a:spcPct val="100000"/>
-              </a:lnSpc>
-            </a:pPr>
-            <a:endParaRPr b="0" lang="fr-FR" sz="1800" spc="-1" strike="noStrike">
-              <a:latin typeface="Arial"/>
-            </a:endParaRPr>
-          </a:p>
-          <a:p>
-            <a:pPr>
-              <a:lnSpc>
-                <a:spcPct val="100000"/>
-              </a:lnSpc>
-            </a:pPr>
-            <a:r>
-              <a:rPr b="0" lang="fr-FR" sz="1800" spc="-1" strike="noStrike">
-                <a:solidFill>
-                  <a:srgbClr val="ffffff"/>
+              <a:t> a </a:t>
+            </a:r>
+            <a:r>
+              <a:rPr lang="fr-FR" b="0" strike="noStrike" spc="-1" dirty="0" err="1">
+                <a:solidFill>
+                  <a:srgbClr val="FFFFFF"/>
                 </a:solidFill>
                 <a:latin typeface="Arial"/>
                 <a:ea typeface="DejaVu Sans"/>
               </a:rPr>
-              <a:t>- Map the data into Driver object with a name and a category (default: Medium)</a:t>
-            </a:r>
-            <a:endParaRPr b="0" lang="fr-FR" sz="1800" spc="-1" strike="noStrike">
-              <a:latin typeface="Arial"/>
-            </a:endParaRPr>
-          </a:p>
-        </p:txBody>
-      </p:sp>
-      <p:sp>
-        <p:nvSpPr>
-          <p:cNvPr id="91" name=""/>
+              <a:t>name</a:t>
+            </a:r>
+            <a:r>
+              <a:rPr lang="fr-FR" b="0" strike="noStrike" spc="-1" dirty="0">
+                <a:solidFill>
+                  <a:srgbClr val="FFFFFF"/>
+                </a:solidFill>
+                <a:latin typeface="Arial"/>
+                <a:ea typeface="DejaVu Sans"/>
+              </a:rPr>
+              <a:t> and a </a:t>
+            </a:r>
+            <a:r>
+              <a:rPr lang="fr-FR" b="0" strike="noStrike" spc="-1" dirty="0" err="1">
+                <a:solidFill>
+                  <a:srgbClr val="FFFFFF"/>
+                </a:solidFill>
+                <a:latin typeface="Arial"/>
+                <a:ea typeface="DejaVu Sans"/>
+              </a:rPr>
+              <a:t>category</a:t>
+            </a:r>
+            <a:r>
+              <a:rPr lang="fr-FR" b="0" strike="noStrike" spc="-1" dirty="0">
+                <a:solidFill>
+                  <a:srgbClr val="FFFFFF"/>
+                </a:solidFill>
+                <a:latin typeface="Arial"/>
+                <a:ea typeface="DejaVu Sans"/>
+              </a:rPr>
+              <a:t> (default: Medium)</a:t>
+            </a:r>
+            <a:endParaRPr lang="fr-FR" b="0" strike="noStrike" spc="-1" dirty="0">
+              <a:latin typeface="Arial"/>
+            </a:endParaRPr>
+          </a:p>
+        </p:txBody>
+      </p:sp>
+      <p:sp>
+        <p:nvSpPr>
+          <p:cNvPr id="91" name="Bulle narrative : rectangle à coins arrondis 90"/>
           <p:cNvSpPr/>
           <p:nvPr/>
         </p:nvSpPr>
@@ -4140,25 +5408,32 @@
             </a:avLst>
           </a:prstGeom>
           <a:solidFill>
-            <a:srgbClr val="5eb91e"/>
+            <a:srgbClr val="5EB91E"/>
           </a:solidFill>
           <a:ln w="36000">
             <a:solidFill>
-              <a:srgbClr val="468a1a"/>
+              <a:srgbClr val="468A1A"/>
             </a:solidFill>
             <a:round/>
           </a:ln>
         </p:spPr>
         <p:style>
-          <a:lnRef idx="0"/>
-          <a:fillRef idx="0"/>
-          <a:effectRef idx="0"/>
+          <a:lnRef idx="0">
+            <a:scrgbClr r="0" g="0" b="0"/>
+          </a:lnRef>
+          <a:fillRef idx="0">
+            <a:scrgbClr r="0" g="0" b="0"/>
+          </a:fillRef>
+          <a:effectRef idx="0">
+            <a:scrgbClr r="0" g="0" b="0"/>
+          </a:effectRef>
           <a:fontRef idx="minor"/>
         </p:style>
         <p:txBody>
-          <a:bodyPr wrap="none" lIns="90000" rIns="90000" tIns="45000" bIns="45000" anchor="ctr">
+          <a:bodyPr wrap="none" lIns="90000" tIns="45000" rIns="90000" bIns="45000" anchor="ctr">
             <a:noAutofit/>
           </a:bodyPr>
+          <a:lstStyle/>
           <a:p>
             <a:pPr algn="ctr">
               <a:lnSpc>
@@ -4166,16 +5441,16 @@
               </a:lnSpc>
             </a:pPr>
             <a:r>
-              <a:rPr b="0" lang="fr-FR" sz="1800" spc="-1" strike="noStrike">
-                <a:solidFill>
-                  <a:srgbClr val="ffffff"/>
+              <a:rPr lang="fr-FR" sz="1800" b="0" strike="noStrike" spc="-1">
+                <a:solidFill>
+                  <a:srgbClr val="FFFFFF"/>
                 </a:solidFill>
                 <a:latin typeface="Arial"/>
                 <a:ea typeface="DejaVu Sans"/>
               </a:rPr>
               <a:t>« Make it work,</a:t>
             </a:r>
-            <a:endParaRPr b="0" lang="fr-FR" sz="1800" spc="-1" strike="noStrike">
+            <a:endParaRPr lang="fr-FR" sz="1800" b="0" strike="noStrike" spc="-1">
               <a:latin typeface="Arial"/>
             </a:endParaRPr>
           </a:p>
@@ -4186,16 +5461,16 @@
               </a:lnSpc>
             </a:pPr>
             <a:r>
-              <a:rPr b="0" lang="fr-FR" sz="1800" spc="-1" strike="noStrike">
-                <a:solidFill>
-                  <a:srgbClr val="ffffff"/>
+              <a:rPr lang="fr-FR" sz="1800" b="0" strike="noStrike" spc="-1">
+                <a:solidFill>
+                  <a:srgbClr val="FFFFFF"/>
                 </a:solidFill>
                 <a:latin typeface="Arial"/>
                 <a:ea typeface="DejaVu Sans"/>
               </a:rPr>
               <a:t>Make it right,</a:t>
             </a:r>
-            <a:endParaRPr b="0" lang="fr-FR" sz="1800" spc="-1" strike="noStrike">
+            <a:endParaRPr lang="fr-FR" sz="1800" b="0" strike="noStrike" spc="-1">
               <a:latin typeface="Arial"/>
             </a:endParaRPr>
           </a:p>
@@ -4206,16 +5481,16 @@
               </a:lnSpc>
             </a:pPr>
             <a:r>
-              <a:rPr b="0" lang="fr-FR" sz="1800" spc="-1" strike="noStrike">
-                <a:solidFill>
-                  <a:srgbClr val="ffffff"/>
+              <a:rPr lang="fr-FR" sz="1800" b="0" strike="noStrike" spc="-1">
+                <a:solidFill>
+                  <a:srgbClr val="FFFFFF"/>
                 </a:solidFill>
                 <a:latin typeface="Arial"/>
                 <a:ea typeface="DejaVu Sans"/>
               </a:rPr>
               <a:t>Make it fast »</a:t>
             </a:r>
-            <a:endParaRPr b="0" lang="fr-FR" sz="1800" spc="-1" strike="noStrike">
+            <a:endParaRPr lang="fr-FR" sz="1800" b="0" strike="noStrike" spc="-1">
               <a:latin typeface="Arial"/>
             </a:endParaRPr>
           </a:p>
@@ -4225,20 +5500,20 @@
                 <a:spcPct val="100000"/>
               </a:lnSpc>
               <a:tabLst>
-                <a:tab algn="l" pos="408240"/>
+                <a:tab pos="408240" algn="l"/>
               </a:tabLst>
             </a:pPr>
             <a:r>
-              <a:rPr b="0" lang="fr-FR" sz="1200" spc="-1" strike="noStrike">
-                <a:solidFill>
-                  <a:srgbClr val="ffffff"/>
+              <a:rPr lang="fr-FR" sz="1200" b="0" strike="noStrike" spc="-1">
+                <a:solidFill>
+                  <a:srgbClr val="FFFFFF"/>
                 </a:solidFill>
                 <a:latin typeface="Arial"/>
                 <a:ea typeface="DejaVu Sans"/>
               </a:rPr>
               <a:t>Kent Beck</a:t>
             </a:r>
-            <a:endParaRPr b="0" lang="fr-FR" sz="1200" spc="-1" strike="noStrike">
+            <a:endParaRPr lang="fr-FR" sz="1200" b="0" strike="noStrike" spc="-1">
               <a:latin typeface="Arial"/>
             </a:endParaRPr>
           </a:p>
@@ -4246,6 +5521,9 @@
       </p:sp>
     </p:spTree>
   </p:cSld>
+  <p:clrMapOvr>
+    <a:masterClrMapping/>
+  </p:clrMapOvr>
   <p:transition spd="slow">
     <p:push dir="r"/>
   </p:transition>
@@ -4253,7 +5531,7 @@
 </file>
 
 <file path=ppt/slides/slide3.xml><?xml version="1.0" encoding="utf-8"?>
-<p:sld xmlns:a="http://schemas.openxmlformats.org/drawingml/2006/main" xmlns:p="http://schemas.openxmlformats.org/presentationml/2006/main" xmlns:r="http://schemas.openxmlformats.org/officeDocument/2006/relationships" xmlns:p14="http://schemas.microsoft.com/office/powerpoint/2010/main" xmlns:p15="http://schemas.microsoft.com/office/powerpoint/2012/main" xmlns:mc="http://schemas.openxmlformats.org/markup-compatibility/2006">
+<p:sld xmlns:a="http://schemas.openxmlformats.org/drawingml/2006/main" xmlns:r="http://schemas.openxmlformats.org/officeDocument/2006/relationships" xmlns:p="http://schemas.openxmlformats.org/presentationml/2006/main">
   <p:cSld>
     <p:spTree>
       <p:nvGrpSpPr>
@@ -4271,13 +5549,13 @@
       </p:grpSpPr>
       <p:pic>
         <p:nvPicPr>
-          <p:cNvPr id="92" name="" descr=""/>
+          <p:cNvPr id="92" name="Image 91"/>
           <p:cNvPicPr/>
           <p:nvPr/>
         </p:nvPicPr>
         <p:blipFill>
-          <a:blip r:embed="rId1"/>
-          <a:srcRect l="0" t="0" r="25225" b="0"/>
+          <a:blip r:embed="rId2"/>
+          <a:srcRect r="25225"/>
           <a:stretch/>
         </p:blipFill>
         <p:spPr>
@@ -4325,9 +5603,15 @@
           </a:ln>
         </p:spPr>
         <p:style>
-          <a:lnRef idx="0"/>
-          <a:fillRef idx="0"/>
-          <a:effectRef idx="0"/>
+          <a:lnRef idx="0">
+            <a:scrgbClr r="0" g="0" b="0"/>
+          </a:lnRef>
+          <a:fillRef idx="0">
+            <a:scrgbClr r="0" g="0" b="0"/>
+          </a:fillRef>
+          <a:effectRef idx="0">
+            <a:scrgbClr r="0" g="0" b="0"/>
+          </a:effectRef>
           <a:fontRef idx="minor"/>
         </p:style>
       </p:sp>
@@ -4346,16 +5630,22 @@
             <a:avLst/>
           </a:prstGeom>
           <a:solidFill>
-            <a:srgbClr val="ffffff"/>
+            <a:srgbClr val="FFFFFF"/>
           </a:solidFill>
           <a:ln w="0">
             <a:noFill/>
           </a:ln>
         </p:spPr>
         <p:style>
-          <a:lnRef idx="0"/>
-          <a:fillRef idx="0"/>
-          <a:effectRef idx="0"/>
+          <a:lnRef idx="0">
+            <a:scrgbClr r="0" g="0" b="0"/>
+          </a:lnRef>
+          <a:fillRef idx="0">
+            <a:scrgbClr r="0" g="0" b="0"/>
+          </a:fillRef>
+          <a:effectRef idx="0">
+            <a:scrgbClr r="0" g="0" b="0"/>
+          </a:effectRef>
           <a:fontRef idx="minor"/>
         </p:style>
       </p:sp>
@@ -4379,22 +5669,29 @@
           </a:ln>
         </p:spPr>
         <p:style>
-          <a:lnRef idx="0"/>
-          <a:fillRef idx="0"/>
-          <a:effectRef idx="0"/>
+          <a:lnRef idx="0">
+            <a:scrgbClr r="0" g="0" b="0"/>
+          </a:lnRef>
+          <a:fillRef idx="0">
+            <a:scrgbClr r="0" g="0" b="0"/>
+          </a:fillRef>
+          <a:effectRef idx="0">
+            <a:scrgbClr r="0" g="0" b="0"/>
+          </a:effectRef>
           <a:fontRef idx="minor"/>
         </p:style>
         <p:txBody>
-          <a:bodyPr lIns="0" rIns="0" tIns="0" bIns="0">
+          <a:bodyPr lIns="0" tIns="0" rIns="0" bIns="0">
             <a:noAutofit/>
           </a:bodyPr>
+          <a:lstStyle/>
           <a:p>
             <a:pPr>
               <a:lnSpc>
                 <a:spcPct val="85000"/>
               </a:lnSpc>
             </a:pPr>
-            <a:endParaRPr b="0" lang="fr-FR" sz="1800" spc="-1" strike="noStrike">
+            <a:endParaRPr lang="fr-FR" sz="1800" b="0" strike="noStrike" spc="-1">
               <a:latin typeface="Arial"/>
             </a:endParaRPr>
           </a:p>
@@ -4404,7 +5701,7 @@
                 <a:spcPct val="85000"/>
               </a:lnSpc>
             </a:pPr>
-            <a:endParaRPr b="0" lang="fr-FR" sz="1800" spc="-1" strike="noStrike">
+            <a:endParaRPr lang="fr-FR" sz="1800" b="0" strike="noStrike" spc="-1">
               <a:latin typeface="Arial"/>
             </a:endParaRPr>
           </a:p>
@@ -4430,15 +5727,22 @@
           </a:ln>
         </p:spPr>
         <p:style>
-          <a:lnRef idx="0"/>
-          <a:fillRef idx="0"/>
-          <a:effectRef idx="0"/>
+          <a:lnRef idx="0">
+            <a:scrgbClr r="0" g="0" b="0"/>
+          </a:lnRef>
+          <a:fillRef idx="0">
+            <a:scrgbClr r="0" g="0" b="0"/>
+          </a:fillRef>
+          <a:effectRef idx="0">
+            <a:scrgbClr r="0" g="0" b="0"/>
+          </a:effectRef>
           <a:fontRef idx="minor"/>
         </p:style>
         <p:txBody>
-          <a:bodyPr lIns="0" rIns="0" tIns="0" bIns="0">
+          <a:bodyPr lIns="0" tIns="0" rIns="0" bIns="0">
             <a:noAutofit/>
           </a:bodyPr>
+          <a:lstStyle/>
           <a:p>
             <a:pPr>
               <a:lnSpc>
@@ -4451,28 +5755,28 @@
                 <a:spcPts val="1001"/>
               </a:spcAft>
               <a:tabLst>
-                <a:tab algn="l" pos="0"/>
+                <a:tab pos="0" algn="l"/>
               </a:tabLst>
             </a:pPr>
             <a:r>
-              <a:rPr b="0" lang="en-US" sz="4000" spc="-1" strike="noStrike">
-                <a:solidFill>
-                  <a:srgbClr val="ffffff"/>
+              <a:rPr lang="en-US" sz="4000" b="0" strike="noStrike" spc="-1">
+                <a:solidFill>
+                  <a:srgbClr val="FFFFFF"/>
                 </a:solidFill>
                 <a:latin typeface="Helvetica Neue Light"/>
                 <a:ea typeface="Helvetica Neue Light"/>
               </a:rPr>
               <a:t>Task 2 : Simulate the races</a:t>
             </a:r>
-            <a:endParaRPr b="0" lang="fr-FR" sz="4000" spc="-1" strike="noStrike">
-              <a:latin typeface="Arial"/>
-            </a:endParaRPr>
-          </a:p>
-        </p:txBody>
-      </p:sp>
-      <p:sp>
-        <p:nvSpPr>
-          <p:cNvPr id="97" name=""/>
+            <a:endParaRPr lang="fr-FR" sz="4000" b="0" strike="noStrike" spc="-1">
+              <a:latin typeface="Arial"/>
+            </a:endParaRPr>
+          </a:p>
+        </p:txBody>
+      </p:sp>
+      <p:sp>
+        <p:nvSpPr>
+          <p:cNvPr id="97" name="Rectangle 96"/>
           <p:cNvSpPr/>
           <p:nvPr/>
         </p:nvSpPr>
@@ -4490,21 +5794,27 @@
           </a:ln>
         </p:spPr>
         <p:style>
-          <a:lnRef idx="0"/>
-          <a:fillRef idx="0"/>
-          <a:effectRef idx="0"/>
+          <a:lnRef idx="0">
+            <a:scrgbClr r="0" g="0" b="0"/>
+          </a:lnRef>
+          <a:fillRef idx="0">
+            <a:scrgbClr r="0" g="0" b="0"/>
+          </a:fillRef>
+          <a:effectRef idx="0">
+            <a:scrgbClr r="0" g="0" b="0"/>
+          </a:effectRef>
           <a:fontRef idx="minor"/>
         </p:style>
       </p:sp>
       <p:sp>
         <p:nvSpPr>
-          <p:cNvPr id="98" name=""/>
+          <p:cNvPr id="98" name="Rectangle 97"/>
           <p:cNvSpPr/>
           <p:nvPr/>
         </p:nvSpPr>
         <p:spPr>
           <a:xfrm>
-            <a:off x="1620000" y="2700000"/>
+            <a:off x="526490" y="2616840"/>
             <a:ext cx="8313840" cy="1369800"/>
           </a:xfrm>
           <a:prstGeom prst="rect">
@@ -4516,15 +5826,22 @@
           </a:ln>
         </p:spPr>
         <p:style>
-          <a:lnRef idx="0"/>
-          <a:fillRef idx="0"/>
-          <a:effectRef idx="0"/>
+          <a:lnRef idx="0">
+            <a:scrgbClr r="0" g="0" b="0"/>
+          </a:lnRef>
+          <a:fillRef idx="0">
+            <a:scrgbClr r="0" g="0" b="0"/>
+          </a:fillRef>
+          <a:effectRef idx="0">
+            <a:scrgbClr r="0" g="0" b="0"/>
+          </a:effectRef>
           <a:fontRef idx="minor"/>
         </p:style>
         <p:txBody>
-          <a:bodyPr lIns="90000" rIns="90000" tIns="45000" bIns="45000">
+          <a:bodyPr lIns="90000" tIns="45000" rIns="90000" bIns="45000">
             <a:noAutofit/>
           </a:bodyPr>
+          <a:lstStyle/>
           <a:p>
             <a:pPr>
               <a:lnSpc>
@@ -4532,15 +5849,69 @@
               </a:lnSpc>
             </a:pPr>
             <a:r>
-              <a:rPr b="0" lang="fr-FR" sz="1800" spc="-1" strike="noStrike">
-                <a:solidFill>
-                  <a:srgbClr val="ffffff"/>
-                </a:solidFill>
-                <a:latin typeface="Arial"/>
-              </a:rPr>
-              <a:t>- Qualifications : for each driver compute the qualification time for each circuit</a:t>
-            </a:r>
-            <a:endParaRPr b="0" lang="fr-FR" sz="1800" spc="-1" strike="noStrike">
+              <a:rPr lang="fr-FR" sz="1800" b="0" strike="noStrike" spc="-1" dirty="0">
+                <a:solidFill>
+                  <a:srgbClr val="FFFFFF"/>
+                </a:solidFill>
+                <a:latin typeface="Arial"/>
+              </a:rPr>
+              <a:t>- Qualifications : for </a:t>
+            </a:r>
+            <a:r>
+              <a:rPr lang="fr-FR" sz="1800" b="0" strike="noStrike" spc="-1" dirty="0" err="1">
+                <a:solidFill>
+                  <a:srgbClr val="FFFFFF"/>
+                </a:solidFill>
+                <a:latin typeface="Arial"/>
+              </a:rPr>
+              <a:t>each</a:t>
+            </a:r>
+            <a:r>
+              <a:rPr lang="fr-FR" sz="1800" b="0" strike="noStrike" spc="-1" dirty="0">
+                <a:solidFill>
+                  <a:srgbClr val="FFFFFF"/>
+                </a:solidFill>
+                <a:latin typeface="Arial"/>
+              </a:rPr>
+              <a:t> driver </a:t>
+            </a:r>
+            <a:r>
+              <a:rPr lang="fr-FR" sz="1800" b="0" strike="noStrike" spc="-1" dirty="0" err="1">
+                <a:solidFill>
+                  <a:srgbClr val="FFFFFF"/>
+                </a:solidFill>
+                <a:latin typeface="Arial"/>
+              </a:rPr>
+              <a:t>compute</a:t>
+            </a:r>
+            <a:r>
+              <a:rPr lang="fr-FR" sz="1800" b="0" strike="noStrike" spc="-1" dirty="0">
+                <a:solidFill>
+                  <a:srgbClr val="FFFFFF"/>
+                </a:solidFill>
+                <a:latin typeface="Arial"/>
+              </a:rPr>
+              <a:t> the qualification time for </a:t>
+            </a:r>
+            <a:r>
+              <a:rPr lang="fr-FR" sz="1800" b="0" strike="noStrike" spc="-1" dirty="0" err="1">
+                <a:solidFill>
+                  <a:srgbClr val="FFFFFF"/>
+                </a:solidFill>
+                <a:latin typeface="Arial"/>
+              </a:rPr>
+              <a:t>each</a:t>
+            </a:r>
+            <a:r>
+              <a:rPr lang="fr-FR" sz="1800" b="0" strike="noStrike" spc="-1" dirty="0">
+                <a:solidFill>
+                  <a:srgbClr val="FFFFFF"/>
+                </a:solidFill>
+                <a:latin typeface="Arial"/>
+              </a:rPr>
+              <a:t> circuit</a:t>
+            </a:r>
+            <a:endParaRPr lang="fr-FR" sz="1800" b="0" strike="noStrike" spc="-1" dirty="0">
               <a:latin typeface="Arial"/>
             </a:endParaRPr>
           </a:p>
@@ -4550,55 +5921,172 @@
                 <a:spcPct val="100000"/>
               </a:lnSpc>
             </a:pPr>
-            <a:endParaRPr b="0" lang="fr-FR" sz="1800" spc="-1" strike="noStrike">
-              <a:latin typeface="Arial"/>
-            </a:endParaRPr>
-          </a:p>
-          <a:p>
-            <a:pPr>
+            <a:endParaRPr lang="fr-FR" sz="1800" b="0" strike="noStrike" spc="-1" dirty="0">
+              <a:latin typeface="Arial"/>
+            </a:endParaRPr>
+          </a:p>
+          <a:p>
+            <a:pPr marL="342900" indent="-342900">
               <a:lnSpc>
                 <a:spcPct val="100000"/>
               </a:lnSpc>
+              <a:buFont typeface="+mj-lt"/>
+              <a:buAutoNum type="arabicPeriod"/>
             </a:pPr>
             <a:r>
-              <a:rPr b="0" lang="fr-FR" sz="1800" spc="-1" strike="noStrike">
-                <a:solidFill>
-                  <a:srgbClr val="ffffff"/>
-                </a:solidFill>
-                <a:latin typeface="Arial"/>
-              </a:rPr>
-              <a:t>- Qualification results : for each circuit the 10 best times are qualified for the race</a:t>
-            </a:r>
-            <a:endParaRPr b="0" lang="fr-FR" sz="1800" spc="-1" strike="noStrike">
-              <a:latin typeface="Arial"/>
-            </a:endParaRPr>
-          </a:p>
-          <a:p>
-            <a:pPr>
+              <a:rPr lang="fr-FR" sz="1800" b="0" strike="noStrike" spc="-1" dirty="0">
+                <a:solidFill>
+                  <a:srgbClr val="FFFFFF"/>
+                </a:solidFill>
+                <a:latin typeface="Arial"/>
+              </a:rPr>
+              <a:t>Qualification </a:t>
+            </a:r>
+            <a:r>
+              <a:rPr lang="fr-FR" sz="1800" b="0" strike="noStrike" spc="-1" dirty="0" err="1">
+                <a:solidFill>
+                  <a:srgbClr val="FFFFFF"/>
+                </a:solidFill>
+                <a:latin typeface="Arial"/>
+              </a:rPr>
+              <a:t>results</a:t>
+            </a:r>
+            <a:r>
+              <a:rPr lang="fr-FR" sz="1800" b="0" strike="noStrike" spc="-1" dirty="0">
+                <a:solidFill>
+                  <a:srgbClr val="FFFFFF"/>
+                </a:solidFill>
+                <a:latin typeface="Arial"/>
+              </a:rPr>
+              <a:t> : for </a:t>
+            </a:r>
+            <a:r>
+              <a:rPr lang="fr-FR" sz="1800" b="0" strike="noStrike" spc="-1" dirty="0" err="1">
+                <a:solidFill>
+                  <a:srgbClr val="FFFFFF"/>
+                </a:solidFill>
+                <a:latin typeface="Arial"/>
+              </a:rPr>
+              <a:t>each</a:t>
+            </a:r>
+            <a:r>
+              <a:rPr lang="fr-FR" sz="1800" b="0" strike="noStrike" spc="-1" dirty="0">
+                <a:solidFill>
+                  <a:srgbClr val="FFFFFF"/>
+                </a:solidFill>
+                <a:latin typeface="Arial"/>
+              </a:rPr>
+              <a:t> circuit the 10 best times are </a:t>
+            </a:r>
+            <a:r>
+              <a:rPr lang="fr-FR" sz="1800" b="0" strike="noStrike" spc="-1" dirty="0" err="1">
+                <a:solidFill>
+                  <a:srgbClr val="FFFFFF"/>
+                </a:solidFill>
+                <a:latin typeface="Arial"/>
+              </a:rPr>
+              <a:t>qualified</a:t>
+            </a:r>
+            <a:r>
+              <a:rPr lang="fr-FR" sz="1800" b="0" strike="noStrike" spc="-1" dirty="0">
+                <a:solidFill>
+                  <a:srgbClr val="FFFFFF"/>
+                </a:solidFill>
+                <a:latin typeface="Arial"/>
+              </a:rPr>
+              <a:t> for the race</a:t>
+            </a:r>
+            <a:endParaRPr lang="fr-FR" spc="-1" dirty="0">
+              <a:latin typeface="Arial"/>
+            </a:endParaRPr>
+          </a:p>
+          <a:p>
+            <a:pPr marL="342900" indent="-342900">
               <a:lnSpc>
                 <a:spcPct val="100000"/>
               </a:lnSpc>
+              <a:buFont typeface="+mj-lt"/>
+              <a:buAutoNum type="arabicPeriod"/>
             </a:pPr>
-            <a:endParaRPr b="0" lang="fr-FR" sz="1800" spc="-1" strike="noStrike">
-              <a:latin typeface="Arial"/>
-            </a:endParaRPr>
-          </a:p>
-          <a:p>
-            <a:pPr>
+            <a:endParaRPr lang="fr-FR" sz="1800" b="0" strike="noStrike" spc="-1" dirty="0">
+              <a:solidFill>
+                <a:srgbClr val="FFFFFF"/>
+              </a:solidFill>
+              <a:latin typeface="Arial"/>
+            </a:endParaRPr>
+          </a:p>
+          <a:p>
+            <a:pPr marL="342900" indent="-342900">
               <a:lnSpc>
                 <a:spcPct val="100000"/>
               </a:lnSpc>
+              <a:buFont typeface="+mj-lt"/>
+              <a:buAutoNum type="arabicPeriod"/>
             </a:pPr>
             <a:r>
-              <a:rPr b="0" lang="fr-FR" sz="1800" spc="-1" strike="noStrike">
-                <a:solidFill>
-                  <a:srgbClr val="ffffff"/>
-                </a:solidFill>
-                <a:latin typeface="Arial"/>
-              </a:rPr>
-              <a:t>- Race : For all qualified drivers on each circuit compute the race time </a:t>
-            </a:r>
-            <a:endParaRPr b="0" lang="fr-FR" sz="1800" spc="-1" strike="noStrike">
+              <a:rPr lang="fr-FR" sz="1800" b="0" strike="noStrike" spc="-1" dirty="0">
+                <a:solidFill>
+                  <a:srgbClr val="FFFFFF"/>
+                </a:solidFill>
+                <a:latin typeface="Arial"/>
+              </a:rPr>
+              <a:t>Race : For all </a:t>
+            </a:r>
+            <a:r>
+              <a:rPr lang="fr-FR" sz="1800" b="0" strike="noStrike" spc="-1" dirty="0" err="1">
+                <a:solidFill>
+                  <a:srgbClr val="FFFFFF"/>
+                </a:solidFill>
+                <a:latin typeface="Arial"/>
+              </a:rPr>
+              <a:t>qualified</a:t>
+            </a:r>
+            <a:r>
+              <a:rPr lang="fr-FR" sz="1800" b="0" strike="noStrike" spc="-1" dirty="0">
+                <a:solidFill>
+                  <a:srgbClr val="FFFFFF"/>
+                </a:solidFill>
+                <a:latin typeface="Arial"/>
+              </a:rPr>
+              <a:t> drivers on </a:t>
+            </a:r>
+            <a:r>
+              <a:rPr lang="fr-FR" sz="1800" b="0" strike="noStrike" spc="-1" dirty="0" err="1">
+                <a:solidFill>
+                  <a:srgbClr val="FFFFFF"/>
+                </a:solidFill>
+                <a:latin typeface="Arial"/>
+              </a:rPr>
+              <a:t>each</a:t>
+            </a:r>
+            <a:r>
+              <a:rPr lang="fr-FR" sz="1800" b="0" strike="noStrike" spc="-1" dirty="0">
+                <a:solidFill>
+                  <a:srgbClr val="FFFFFF"/>
+                </a:solidFill>
+                <a:latin typeface="Arial"/>
+              </a:rPr>
+              <a:t> circuit </a:t>
+            </a:r>
+            <a:r>
+              <a:rPr lang="fr-FR" sz="1800" b="0" strike="noStrike" spc="-1" dirty="0" err="1">
+                <a:solidFill>
+                  <a:srgbClr val="FFFFFF"/>
+                </a:solidFill>
+                <a:latin typeface="Arial"/>
+              </a:rPr>
+              <a:t>compute</a:t>
+            </a:r>
+            <a:r>
+              <a:rPr lang="fr-FR" sz="1800" b="0" strike="noStrike" spc="-1" dirty="0">
+                <a:solidFill>
+                  <a:srgbClr val="FFFFFF"/>
+                </a:solidFill>
+                <a:latin typeface="Arial"/>
+              </a:rPr>
+              <a:t> the race time </a:t>
+            </a:r>
+            <a:endParaRPr lang="fr-FR" sz="1800" b="0" strike="noStrike" spc="-1" dirty="0">
               <a:latin typeface="Arial"/>
             </a:endParaRPr>
           </a:p>
@@ -4606,6 +6094,9 @@
       </p:sp>
     </p:spTree>
   </p:cSld>
+  <p:clrMapOvr>
+    <a:masterClrMapping/>
+  </p:clrMapOvr>
   <p:transition spd="slow">
     <p:push dir="r"/>
   </p:transition>
@@ -4613,7 +6104,7 @@
 </file>
 
 <file path=ppt/slides/slide4.xml><?xml version="1.0" encoding="utf-8"?>
-<p:sld xmlns:a="http://schemas.openxmlformats.org/drawingml/2006/main" xmlns:p="http://schemas.openxmlformats.org/presentationml/2006/main" xmlns:r="http://schemas.openxmlformats.org/officeDocument/2006/relationships" xmlns:p14="http://schemas.microsoft.com/office/powerpoint/2010/main" xmlns:p15="http://schemas.microsoft.com/office/powerpoint/2012/main" xmlns:mc="http://schemas.openxmlformats.org/markup-compatibility/2006">
+<p:sld xmlns:a="http://schemas.openxmlformats.org/drawingml/2006/main" xmlns:r="http://schemas.openxmlformats.org/officeDocument/2006/relationships" xmlns:p="http://schemas.openxmlformats.org/presentationml/2006/main">
   <p:cSld>
     <p:spTree>
       <p:nvGrpSpPr>
@@ -4631,13 +6122,13 @@
       </p:grpSpPr>
       <p:pic>
         <p:nvPicPr>
-          <p:cNvPr id="99" name="" descr=""/>
+          <p:cNvPr id="99" name="Image 98"/>
           <p:cNvPicPr/>
           <p:nvPr/>
         </p:nvPicPr>
         <p:blipFill>
-          <a:blip r:embed="rId1"/>
-          <a:srcRect l="0" t="0" r="25225" b="0"/>
+          <a:blip r:embed="rId2"/>
+          <a:srcRect r="25225"/>
           <a:stretch/>
         </p:blipFill>
         <p:spPr>
@@ -4685,9 +6176,15 @@
           </a:ln>
         </p:spPr>
         <p:style>
-          <a:lnRef idx="0"/>
-          <a:fillRef idx="0"/>
-          <a:effectRef idx="0"/>
+          <a:lnRef idx="0">
+            <a:scrgbClr r="0" g="0" b="0"/>
+          </a:lnRef>
+          <a:fillRef idx="0">
+            <a:scrgbClr r="0" g="0" b="0"/>
+          </a:fillRef>
+          <a:effectRef idx="0">
+            <a:scrgbClr r="0" g="0" b="0"/>
+          </a:effectRef>
           <a:fontRef idx="minor"/>
         </p:style>
       </p:sp>
@@ -4706,16 +6203,22 @@
             <a:avLst/>
           </a:prstGeom>
           <a:solidFill>
-            <a:srgbClr val="ffffff"/>
+            <a:srgbClr val="FFFFFF"/>
           </a:solidFill>
           <a:ln w="0">
             <a:noFill/>
           </a:ln>
         </p:spPr>
         <p:style>
-          <a:lnRef idx="0"/>
-          <a:fillRef idx="0"/>
-          <a:effectRef idx="0"/>
+          <a:lnRef idx="0">
+            <a:scrgbClr r="0" g="0" b="0"/>
+          </a:lnRef>
+          <a:fillRef idx="0">
+            <a:scrgbClr r="0" g="0" b="0"/>
+          </a:fillRef>
+          <a:effectRef idx="0">
+            <a:scrgbClr r="0" g="0" b="0"/>
+          </a:effectRef>
           <a:fontRef idx="minor"/>
         </p:style>
       </p:sp>
@@ -4739,22 +6242,29 @@
           </a:ln>
         </p:spPr>
         <p:style>
-          <a:lnRef idx="0"/>
-          <a:fillRef idx="0"/>
-          <a:effectRef idx="0"/>
+          <a:lnRef idx="0">
+            <a:scrgbClr r="0" g="0" b="0"/>
+          </a:lnRef>
+          <a:fillRef idx="0">
+            <a:scrgbClr r="0" g="0" b="0"/>
+          </a:fillRef>
+          <a:effectRef idx="0">
+            <a:scrgbClr r="0" g="0" b="0"/>
+          </a:effectRef>
           <a:fontRef idx="minor"/>
         </p:style>
         <p:txBody>
-          <a:bodyPr lIns="0" rIns="0" tIns="0" bIns="0">
+          <a:bodyPr lIns="0" tIns="0" rIns="0" bIns="0">
             <a:noAutofit/>
           </a:bodyPr>
+          <a:lstStyle/>
           <a:p>
             <a:pPr>
               <a:lnSpc>
                 <a:spcPct val="85000"/>
               </a:lnSpc>
             </a:pPr>
-            <a:endParaRPr b="0" lang="fr-FR" sz="1800" spc="-1" strike="noStrike">
+            <a:endParaRPr lang="fr-FR" sz="1800" b="0" strike="noStrike" spc="-1">
               <a:latin typeface="Arial"/>
             </a:endParaRPr>
           </a:p>
@@ -4764,7 +6274,7 @@
                 <a:spcPct val="85000"/>
               </a:lnSpc>
             </a:pPr>
-            <a:endParaRPr b="0" lang="fr-FR" sz="1800" spc="-1" strike="noStrike">
+            <a:endParaRPr lang="fr-FR" sz="1800" b="0" strike="noStrike" spc="-1">
               <a:latin typeface="Arial"/>
             </a:endParaRPr>
           </a:p>
@@ -4790,15 +6300,22 @@
           </a:ln>
         </p:spPr>
         <p:style>
-          <a:lnRef idx="0"/>
-          <a:fillRef idx="0"/>
-          <a:effectRef idx="0"/>
+          <a:lnRef idx="0">
+            <a:scrgbClr r="0" g="0" b="0"/>
+          </a:lnRef>
+          <a:fillRef idx="0">
+            <a:scrgbClr r="0" g="0" b="0"/>
+          </a:fillRef>
+          <a:effectRef idx="0">
+            <a:scrgbClr r="0" g="0" b="0"/>
+          </a:effectRef>
           <a:fontRef idx="minor"/>
         </p:style>
         <p:txBody>
-          <a:bodyPr lIns="0" rIns="0" tIns="0" bIns="0">
+          <a:bodyPr lIns="0" tIns="0" rIns="0" bIns="0">
             <a:noAutofit/>
           </a:bodyPr>
+          <a:lstStyle/>
           <a:p>
             <a:pPr>
               <a:lnSpc>
@@ -4811,28 +6328,28 @@
                 <a:spcPts val="1001"/>
               </a:spcAft>
               <a:tabLst>
-                <a:tab algn="l" pos="0"/>
+                <a:tab pos="0" algn="l"/>
               </a:tabLst>
             </a:pPr>
             <a:r>
-              <a:rPr b="0" lang="en-US" sz="4000" spc="-1" strike="noStrike">
-                <a:solidFill>
-                  <a:srgbClr val="ffffff"/>
+              <a:rPr lang="en-US" sz="4000" b="0" strike="noStrike" spc="-1">
+                <a:solidFill>
+                  <a:srgbClr val="FFFFFF"/>
                 </a:solidFill>
                 <a:latin typeface="Helvetica Neue Light"/>
                 <a:ea typeface="Helvetica Neue Light"/>
               </a:rPr>
               <a:t>Task 3 : Compute results</a:t>
             </a:r>
-            <a:endParaRPr b="0" lang="fr-FR" sz="4000" spc="-1" strike="noStrike">
-              <a:latin typeface="Arial"/>
-            </a:endParaRPr>
-          </a:p>
-        </p:txBody>
-      </p:sp>
-      <p:sp>
-        <p:nvSpPr>
-          <p:cNvPr id="104" name=""/>
+            <a:endParaRPr lang="fr-FR" sz="4000" b="0" strike="noStrike" spc="-1">
+              <a:latin typeface="Arial"/>
+            </a:endParaRPr>
+          </a:p>
+        </p:txBody>
+      </p:sp>
+      <p:sp>
+        <p:nvSpPr>
+          <p:cNvPr id="104" name="Rectangle 103"/>
           <p:cNvSpPr/>
           <p:nvPr/>
         </p:nvSpPr>
@@ -4850,22 +6367,29 @@
           </a:ln>
         </p:spPr>
         <p:style>
-          <a:lnRef idx="0"/>
-          <a:fillRef idx="0"/>
-          <a:effectRef idx="0"/>
+          <a:lnRef idx="0">
+            <a:scrgbClr r="0" g="0" b="0"/>
+          </a:lnRef>
+          <a:fillRef idx="0">
+            <a:scrgbClr r="0" g="0" b="0"/>
+          </a:fillRef>
+          <a:effectRef idx="0">
+            <a:scrgbClr r="0" g="0" b="0"/>
+          </a:effectRef>
           <a:fontRef idx="minor"/>
         </p:style>
         <p:txBody>
-          <a:bodyPr lIns="90000" rIns="90000" tIns="45000" bIns="45000">
+          <a:bodyPr lIns="90000" tIns="45000" rIns="90000" bIns="45000">
             <a:noAutofit/>
           </a:bodyPr>
+          <a:lstStyle/>
           <a:p>
             <a:pPr>
               <a:lnSpc>
                 <a:spcPct val="100000"/>
               </a:lnSpc>
             </a:pPr>
-            <a:endParaRPr b="0" lang="fr-FR" sz="1800" spc="-1" strike="noStrike">
+            <a:endParaRPr lang="fr-FR" sz="1800" b="0" strike="noStrike" spc="-1">
               <a:latin typeface="Arial"/>
             </a:endParaRPr>
           </a:p>
@@ -4882,31 +6406,31 @@
               <a:buChar char=""/>
             </a:pPr>
             <a:r>
-              <a:rPr b="0" lang="fr-FR" sz="1800" spc="-1" strike="noStrike">
-                <a:solidFill>
-                  <a:srgbClr val="ffffff"/>
+              <a:rPr lang="fr-FR" sz="1800" b="0" strike="noStrike" spc="-1">
+                <a:solidFill>
+                  <a:srgbClr val="FFFFFF"/>
                 </a:solidFill>
                 <a:latin typeface="Arial"/>
                 <a:ea typeface="DejaVu Sans"/>
               </a:rPr>
               <a:t> </a:t>
             </a:r>
-            <a:endParaRPr b="0" lang="fr-FR" sz="1800" spc="-1" strike="noStrike">
-              <a:latin typeface="Arial"/>
-            </a:endParaRPr>
-          </a:p>
-        </p:txBody>
-      </p:sp>
-      <p:sp>
-        <p:nvSpPr>
-          <p:cNvPr id="105" name=""/>
+            <a:endParaRPr lang="fr-FR" sz="1800" b="0" strike="noStrike" spc="-1">
+              <a:latin typeface="Arial"/>
+            </a:endParaRPr>
+          </a:p>
+        </p:txBody>
+      </p:sp>
+      <p:sp>
+        <p:nvSpPr>
+          <p:cNvPr id="105" name="Rectangle 104"/>
           <p:cNvSpPr/>
           <p:nvPr/>
         </p:nvSpPr>
         <p:spPr>
           <a:xfrm>
-            <a:off x="1601640" y="2700000"/>
-            <a:ext cx="7259400" cy="1369800"/>
+            <a:off x="609480" y="2232900"/>
+            <a:ext cx="8832240" cy="1369800"/>
           </a:xfrm>
           <a:prstGeom prst="rect">
             <a:avLst/>
@@ -4917,41 +6441,675 @@
           </a:ln>
         </p:spPr>
         <p:style>
-          <a:lnRef idx="0"/>
-          <a:fillRef idx="0"/>
-          <a:effectRef idx="0"/>
+          <a:lnRef idx="0">
+            <a:scrgbClr r="0" g="0" b="0"/>
+          </a:lnRef>
+          <a:fillRef idx="0">
+            <a:scrgbClr r="0" g="0" b="0"/>
+          </a:fillRef>
+          <a:effectRef idx="0">
+            <a:scrgbClr r="0" g="0" b="0"/>
+          </a:effectRef>
           <a:fontRef idx="minor"/>
         </p:style>
         <p:txBody>
-          <a:bodyPr lIns="90000" rIns="90000" tIns="45000" bIns="45000">
+          <a:bodyPr lIns="90000" tIns="45000" rIns="90000" bIns="45000">
             <a:noAutofit/>
           </a:bodyPr>
+          <a:lstStyle/>
+          <a:p>
+            <a:pPr marL="342900" indent="-342900">
+              <a:lnSpc>
+                <a:spcPct val="100000"/>
+              </a:lnSpc>
+              <a:buFont typeface="+mj-lt"/>
+              <a:buAutoNum type="arabicPeriod"/>
+            </a:pPr>
+            <a:r>
+              <a:rPr lang="fr-FR" sz="1800" b="0" strike="noStrike" spc="-1" dirty="0">
+                <a:solidFill>
+                  <a:srgbClr val="FFFFFF"/>
+                </a:solidFill>
+                <a:latin typeface="Arial"/>
+              </a:rPr>
+              <a:t>For </a:t>
+            </a:r>
+            <a:r>
+              <a:rPr lang="fr-FR" sz="1800" b="0" strike="noStrike" spc="-1" dirty="0" err="1">
+                <a:solidFill>
+                  <a:srgbClr val="FFFFFF"/>
+                </a:solidFill>
+                <a:latin typeface="Arial"/>
+              </a:rPr>
+              <a:t>each</a:t>
+            </a:r>
+            <a:r>
+              <a:rPr lang="fr-FR" sz="1800" b="0" strike="noStrike" spc="-1" dirty="0">
+                <a:solidFill>
+                  <a:srgbClr val="FFFFFF"/>
+                </a:solidFill>
+                <a:latin typeface="Arial"/>
+              </a:rPr>
+              <a:t> race sort the race </a:t>
+            </a:r>
+            <a:r>
+              <a:rPr lang="fr-FR" sz="1800" b="0" strike="noStrike" spc="-1" dirty="0" err="1">
+                <a:solidFill>
+                  <a:srgbClr val="FFFFFF"/>
+                </a:solidFill>
+                <a:latin typeface="Arial"/>
+              </a:rPr>
+              <a:t>results</a:t>
+            </a:r>
+            <a:r>
+              <a:rPr lang="fr-FR" sz="1800" b="0" strike="noStrike" spc="-1" dirty="0">
+                <a:solidFill>
+                  <a:srgbClr val="FFFFFF"/>
+                </a:solidFill>
+                <a:latin typeface="Arial"/>
+              </a:rPr>
+              <a:t> by time</a:t>
+            </a:r>
+          </a:p>
+          <a:p>
+            <a:pPr marL="342900" indent="-342900">
+              <a:lnSpc>
+                <a:spcPct val="100000"/>
+              </a:lnSpc>
+              <a:buFont typeface="+mj-lt"/>
+              <a:buAutoNum type="arabicPeriod"/>
+            </a:pPr>
+            <a:endParaRPr lang="fr-FR" spc="-1" dirty="0">
+              <a:latin typeface="Arial"/>
+            </a:endParaRPr>
+          </a:p>
+          <a:p>
+            <a:pPr marL="342900" indent="-342900">
+              <a:lnSpc>
+                <a:spcPct val="100000"/>
+              </a:lnSpc>
+              <a:buFont typeface="+mj-lt"/>
+              <a:buAutoNum type="arabicPeriod"/>
+            </a:pPr>
+            <a:r>
+              <a:rPr lang="fr-FR" sz="1800" b="0" strike="noStrike" spc="-1" dirty="0" err="1">
+                <a:solidFill>
+                  <a:srgbClr val="FFFFFF"/>
+                </a:solidFill>
+                <a:latin typeface="Arial"/>
+              </a:rPr>
+              <a:t>Assign</a:t>
+            </a:r>
+            <a:r>
+              <a:rPr lang="fr-FR" sz="1800" b="0" strike="noStrike" spc="-1" dirty="0">
+                <a:solidFill>
+                  <a:srgbClr val="FFFFFF"/>
+                </a:solidFill>
+                <a:latin typeface="Arial"/>
+              </a:rPr>
+              <a:t> points for </a:t>
+            </a:r>
+            <a:r>
+              <a:rPr lang="fr-FR" sz="1800" b="0" strike="noStrike" spc="-1" dirty="0" err="1">
+                <a:solidFill>
+                  <a:srgbClr val="FFFFFF"/>
+                </a:solidFill>
+                <a:latin typeface="Arial"/>
+              </a:rPr>
+              <a:t>each</a:t>
+            </a:r>
+            <a:r>
+              <a:rPr lang="fr-FR" sz="1800" b="0" strike="noStrike" spc="-1" dirty="0">
+                <a:solidFill>
+                  <a:srgbClr val="FFFFFF"/>
+                </a:solidFill>
+                <a:latin typeface="Arial"/>
+              </a:rPr>
+              <a:t> driver : 10 for the winner, 9 for the second... </a:t>
+            </a:r>
+            <a:r>
+              <a:rPr lang="fr-FR" sz="1800" b="0" strike="noStrike" spc="-1" dirty="0" err="1">
+                <a:solidFill>
+                  <a:srgbClr val="FFFFFF"/>
+                </a:solidFill>
+                <a:latin typeface="Arial"/>
+              </a:rPr>
+              <a:t>Etc</a:t>
+            </a:r>
+            <a:endParaRPr lang="fr-FR" spc="-1" dirty="0">
+              <a:latin typeface="Arial"/>
+            </a:endParaRPr>
+          </a:p>
+          <a:p>
+            <a:pPr marL="342900" indent="-342900">
+              <a:lnSpc>
+                <a:spcPct val="100000"/>
+              </a:lnSpc>
+              <a:buFont typeface="+mj-lt"/>
+              <a:buAutoNum type="arabicPeriod"/>
+            </a:pPr>
+            <a:endParaRPr lang="fr-FR" sz="1800" b="0" strike="noStrike" spc="-1" dirty="0">
+              <a:solidFill>
+                <a:srgbClr val="FFFFFF"/>
+              </a:solidFill>
+              <a:latin typeface="Arial"/>
+            </a:endParaRPr>
+          </a:p>
+          <a:p>
+            <a:pPr marL="342900" indent="-342900">
+              <a:lnSpc>
+                <a:spcPct val="100000"/>
+              </a:lnSpc>
+              <a:buFont typeface="+mj-lt"/>
+              <a:buAutoNum type="arabicPeriod"/>
+            </a:pPr>
+            <a:r>
+              <a:rPr lang="fr-FR" sz="1800" b="0" strike="noStrike" spc="-1" dirty="0" err="1">
+                <a:solidFill>
+                  <a:srgbClr val="FFFFFF"/>
+                </a:solidFill>
+                <a:latin typeface="Arial"/>
+              </a:rPr>
+              <a:t>Sum</a:t>
+            </a:r>
+            <a:r>
+              <a:rPr lang="fr-FR" sz="1800" b="0" strike="noStrike" spc="-1" dirty="0">
+                <a:solidFill>
+                  <a:srgbClr val="FFFFFF"/>
+                </a:solidFill>
+                <a:latin typeface="Arial"/>
+              </a:rPr>
+              <a:t> the points for </a:t>
+            </a:r>
+            <a:r>
+              <a:rPr lang="fr-FR" sz="1800" b="0" strike="noStrike" spc="-1" dirty="0" err="1">
+                <a:solidFill>
+                  <a:srgbClr val="FFFFFF"/>
+                </a:solidFill>
+                <a:latin typeface="Arial"/>
+              </a:rPr>
+              <a:t>each</a:t>
+            </a:r>
+            <a:r>
+              <a:rPr lang="fr-FR" sz="1800" b="0" strike="noStrike" spc="-1" dirty="0">
+                <a:solidFill>
+                  <a:srgbClr val="FFFFFF"/>
+                </a:solidFill>
+                <a:latin typeface="Arial"/>
+              </a:rPr>
+              <a:t> driver and </a:t>
+            </a:r>
+            <a:r>
+              <a:rPr lang="fr-FR" sz="1800" b="0" strike="noStrike" spc="-1" dirty="0" err="1">
+                <a:solidFill>
+                  <a:srgbClr val="FFFFFF"/>
+                </a:solidFill>
+                <a:latin typeface="Arial"/>
+              </a:rPr>
+              <a:t>dertermine</a:t>
+            </a:r>
+            <a:r>
+              <a:rPr lang="fr-FR" sz="1800" b="0" strike="noStrike" spc="-1" dirty="0">
+                <a:solidFill>
+                  <a:srgbClr val="FFFFFF"/>
+                </a:solidFill>
+                <a:latin typeface="Arial"/>
+              </a:rPr>
+              <a:t> the podium of the Cup !</a:t>
+            </a:r>
+            <a:endParaRPr lang="fr-FR" sz="1800" b="0" strike="noStrike" spc="-1" dirty="0">
+              <a:latin typeface="Arial"/>
+            </a:endParaRPr>
+          </a:p>
+        </p:txBody>
+      </p:sp>
+    </p:spTree>
+  </p:cSld>
+  <p:clrMapOvr>
+    <a:masterClrMapping/>
+  </p:clrMapOvr>
+  <p:transition spd="slow">
+    <p:push dir="r"/>
+  </p:transition>
+</p:sld>
+</file>
+
+<file path=ppt/slides/slide5.xml><?xml version="1.0" encoding="utf-8"?>
+<p:sld xmlns:a="http://schemas.openxmlformats.org/drawingml/2006/main" xmlns:r="http://schemas.openxmlformats.org/officeDocument/2006/relationships" xmlns:p="http://schemas.openxmlformats.org/presentationml/2006/main">
+  <p:cSld>
+    <p:spTree>
+      <p:nvGrpSpPr>
+        <p:cNvPr id="1" name=""/>
+        <p:cNvGrpSpPr/>
+        <p:nvPr/>
+      </p:nvGrpSpPr>
+      <p:grpSpPr>
+        <a:xfrm>
+          <a:off x="0" y="0"/>
+          <a:ext cx="0" cy="0"/>
+          <a:chOff x="0" y="0"/>
+          <a:chExt cx="0" cy="0"/>
+        </a:xfrm>
+      </p:grpSpPr>
+      <p:pic>
+        <p:nvPicPr>
+          <p:cNvPr id="99" name="Image 98"/>
+          <p:cNvPicPr/>
+          <p:nvPr/>
+        </p:nvPicPr>
+        <p:blipFill>
+          <a:blip r:embed="rId2"/>
+          <a:srcRect r="25225"/>
+          <a:stretch/>
+        </p:blipFill>
+        <p:spPr>
+          <a:xfrm>
+            <a:off x="4500000" y="0"/>
+            <a:ext cx="7691040" cy="6855480"/>
+          </a:xfrm>
+          <a:prstGeom prst="rect">
+            <a:avLst/>
+          </a:prstGeom>
+          <a:ln w="0">
+            <a:noFill/>
+          </a:ln>
+        </p:spPr>
+      </p:pic>
+      <p:sp>
+        <p:nvSpPr>
+          <p:cNvPr id="100" name="Content Placeholder 2_1"/>
+          <p:cNvSpPr/>
+          <p:nvPr/>
+        </p:nvSpPr>
+        <p:spPr>
+          <a:xfrm>
+            <a:off x="0" y="3240"/>
+            <a:ext cx="9177840" cy="6854040"/>
+          </a:xfrm>
+          <a:prstGeom prst="rect">
+            <a:avLst/>
+          </a:prstGeom>
+          <a:gradFill rotWithShape="0">
+            <a:gsLst>
+              <a:gs pos="45000">
+                <a:srgbClr val="000000"/>
+              </a:gs>
+              <a:gs pos="100000">
+                <a:srgbClr val="000000">
+                  <a:alpha val="0"/>
+                </a:srgbClr>
+              </a:gs>
+            </a:gsLst>
+            <a:lin ang="600000"/>
+          </a:gradFill>
+          <a:ln w="0">
+            <a:noFill/>
+          </a:ln>
+        </p:spPr>
+        <p:style>
+          <a:lnRef idx="0">
+            <a:scrgbClr r="0" g="0" b="0"/>
+          </a:lnRef>
+          <a:fillRef idx="0">
+            <a:scrgbClr r="0" g="0" b="0"/>
+          </a:fillRef>
+          <a:effectRef idx="0">
+            <a:scrgbClr r="0" g="0" b="0"/>
+          </a:effectRef>
+          <a:fontRef idx="minor"/>
+        </p:style>
+      </p:sp>
+      <p:sp>
+        <p:nvSpPr>
+          <p:cNvPr id="101" name="Content Placeholder 3_2"/>
+          <p:cNvSpPr/>
+          <p:nvPr/>
+        </p:nvSpPr>
+        <p:spPr>
+          <a:xfrm>
+            <a:off x="609480" y="685800"/>
+            <a:ext cx="748440" cy="121320"/>
+          </a:xfrm>
+          <a:prstGeom prst="rect">
+            <a:avLst/>
+          </a:prstGeom>
+          <a:solidFill>
+            <a:srgbClr val="FFFFFF"/>
+          </a:solidFill>
+          <a:ln w="0">
+            <a:noFill/>
+          </a:ln>
+        </p:spPr>
+        <p:style>
+          <a:lnRef idx="0">
+            <a:scrgbClr r="0" g="0" b="0"/>
+          </a:lnRef>
+          <a:fillRef idx="0">
+            <a:scrgbClr r="0" g="0" b="0"/>
+          </a:fillRef>
+          <a:effectRef idx="0">
+            <a:scrgbClr r="0" g="0" b="0"/>
+          </a:effectRef>
+          <a:fontRef idx="minor"/>
+        </p:style>
+      </p:sp>
+      <p:sp>
+        <p:nvSpPr>
+          <p:cNvPr id="102" name="Title 4_2"/>
+          <p:cNvSpPr/>
+          <p:nvPr/>
+        </p:nvSpPr>
+        <p:spPr>
+          <a:xfrm>
+            <a:off x="596880" y="1789200"/>
+            <a:ext cx="6780960" cy="4190400"/>
+          </a:xfrm>
+          <a:prstGeom prst="rect">
+            <a:avLst/>
+          </a:prstGeom>
+          <a:noFill/>
+          <a:ln w="0">
+            <a:noFill/>
+          </a:ln>
+        </p:spPr>
+        <p:style>
+          <a:lnRef idx="0">
+            <a:scrgbClr r="0" g="0" b="0"/>
+          </a:lnRef>
+          <a:fillRef idx="0">
+            <a:scrgbClr r="0" g="0" b="0"/>
+          </a:fillRef>
+          <a:effectRef idx="0">
+            <a:scrgbClr r="0" g="0" b="0"/>
+          </a:effectRef>
+          <a:fontRef idx="minor"/>
+        </p:style>
+        <p:txBody>
+          <a:bodyPr lIns="0" tIns="0" rIns="0" bIns="0">
+            <a:noAutofit/>
+          </a:bodyPr>
+          <a:lstStyle/>
+          <a:p>
+            <a:pPr>
+              <a:lnSpc>
+                <a:spcPct val="85000"/>
+              </a:lnSpc>
+            </a:pPr>
+            <a:endParaRPr lang="fr-FR" sz="1800" b="0" strike="noStrike" spc="-1">
+              <a:latin typeface="Arial"/>
+            </a:endParaRPr>
+          </a:p>
+          <a:p>
+            <a:pPr>
+              <a:lnSpc>
+                <a:spcPct val="85000"/>
+              </a:lnSpc>
+            </a:pPr>
+            <a:endParaRPr lang="fr-FR" sz="1800" b="0" strike="noStrike" spc="-1">
+              <a:latin typeface="Arial"/>
+            </a:endParaRPr>
+          </a:p>
+        </p:txBody>
+      </p:sp>
+      <p:sp>
+        <p:nvSpPr>
+          <p:cNvPr id="103" name="Text Placeholder 5_2"/>
+          <p:cNvSpPr/>
+          <p:nvPr/>
+        </p:nvSpPr>
+        <p:spPr>
+          <a:xfrm>
+            <a:off x="593640" y="1016640"/>
+            <a:ext cx="6426000" cy="443520"/>
+          </a:xfrm>
+          <a:prstGeom prst="rect">
+            <a:avLst/>
+          </a:prstGeom>
+          <a:noFill/>
+          <a:ln w="0">
+            <a:noFill/>
+          </a:ln>
+        </p:spPr>
+        <p:style>
+          <a:lnRef idx="0">
+            <a:scrgbClr r="0" g="0" b="0"/>
+          </a:lnRef>
+          <a:fillRef idx="0">
+            <a:scrgbClr r="0" g="0" b="0"/>
+          </a:fillRef>
+          <a:effectRef idx="0">
+            <a:scrgbClr r="0" g="0" b="0"/>
+          </a:effectRef>
+          <a:fontRef idx="minor"/>
+        </p:style>
+        <p:txBody>
+          <a:bodyPr lIns="0" tIns="0" rIns="0" bIns="0">
+            <a:noAutofit/>
+          </a:bodyPr>
+          <a:lstStyle/>
+          <a:p>
+            <a:pPr>
+              <a:lnSpc>
+                <a:spcPct val="100000"/>
+              </a:lnSpc>
+              <a:spcBef>
+                <a:spcPts val="1001"/>
+              </a:spcBef>
+              <a:spcAft>
+                <a:spcPts val="1001"/>
+              </a:spcAft>
+              <a:tabLst>
+                <a:tab pos="0" algn="l"/>
+              </a:tabLst>
+            </a:pPr>
+            <a:r>
+              <a:rPr lang="en-US" sz="4000" b="0" strike="noStrike" spc="-1" dirty="0">
+                <a:solidFill>
+                  <a:srgbClr val="FFFFFF"/>
+                </a:solidFill>
+                <a:latin typeface="Helvetica Neue Light"/>
+                <a:ea typeface="Helvetica Neue Light"/>
+              </a:rPr>
+              <a:t>Task 3 bis</a:t>
+            </a:r>
+            <a:endParaRPr lang="fr-FR" sz="4000" b="0" strike="noStrike" spc="-1" dirty="0">
+              <a:latin typeface="Arial"/>
+            </a:endParaRPr>
+          </a:p>
+        </p:txBody>
+      </p:sp>
+      <p:sp>
+        <p:nvSpPr>
+          <p:cNvPr id="104" name="Rectangle 103"/>
+          <p:cNvSpPr/>
+          <p:nvPr/>
+        </p:nvSpPr>
+        <p:spPr>
+          <a:xfrm>
+            <a:off x="900000" y="2790000"/>
+            <a:ext cx="6391800" cy="1625400"/>
+          </a:xfrm>
+          <a:prstGeom prst="rect">
+            <a:avLst/>
+          </a:prstGeom>
+          <a:noFill/>
+          <a:ln w="0">
+            <a:noFill/>
+          </a:ln>
+        </p:spPr>
+        <p:style>
+          <a:lnRef idx="0">
+            <a:scrgbClr r="0" g="0" b="0"/>
+          </a:lnRef>
+          <a:fillRef idx="0">
+            <a:scrgbClr r="0" g="0" b="0"/>
+          </a:fillRef>
+          <a:effectRef idx="0">
+            <a:scrgbClr r="0" g="0" b="0"/>
+          </a:effectRef>
+          <a:fontRef idx="minor"/>
+        </p:style>
+        <p:txBody>
+          <a:bodyPr lIns="90000" tIns="45000" rIns="90000" bIns="45000">
+            <a:noAutofit/>
+          </a:bodyPr>
+          <a:lstStyle/>
           <a:p>
             <a:pPr>
               <a:lnSpc>
                 <a:spcPct val="100000"/>
               </a:lnSpc>
             </a:pPr>
-            <a:r>
-              <a:rPr b="0" lang="fr-FR" sz="1800" spc="-1" strike="noStrike">
-                <a:solidFill>
-                  <a:srgbClr val="ffffff"/>
-                </a:solidFill>
-                <a:latin typeface="Arial"/>
-              </a:rPr>
-              <a:t>For each race sort the race results by time</a:t>
-            </a:r>
-            <a:endParaRPr b="0" lang="fr-FR" sz="1800" spc="-1" strike="noStrike">
-              <a:latin typeface="Arial"/>
-            </a:endParaRPr>
-          </a:p>
+            <a:endParaRPr lang="fr-FR" sz="1800" b="0" strike="noStrike" spc="-1">
+              <a:latin typeface="Arial"/>
+            </a:endParaRPr>
+          </a:p>
+          <a:p>
+            <a:pPr marL="216000" indent="-215280">
+              <a:lnSpc>
+                <a:spcPct val="100000"/>
+              </a:lnSpc>
+              <a:buClr>
+                <a:srgbClr val="000000"/>
+              </a:buClr>
+              <a:buSzPct val="45000"/>
+              <a:buFont typeface="Wingdings" charset="2"/>
+              <a:buChar char=""/>
+            </a:pPr>
+            <a:r>
+              <a:rPr lang="fr-FR" sz="1800" b="0" strike="noStrike" spc="-1">
+                <a:solidFill>
+                  <a:srgbClr val="FFFFFF"/>
+                </a:solidFill>
+                <a:latin typeface="Arial"/>
+                <a:ea typeface="DejaVu Sans"/>
+              </a:rPr>
+              <a:t> </a:t>
+            </a:r>
+            <a:endParaRPr lang="fr-FR" sz="1800" b="0" strike="noStrike" spc="-1">
+              <a:latin typeface="Arial"/>
+            </a:endParaRPr>
+          </a:p>
+        </p:txBody>
+      </p:sp>
+      <p:sp>
+        <p:nvSpPr>
+          <p:cNvPr id="105" name="Rectangle 104"/>
+          <p:cNvSpPr/>
+          <p:nvPr/>
+        </p:nvSpPr>
+        <p:spPr>
+          <a:xfrm>
+            <a:off x="609480" y="2232900"/>
+            <a:ext cx="8832240" cy="1369800"/>
+          </a:xfrm>
+          <a:prstGeom prst="rect">
+            <a:avLst/>
+          </a:prstGeom>
+          <a:noFill/>
+          <a:ln w="0">
+            <a:noFill/>
+          </a:ln>
+        </p:spPr>
+        <p:style>
+          <a:lnRef idx="0">
+            <a:scrgbClr r="0" g="0" b="0"/>
+          </a:lnRef>
+          <a:fillRef idx="0">
+            <a:scrgbClr r="0" g="0" b="0"/>
+          </a:fillRef>
+          <a:effectRef idx="0">
+            <a:scrgbClr r="0" g="0" b="0"/>
+          </a:effectRef>
+          <a:fontRef idx="minor"/>
+        </p:style>
+        <p:txBody>
+          <a:bodyPr lIns="90000" tIns="45000" rIns="90000" bIns="45000">
+            <a:noAutofit/>
+          </a:bodyPr>
+          <a:lstStyle/>
           <a:p>
             <a:pPr>
               <a:lnSpc>
                 <a:spcPct val="100000"/>
               </a:lnSpc>
             </a:pPr>
-            <a:endParaRPr b="0" lang="fr-FR" sz="1800" spc="-1" strike="noStrike">
+            <a:r>
+              <a:rPr lang="fr-FR" sz="1800" b="0" strike="noStrike" spc="-1" dirty="0">
+                <a:solidFill>
+                  <a:srgbClr val="FFFFFF"/>
+                </a:solidFill>
+                <a:latin typeface="Arial"/>
+              </a:rPr>
+              <a:t>Mix </a:t>
+            </a:r>
+            <a:r>
+              <a:rPr lang="fr-FR" sz="1800" b="0" strike="noStrike" spc="-1" dirty="0" err="1">
+                <a:solidFill>
+                  <a:srgbClr val="FFFFFF"/>
+                </a:solidFill>
+                <a:latin typeface="Arial"/>
+              </a:rPr>
+              <a:t>Imperative</a:t>
+            </a:r>
+            <a:r>
+              <a:rPr lang="fr-FR" sz="1800" b="0" strike="noStrike" spc="-1" dirty="0">
+                <a:solidFill>
+                  <a:srgbClr val="FFFFFF"/>
+                </a:solidFill>
+                <a:latin typeface="Arial"/>
+              </a:rPr>
+              <a:t> and </a:t>
+            </a:r>
+            <a:r>
+              <a:rPr lang="fr-FR" sz="1800" b="0" strike="noStrike" spc="-1" dirty="0" err="1">
+                <a:solidFill>
+                  <a:srgbClr val="FFFFFF"/>
+                </a:solidFill>
+                <a:latin typeface="Arial"/>
+              </a:rPr>
+              <a:t>Functional</a:t>
+            </a:r>
+            <a:r>
+              <a:rPr lang="fr-FR" sz="1800" b="0" strike="noStrike" spc="-1" dirty="0">
+                <a:solidFill>
+                  <a:srgbClr val="FFFFFF"/>
+                </a:solidFill>
+                <a:latin typeface="Arial"/>
+              </a:rPr>
+              <a:t> </a:t>
+            </a:r>
+            <a:r>
+              <a:rPr lang="fr-FR" sz="1800" b="0" strike="noStrike" spc="-1" dirty="0" err="1">
+                <a:solidFill>
+                  <a:srgbClr val="FFFFFF"/>
+                </a:solidFill>
+                <a:latin typeface="Arial"/>
+              </a:rPr>
+              <a:t>paradigm</a:t>
+            </a:r>
+            <a:r>
+              <a:rPr lang="fr-FR" sz="1800" b="0" strike="noStrike" spc="-1" dirty="0">
+                <a:solidFill>
+                  <a:srgbClr val="FFFFFF"/>
+                </a:solidFill>
+                <a:latin typeface="Arial"/>
+              </a:rPr>
+              <a:t> :</a:t>
+            </a:r>
+          </a:p>
+          <a:p>
+            <a:pPr marL="342900" indent="-342900">
+              <a:lnSpc>
+                <a:spcPct val="100000"/>
+              </a:lnSpc>
+              <a:buFont typeface="+mj-lt"/>
+              <a:buAutoNum type="arabicPeriod"/>
+            </a:pPr>
+            <a:endParaRPr lang="fr-FR" sz="1800" b="0" strike="noStrike" spc="-1" dirty="0">
+              <a:solidFill>
+                <a:srgbClr val="FFFFFF"/>
+              </a:solidFill>
               <a:latin typeface="Arial"/>
             </a:endParaRPr>
           </a:p>
@@ -4962,17 +7120,77 @@
               </a:lnSpc>
             </a:pPr>
             <a:r>
-              <a:rPr b="0" lang="fr-FR" sz="1800" spc="-1" strike="noStrike">
-                <a:solidFill>
-                  <a:srgbClr val="ffffff"/>
-                </a:solidFill>
-                <a:latin typeface="Arial"/>
-              </a:rPr>
-              <a:t>Asign points for each driver : 10 for the winner, 9 for the second... etc</a:t>
-            </a:r>
-            <a:endParaRPr b="0" lang="fr-FR" sz="1800" spc="-1" strike="noStrike">
-              <a:latin typeface="Arial"/>
-            </a:endParaRPr>
+              <a:rPr lang="fr-FR" sz="1800" b="0" strike="noStrike" spc="-1" dirty="0" err="1">
+                <a:solidFill>
+                  <a:srgbClr val="FFFFFF"/>
+                </a:solidFill>
+                <a:latin typeface="Arial"/>
+              </a:rPr>
+              <a:t>Again</a:t>
+            </a:r>
+            <a:r>
+              <a:rPr lang="fr-FR" sz="1800" b="0" strike="noStrike" spc="-1" dirty="0">
+                <a:solidFill>
+                  <a:srgbClr val="FFFFFF"/>
+                </a:solidFill>
+                <a:latin typeface="Arial"/>
+              </a:rPr>
+              <a:t> : </a:t>
+            </a:r>
+            <a:r>
+              <a:rPr lang="fr-FR" sz="1800" b="0" strike="noStrike" spc="-1" dirty="0" err="1">
+                <a:solidFill>
+                  <a:srgbClr val="FFFFFF"/>
+                </a:solidFill>
+                <a:latin typeface="Arial"/>
+              </a:rPr>
+              <a:t>Sum</a:t>
+            </a:r>
+            <a:r>
+              <a:rPr lang="fr-FR" sz="1800" b="0" strike="noStrike" spc="-1" dirty="0">
+                <a:solidFill>
+                  <a:srgbClr val="FFFFFF"/>
+                </a:solidFill>
+                <a:latin typeface="Arial"/>
+              </a:rPr>
+              <a:t> the points for </a:t>
+            </a:r>
+            <a:r>
+              <a:rPr lang="fr-FR" sz="1800" b="0" strike="noStrike" spc="-1" dirty="0" err="1">
+                <a:solidFill>
+                  <a:srgbClr val="FFFFFF"/>
+                </a:solidFill>
+                <a:latin typeface="Arial"/>
+              </a:rPr>
+              <a:t>each</a:t>
+            </a:r>
+            <a:r>
+              <a:rPr lang="fr-FR" sz="1800" b="0" strike="noStrike" spc="-1" dirty="0">
+                <a:solidFill>
+                  <a:srgbClr val="FFFFFF"/>
+                </a:solidFill>
+                <a:latin typeface="Arial"/>
+              </a:rPr>
+              <a:t> driver and </a:t>
+            </a:r>
+            <a:r>
+              <a:rPr lang="fr-FR" sz="1800" b="0" strike="noStrike" spc="-1" dirty="0" err="1">
+                <a:solidFill>
+                  <a:srgbClr val="FFFFFF"/>
+                </a:solidFill>
+                <a:latin typeface="Arial"/>
+              </a:rPr>
+              <a:t>dertermine</a:t>
+            </a:r>
+            <a:r>
+              <a:rPr lang="fr-FR" sz="1800" b="0" strike="noStrike" spc="-1" dirty="0">
+                <a:solidFill>
+                  <a:srgbClr val="FFFFFF"/>
+                </a:solidFill>
+                <a:latin typeface="Arial"/>
+              </a:rPr>
+              <a:t> the podium of the Cup !</a:t>
+            </a:r>
           </a:p>
           <a:p>
             <a:pPr>
@@ -4980,7 +7198,10 @@
                 <a:spcPct val="100000"/>
               </a:lnSpc>
             </a:pPr>
-            <a:endParaRPr b="0" lang="fr-FR" sz="1800" spc="-1" strike="noStrike">
+            <a:endParaRPr lang="fr-FR" sz="1800" b="0" strike="noStrike" spc="-1" dirty="0">
+              <a:solidFill>
+                <a:srgbClr val="FFFFFF"/>
+              </a:solidFill>
               <a:latin typeface="Arial"/>
             </a:endParaRPr>
           </a:p>
@@ -4991,22 +7212,93 @@
               </a:lnSpc>
             </a:pPr>
             <a:r>
-              <a:rPr b="0" lang="fr-FR" sz="1800" spc="-1" strike="noStrike">
-                <a:solidFill>
-                  <a:srgbClr val="ffffff"/>
-                </a:solidFill>
-                <a:latin typeface="Arial"/>
-              </a:rPr>
-              <a:t>Sum the points for each driver and dertermine the podium of the Cup !</a:t>
-            </a:r>
-            <a:endParaRPr b="0" lang="fr-FR" sz="1800" spc="-1" strike="noStrike">
+              <a:rPr lang="fr-FR" i="1" u="sng" spc="-1" dirty="0">
+                <a:solidFill>
+                  <a:srgbClr val="FFFFFF"/>
+                </a:solidFill>
+                <a:latin typeface="Arial"/>
+              </a:rPr>
+              <a:t>=&gt; </a:t>
+            </a:r>
+            <a:r>
+              <a:rPr lang="fr-FR" i="1" u="sng" spc="-1" dirty="0" err="1">
+                <a:solidFill>
+                  <a:srgbClr val="FFFFFF"/>
+                </a:solidFill>
+                <a:latin typeface="Arial"/>
+              </a:rPr>
+              <a:t>Make</a:t>
+            </a:r>
+            <a:r>
+              <a:rPr lang="fr-FR" i="1" u="sng" spc="-1" dirty="0">
+                <a:solidFill>
+                  <a:srgbClr val="FFFFFF"/>
+                </a:solidFill>
+                <a:latin typeface="Arial"/>
+              </a:rPr>
+              <a:t> </a:t>
+            </a:r>
+            <a:r>
+              <a:rPr lang="fr-FR" i="1" u="sng" spc="-1" dirty="0" err="1">
+                <a:solidFill>
+                  <a:srgbClr val="FFFFFF"/>
+                </a:solidFill>
+                <a:latin typeface="Arial"/>
+              </a:rPr>
+              <a:t>it</a:t>
+            </a:r>
+            <a:r>
+              <a:rPr lang="fr-FR" i="1" u="sng" spc="-1" dirty="0">
+                <a:solidFill>
+                  <a:srgbClr val="FFFFFF"/>
+                </a:solidFill>
+                <a:latin typeface="Arial"/>
+              </a:rPr>
+              <a:t> </a:t>
+            </a:r>
+            <a:r>
+              <a:rPr lang="fr-FR" i="1" u="sng" spc="-1" dirty="0" err="1">
+                <a:solidFill>
+                  <a:srgbClr val="FFFFFF"/>
+                </a:solidFill>
+                <a:latin typeface="Arial"/>
+              </a:rPr>
+              <a:t>clear</a:t>
+            </a:r>
+            <a:r>
+              <a:rPr lang="fr-FR" i="1" u="sng" spc="-1" dirty="0">
+                <a:solidFill>
+                  <a:srgbClr val="FFFFFF"/>
+                </a:solidFill>
+                <a:latin typeface="Arial"/>
+              </a:rPr>
+              <a:t> and </a:t>
+            </a:r>
+            <a:r>
+              <a:rPr lang="fr-FR" i="1" u="sng" spc="-1" dirty="0" err="1">
+                <a:solidFill>
+                  <a:srgbClr val="FFFFFF"/>
+                </a:solidFill>
+                <a:latin typeface="Arial"/>
+              </a:rPr>
+              <a:t>readable</a:t>
+            </a:r>
+            <a:endParaRPr lang="fr-FR" sz="1800" b="0" i="1" u="sng" strike="noStrike" spc="-1" dirty="0">
               <a:latin typeface="Arial"/>
             </a:endParaRPr>
           </a:p>
         </p:txBody>
       </p:sp>
     </p:spTree>
+    <p:extLst>
+      <p:ext uri="{BB962C8B-B14F-4D97-AF65-F5344CB8AC3E}">
+        <p14:creationId xmlns:p14="http://schemas.microsoft.com/office/powerpoint/2010/main" val="554094283"/>
+      </p:ext>
+    </p:extLst>
   </p:cSld>
+  <p:clrMapOvr>
+    <a:masterClrMapping/>
+  </p:clrMapOvr>
   <p:transition spd="slow">
     <p:push dir="r"/>
   </p:transition>
@@ -5024,31 +7316,31 @@
         <a:sysClr val="window" lastClr="FFFFFF"/>
       </a:lt1>
       <a:dk2>
-        <a:srgbClr val="1f497d"/>
+        <a:srgbClr val="1F497D"/>
       </a:dk2>
       <a:lt2>
-        <a:srgbClr val="eeece1"/>
+        <a:srgbClr val="EEECE1"/>
       </a:lt2>
       <a:accent1>
-        <a:srgbClr val="4f81bd"/>
+        <a:srgbClr val="4F81BD"/>
       </a:accent1>
       <a:accent2>
-        <a:srgbClr val="c0504d"/>
+        <a:srgbClr val="C0504D"/>
       </a:accent2>
       <a:accent3>
-        <a:srgbClr val="9bbb59"/>
+        <a:srgbClr val="9BBB59"/>
       </a:accent3>
       <a:accent4>
-        <a:srgbClr val="8064a2"/>
+        <a:srgbClr val="8064A2"/>
       </a:accent4>
       <a:accent5>
-        <a:srgbClr val="4bacc6"/>
+        <a:srgbClr val="4BACC6"/>
       </a:accent5>
       <a:accent6>
-        <a:srgbClr val="f79646"/>
+        <a:srgbClr val="F79646"/>
       </a:accent6>
       <a:hlink>
-        <a:srgbClr val="0000ff"/>
+        <a:srgbClr val="0000FF"/>
       </a:hlink>
       <a:folHlink>
         <a:srgbClr val="800080"/>
@@ -5236,6 +7528,8 @@
       </a:bgFillStyleLst>
     </a:fmtScheme>
   </a:themeElements>
+  <a:objectDefaults/>
+  <a:extraClrSchemeLst/>
 </a:theme>
 </file>
 
@@ -5250,31 +7544,31 @@
         <a:sysClr val="window" lastClr="FFFFFF"/>
       </a:lt1>
       <a:dk2>
-        <a:srgbClr val="1f497d"/>
+        <a:srgbClr val="1F497D"/>
       </a:dk2>
       <a:lt2>
-        <a:srgbClr val="eeece1"/>
+        <a:srgbClr val="EEECE1"/>
       </a:lt2>
       <a:accent1>
-        <a:srgbClr val="4f81bd"/>
+        <a:srgbClr val="4F81BD"/>
       </a:accent1>
       <a:accent2>
-        <a:srgbClr val="c0504d"/>
+        <a:srgbClr val="C0504D"/>
       </a:accent2>
       <a:accent3>
-        <a:srgbClr val="9bbb59"/>
+        <a:srgbClr val="9BBB59"/>
       </a:accent3>
       <a:accent4>
-        <a:srgbClr val="8064a2"/>
+        <a:srgbClr val="8064A2"/>
       </a:accent4>
       <a:accent5>
-        <a:srgbClr val="4bacc6"/>
+        <a:srgbClr val="4BACC6"/>
       </a:accent5>
       <a:accent6>
-        <a:srgbClr val="f79646"/>
+        <a:srgbClr val="F79646"/>
       </a:accent6>
       <a:hlink>
-        <a:srgbClr val="0000ff"/>
+        <a:srgbClr val="0000FF"/>
       </a:hlink>
       <a:folHlink>
         <a:srgbClr val="800080"/>
@@ -5462,5 +7756,7 @@
       </a:bgFillStyleLst>
     </a:fmtScheme>
   </a:themeElements>
+  <a:objectDefaults/>
+  <a:extraClrSchemeLst/>
 </a:theme>
 </file>
--- a/docs/Java Training Lab - Advanced.pptx
+++ b/docs/Java Training Lab - Advanced.pptx
@@ -10,6 +10,7 @@
     <p:sldId id="257" r:id="rId4"/>
     <p:sldId id="258" r:id="rId5"/>
     <p:sldId id="259" r:id="rId6"/>
+    <p:sldId id="260" r:id="rId7"/>
   </p:sldIdLst>
   <p:sldSz cx="12193588" cy="6858000"/>
   <p:notesSz cx="7772400" cy="10058400"/>
@@ -108,6 +109,11 @@
       </a:defRPr>
     </a:lvl9pPr>
   </p:defaultTextStyle>
+  <p:extLst>
+    <p:ext uri="{EFAFB233-063F-42B5-8137-9DF3F51BA10A}">
+      <p15:sldGuideLst xmlns:p15="http://schemas.microsoft.com/office/powerpoint/2012/main"/>
+    </p:ext>
+  </p:extLst>
 </p:presentation>
 </file>
 
@@ -4505,7 +4511,7 @@
         <p:fade/>
       </p:transition>
     </mc:Choice>
-    <mc:Fallback xmlns:p15="http://schemas.microsoft.com/office/powerpoint/2012/main" xmlns="">
+    <mc:Fallback xmlns="" xmlns:p15="http://schemas.microsoft.com/office/powerpoint/2012/main">
       <p:transition spd="med">
         <p:fade/>
       </p:transition>
@@ -5023,7 +5029,17 @@
                 <a:latin typeface="Arial"/>
                 <a:ea typeface="DejaVu Sans"/>
               </a:rPr>
-              <a:t>alphanumeric</a:t>
+              <a:t>alpha</a:t>
+            </a:r>
+            <a:r>
+              <a:rPr lang="fr-FR" b="0" strike="sngStrike" spc="-1" dirty="0" err="1">
+                <a:solidFill>
+                  <a:srgbClr val="FF0000"/>
+                </a:solidFill>
+                <a:latin typeface="Arial"/>
+                <a:ea typeface="DejaVu Sans"/>
+              </a:rPr>
+              <a:t>numeric</a:t>
             </a:r>
             <a:r>
               <a:rPr lang="fr-FR" b="0" strike="noStrike" spc="-1" dirty="0">
@@ -6648,6 +6664,637 @@
         </p:txBody>
       </p:sp>
     </p:spTree>
+  </p:cSld>
+  <p:clrMapOvr>
+    <a:masterClrMapping/>
+  </p:clrMapOvr>
+  <p:transition spd="slow">
+    <p:push dir="r"/>
+  </p:transition>
+</p:sld>
+</file>
+
+<file path=ppt/slides/slide5.xml><?xml version="1.0" encoding="utf-8"?>
+<p:sld xmlns:a="http://schemas.openxmlformats.org/drawingml/2006/main" xmlns:r="http://schemas.openxmlformats.org/officeDocument/2006/relationships" xmlns:p="http://schemas.openxmlformats.org/presentationml/2006/main">
+  <p:cSld>
+    <p:spTree>
+      <p:nvGrpSpPr>
+        <p:cNvPr id="1" name=""/>
+        <p:cNvGrpSpPr/>
+        <p:nvPr/>
+      </p:nvGrpSpPr>
+      <p:grpSpPr>
+        <a:xfrm>
+          <a:off x="0" y="0"/>
+          <a:ext cx="0" cy="0"/>
+          <a:chOff x="0" y="0"/>
+          <a:chExt cx="0" cy="0"/>
+        </a:xfrm>
+      </p:grpSpPr>
+      <p:pic>
+        <p:nvPicPr>
+          <p:cNvPr id="99" name="Image 98"/>
+          <p:cNvPicPr/>
+          <p:nvPr/>
+        </p:nvPicPr>
+        <p:blipFill>
+          <a:blip r:embed="rId2"/>
+          <a:srcRect r="25225"/>
+          <a:stretch/>
+        </p:blipFill>
+        <p:spPr>
+          <a:xfrm>
+            <a:off x="4500000" y="0"/>
+            <a:ext cx="7691040" cy="6855480"/>
+          </a:xfrm>
+          <a:prstGeom prst="rect">
+            <a:avLst/>
+          </a:prstGeom>
+          <a:ln w="0">
+            <a:noFill/>
+          </a:ln>
+        </p:spPr>
+      </p:pic>
+      <p:sp>
+        <p:nvSpPr>
+          <p:cNvPr id="100" name="Content Placeholder 2_1"/>
+          <p:cNvSpPr/>
+          <p:nvPr/>
+        </p:nvSpPr>
+        <p:spPr>
+          <a:xfrm>
+            <a:off x="0" y="3240"/>
+            <a:ext cx="9177840" cy="6854040"/>
+          </a:xfrm>
+          <a:prstGeom prst="rect">
+            <a:avLst/>
+          </a:prstGeom>
+          <a:gradFill rotWithShape="0">
+            <a:gsLst>
+              <a:gs pos="45000">
+                <a:srgbClr val="000000"/>
+              </a:gs>
+              <a:gs pos="100000">
+                <a:srgbClr val="000000">
+                  <a:alpha val="0"/>
+                </a:srgbClr>
+              </a:gs>
+            </a:gsLst>
+            <a:lin ang="600000"/>
+          </a:gradFill>
+          <a:ln w="0">
+            <a:noFill/>
+          </a:ln>
+        </p:spPr>
+        <p:style>
+          <a:lnRef idx="0">
+            <a:scrgbClr r="0" g="0" b="0"/>
+          </a:lnRef>
+          <a:fillRef idx="0">
+            <a:scrgbClr r="0" g="0" b="0"/>
+          </a:fillRef>
+          <a:effectRef idx="0">
+            <a:scrgbClr r="0" g="0" b="0"/>
+          </a:effectRef>
+          <a:fontRef idx="minor"/>
+        </p:style>
+      </p:sp>
+      <p:sp>
+        <p:nvSpPr>
+          <p:cNvPr id="101" name="Content Placeholder 3_2"/>
+          <p:cNvSpPr/>
+          <p:nvPr/>
+        </p:nvSpPr>
+        <p:spPr>
+          <a:xfrm>
+            <a:off x="609480" y="685800"/>
+            <a:ext cx="748440" cy="121320"/>
+          </a:xfrm>
+          <a:prstGeom prst="rect">
+            <a:avLst/>
+          </a:prstGeom>
+          <a:solidFill>
+            <a:srgbClr val="FFFFFF"/>
+          </a:solidFill>
+          <a:ln w="0">
+            <a:noFill/>
+          </a:ln>
+        </p:spPr>
+        <p:style>
+          <a:lnRef idx="0">
+            <a:scrgbClr r="0" g="0" b="0"/>
+          </a:lnRef>
+          <a:fillRef idx="0">
+            <a:scrgbClr r="0" g="0" b="0"/>
+          </a:fillRef>
+          <a:effectRef idx="0">
+            <a:scrgbClr r="0" g="0" b="0"/>
+          </a:effectRef>
+          <a:fontRef idx="minor"/>
+        </p:style>
+      </p:sp>
+      <p:sp>
+        <p:nvSpPr>
+          <p:cNvPr id="102" name="Title 4_2"/>
+          <p:cNvSpPr/>
+          <p:nvPr/>
+        </p:nvSpPr>
+        <p:spPr>
+          <a:xfrm>
+            <a:off x="596880" y="1789200"/>
+            <a:ext cx="6780960" cy="4190400"/>
+          </a:xfrm>
+          <a:prstGeom prst="rect">
+            <a:avLst/>
+          </a:prstGeom>
+          <a:noFill/>
+          <a:ln w="0">
+            <a:noFill/>
+          </a:ln>
+        </p:spPr>
+        <p:style>
+          <a:lnRef idx="0">
+            <a:scrgbClr r="0" g="0" b="0"/>
+          </a:lnRef>
+          <a:fillRef idx="0">
+            <a:scrgbClr r="0" g="0" b="0"/>
+          </a:fillRef>
+          <a:effectRef idx="0">
+            <a:scrgbClr r="0" g="0" b="0"/>
+          </a:effectRef>
+          <a:fontRef idx="minor"/>
+        </p:style>
+        <p:txBody>
+          <a:bodyPr lIns="0" tIns="0" rIns="0" bIns="0">
+            <a:noAutofit/>
+          </a:bodyPr>
+          <a:lstStyle/>
+          <a:p>
+            <a:pPr>
+              <a:lnSpc>
+                <a:spcPct val="85000"/>
+              </a:lnSpc>
+            </a:pPr>
+            <a:endParaRPr lang="fr-FR" sz="1800" b="0" strike="noStrike" spc="-1">
+              <a:latin typeface="Arial"/>
+            </a:endParaRPr>
+          </a:p>
+          <a:p>
+            <a:pPr>
+              <a:lnSpc>
+                <a:spcPct val="85000"/>
+              </a:lnSpc>
+            </a:pPr>
+            <a:endParaRPr lang="fr-FR" sz="1800" b="0" strike="noStrike" spc="-1">
+              <a:latin typeface="Arial"/>
+            </a:endParaRPr>
+          </a:p>
+        </p:txBody>
+      </p:sp>
+      <p:sp>
+        <p:nvSpPr>
+          <p:cNvPr id="103" name="Text Placeholder 5_2"/>
+          <p:cNvSpPr/>
+          <p:nvPr/>
+        </p:nvSpPr>
+        <p:spPr>
+          <a:xfrm>
+            <a:off x="593640" y="1016640"/>
+            <a:ext cx="6426000" cy="443520"/>
+          </a:xfrm>
+          <a:prstGeom prst="rect">
+            <a:avLst/>
+          </a:prstGeom>
+          <a:noFill/>
+          <a:ln w="0">
+            <a:noFill/>
+          </a:ln>
+        </p:spPr>
+        <p:style>
+          <a:lnRef idx="0">
+            <a:scrgbClr r="0" g="0" b="0"/>
+          </a:lnRef>
+          <a:fillRef idx="0">
+            <a:scrgbClr r="0" g="0" b="0"/>
+          </a:fillRef>
+          <a:effectRef idx="0">
+            <a:scrgbClr r="0" g="0" b="0"/>
+          </a:effectRef>
+          <a:fontRef idx="minor"/>
+        </p:style>
+        <p:txBody>
+          <a:bodyPr lIns="0" tIns="0" rIns="0" bIns="0">
+            <a:noAutofit/>
+          </a:bodyPr>
+          <a:lstStyle/>
+          <a:p>
+            <a:pPr>
+              <a:lnSpc>
+                <a:spcPct val="100000"/>
+              </a:lnSpc>
+              <a:spcBef>
+                <a:spcPts val="1001"/>
+              </a:spcBef>
+              <a:spcAft>
+                <a:spcPts val="1001"/>
+              </a:spcAft>
+              <a:tabLst>
+                <a:tab pos="0" algn="l"/>
+              </a:tabLst>
+            </a:pPr>
+            <a:r>
+              <a:rPr lang="en-US" sz="4000" b="0" strike="noStrike" spc="-1" dirty="0">
+                <a:solidFill>
+                  <a:srgbClr val="FFFFFF"/>
+                </a:solidFill>
+                <a:latin typeface="Helvetica Neue Light"/>
+                <a:ea typeface="Helvetica Neue Light"/>
+              </a:rPr>
+              <a:t>Task 3 bis</a:t>
+            </a:r>
+            <a:endParaRPr lang="fr-FR" sz="4000" b="0" strike="noStrike" spc="-1" dirty="0">
+              <a:latin typeface="Arial"/>
+            </a:endParaRPr>
+          </a:p>
+        </p:txBody>
+      </p:sp>
+      <p:sp>
+        <p:nvSpPr>
+          <p:cNvPr id="104" name="Rectangle 103"/>
+          <p:cNvSpPr/>
+          <p:nvPr/>
+        </p:nvSpPr>
+        <p:spPr>
+          <a:xfrm>
+            <a:off x="900000" y="2790000"/>
+            <a:ext cx="6391800" cy="1625400"/>
+          </a:xfrm>
+          <a:prstGeom prst="rect">
+            <a:avLst/>
+          </a:prstGeom>
+          <a:noFill/>
+          <a:ln w="0">
+            <a:noFill/>
+          </a:ln>
+        </p:spPr>
+        <p:style>
+          <a:lnRef idx="0">
+            <a:scrgbClr r="0" g="0" b="0"/>
+          </a:lnRef>
+          <a:fillRef idx="0">
+            <a:scrgbClr r="0" g="0" b="0"/>
+          </a:fillRef>
+          <a:effectRef idx="0">
+            <a:scrgbClr r="0" g="0" b="0"/>
+          </a:effectRef>
+          <a:fontRef idx="minor"/>
+        </p:style>
+        <p:txBody>
+          <a:bodyPr lIns="90000" tIns="45000" rIns="90000" bIns="45000">
+            <a:noAutofit/>
+          </a:bodyPr>
+          <a:lstStyle/>
+          <a:p>
+            <a:pPr>
+              <a:lnSpc>
+                <a:spcPct val="100000"/>
+              </a:lnSpc>
+            </a:pPr>
+            <a:endParaRPr lang="fr-FR" sz="1800" b="0" strike="noStrike" spc="-1">
+              <a:latin typeface="Arial"/>
+            </a:endParaRPr>
+          </a:p>
+          <a:p>
+            <a:pPr marL="216000" indent="-215280">
+              <a:lnSpc>
+                <a:spcPct val="100000"/>
+              </a:lnSpc>
+              <a:buClr>
+                <a:srgbClr val="000000"/>
+              </a:buClr>
+              <a:buSzPct val="45000"/>
+              <a:buFont typeface="Wingdings" charset="2"/>
+              <a:buChar char=""/>
+            </a:pPr>
+            <a:r>
+              <a:rPr lang="fr-FR" sz="1800" b="0" strike="noStrike" spc="-1">
+                <a:solidFill>
+                  <a:srgbClr val="FFFFFF"/>
+                </a:solidFill>
+                <a:latin typeface="Arial"/>
+                <a:ea typeface="DejaVu Sans"/>
+              </a:rPr>
+              <a:t> </a:t>
+            </a:r>
+            <a:endParaRPr lang="fr-FR" sz="1800" b="0" strike="noStrike" spc="-1">
+              <a:latin typeface="Arial"/>
+            </a:endParaRPr>
+          </a:p>
+        </p:txBody>
+      </p:sp>
+      <p:sp>
+        <p:nvSpPr>
+          <p:cNvPr id="105" name="Rectangle 104"/>
+          <p:cNvSpPr/>
+          <p:nvPr/>
+        </p:nvSpPr>
+        <p:spPr>
+          <a:xfrm>
+            <a:off x="609480" y="2232900"/>
+            <a:ext cx="8832240" cy="1369800"/>
+          </a:xfrm>
+          <a:prstGeom prst="rect">
+            <a:avLst/>
+          </a:prstGeom>
+          <a:noFill/>
+          <a:ln w="0">
+            <a:noFill/>
+          </a:ln>
+        </p:spPr>
+        <p:style>
+          <a:lnRef idx="0">
+            <a:scrgbClr r="0" g="0" b="0"/>
+          </a:lnRef>
+          <a:fillRef idx="0">
+            <a:scrgbClr r="0" g="0" b="0"/>
+          </a:fillRef>
+          <a:effectRef idx="0">
+            <a:scrgbClr r="0" g="0" b="0"/>
+          </a:effectRef>
+          <a:fontRef idx="minor"/>
+        </p:style>
+        <p:txBody>
+          <a:bodyPr lIns="90000" tIns="45000" rIns="90000" bIns="45000">
+            <a:noAutofit/>
+          </a:bodyPr>
+          <a:lstStyle/>
+          <a:p>
+            <a:pPr>
+              <a:lnSpc>
+                <a:spcPct val="100000"/>
+              </a:lnSpc>
+            </a:pPr>
+            <a:r>
+              <a:rPr lang="fr-FR" sz="1800" b="0" strike="noStrike" spc="-1" dirty="0">
+                <a:solidFill>
+                  <a:srgbClr val="FFFFFF"/>
+                </a:solidFill>
+                <a:latin typeface="Arial"/>
+              </a:rPr>
+              <a:t>Mix </a:t>
+            </a:r>
+            <a:r>
+              <a:rPr lang="fr-FR" sz="1800" b="0" strike="noStrike" spc="-1" dirty="0" err="1">
+                <a:solidFill>
+                  <a:srgbClr val="FFFFFF"/>
+                </a:solidFill>
+                <a:latin typeface="Arial"/>
+              </a:rPr>
+              <a:t>Imperative</a:t>
+            </a:r>
+            <a:r>
+              <a:rPr lang="fr-FR" sz="1800" b="0" strike="noStrike" spc="-1" dirty="0">
+                <a:solidFill>
+                  <a:srgbClr val="FFFFFF"/>
+                </a:solidFill>
+                <a:latin typeface="Arial"/>
+              </a:rPr>
+              <a:t> and </a:t>
+            </a:r>
+            <a:r>
+              <a:rPr lang="fr-FR" sz="1800" b="0" strike="noStrike" spc="-1" dirty="0" err="1">
+                <a:solidFill>
+                  <a:srgbClr val="FFFFFF"/>
+                </a:solidFill>
+                <a:latin typeface="Arial"/>
+              </a:rPr>
+              <a:t>Functional</a:t>
+            </a:r>
+            <a:r>
+              <a:rPr lang="fr-FR" sz="1800" b="0" strike="noStrike" spc="-1" dirty="0">
+                <a:solidFill>
+                  <a:srgbClr val="FFFFFF"/>
+                </a:solidFill>
+                <a:latin typeface="Arial"/>
+              </a:rPr>
+              <a:t> </a:t>
+            </a:r>
+            <a:r>
+              <a:rPr lang="fr-FR" sz="1800" b="0" strike="noStrike" spc="-1" dirty="0" err="1">
+                <a:solidFill>
+                  <a:srgbClr val="FFFFFF"/>
+                </a:solidFill>
+                <a:latin typeface="Arial"/>
+              </a:rPr>
+              <a:t>paradigm</a:t>
+            </a:r>
+            <a:r>
+              <a:rPr lang="fr-FR" sz="1800" b="0" strike="noStrike" spc="-1" dirty="0">
+                <a:solidFill>
+                  <a:srgbClr val="FFFFFF"/>
+                </a:solidFill>
+                <a:latin typeface="Arial"/>
+              </a:rPr>
+              <a:t> :</a:t>
+            </a:r>
+          </a:p>
+          <a:p>
+            <a:pPr marL="342900" indent="-342900">
+              <a:lnSpc>
+                <a:spcPct val="100000"/>
+              </a:lnSpc>
+              <a:buFont typeface="+mj-lt"/>
+              <a:buAutoNum type="arabicPeriod"/>
+            </a:pPr>
+            <a:endParaRPr lang="fr-FR" sz="1800" b="0" strike="noStrike" spc="-1" dirty="0">
+              <a:solidFill>
+                <a:srgbClr val="FFFFFF"/>
+              </a:solidFill>
+              <a:latin typeface="Arial"/>
+            </a:endParaRPr>
+          </a:p>
+          <a:p>
+            <a:pPr>
+              <a:lnSpc>
+                <a:spcPct val="100000"/>
+              </a:lnSpc>
+            </a:pPr>
+            <a:r>
+              <a:rPr lang="fr-FR" sz="1800" b="0" strike="noStrike" spc="-1" dirty="0" err="1">
+                <a:solidFill>
+                  <a:srgbClr val="FFFFFF"/>
+                </a:solidFill>
+                <a:latin typeface="Arial"/>
+              </a:rPr>
+              <a:t>Again</a:t>
+            </a:r>
+            <a:r>
+              <a:rPr lang="fr-FR" sz="1800" b="0" strike="noStrike" spc="-1" dirty="0">
+                <a:solidFill>
+                  <a:srgbClr val="FFFFFF"/>
+                </a:solidFill>
+                <a:latin typeface="Arial"/>
+              </a:rPr>
+              <a:t> : </a:t>
+            </a:r>
+            <a:r>
+              <a:rPr lang="fr-FR" sz="1800" b="0" strike="noStrike" spc="-1" dirty="0" err="1">
+                <a:solidFill>
+                  <a:srgbClr val="FFFFFF"/>
+                </a:solidFill>
+                <a:latin typeface="Arial"/>
+              </a:rPr>
+              <a:t>Sum</a:t>
+            </a:r>
+            <a:r>
+              <a:rPr lang="fr-FR" sz="1800" b="0" strike="noStrike" spc="-1" dirty="0">
+                <a:solidFill>
+                  <a:srgbClr val="FFFFFF"/>
+                </a:solidFill>
+                <a:latin typeface="Arial"/>
+              </a:rPr>
+              <a:t> the points for </a:t>
+            </a:r>
+            <a:r>
+              <a:rPr lang="fr-FR" sz="1800" b="0" strike="noStrike" spc="-1" dirty="0" err="1">
+                <a:solidFill>
+                  <a:srgbClr val="FFFFFF"/>
+                </a:solidFill>
+                <a:latin typeface="Arial"/>
+              </a:rPr>
+              <a:t>each</a:t>
+            </a:r>
+            <a:r>
+              <a:rPr lang="fr-FR" sz="1800" b="0" strike="noStrike" spc="-1" dirty="0">
+                <a:solidFill>
+                  <a:srgbClr val="FFFFFF"/>
+                </a:solidFill>
+                <a:latin typeface="Arial"/>
+              </a:rPr>
+              <a:t> driver and </a:t>
+            </a:r>
+            <a:r>
+              <a:rPr lang="fr-FR" sz="1800" b="0" strike="noStrike" spc="-1" dirty="0" err="1">
+                <a:solidFill>
+                  <a:srgbClr val="FFFFFF"/>
+                </a:solidFill>
+                <a:latin typeface="Arial"/>
+              </a:rPr>
+              <a:t>dertermine</a:t>
+            </a:r>
+            <a:r>
+              <a:rPr lang="fr-FR" sz="1800" b="0" strike="noStrike" spc="-1" dirty="0">
+                <a:solidFill>
+                  <a:srgbClr val="FFFFFF"/>
+                </a:solidFill>
+                <a:latin typeface="Arial"/>
+              </a:rPr>
+              <a:t> the podium of the Cup !</a:t>
+            </a:r>
+          </a:p>
+          <a:p>
+            <a:pPr>
+              <a:lnSpc>
+                <a:spcPct val="100000"/>
+              </a:lnSpc>
+            </a:pPr>
+            <a:endParaRPr lang="fr-FR" sz="1800" b="0" strike="noStrike" spc="-1" dirty="0">
+              <a:solidFill>
+                <a:srgbClr val="FFFFFF"/>
+              </a:solidFill>
+              <a:latin typeface="Arial"/>
+            </a:endParaRPr>
+          </a:p>
+          <a:p>
+            <a:pPr>
+              <a:lnSpc>
+                <a:spcPct val="100000"/>
+              </a:lnSpc>
+            </a:pPr>
+            <a:r>
+              <a:rPr lang="fr-FR" i="1" u="sng" spc="-1" dirty="0">
+                <a:solidFill>
+                  <a:srgbClr val="FFFFFF"/>
+                </a:solidFill>
+                <a:latin typeface="Arial"/>
+              </a:rPr>
+              <a:t>=&gt; </a:t>
+            </a:r>
+            <a:r>
+              <a:rPr lang="fr-FR" i="1" u="sng" spc="-1" dirty="0" err="1">
+                <a:solidFill>
+                  <a:srgbClr val="FFFFFF"/>
+                </a:solidFill>
+                <a:latin typeface="Arial"/>
+              </a:rPr>
+              <a:t>Make</a:t>
+            </a:r>
+            <a:r>
+              <a:rPr lang="fr-FR" i="1" u="sng" spc="-1" dirty="0">
+                <a:solidFill>
+                  <a:srgbClr val="FFFFFF"/>
+                </a:solidFill>
+                <a:latin typeface="Arial"/>
+              </a:rPr>
+              <a:t> </a:t>
+            </a:r>
+            <a:r>
+              <a:rPr lang="fr-FR" i="1" u="sng" spc="-1" dirty="0" err="1">
+                <a:solidFill>
+                  <a:srgbClr val="FFFFFF"/>
+                </a:solidFill>
+                <a:latin typeface="Arial"/>
+              </a:rPr>
+              <a:t>it</a:t>
+            </a:r>
+            <a:r>
+              <a:rPr lang="fr-FR" i="1" u="sng" spc="-1" dirty="0">
+                <a:solidFill>
+                  <a:srgbClr val="FFFFFF"/>
+                </a:solidFill>
+                <a:latin typeface="Arial"/>
+              </a:rPr>
+              <a:t> </a:t>
+            </a:r>
+            <a:r>
+              <a:rPr lang="fr-FR" i="1" u="sng" spc="-1" dirty="0" err="1">
+                <a:solidFill>
+                  <a:srgbClr val="FFFFFF"/>
+                </a:solidFill>
+                <a:latin typeface="Arial"/>
+              </a:rPr>
+              <a:t>clear</a:t>
+            </a:r>
+            <a:r>
+              <a:rPr lang="fr-FR" i="1" u="sng" spc="-1" dirty="0">
+                <a:solidFill>
+                  <a:srgbClr val="FFFFFF"/>
+                </a:solidFill>
+                <a:latin typeface="Arial"/>
+              </a:rPr>
+              <a:t> and </a:t>
+            </a:r>
+            <a:r>
+              <a:rPr lang="fr-FR" i="1" u="sng" spc="-1" dirty="0" err="1">
+                <a:solidFill>
+                  <a:srgbClr val="FFFFFF"/>
+                </a:solidFill>
+                <a:latin typeface="Arial"/>
+              </a:rPr>
+              <a:t>readable</a:t>
+            </a:r>
+            <a:endParaRPr lang="fr-FR" sz="1800" b="0" i="1" u="sng" strike="noStrike" spc="-1" dirty="0">
+              <a:latin typeface="Arial"/>
+            </a:endParaRPr>
+          </a:p>
+        </p:txBody>
+      </p:sp>
+    </p:spTree>
+    <p:extLst>
+      <p:ext uri="{BB962C8B-B14F-4D97-AF65-F5344CB8AC3E}">
+        <p14:creationId xmlns:p14="http://schemas.microsoft.com/office/powerpoint/2010/main" val="554094283"/>
+      </p:ext>
+    </p:extLst>
   </p:cSld>
   <p:clrMapOvr>
     <a:masterClrMapping/>
